--- a/docs/deployment_guide/images/architecture_diagram.pptx
+++ b/docs/deployment_guide/images/architecture_diagram.pptx
@@ -223,7 +223,7 @@
           <a:p>
             <a:fld id="{49A7721D-1176-A640-AC48-B82F78C92D56}" type="datetimeFigureOut">
               <a:rPr lang="en-US" smtClean="0"/>
-              <a:t>2022-03-31</a:t>
+              <a:t>4/7/22</a:t>
             </a:fld>
             <a:endParaRPr lang="en-US" dirty="0"/>
           </a:p>
@@ -400,7 +400,7 @@
           <a:p>
             <a:fld id="{C884A089-FB25-6D46-9D21-F0F04A18BCA8}" type="datetimeFigureOut">
               <a:rPr lang="en-US" smtClean="0"/>
-              <a:t>2022-03-31</a:t>
+              <a:t>4/7/22</a:t>
             </a:fld>
             <a:endParaRPr lang="en-US" dirty="0"/>
           </a:p>
@@ -1623,8 +1623,8 @@
         </p:nvSpPr>
         <p:spPr>
           <a:xfrm>
-            <a:off x="5776585" y="762368"/>
-            <a:ext cx="6824890" cy="5613395"/>
+            <a:off x="5795609" y="103909"/>
+            <a:ext cx="6377585" cy="6736352"/>
           </a:xfrm>
           <a:prstGeom prst="rect">
             <a:avLst/>
@@ -1703,7 +1703,7 @@
         </p:blipFill>
         <p:spPr>
           <a:xfrm>
-            <a:off x="5776586" y="765092"/>
+            <a:off x="5795609" y="93518"/>
             <a:ext cx="300391" cy="330200"/>
           </a:xfrm>
           <a:prstGeom prst="rect">
@@ -2283,7 +2283,7 @@
         </p:nvSpPr>
         <p:spPr>
           <a:xfrm>
-            <a:off x="9427863" y="2542295"/>
+            <a:off x="9356326" y="2479581"/>
             <a:ext cx="323190" cy="313509"/>
           </a:xfrm>
           <a:prstGeom prst="ellipse">
@@ -2625,7 +2625,7 @@
         </p:nvSpPr>
         <p:spPr bwMode="auto">
           <a:xfrm>
-            <a:off x="9607572" y="2466621"/>
+            <a:off x="8765348" y="2870106"/>
             <a:ext cx="1512049" cy="261610"/>
           </a:xfrm>
           <a:prstGeom prst="rect">
@@ -2797,7 +2797,7 @@
         </p:blipFill>
         <p:spPr bwMode="auto">
           <a:xfrm>
-            <a:off x="10093817" y="2758653"/>
+            <a:off x="9251593" y="3162138"/>
             <a:ext cx="457200" cy="457200"/>
           </a:xfrm>
           <a:prstGeom prst="rect">
@@ -3646,6 +3646,1204 @@
           </a:fontRef>
         </p:style>
       </p:cxnSp>
+      <p:pic>
+        <p:nvPicPr>
+          <p:cNvPr id="35" name="Graphic 17">
+            <a:extLst>
+              <a:ext uri="{FF2B5EF4-FFF2-40B4-BE49-F238E27FC236}">
+                <a16:creationId xmlns:a16="http://schemas.microsoft.com/office/drawing/2014/main" id="{B60D8445-5256-5E47-94F1-DE8D895CE080}"/>
+              </a:ext>
+            </a:extLst>
+          </p:cNvPr>
+          <p:cNvPicPr>
+            <a:picLocks noChangeAspect="1" noChangeArrowheads="1"/>
+          </p:cNvPicPr>
+          <p:nvPr/>
+        </p:nvPicPr>
+        <p:blipFill>
+          <a:blip r:embed="rId15">
+            <a:extLst>
+              <a:ext uri="{28A0092B-C50C-407E-A947-70E740481C1C}">
+                <a14:useLocalDpi xmlns:a14="http://schemas.microsoft.com/office/drawing/2010/main" val="0"/>
+              </a:ext>
+            </a:extLst>
+          </a:blip>
+          <a:srcRect/>
+          <a:stretch>
+            <a:fillRect/>
+          </a:stretch>
+        </p:blipFill>
+        <p:spPr bwMode="auto">
+          <a:xfrm>
+            <a:off x="10805692" y="2206383"/>
+            <a:ext cx="762000" cy="762000"/>
+          </a:xfrm>
+          <a:prstGeom prst="rect">
+            <a:avLst/>
+          </a:prstGeom>
+          <a:noFill/>
+          <a:ln>
+            <a:noFill/>
+          </a:ln>
+          <a:extLst>
+            <a:ext uri="{909E8E84-426E-40DD-AFC4-6F175D3DCCD1}">
+              <a14:hiddenFill xmlns:a14="http://schemas.microsoft.com/office/drawing/2010/main">
+                <a:solidFill>
+                  <a:srgbClr val="FFFFFF"/>
+                </a:solidFill>
+              </a14:hiddenFill>
+            </a:ext>
+            <a:ext uri="{91240B29-F687-4F45-9708-019B960494DF}">
+              <a14:hiddenLine xmlns:a14="http://schemas.microsoft.com/office/drawing/2010/main" w="9525">
+                <a:solidFill>
+                  <a:srgbClr val="000000"/>
+                </a:solidFill>
+                <a:miter lim="800000"/>
+                <a:headEnd/>
+                <a:tailEnd/>
+              </a14:hiddenLine>
+            </a:ext>
+          </a:extLst>
+        </p:spPr>
+      </p:pic>
+      <p:sp>
+        <p:nvSpPr>
+          <p:cNvPr id="36" name="TextBox 9">
+            <a:extLst>
+              <a:ext uri="{FF2B5EF4-FFF2-40B4-BE49-F238E27FC236}">
+                <a16:creationId xmlns:a16="http://schemas.microsoft.com/office/drawing/2014/main" id="{765BABE5-83F0-D441-AE92-FAFD3F7DAE0A}"/>
+              </a:ext>
+            </a:extLst>
+          </p:cNvPr>
+          <p:cNvSpPr txBox="1">
+            <a:spLocks noChangeArrowheads="1"/>
+          </p:cNvSpPr>
+          <p:nvPr/>
+        </p:nvSpPr>
+        <p:spPr bwMode="auto">
+          <a:xfrm>
+            <a:off x="10065917" y="2968383"/>
+            <a:ext cx="2243137" cy="276999"/>
+          </a:xfrm>
+          <a:prstGeom prst="rect">
+            <a:avLst/>
+          </a:prstGeom>
+          <a:noFill/>
+          <a:ln>
+            <a:noFill/>
+          </a:ln>
+          <a:extLst>
+            <a:ext uri="{909E8E84-426E-40DD-AFC4-6F175D3DCCD1}">
+              <a14:hiddenFill xmlns:a14="http://schemas.microsoft.com/office/drawing/2010/main">
+                <a:solidFill>
+                  <a:srgbClr val="FFFFFF"/>
+                </a:solidFill>
+              </a14:hiddenFill>
+            </a:ext>
+            <a:ext uri="{91240B29-F687-4F45-9708-019B960494DF}">
+              <a14:hiddenLine xmlns:a14="http://schemas.microsoft.com/office/drawing/2010/main" w="9525">
+                <a:solidFill>
+                  <a:srgbClr val="000000"/>
+                </a:solidFill>
+                <a:miter lim="800000"/>
+                <a:headEnd/>
+                <a:tailEnd/>
+              </a14:hiddenLine>
+            </a:ext>
+          </a:extLst>
+        </p:spPr>
+        <p:txBody>
+          <a:bodyPr>
+            <a:spAutoFit/>
+          </a:bodyPr>
+          <a:lstStyle>
+            <a:lvl1pPr>
+              <a:defRPr>
+                <a:solidFill>
+                  <a:schemeClr val="tx1"/>
+                </a:solidFill>
+                <a:latin typeface="Calibri" panose="020F0502020204030204" pitchFamily="34" charset="0"/>
+              </a:defRPr>
+            </a:lvl1pPr>
+            <a:lvl2pPr marL="742950" indent="-285750">
+              <a:defRPr>
+                <a:solidFill>
+                  <a:schemeClr val="tx1"/>
+                </a:solidFill>
+                <a:latin typeface="Calibri" panose="020F0502020204030204" pitchFamily="34" charset="0"/>
+              </a:defRPr>
+            </a:lvl2pPr>
+            <a:lvl3pPr marL="1143000" indent="-228600">
+              <a:defRPr>
+                <a:solidFill>
+                  <a:schemeClr val="tx1"/>
+                </a:solidFill>
+                <a:latin typeface="Calibri" panose="020F0502020204030204" pitchFamily="34" charset="0"/>
+              </a:defRPr>
+            </a:lvl3pPr>
+            <a:lvl4pPr marL="1600200" indent="-228600">
+              <a:defRPr>
+                <a:solidFill>
+                  <a:schemeClr val="tx1"/>
+                </a:solidFill>
+                <a:latin typeface="Calibri" panose="020F0502020204030204" pitchFamily="34" charset="0"/>
+              </a:defRPr>
+            </a:lvl4pPr>
+            <a:lvl5pPr marL="2057400" indent="-228600">
+              <a:defRPr>
+                <a:solidFill>
+                  <a:schemeClr val="tx1"/>
+                </a:solidFill>
+                <a:latin typeface="Calibri" panose="020F0502020204030204" pitchFamily="34" charset="0"/>
+              </a:defRPr>
+            </a:lvl5pPr>
+            <a:lvl6pPr marL="2514600" indent="-228600" eaLnBrk="0" fontAlgn="base" hangingPunct="0">
+              <a:spcBef>
+                <a:spcPct val="0"/>
+              </a:spcBef>
+              <a:spcAft>
+                <a:spcPct val="0"/>
+              </a:spcAft>
+              <a:defRPr>
+                <a:solidFill>
+                  <a:schemeClr val="tx1"/>
+                </a:solidFill>
+                <a:latin typeface="Calibri" panose="020F0502020204030204" pitchFamily="34" charset="0"/>
+              </a:defRPr>
+            </a:lvl6pPr>
+            <a:lvl7pPr marL="2971800" indent="-228600" eaLnBrk="0" fontAlgn="base" hangingPunct="0">
+              <a:spcBef>
+                <a:spcPct val="0"/>
+              </a:spcBef>
+              <a:spcAft>
+                <a:spcPct val="0"/>
+              </a:spcAft>
+              <a:defRPr>
+                <a:solidFill>
+                  <a:schemeClr val="tx1"/>
+                </a:solidFill>
+                <a:latin typeface="Calibri" panose="020F0502020204030204" pitchFamily="34" charset="0"/>
+              </a:defRPr>
+            </a:lvl7pPr>
+            <a:lvl8pPr marL="3429000" indent="-228600" eaLnBrk="0" fontAlgn="base" hangingPunct="0">
+              <a:spcBef>
+                <a:spcPct val="0"/>
+              </a:spcBef>
+              <a:spcAft>
+                <a:spcPct val="0"/>
+              </a:spcAft>
+              <a:defRPr>
+                <a:solidFill>
+                  <a:schemeClr val="tx1"/>
+                </a:solidFill>
+                <a:latin typeface="Calibri" panose="020F0502020204030204" pitchFamily="34" charset="0"/>
+              </a:defRPr>
+            </a:lvl8pPr>
+            <a:lvl9pPr marL="3886200" indent="-228600" eaLnBrk="0" fontAlgn="base" hangingPunct="0">
+              <a:spcBef>
+                <a:spcPct val="0"/>
+              </a:spcBef>
+              <a:spcAft>
+                <a:spcPct val="0"/>
+              </a:spcAft>
+              <a:defRPr>
+                <a:solidFill>
+                  <a:schemeClr val="tx1"/>
+                </a:solidFill>
+                <a:latin typeface="Calibri" panose="020F0502020204030204" pitchFamily="34" charset="0"/>
+              </a:defRPr>
+            </a:lvl9pPr>
+          </a:lstStyle>
+          <a:p>
+            <a:pPr algn="ctr" eaLnBrk="1" hangingPunct="1"/>
+            <a:r>
+              <a:rPr lang="en-US" altLang="en-US" sz="1200" dirty="0">
+                <a:latin typeface="Arial" panose="020B0604020202020204" pitchFamily="34" charset="0"/>
+                <a:ea typeface="Amazon Ember" panose="020B0603020204020204" pitchFamily="34" charset="0"/>
+                <a:cs typeface="Arial" panose="020B0604020202020204" pitchFamily="34" charset="0"/>
+              </a:rPr>
+              <a:t>Amazon CloudWatch</a:t>
+            </a:r>
+          </a:p>
+        </p:txBody>
+      </p:sp>
+      <p:cxnSp>
+        <p:nvCxnSpPr>
+          <p:cNvPr id="3" name="Straight Connector 2">
+            <a:extLst>
+              <a:ext uri="{FF2B5EF4-FFF2-40B4-BE49-F238E27FC236}">
+                <a16:creationId xmlns:a16="http://schemas.microsoft.com/office/drawing/2014/main" id="{22B8B92C-3EA3-364D-BC46-C4EBE553885C}"/>
+              </a:ext>
+            </a:extLst>
+          </p:cNvPr>
+          <p:cNvCxnSpPr>
+            <a:stCxn id="105" idx="0"/>
+            <a:endCxn id="36" idx="2"/>
+          </p:cNvCxnSpPr>
+          <p:nvPr/>
+        </p:nvCxnSpPr>
+        <p:spPr>
+          <a:xfrm flipV="1">
+            <a:off x="11186692" y="3245382"/>
+            <a:ext cx="794" cy="1072851"/>
+          </a:xfrm>
+          <a:prstGeom prst="line">
+            <a:avLst/>
+          </a:prstGeom>
+          <a:ln w="12700">
+            <a:solidFill>
+              <a:schemeClr val="accent1"/>
+            </a:solidFill>
+            <a:headEnd type="none" w="med" len="sm"/>
+            <a:tailEnd type="none" w="med" len="sm"/>
+          </a:ln>
+        </p:spPr>
+        <p:style>
+          <a:lnRef idx="1">
+            <a:schemeClr val="accent1"/>
+          </a:lnRef>
+          <a:fillRef idx="0">
+            <a:schemeClr val="accent1"/>
+          </a:fillRef>
+          <a:effectRef idx="0">
+            <a:schemeClr val="accent1"/>
+          </a:effectRef>
+          <a:fontRef idx="minor">
+            <a:schemeClr val="tx1"/>
+          </a:fontRef>
+        </p:style>
+      </p:cxnSp>
+      <p:pic>
+        <p:nvPicPr>
+          <p:cNvPr id="53" name="Graphic 6">
+            <a:extLst>
+              <a:ext uri="{FF2B5EF4-FFF2-40B4-BE49-F238E27FC236}">
+                <a16:creationId xmlns:a16="http://schemas.microsoft.com/office/drawing/2014/main" id="{91FD1091-3BC4-7E46-A98D-22801037C7B0}"/>
+              </a:ext>
+            </a:extLst>
+          </p:cNvPr>
+          <p:cNvPicPr>
+            <a:picLocks noChangeAspect="1" noChangeArrowheads="1"/>
+          </p:cNvPicPr>
+          <p:nvPr/>
+        </p:nvPicPr>
+        <p:blipFill>
+          <a:blip r:embed="rId16">
+            <a:extLst>
+              <a:ext uri="{28A0092B-C50C-407E-A947-70E740481C1C}">
+                <a14:useLocalDpi xmlns:a14="http://schemas.microsoft.com/office/drawing/2010/main" val="0"/>
+              </a:ext>
+            </a:extLst>
+          </a:blip>
+          <a:srcRect/>
+          <a:stretch>
+            <a:fillRect/>
+          </a:stretch>
+        </p:blipFill>
+        <p:spPr bwMode="auto">
+          <a:xfrm>
+            <a:off x="11259218" y="3266467"/>
+            <a:ext cx="457200" cy="457200"/>
+          </a:xfrm>
+          <a:prstGeom prst="rect">
+            <a:avLst/>
+          </a:prstGeom>
+          <a:noFill/>
+          <a:ln>
+            <a:noFill/>
+          </a:ln>
+          <a:extLst>
+            <a:ext uri="{909E8E84-426E-40DD-AFC4-6F175D3DCCD1}">
+              <a14:hiddenFill xmlns:a14="http://schemas.microsoft.com/office/drawing/2010/main">
+                <a:solidFill>
+                  <a:srgbClr val="FFFFFF"/>
+                </a:solidFill>
+              </a14:hiddenFill>
+            </a:ext>
+            <a:ext uri="{91240B29-F687-4F45-9708-019B960494DF}">
+              <a14:hiddenLine xmlns:a14="http://schemas.microsoft.com/office/drawing/2010/main" w="9525">
+                <a:solidFill>
+                  <a:srgbClr val="000000"/>
+                </a:solidFill>
+                <a:miter lim="800000"/>
+                <a:headEnd/>
+                <a:tailEnd/>
+              </a14:hiddenLine>
+            </a:ext>
+          </a:extLst>
+        </p:spPr>
+      </p:pic>
+      <p:pic>
+        <p:nvPicPr>
+          <p:cNvPr id="54" name="Graphic 7">
+            <a:extLst>
+              <a:ext uri="{FF2B5EF4-FFF2-40B4-BE49-F238E27FC236}">
+                <a16:creationId xmlns:a16="http://schemas.microsoft.com/office/drawing/2014/main" id="{EB9E0FBA-7D8A-9240-97E9-C4F854EA5F7D}"/>
+              </a:ext>
+            </a:extLst>
+          </p:cNvPr>
+          <p:cNvPicPr>
+            <a:picLocks noChangeAspect="1" noChangeArrowheads="1"/>
+          </p:cNvPicPr>
+          <p:nvPr/>
+        </p:nvPicPr>
+        <p:blipFill>
+          <a:blip r:embed="rId17">
+            <a:extLst>
+              <a:ext uri="{28A0092B-C50C-407E-A947-70E740481C1C}">
+                <a14:useLocalDpi xmlns:a14="http://schemas.microsoft.com/office/drawing/2010/main" val="0"/>
+              </a:ext>
+            </a:extLst>
+          </a:blip>
+          <a:srcRect/>
+          <a:stretch>
+            <a:fillRect/>
+          </a:stretch>
+        </p:blipFill>
+        <p:spPr bwMode="auto">
+          <a:xfrm>
+            <a:off x="10805692" y="5615009"/>
+            <a:ext cx="762000" cy="762000"/>
+          </a:xfrm>
+          <a:prstGeom prst="rect">
+            <a:avLst/>
+          </a:prstGeom>
+          <a:noFill/>
+          <a:ln>
+            <a:noFill/>
+          </a:ln>
+          <a:extLst>
+            <a:ext uri="{909E8E84-426E-40DD-AFC4-6F175D3DCCD1}">
+              <a14:hiddenFill xmlns:a14="http://schemas.microsoft.com/office/drawing/2010/main">
+                <a:solidFill>
+                  <a:srgbClr val="FFFFFF"/>
+                </a:solidFill>
+              </a14:hiddenFill>
+            </a:ext>
+            <a:ext uri="{91240B29-F687-4F45-9708-019B960494DF}">
+              <a14:hiddenLine xmlns:a14="http://schemas.microsoft.com/office/drawing/2010/main" w="9525">
+                <a:solidFill>
+                  <a:srgbClr val="000000"/>
+                </a:solidFill>
+                <a:miter lim="800000"/>
+                <a:headEnd/>
+                <a:tailEnd/>
+              </a14:hiddenLine>
+            </a:ext>
+          </a:extLst>
+        </p:spPr>
+      </p:pic>
+      <p:sp>
+        <p:nvSpPr>
+          <p:cNvPr id="55" name="TextBox 9">
+            <a:extLst>
+              <a:ext uri="{FF2B5EF4-FFF2-40B4-BE49-F238E27FC236}">
+                <a16:creationId xmlns:a16="http://schemas.microsoft.com/office/drawing/2014/main" id="{8EDB01EF-7CE3-7342-80A7-F8A506896075}"/>
+              </a:ext>
+            </a:extLst>
+          </p:cNvPr>
+          <p:cNvSpPr txBox="1">
+            <a:spLocks noChangeArrowheads="1"/>
+          </p:cNvSpPr>
+          <p:nvPr/>
+        </p:nvSpPr>
+        <p:spPr bwMode="auto">
+          <a:xfrm>
+            <a:off x="10065917" y="6378596"/>
+            <a:ext cx="2243137" cy="461665"/>
+          </a:xfrm>
+          <a:prstGeom prst="rect">
+            <a:avLst/>
+          </a:prstGeom>
+          <a:noFill/>
+          <a:ln>
+            <a:noFill/>
+          </a:ln>
+          <a:extLst>
+            <a:ext uri="{909E8E84-426E-40DD-AFC4-6F175D3DCCD1}">
+              <a14:hiddenFill xmlns:a14="http://schemas.microsoft.com/office/drawing/2010/main">
+                <a:solidFill>
+                  <a:srgbClr val="FFFFFF"/>
+                </a:solidFill>
+              </a14:hiddenFill>
+            </a:ext>
+            <a:ext uri="{91240B29-F687-4F45-9708-019B960494DF}">
+              <a14:hiddenLine xmlns:a14="http://schemas.microsoft.com/office/drawing/2010/main" w="9525">
+                <a:solidFill>
+                  <a:srgbClr val="000000"/>
+                </a:solidFill>
+                <a:miter lim="800000"/>
+                <a:headEnd/>
+                <a:tailEnd/>
+              </a14:hiddenLine>
+            </a:ext>
+          </a:extLst>
+        </p:spPr>
+        <p:txBody>
+          <a:bodyPr>
+            <a:spAutoFit/>
+          </a:bodyPr>
+          <a:lstStyle>
+            <a:lvl1pPr>
+              <a:defRPr>
+                <a:solidFill>
+                  <a:schemeClr val="tx1"/>
+                </a:solidFill>
+                <a:latin typeface="Calibri" panose="020F0502020204030204" pitchFamily="34" charset="0"/>
+              </a:defRPr>
+            </a:lvl1pPr>
+            <a:lvl2pPr marL="742950" indent="-285750">
+              <a:defRPr>
+                <a:solidFill>
+                  <a:schemeClr val="tx1"/>
+                </a:solidFill>
+                <a:latin typeface="Calibri" panose="020F0502020204030204" pitchFamily="34" charset="0"/>
+              </a:defRPr>
+            </a:lvl2pPr>
+            <a:lvl3pPr marL="1143000" indent="-228600">
+              <a:defRPr>
+                <a:solidFill>
+                  <a:schemeClr val="tx1"/>
+                </a:solidFill>
+                <a:latin typeface="Calibri" panose="020F0502020204030204" pitchFamily="34" charset="0"/>
+              </a:defRPr>
+            </a:lvl3pPr>
+            <a:lvl4pPr marL="1600200" indent="-228600">
+              <a:defRPr>
+                <a:solidFill>
+                  <a:schemeClr val="tx1"/>
+                </a:solidFill>
+                <a:latin typeface="Calibri" panose="020F0502020204030204" pitchFamily="34" charset="0"/>
+              </a:defRPr>
+            </a:lvl4pPr>
+            <a:lvl5pPr marL="2057400" indent="-228600">
+              <a:defRPr>
+                <a:solidFill>
+                  <a:schemeClr val="tx1"/>
+                </a:solidFill>
+                <a:latin typeface="Calibri" panose="020F0502020204030204" pitchFamily="34" charset="0"/>
+              </a:defRPr>
+            </a:lvl5pPr>
+            <a:lvl6pPr marL="2514600" indent="-228600" eaLnBrk="0" fontAlgn="base" hangingPunct="0">
+              <a:spcBef>
+                <a:spcPct val="0"/>
+              </a:spcBef>
+              <a:spcAft>
+                <a:spcPct val="0"/>
+              </a:spcAft>
+              <a:defRPr>
+                <a:solidFill>
+                  <a:schemeClr val="tx1"/>
+                </a:solidFill>
+                <a:latin typeface="Calibri" panose="020F0502020204030204" pitchFamily="34" charset="0"/>
+              </a:defRPr>
+            </a:lvl6pPr>
+            <a:lvl7pPr marL="2971800" indent="-228600" eaLnBrk="0" fontAlgn="base" hangingPunct="0">
+              <a:spcBef>
+                <a:spcPct val="0"/>
+              </a:spcBef>
+              <a:spcAft>
+                <a:spcPct val="0"/>
+              </a:spcAft>
+              <a:defRPr>
+                <a:solidFill>
+                  <a:schemeClr val="tx1"/>
+                </a:solidFill>
+                <a:latin typeface="Calibri" panose="020F0502020204030204" pitchFamily="34" charset="0"/>
+              </a:defRPr>
+            </a:lvl7pPr>
+            <a:lvl8pPr marL="3429000" indent="-228600" eaLnBrk="0" fontAlgn="base" hangingPunct="0">
+              <a:spcBef>
+                <a:spcPct val="0"/>
+              </a:spcBef>
+              <a:spcAft>
+                <a:spcPct val="0"/>
+              </a:spcAft>
+              <a:defRPr>
+                <a:solidFill>
+                  <a:schemeClr val="tx1"/>
+                </a:solidFill>
+                <a:latin typeface="Calibri" panose="020F0502020204030204" pitchFamily="34" charset="0"/>
+              </a:defRPr>
+            </a:lvl8pPr>
+            <a:lvl9pPr marL="3886200" indent="-228600" eaLnBrk="0" fontAlgn="base" hangingPunct="0">
+              <a:spcBef>
+                <a:spcPct val="0"/>
+              </a:spcBef>
+              <a:spcAft>
+                <a:spcPct val="0"/>
+              </a:spcAft>
+              <a:defRPr>
+                <a:solidFill>
+                  <a:schemeClr val="tx1"/>
+                </a:solidFill>
+                <a:latin typeface="Calibri" panose="020F0502020204030204" pitchFamily="34" charset="0"/>
+              </a:defRPr>
+            </a:lvl9pPr>
+          </a:lstStyle>
+          <a:p>
+            <a:pPr algn="ctr" eaLnBrk="1" hangingPunct="1"/>
+            <a:r>
+              <a:rPr lang="en-US" altLang="en-US" sz="1200" dirty="0">
+                <a:latin typeface="Arial" panose="020B0604020202020204" pitchFamily="34" charset="0"/>
+                <a:ea typeface="Amazon Ember" panose="020B0603020204020204" pitchFamily="34" charset="0"/>
+                <a:cs typeface="Arial" panose="020B0604020202020204" pitchFamily="34" charset="0"/>
+              </a:rPr>
+              <a:t>AWS Key Management Service (AWS KMS)</a:t>
+            </a:r>
+          </a:p>
+        </p:txBody>
+      </p:sp>
+      <p:pic>
+        <p:nvPicPr>
+          <p:cNvPr id="56" name="Graphic 24">
+            <a:extLst>
+              <a:ext uri="{FF2B5EF4-FFF2-40B4-BE49-F238E27FC236}">
+                <a16:creationId xmlns:a16="http://schemas.microsoft.com/office/drawing/2014/main" id="{A7CCAF98-34A0-8F41-8F0B-7701CABDD2A1}"/>
+              </a:ext>
+            </a:extLst>
+          </p:cNvPr>
+          <p:cNvPicPr>
+            <a:picLocks noChangeAspect="1" noChangeArrowheads="1"/>
+          </p:cNvPicPr>
+          <p:nvPr/>
+        </p:nvPicPr>
+        <p:blipFill>
+          <a:blip r:embed="rId18">
+            <a:extLst>
+              <a:ext uri="{28A0092B-C50C-407E-A947-70E740481C1C}">
+                <a14:useLocalDpi xmlns:a14="http://schemas.microsoft.com/office/drawing/2010/main" val="0"/>
+              </a:ext>
+            </a:extLst>
+          </a:blip>
+          <a:srcRect/>
+          <a:stretch>
+            <a:fillRect/>
+          </a:stretch>
+        </p:blipFill>
+        <p:spPr bwMode="auto">
+          <a:xfrm>
+            <a:off x="10823229" y="160014"/>
+            <a:ext cx="762000" cy="762000"/>
+          </a:xfrm>
+          <a:prstGeom prst="rect">
+            <a:avLst/>
+          </a:prstGeom>
+          <a:noFill/>
+          <a:ln>
+            <a:noFill/>
+          </a:ln>
+          <a:extLst>
+            <a:ext uri="{909E8E84-426E-40DD-AFC4-6F175D3DCCD1}">
+              <a14:hiddenFill xmlns:a14="http://schemas.microsoft.com/office/drawing/2010/main">
+                <a:solidFill>
+                  <a:srgbClr val="FFFFFF"/>
+                </a:solidFill>
+              </a14:hiddenFill>
+            </a:ext>
+            <a:ext uri="{91240B29-F687-4F45-9708-019B960494DF}">
+              <a14:hiddenLine xmlns:a14="http://schemas.microsoft.com/office/drawing/2010/main" w="9525">
+                <a:solidFill>
+                  <a:srgbClr val="000000"/>
+                </a:solidFill>
+                <a:miter lim="800000"/>
+                <a:headEnd/>
+                <a:tailEnd/>
+              </a14:hiddenLine>
+            </a:ext>
+          </a:extLst>
+        </p:spPr>
+      </p:pic>
+      <p:sp>
+        <p:nvSpPr>
+          <p:cNvPr id="57" name="TextBox 9">
+            <a:extLst>
+              <a:ext uri="{FF2B5EF4-FFF2-40B4-BE49-F238E27FC236}">
+                <a16:creationId xmlns:a16="http://schemas.microsoft.com/office/drawing/2014/main" id="{9869CB1F-4DE7-EF43-8730-8559385D5B64}"/>
+              </a:ext>
+            </a:extLst>
+          </p:cNvPr>
+          <p:cNvSpPr txBox="1">
+            <a:spLocks noChangeArrowheads="1"/>
+          </p:cNvSpPr>
+          <p:nvPr/>
+        </p:nvSpPr>
+        <p:spPr bwMode="auto">
+          <a:xfrm>
+            <a:off x="10054879" y="923601"/>
+            <a:ext cx="2268537" cy="461665"/>
+          </a:xfrm>
+          <a:prstGeom prst="rect">
+            <a:avLst/>
+          </a:prstGeom>
+          <a:noFill/>
+          <a:ln>
+            <a:noFill/>
+          </a:ln>
+          <a:extLst>
+            <a:ext uri="{909E8E84-426E-40DD-AFC4-6F175D3DCCD1}">
+              <a14:hiddenFill xmlns:a14="http://schemas.microsoft.com/office/drawing/2010/main">
+                <a:solidFill>
+                  <a:srgbClr val="FFFFFF"/>
+                </a:solidFill>
+              </a14:hiddenFill>
+            </a:ext>
+            <a:ext uri="{91240B29-F687-4F45-9708-019B960494DF}">
+              <a14:hiddenLine xmlns:a14="http://schemas.microsoft.com/office/drawing/2010/main" w="9525">
+                <a:solidFill>
+                  <a:srgbClr val="000000"/>
+                </a:solidFill>
+                <a:miter lim="800000"/>
+                <a:headEnd/>
+                <a:tailEnd/>
+              </a14:hiddenLine>
+            </a:ext>
+          </a:extLst>
+        </p:spPr>
+        <p:txBody>
+          <a:bodyPr>
+            <a:spAutoFit/>
+          </a:bodyPr>
+          <a:lstStyle>
+            <a:lvl1pPr>
+              <a:defRPr>
+                <a:solidFill>
+                  <a:schemeClr val="tx1"/>
+                </a:solidFill>
+                <a:latin typeface="Calibri" panose="020F0502020204030204" pitchFamily="34" charset="0"/>
+              </a:defRPr>
+            </a:lvl1pPr>
+            <a:lvl2pPr marL="742950" indent="-285750">
+              <a:defRPr>
+                <a:solidFill>
+                  <a:schemeClr val="tx1"/>
+                </a:solidFill>
+                <a:latin typeface="Calibri" panose="020F0502020204030204" pitchFamily="34" charset="0"/>
+              </a:defRPr>
+            </a:lvl2pPr>
+            <a:lvl3pPr marL="1143000" indent="-228600">
+              <a:defRPr>
+                <a:solidFill>
+                  <a:schemeClr val="tx1"/>
+                </a:solidFill>
+                <a:latin typeface="Calibri" panose="020F0502020204030204" pitchFamily="34" charset="0"/>
+              </a:defRPr>
+            </a:lvl3pPr>
+            <a:lvl4pPr marL="1600200" indent="-228600">
+              <a:defRPr>
+                <a:solidFill>
+                  <a:schemeClr val="tx1"/>
+                </a:solidFill>
+                <a:latin typeface="Calibri" panose="020F0502020204030204" pitchFamily="34" charset="0"/>
+              </a:defRPr>
+            </a:lvl4pPr>
+            <a:lvl5pPr marL="2057400" indent="-228600">
+              <a:defRPr>
+                <a:solidFill>
+                  <a:schemeClr val="tx1"/>
+                </a:solidFill>
+                <a:latin typeface="Calibri" panose="020F0502020204030204" pitchFamily="34" charset="0"/>
+              </a:defRPr>
+            </a:lvl5pPr>
+            <a:lvl6pPr marL="2514600" indent="-228600" eaLnBrk="0" fontAlgn="base" hangingPunct="0">
+              <a:spcBef>
+                <a:spcPct val="0"/>
+              </a:spcBef>
+              <a:spcAft>
+                <a:spcPct val="0"/>
+              </a:spcAft>
+              <a:defRPr>
+                <a:solidFill>
+                  <a:schemeClr val="tx1"/>
+                </a:solidFill>
+                <a:latin typeface="Calibri" panose="020F0502020204030204" pitchFamily="34" charset="0"/>
+              </a:defRPr>
+            </a:lvl6pPr>
+            <a:lvl7pPr marL="2971800" indent="-228600" eaLnBrk="0" fontAlgn="base" hangingPunct="0">
+              <a:spcBef>
+                <a:spcPct val="0"/>
+              </a:spcBef>
+              <a:spcAft>
+                <a:spcPct val="0"/>
+              </a:spcAft>
+              <a:defRPr>
+                <a:solidFill>
+                  <a:schemeClr val="tx1"/>
+                </a:solidFill>
+                <a:latin typeface="Calibri" panose="020F0502020204030204" pitchFamily="34" charset="0"/>
+              </a:defRPr>
+            </a:lvl7pPr>
+            <a:lvl8pPr marL="3429000" indent="-228600" eaLnBrk="0" fontAlgn="base" hangingPunct="0">
+              <a:spcBef>
+                <a:spcPct val="0"/>
+              </a:spcBef>
+              <a:spcAft>
+                <a:spcPct val="0"/>
+              </a:spcAft>
+              <a:defRPr>
+                <a:solidFill>
+                  <a:schemeClr val="tx1"/>
+                </a:solidFill>
+                <a:latin typeface="Calibri" panose="020F0502020204030204" pitchFamily="34" charset="0"/>
+              </a:defRPr>
+            </a:lvl8pPr>
+            <a:lvl9pPr marL="3886200" indent="-228600" eaLnBrk="0" fontAlgn="base" hangingPunct="0">
+              <a:spcBef>
+                <a:spcPct val="0"/>
+              </a:spcBef>
+              <a:spcAft>
+                <a:spcPct val="0"/>
+              </a:spcAft>
+              <a:defRPr>
+                <a:solidFill>
+                  <a:schemeClr val="tx1"/>
+                </a:solidFill>
+                <a:latin typeface="Calibri" panose="020F0502020204030204" pitchFamily="34" charset="0"/>
+              </a:defRPr>
+            </a:lvl9pPr>
+          </a:lstStyle>
+          <a:p>
+            <a:pPr algn="ctr" eaLnBrk="1" hangingPunct="1"/>
+            <a:r>
+              <a:rPr lang="en-US" altLang="en-US" sz="1200" dirty="0">
+                <a:latin typeface="Arial" panose="020B0604020202020204" pitchFamily="34" charset="0"/>
+                <a:ea typeface="Amazon Ember" panose="020B0603020204020204" pitchFamily="34" charset="0"/>
+                <a:cs typeface="Arial" panose="020B0604020202020204" pitchFamily="34" charset="0"/>
+              </a:rPr>
+              <a:t>Amazon Simple Notification Service (Amazon SNS)</a:t>
+            </a:r>
+          </a:p>
+        </p:txBody>
+      </p:sp>
+      <p:cxnSp>
+        <p:nvCxnSpPr>
+          <p:cNvPr id="58" name="Straight Connector 57">
+            <a:extLst>
+              <a:ext uri="{FF2B5EF4-FFF2-40B4-BE49-F238E27FC236}">
+                <a16:creationId xmlns:a16="http://schemas.microsoft.com/office/drawing/2014/main" id="{A12D4ED1-C214-FD4E-B144-BF43D108737F}"/>
+              </a:ext>
+            </a:extLst>
+          </p:cNvPr>
+          <p:cNvCxnSpPr>
+            <a:cxnSpLocks/>
+            <a:stCxn id="35" idx="0"/>
+            <a:endCxn id="57" idx="2"/>
+          </p:cNvCxnSpPr>
+          <p:nvPr/>
+        </p:nvCxnSpPr>
+        <p:spPr>
+          <a:xfrm flipV="1">
+            <a:off x="11186692" y="1385266"/>
+            <a:ext cx="2456" cy="821117"/>
+          </a:xfrm>
+          <a:prstGeom prst="line">
+            <a:avLst/>
+          </a:prstGeom>
+          <a:ln w="12700">
+            <a:solidFill>
+              <a:schemeClr val="accent1"/>
+            </a:solidFill>
+            <a:headEnd type="none" w="med" len="sm"/>
+            <a:tailEnd type="none" w="med" len="sm"/>
+          </a:ln>
+        </p:spPr>
+        <p:style>
+          <a:lnRef idx="1">
+            <a:schemeClr val="accent1"/>
+          </a:lnRef>
+          <a:fillRef idx="0">
+            <a:schemeClr val="accent1"/>
+          </a:fillRef>
+          <a:effectRef idx="0">
+            <a:schemeClr val="accent1"/>
+          </a:effectRef>
+          <a:fontRef idx="minor">
+            <a:schemeClr val="tx1"/>
+          </a:fontRef>
+        </p:style>
+      </p:cxnSp>
+      <p:sp>
+        <p:nvSpPr>
+          <p:cNvPr id="59" name="TextBox 25">
+            <a:extLst>
+              <a:ext uri="{FF2B5EF4-FFF2-40B4-BE49-F238E27FC236}">
+                <a16:creationId xmlns:a16="http://schemas.microsoft.com/office/drawing/2014/main" id="{13D3AAF9-A3BD-6945-A7B2-B8F887EFCCC1}"/>
+              </a:ext>
+            </a:extLst>
+          </p:cNvPr>
+          <p:cNvSpPr txBox="1">
+            <a:spLocks noChangeArrowheads="1"/>
+          </p:cNvSpPr>
+          <p:nvPr/>
+        </p:nvSpPr>
+        <p:spPr bwMode="auto">
+          <a:xfrm>
+            <a:off x="10852323" y="1856554"/>
+            <a:ext cx="1385885" cy="261610"/>
+          </a:xfrm>
+          <a:prstGeom prst="rect">
+            <a:avLst/>
+          </a:prstGeom>
+          <a:noFill/>
+          <a:ln>
+            <a:noFill/>
+          </a:ln>
+          <a:extLst>
+            <a:ext uri="{909E8E84-426E-40DD-AFC4-6F175D3DCCD1}">
+              <a14:hiddenFill xmlns:a14="http://schemas.microsoft.com/office/drawing/2010/main">
+                <a:solidFill>
+                  <a:srgbClr val="FFFFFF"/>
+                </a:solidFill>
+              </a14:hiddenFill>
+            </a:ext>
+            <a:ext uri="{91240B29-F687-4F45-9708-019B960494DF}">
+              <a14:hiddenLine xmlns:a14="http://schemas.microsoft.com/office/drawing/2010/main" w="9525">
+                <a:solidFill>
+                  <a:srgbClr val="000000"/>
+                </a:solidFill>
+                <a:miter lim="800000"/>
+                <a:headEnd/>
+                <a:tailEnd/>
+              </a14:hiddenLine>
+            </a:ext>
+          </a:extLst>
+        </p:spPr>
+        <p:txBody>
+          <a:bodyPr wrap="square">
+            <a:spAutoFit/>
+          </a:bodyPr>
+          <a:lstStyle>
+            <a:lvl1pPr>
+              <a:defRPr>
+                <a:solidFill>
+                  <a:schemeClr val="tx1"/>
+                </a:solidFill>
+                <a:latin typeface="Calibri" panose="020F0502020204030204" pitchFamily="34" charset="0"/>
+              </a:defRPr>
+            </a:lvl1pPr>
+            <a:lvl2pPr marL="742950" indent="-285750">
+              <a:defRPr>
+                <a:solidFill>
+                  <a:schemeClr val="tx1"/>
+                </a:solidFill>
+                <a:latin typeface="Calibri" panose="020F0502020204030204" pitchFamily="34" charset="0"/>
+              </a:defRPr>
+            </a:lvl2pPr>
+            <a:lvl3pPr marL="1143000" indent="-228600">
+              <a:defRPr>
+                <a:solidFill>
+                  <a:schemeClr val="tx1"/>
+                </a:solidFill>
+                <a:latin typeface="Calibri" panose="020F0502020204030204" pitchFamily="34" charset="0"/>
+              </a:defRPr>
+            </a:lvl3pPr>
+            <a:lvl4pPr marL="1600200" indent="-228600">
+              <a:defRPr>
+                <a:solidFill>
+                  <a:schemeClr val="tx1"/>
+                </a:solidFill>
+                <a:latin typeface="Calibri" panose="020F0502020204030204" pitchFamily="34" charset="0"/>
+              </a:defRPr>
+            </a:lvl4pPr>
+            <a:lvl5pPr marL="2057400" indent="-228600">
+              <a:defRPr>
+                <a:solidFill>
+                  <a:schemeClr val="tx1"/>
+                </a:solidFill>
+                <a:latin typeface="Calibri" panose="020F0502020204030204" pitchFamily="34" charset="0"/>
+              </a:defRPr>
+            </a:lvl5pPr>
+            <a:lvl6pPr marL="2514600" indent="-228600" eaLnBrk="0" fontAlgn="base" hangingPunct="0">
+              <a:spcBef>
+                <a:spcPct val="0"/>
+              </a:spcBef>
+              <a:spcAft>
+                <a:spcPct val="0"/>
+              </a:spcAft>
+              <a:defRPr>
+                <a:solidFill>
+                  <a:schemeClr val="tx1"/>
+                </a:solidFill>
+                <a:latin typeface="Calibri" panose="020F0502020204030204" pitchFamily="34" charset="0"/>
+              </a:defRPr>
+            </a:lvl6pPr>
+            <a:lvl7pPr marL="2971800" indent="-228600" eaLnBrk="0" fontAlgn="base" hangingPunct="0">
+              <a:spcBef>
+                <a:spcPct val="0"/>
+              </a:spcBef>
+              <a:spcAft>
+                <a:spcPct val="0"/>
+              </a:spcAft>
+              <a:defRPr>
+                <a:solidFill>
+                  <a:schemeClr val="tx1"/>
+                </a:solidFill>
+                <a:latin typeface="Calibri" panose="020F0502020204030204" pitchFamily="34" charset="0"/>
+              </a:defRPr>
+            </a:lvl7pPr>
+            <a:lvl8pPr marL="3429000" indent="-228600" eaLnBrk="0" fontAlgn="base" hangingPunct="0">
+              <a:spcBef>
+                <a:spcPct val="0"/>
+              </a:spcBef>
+              <a:spcAft>
+                <a:spcPct val="0"/>
+              </a:spcAft>
+              <a:defRPr>
+                <a:solidFill>
+                  <a:schemeClr val="tx1"/>
+                </a:solidFill>
+                <a:latin typeface="Calibri" panose="020F0502020204030204" pitchFamily="34" charset="0"/>
+              </a:defRPr>
+            </a:lvl8pPr>
+            <a:lvl9pPr marL="3886200" indent="-228600" eaLnBrk="0" fontAlgn="base" hangingPunct="0">
+              <a:spcBef>
+                <a:spcPct val="0"/>
+              </a:spcBef>
+              <a:spcAft>
+                <a:spcPct val="0"/>
+              </a:spcAft>
+              <a:defRPr>
+                <a:solidFill>
+                  <a:schemeClr val="tx1"/>
+                </a:solidFill>
+                <a:latin typeface="Calibri" panose="020F0502020204030204" pitchFamily="34" charset="0"/>
+              </a:defRPr>
+            </a:lvl9pPr>
+          </a:lstStyle>
+          <a:p>
+            <a:pPr algn="ctr" eaLnBrk="1" hangingPunct="1"/>
+            <a:r>
+              <a:rPr lang="en-US" altLang="en-US" sz="1100" dirty="0">
+                <a:latin typeface="Arial" panose="020B0604020202020204" pitchFamily="34" charset="0"/>
+                <a:ea typeface="Amazon Ember" panose="020B0603020204020204" pitchFamily="34" charset="0"/>
+                <a:cs typeface="Arial" panose="020B0604020202020204" pitchFamily="34" charset="0"/>
+              </a:rPr>
+              <a:t>Topic</a:t>
+            </a:r>
+          </a:p>
+        </p:txBody>
+      </p:sp>
+      <p:pic>
+        <p:nvPicPr>
+          <p:cNvPr id="60" name="Graphic 17">
+            <a:extLst>
+              <a:ext uri="{FF2B5EF4-FFF2-40B4-BE49-F238E27FC236}">
+                <a16:creationId xmlns:a16="http://schemas.microsoft.com/office/drawing/2014/main" id="{35531979-8C1E-D04D-8319-E49D97CAC131}"/>
+              </a:ext>
+            </a:extLst>
+          </p:cNvPr>
+          <p:cNvPicPr>
+            <a:picLocks noChangeAspect="1" noChangeArrowheads="1"/>
+          </p:cNvPicPr>
+          <p:nvPr/>
+        </p:nvPicPr>
+        <p:blipFill>
+          <a:blip r:embed="rId19">
+            <a:extLst>
+              <a:ext uri="{28A0092B-C50C-407E-A947-70E740481C1C}">
+                <a14:useLocalDpi xmlns:a14="http://schemas.microsoft.com/office/drawing/2010/main" val="0"/>
+              </a:ext>
+            </a:extLst>
+          </a:blip>
+          <a:srcRect/>
+          <a:stretch>
+            <a:fillRect/>
+          </a:stretch>
+        </p:blipFill>
+        <p:spPr bwMode="auto">
+          <a:xfrm>
+            <a:off x="11314352" y="1383479"/>
+            <a:ext cx="457200" cy="457200"/>
+          </a:xfrm>
+          <a:prstGeom prst="rect">
+            <a:avLst/>
+          </a:prstGeom>
+          <a:noFill/>
+          <a:ln>
+            <a:noFill/>
+          </a:ln>
+          <a:extLst>
+            <a:ext uri="{909E8E84-426E-40DD-AFC4-6F175D3DCCD1}">
+              <a14:hiddenFill xmlns:a14="http://schemas.microsoft.com/office/drawing/2010/main">
+                <a:solidFill>
+                  <a:srgbClr val="FFFFFF"/>
+                </a:solidFill>
+              </a14:hiddenFill>
+            </a:ext>
+            <a:ext uri="{91240B29-F687-4F45-9708-019B960494DF}">
+              <a14:hiddenLine xmlns:a14="http://schemas.microsoft.com/office/drawing/2010/main" w="9525">
+                <a:solidFill>
+                  <a:srgbClr val="000000"/>
+                </a:solidFill>
+                <a:miter lim="800000"/>
+                <a:headEnd/>
+                <a:tailEnd/>
+              </a14:hiddenLine>
+            </a:ext>
+          </a:extLst>
+        </p:spPr>
+      </p:pic>
+      <p:sp>
+        <p:nvSpPr>
+          <p:cNvPr id="63" name="TextBox 25">
+            <a:extLst>
+              <a:ext uri="{FF2B5EF4-FFF2-40B4-BE49-F238E27FC236}">
+                <a16:creationId xmlns:a16="http://schemas.microsoft.com/office/drawing/2014/main" id="{C31DD74C-DD84-5349-AB36-28CECF61D8C3}"/>
+              </a:ext>
+            </a:extLst>
+          </p:cNvPr>
+          <p:cNvSpPr txBox="1">
+            <a:spLocks noChangeArrowheads="1"/>
+          </p:cNvSpPr>
+          <p:nvPr/>
+        </p:nvSpPr>
+        <p:spPr bwMode="auto">
+          <a:xfrm>
+            <a:off x="10794875" y="3776994"/>
+            <a:ext cx="1385885" cy="261610"/>
+          </a:xfrm>
+          <a:prstGeom prst="rect">
+            <a:avLst/>
+          </a:prstGeom>
+          <a:noFill/>
+          <a:ln>
+            <a:noFill/>
+          </a:ln>
+          <a:extLst>
+            <a:ext uri="{909E8E84-426E-40DD-AFC4-6F175D3DCCD1}">
+              <a14:hiddenFill xmlns:a14="http://schemas.microsoft.com/office/drawing/2010/main">
+                <a:solidFill>
+                  <a:srgbClr val="FFFFFF"/>
+                </a:solidFill>
+              </a14:hiddenFill>
+            </a:ext>
+            <a:ext uri="{91240B29-F687-4F45-9708-019B960494DF}">
+              <a14:hiddenLine xmlns:a14="http://schemas.microsoft.com/office/drawing/2010/main" w="9525">
+                <a:solidFill>
+                  <a:srgbClr val="000000"/>
+                </a:solidFill>
+                <a:miter lim="800000"/>
+                <a:headEnd/>
+                <a:tailEnd/>
+              </a14:hiddenLine>
+            </a:ext>
+          </a:extLst>
+        </p:spPr>
+        <p:txBody>
+          <a:bodyPr wrap="square">
+            <a:spAutoFit/>
+          </a:bodyPr>
+          <a:lstStyle>
+            <a:lvl1pPr>
+              <a:defRPr>
+                <a:solidFill>
+                  <a:schemeClr val="tx1"/>
+                </a:solidFill>
+                <a:latin typeface="Calibri" panose="020F0502020204030204" pitchFamily="34" charset="0"/>
+              </a:defRPr>
+            </a:lvl1pPr>
+            <a:lvl2pPr marL="742950" indent="-285750">
+              <a:defRPr>
+                <a:solidFill>
+                  <a:schemeClr val="tx1"/>
+                </a:solidFill>
+                <a:latin typeface="Calibri" panose="020F0502020204030204" pitchFamily="34" charset="0"/>
+              </a:defRPr>
+            </a:lvl2pPr>
+            <a:lvl3pPr marL="1143000" indent="-228600">
+              <a:defRPr>
+                <a:solidFill>
+                  <a:schemeClr val="tx1"/>
+                </a:solidFill>
+                <a:latin typeface="Calibri" panose="020F0502020204030204" pitchFamily="34" charset="0"/>
+              </a:defRPr>
+            </a:lvl3pPr>
+            <a:lvl4pPr marL="1600200" indent="-228600">
+              <a:defRPr>
+                <a:solidFill>
+                  <a:schemeClr val="tx1"/>
+                </a:solidFill>
+                <a:latin typeface="Calibri" panose="020F0502020204030204" pitchFamily="34" charset="0"/>
+              </a:defRPr>
+            </a:lvl4pPr>
+            <a:lvl5pPr marL="2057400" indent="-228600">
+              <a:defRPr>
+                <a:solidFill>
+                  <a:schemeClr val="tx1"/>
+                </a:solidFill>
+                <a:latin typeface="Calibri" panose="020F0502020204030204" pitchFamily="34" charset="0"/>
+              </a:defRPr>
+            </a:lvl5pPr>
+            <a:lvl6pPr marL="2514600" indent="-228600" eaLnBrk="0" fontAlgn="base" hangingPunct="0">
+              <a:spcBef>
+                <a:spcPct val="0"/>
+              </a:spcBef>
+              <a:spcAft>
+                <a:spcPct val="0"/>
+              </a:spcAft>
+              <a:defRPr>
+                <a:solidFill>
+                  <a:schemeClr val="tx1"/>
+                </a:solidFill>
+                <a:latin typeface="Calibri" panose="020F0502020204030204" pitchFamily="34" charset="0"/>
+              </a:defRPr>
+            </a:lvl6pPr>
+            <a:lvl7pPr marL="2971800" indent="-228600" eaLnBrk="0" fontAlgn="base" hangingPunct="0">
+              <a:spcBef>
+                <a:spcPct val="0"/>
+              </a:spcBef>
+              <a:spcAft>
+                <a:spcPct val="0"/>
+              </a:spcAft>
+              <a:defRPr>
+                <a:solidFill>
+                  <a:schemeClr val="tx1"/>
+                </a:solidFill>
+                <a:latin typeface="Calibri" panose="020F0502020204030204" pitchFamily="34" charset="0"/>
+              </a:defRPr>
+            </a:lvl7pPr>
+            <a:lvl8pPr marL="3429000" indent="-228600" eaLnBrk="0" fontAlgn="base" hangingPunct="0">
+              <a:spcBef>
+                <a:spcPct val="0"/>
+              </a:spcBef>
+              <a:spcAft>
+                <a:spcPct val="0"/>
+              </a:spcAft>
+              <a:defRPr>
+                <a:solidFill>
+                  <a:schemeClr val="tx1"/>
+                </a:solidFill>
+                <a:latin typeface="Calibri" panose="020F0502020204030204" pitchFamily="34" charset="0"/>
+              </a:defRPr>
+            </a:lvl8pPr>
+            <a:lvl9pPr marL="3886200" indent="-228600" eaLnBrk="0" fontAlgn="base" hangingPunct="0">
+              <a:spcBef>
+                <a:spcPct val="0"/>
+              </a:spcBef>
+              <a:spcAft>
+                <a:spcPct val="0"/>
+              </a:spcAft>
+              <a:defRPr>
+                <a:solidFill>
+                  <a:schemeClr val="tx1"/>
+                </a:solidFill>
+                <a:latin typeface="Calibri" panose="020F0502020204030204" pitchFamily="34" charset="0"/>
+              </a:defRPr>
+            </a:lvl9pPr>
+          </a:lstStyle>
+          <a:p>
+            <a:pPr algn="ctr" eaLnBrk="1" hangingPunct="1"/>
+            <a:r>
+              <a:rPr lang="en-US" altLang="en-US" sz="1100" dirty="0">
+                <a:latin typeface="Arial" panose="020B0604020202020204" pitchFamily="34" charset="0"/>
+                <a:ea typeface="Amazon Ember" panose="020B0603020204020204" pitchFamily="34" charset="0"/>
+                <a:cs typeface="Arial" panose="020B0604020202020204" pitchFamily="34" charset="0"/>
+              </a:rPr>
+              <a:t>Alarm</a:t>
+            </a:r>
+          </a:p>
+        </p:txBody>
+      </p:sp>
     </p:spTree>
     <p:extLst>
       <p:ext uri="{BB962C8B-B14F-4D97-AF65-F5344CB8AC3E}">

--- a/docs/deployment_guide/images/architecture_diagram.pptx
+++ b/docs/deployment_guide/images/architecture_diagram.pptx
@@ -104,6 +104,11 @@
       </a:defRPr>
     </a:lvl9pPr>
   </p:defaultTextStyle>
+  <p:extLst>
+    <p:ext uri="{EFAFB233-063F-42B5-8137-9DF3F51BA10A}">
+      <p15:sldGuideLst xmlns:p15="http://schemas.microsoft.com/office/powerpoint/2012/main"/>
+    </p:ext>
+  </p:extLst>
 </p:presentation>
 </file>
 
@@ -254,7 +259,7 @@
           <a:p>
             <a:fld id="{910FE9F8-85C6-4D94-8C60-6B46B301E45E}" type="datetimeFigureOut">
               <a:rPr lang="en-US" smtClean="0"/>
-              <a:t>2022-04-28</a:t>
+              <a:t>2022-04-29</a:t>
             </a:fld>
             <a:endParaRPr lang="en-US"/>
           </a:p>
@@ -452,7 +457,7 @@
           <a:p>
             <a:fld id="{910FE9F8-85C6-4D94-8C60-6B46B301E45E}" type="datetimeFigureOut">
               <a:rPr lang="en-US" smtClean="0"/>
-              <a:t>2022-04-28</a:t>
+              <a:t>2022-04-29</a:t>
             </a:fld>
             <a:endParaRPr lang="en-US"/>
           </a:p>
@@ -660,7 +665,7 @@
           <a:p>
             <a:fld id="{910FE9F8-85C6-4D94-8C60-6B46B301E45E}" type="datetimeFigureOut">
               <a:rPr lang="en-US" smtClean="0"/>
-              <a:t>2022-04-28</a:t>
+              <a:t>2022-04-29</a:t>
             </a:fld>
             <a:endParaRPr lang="en-US"/>
           </a:p>
@@ -858,7 +863,7 @@
           <a:p>
             <a:fld id="{910FE9F8-85C6-4D94-8C60-6B46B301E45E}" type="datetimeFigureOut">
               <a:rPr lang="en-US" smtClean="0"/>
-              <a:t>2022-04-28</a:t>
+              <a:t>2022-04-29</a:t>
             </a:fld>
             <a:endParaRPr lang="en-US"/>
           </a:p>
@@ -1133,7 +1138,7 @@
           <a:p>
             <a:fld id="{910FE9F8-85C6-4D94-8C60-6B46B301E45E}" type="datetimeFigureOut">
               <a:rPr lang="en-US" smtClean="0"/>
-              <a:t>2022-04-28</a:t>
+              <a:t>2022-04-29</a:t>
             </a:fld>
             <a:endParaRPr lang="en-US"/>
           </a:p>
@@ -1398,7 +1403,7 @@
           <a:p>
             <a:fld id="{910FE9F8-85C6-4D94-8C60-6B46B301E45E}" type="datetimeFigureOut">
               <a:rPr lang="en-US" smtClean="0"/>
-              <a:t>2022-04-28</a:t>
+              <a:t>2022-04-29</a:t>
             </a:fld>
             <a:endParaRPr lang="en-US"/>
           </a:p>
@@ -1810,7 +1815,7 @@
           <a:p>
             <a:fld id="{910FE9F8-85C6-4D94-8C60-6B46B301E45E}" type="datetimeFigureOut">
               <a:rPr lang="en-US" smtClean="0"/>
-              <a:t>2022-04-28</a:t>
+              <a:t>2022-04-29</a:t>
             </a:fld>
             <a:endParaRPr lang="en-US"/>
           </a:p>
@@ -1951,7 +1956,7 @@
           <a:p>
             <a:fld id="{910FE9F8-85C6-4D94-8C60-6B46B301E45E}" type="datetimeFigureOut">
               <a:rPr lang="en-US" smtClean="0"/>
-              <a:t>2022-04-28</a:t>
+              <a:t>2022-04-29</a:t>
             </a:fld>
             <a:endParaRPr lang="en-US"/>
           </a:p>
@@ -2064,7 +2069,7 @@
           <a:p>
             <a:fld id="{910FE9F8-85C6-4D94-8C60-6B46B301E45E}" type="datetimeFigureOut">
               <a:rPr lang="en-US" smtClean="0"/>
-              <a:t>2022-04-28</a:t>
+              <a:t>2022-04-29</a:t>
             </a:fld>
             <a:endParaRPr lang="en-US"/>
           </a:p>
@@ -2375,7 +2380,7 @@
           <a:p>
             <a:fld id="{910FE9F8-85C6-4D94-8C60-6B46B301E45E}" type="datetimeFigureOut">
               <a:rPr lang="en-US" smtClean="0"/>
-              <a:t>2022-04-28</a:t>
+              <a:t>2022-04-29</a:t>
             </a:fld>
             <a:endParaRPr lang="en-US"/>
           </a:p>
@@ -2663,7 +2668,7 @@
           <a:p>
             <a:fld id="{910FE9F8-85C6-4D94-8C60-6B46B301E45E}" type="datetimeFigureOut">
               <a:rPr lang="en-US" smtClean="0"/>
-              <a:t>2022-04-28</a:t>
+              <a:t>2022-04-29</a:t>
             </a:fld>
             <a:endParaRPr lang="en-US"/>
           </a:p>
@@ -2904,7 +2909,7 @@
           <a:p>
             <a:fld id="{910FE9F8-85C6-4D94-8C60-6B46B301E45E}" type="datetimeFigureOut">
               <a:rPr lang="en-US" smtClean="0"/>
-              <a:t>2022-04-28</a:t>
+              <a:t>2022-04-29</a:t>
             </a:fld>
             <a:endParaRPr lang="en-US"/>
           </a:p>
@@ -3546,8 +3551,8 @@
         </p:nvSpPr>
         <p:spPr bwMode="auto">
           <a:xfrm>
-            <a:off x="530588" y="3509195"/>
-            <a:ext cx="1527175" cy="461665"/>
+            <a:off x="482378" y="3521780"/>
+            <a:ext cx="1619412" cy="276999"/>
           </a:xfrm>
           <a:prstGeom prst="rect">
             <a:avLst/>
@@ -3718,7 +3723,7 @@
         </p:blipFill>
         <p:spPr bwMode="auto">
           <a:xfrm>
-            <a:off x="902375" y="2745011"/>
+            <a:off x="911084" y="2745011"/>
             <a:ext cx="762000" cy="762000"/>
           </a:xfrm>
           <a:prstGeom prst="rect">
@@ -3780,7 +3785,7 @@
         </p:blipFill>
         <p:spPr>
           <a:xfrm>
-            <a:off x="747442" y="1186098"/>
+            <a:off x="739786" y="1177204"/>
             <a:ext cx="1090994" cy="758952"/>
           </a:xfrm>
           <a:prstGeom prst="rect">
@@ -4020,15 +4025,15 @@
           </p:cNvPr>
           <p:cNvCxnSpPr>
             <a:cxnSpLocks/>
-            <a:stCxn id="10" idx="2"/>
+            <a:stCxn id="43" idx="2"/>
             <a:endCxn id="8" idx="0"/>
           </p:cNvCxnSpPr>
           <p:nvPr/>
         </p:nvCxnSpPr>
         <p:spPr>
           <a:xfrm flipH="1">
-            <a:off x="1283375" y="1945050"/>
-            <a:ext cx="9564" cy="799961"/>
+            <a:off x="1292084" y="2394904"/>
+            <a:ext cx="460" cy="350107"/>
           </a:xfrm>
           <a:prstGeom prst="straightConnector1">
             <a:avLst/>
@@ -4741,7 +4746,7 @@
           </a:xfrm>
           <a:prstGeom prst="bentConnector3">
             <a:avLst>
-              <a:gd name="adj1" fmla="val 54205"/>
+              <a:gd name="adj1" fmla="val 53667"/>
             </a:avLst>
           </a:prstGeom>
           <a:ln w="12700">
@@ -5090,7 +5095,7 @@
         <p:spPr bwMode="auto">
           <a:xfrm>
             <a:off x="4670367" y="4117480"/>
-            <a:ext cx="906460" cy="261610"/>
+            <a:ext cx="906460" cy="430887"/>
           </a:xfrm>
           <a:prstGeom prst="rect">
             <a:avLst/>
@@ -5229,7 +5234,7 @@
                 <a:ea typeface="Amazon Ember" panose="020B0603020204020204" pitchFamily="34" charset="0"/>
                 <a:cs typeface="Arial" panose="020B0604020202020204" pitchFamily="34" charset="0"/>
               </a:rPr>
-              <a:t>Event bus</a:t>
+              <a:t>Default event bus</a:t>
             </a:r>
           </a:p>
         </p:txBody>
@@ -5670,8 +5675,8 @@
         </p:nvCxnSpPr>
         <p:spPr>
           <a:xfrm>
-            <a:off x="1838436" y="1565574"/>
-            <a:ext cx="4510260" cy="0"/>
+            <a:off x="1830780" y="1556680"/>
+            <a:ext cx="4517916" cy="8894"/>
           </a:xfrm>
           <a:prstGeom prst="straightConnector1">
             <a:avLst/>
@@ -6823,6 +6828,167 @@
                 <a:cs typeface="Arial" panose="020B0604020202020204" pitchFamily="34" charset="0"/>
               </a:rPr>
               <a:t>email notification topic</a:t>
+            </a:r>
+          </a:p>
+        </p:txBody>
+      </p:sp>
+      <p:sp>
+        <p:nvSpPr>
+          <p:cNvPr id="43" name="TextBox 9">
+            <a:extLst>
+              <a:ext uri="{FF2B5EF4-FFF2-40B4-BE49-F238E27FC236}">
+                <a16:creationId xmlns:a16="http://schemas.microsoft.com/office/drawing/2014/main" id="{A3081CE4-79AB-48AF-8C49-361907C4DB5A}"/>
+              </a:ext>
+            </a:extLst>
+          </p:cNvPr>
+          <p:cNvSpPr txBox="1">
+            <a:spLocks noChangeArrowheads="1"/>
+          </p:cNvSpPr>
+          <p:nvPr/>
+        </p:nvSpPr>
+        <p:spPr bwMode="auto">
+          <a:xfrm>
+            <a:off x="277561" y="1933239"/>
+            <a:ext cx="2029966" cy="461665"/>
+          </a:xfrm>
+          <a:prstGeom prst="rect">
+            <a:avLst/>
+          </a:prstGeom>
+          <a:noFill/>
+          <a:ln>
+            <a:noFill/>
+          </a:ln>
+          <a:extLst>
+            <a:ext uri="{909E8E84-426E-40DD-AFC4-6F175D3DCCD1}">
+              <a14:hiddenFill xmlns:a14="http://schemas.microsoft.com/office/drawing/2010/main">
+                <a:solidFill>
+                  <a:srgbClr val="FFFFFF"/>
+                </a:solidFill>
+              </a14:hiddenFill>
+            </a:ext>
+            <a:ext uri="{91240B29-F687-4F45-9708-019B960494DF}">
+              <a14:hiddenLine xmlns:a14="http://schemas.microsoft.com/office/drawing/2010/main" w="9525">
+                <a:solidFill>
+                  <a:srgbClr val="000000"/>
+                </a:solidFill>
+                <a:miter lim="800000"/>
+                <a:headEnd/>
+                <a:tailEnd/>
+              </a14:hiddenLine>
+            </a:ext>
+          </a:extLst>
+        </p:spPr>
+        <p:txBody>
+          <a:bodyPr wrap="square">
+            <a:spAutoFit/>
+          </a:bodyPr>
+          <a:lstStyle>
+            <a:lvl1pPr>
+              <a:defRPr>
+                <a:solidFill>
+                  <a:schemeClr val="tx1"/>
+                </a:solidFill>
+                <a:latin typeface="Calibri" panose="020F0502020204030204" pitchFamily="34" charset="0"/>
+              </a:defRPr>
+            </a:lvl1pPr>
+            <a:lvl2pPr marL="742950" indent="-285750">
+              <a:defRPr>
+                <a:solidFill>
+                  <a:schemeClr val="tx1"/>
+                </a:solidFill>
+                <a:latin typeface="Calibri" panose="020F0502020204030204" pitchFamily="34" charset="0"/>
+              </a:defRPr>
+            </a:lvl2pPr>
+            <a:lvl3pPr marL="1143000" indent="-228600">
+              <a:defRPr>
+                <a:solidFill>
+                  <a:schemeClr val="tx1"/>
+                </a:solidFill>
+                <a:latin typeface="Calibri" panose="020F0502020204030204" pitchFamily="34" charset="0"/>
+              </a:defRPr>
+            </a:lvl3pPr>
+            <a:lvl4pPr marL="1600200" indent="-228600">
+              <a:defRPr>
+                <a:solidFill>
+                  <a:schemeClr val="tx1"/>
+                </a:solidFill>
+                <a:latin typeface="Calibri" panose="020F0502020204030204" pitchFamily="34" charset="0"/>
+              </a:defRPr>
+            </a:lvl4pPr>
+            <a:lvl5pPr marL="2057400" indent="-228600">
+              <a:defRPr>
+                <a:solidFill>
+                  <a:schemeClr val="tx1"/>
+                </a:solidFill>
+                <a:latin typeface="Calibri" panose="020F0502020204030204" pitchFamily="34" charset="0"/>
+              </a:defRPr>
+            </a:lvl5pPr>
+            <a:lvl6pPr marL="2514600" indent="-228600" eaLnBrk="0" fontAlgn="base" hangingPunct="0">
+              <a:spcBef>
+                <a:spcPct val="0"/>
+              </a:spcBef>
+              <a:spcAft>
+                <a:spcPct val="0"/>
+              </a:spcAft>
+              <a:defRPr>
+                <a:solidFill>
+                  <a:schemeClr val="tx1"/>
+                </a:solidFill>
+                <a:latin typeface="Calibri" panose="020F0502020204030204" pitchFamily="34" charset="0"/>
+              </a:defRPr>
+            </a:lvl6pPr>
+            <a:lvl7pPr marL="2971800" indent="-228600" eaLnBrk="0" fontAlgn="base" hangingPunct="0">
+              <a:spcBef>
+                <a:spcPct val="0"/>
+              </a:spcBef>
+              <a:spcAft>
+                <a:spcPct val="0"/>
+              </a:spcAft>
+              <a:defRPr>
+                <a:solidFill>
+                  <a:schemeClr val="tx1"/>
+                </a:solidFill>
+                <a:latin typeface="Calibri" panose="020F0502020204030204" pitchFamily="34" charset="0"/>
+              </a:defRPr>
+            </a:lvl7pPr>
+            <a:lvl8pPr marL="3429000" indent="-228600" eaLnBrk="0" fontAlgn="base" hangingPunct="0">
+              <a:spcBef>
+                <a:spcPct val="0"/>
+              </a:spcBef>
+              <a:spcAft>
+                <a:spcPct val="0"/>
+              </a:spcAft>
+              <a:defRPr>
+                <a:solidFill>
+                  <a:schemeClr val="tx1"/>
+                </a:solidFill>
+                <a:latin typeface="Calibri" panose="020F0502020204030204" pitchFamily="34" charset="0"/>
+              </a:defRPr>
+            </a:lvl8pPr>
+            <a:lvl9pPr marL="3886200" indent="-228600" eaLnBrk="0" fontAlgn="base" hangingPunct="0">
+              <a:spcBef>
+                <a:spcPct val="0"/>
+              </a:spcBef>
+              <a:spcAft>
+                <a:spcPct val="0"/>
+              </a:spcAft>
+              <a:defRPr>
+                <a:solidFill>
+                  <a:schemeClr val="tx1"/>
+                </a:solidFill>
+                <a:latin typeface="Calibri" panose="020F0502020204030204" pitchFamily="34" charset="0"/>
+              </a:defRPr>
+            </a:lvl9pPr>
+          </a:lstStyle>
+          <a:p>
+            <a:pPr algn="ctr" eaLnBrk="1" hangingPunct="1"/>
+            <a:r>
+              <a:rPr lang="en-US" altLang="en-US" sz="1200" dirty="0">
+                <a:latin typeface="Arial" panose="020B0604020202020204" pitchFamily="34" charset="0"/>
+                <a:ea typeface="Amazon Ember" panose="020B0603020204020204" pitchFamily="34" charset="0"/>
+                <a:cs typeface="Arial" panose="020B0604020202020204" pitchFamily="34" charset="0"/>
+              </a:rPr>
+              <a:t>Salesforce Platform Events API endpoint</a:t>
             </a:r>
           </a:p>
         </p:txBody>

--- a/docs/deployment_guide/images/architecture_diagram.pptx
+++ b/docs/deployment_guide/images/architecture_diagram.pptx
@@ -259,7 +259,7 @@
           <a:p>
             <a:fld id="{910FE9F8-85C6-4D94-8C60-6B46B301E45E}" type="datetimeFigureOut">
               <a:rPr lang="en-US" smtClean="0"/>
-              <a:t>2022-04-29</a:t>
+              <a:t>2022-09-07</a:t>
             </a:fld>
             <a:endParaRPr lang="en-US"/>
           </a:p>
@@ -457,7 +457,7 @@
           <a:p>
             <a:fld id="{910FE9F8-85C6-4D94-8C60-6B46B301E45E}" type="datetimeFigureOut">
               <a:rPr lang="en-US" smtClean="0"/>
-              <a:t>2022-04-29</a:t>
+              <a:t>2022-09-07</a:t>
             </a:fld>
             <a:endParaRPr lang="en-US"/>
           </a:p>
@@ -665,7 +665,7 @@
           <a:p>
             <a:fld id="{910FE9F8-85C6-4D94-8C60-6B46B301E45E}" type="datetimeFigureOut">
               <a:rPr lang="en-US" smtClean="0"/>
-              <a:t>2022-04-29</a:t>
+              <a:t>2022-09-07</a:t>
             </a:fld>
             <a:endParaRPr lang="en-US"/>
           </a:p>
@@ -863,7 +863,7 @@
           <a:p>
             <a:fld id="{910FE9F8-85C6-4D94-8C60-6B46B301E45E}" type="datetimeFigureOut">
               <a:rPr lang="en-US" smtClean="0"/>
-              <a:t>2022-04-29</a:t>
+              <a:t>2022-09-07</a:t>
             </a:fld>
             <a:endParaRPr lang="en-US"/>
           </a:p>
@@ -1138,7 +1138,7 @@
           <a:p>
             <a:fld id="{910FE9F8-85C6-4D94-8C60-6B46B301E45E}" type="datetimeFigureOut">
               <a:rPr lang="en-US" smtClean="0"/>
-              <a:t>2022-04-29</a:t>
+              <a:t>2022-09-07</a:t>
             </a:fld>
             <a:endParaRPr lang="en-US"/>
           </a:p>
@@ -1403,7 +1403,7 @@
           <a:p>
             <a:fld id="{910FE9F8-85C6-4D94-8C60-6B46B301E45E}" type="datetimeFigureOut">
               <a:rPr lang="en-US" smtClean="0"/>
-              <a:t>2022-04-29</a:t>
+              <a:t>2022-09-07</a:t>
             </a:fld>
             <a:endParaRPr lang="en-US"/>
           </a:p>
@@ -1815,7 +1815,7 @@
           <a:p>
             <a:fld id="{910FE9F8-85C6-4D94-8C60-6B46B301E45E}" type="datetimeFigureOut">
               <a:rPr lang="en-US" smtClean="0"/>
-              <a:t>2022-04-29</a:t>
+              <a:t>2022-09-07</a:t>
             </a:fld>
             <a:endParaRPr lang="en-US"/>
           </a:p>
@@ -1956,7 +1956,7 @@
           <a:p>
             <a:fld id="{910FE9F8-85C6-4D94-8C60-6B46B301E45E}" type="datetimeFigureOut">
               <a:rPr lang="en-US" smtClean="0"/>
-              <a:t>2022-04-29</a:t>
+              <a:t>2022-09-07</a:t>
             </a:fld>
             <a:endParaRPr lang="en-US"/>
           </a:p>
@@ -2069,7 +2069,7 @@
           <a:p>
             <a:fld id="{910FE9F8-85C6-4D94-8C60-6B46B301E45E}" type="datetimeFigureOut">
               <a:rPr lang="en-US" smtClean="0"/>
-              <a:t>2022-04-29</a:t>
+              <a:t>2022-09-07</a:t>
             </a:fld>
             <a:endParaRPr lang="en-US"/>
           </a:p>
@@ -2380,7 +2380,7 @@
           <a:p>
             <a:fld id="{910FE9F8-85C6-4D94-8C60-6B46B301E45E}" type="datetimeFigureOut">
               <a:rPr lang="en-US" smtClean="0"/>
-              <a:t>2022-04-29</a:t>
+              <a:t>2022-09-07</a:t>
             </a:fld>
             <a:endParaRPr lang="en-US"/>
           </a:p>
@@ -2668,7 +2668,7 @@
           <a:p>
             <a:fld id="{910FE9F8-85C6-4D94-8C60-6B46B301E45E}" type="datetimeFigureOut">
               <a:rPr lang="en-US" smtClean="0"/>
-              <a:t>2022-04-29</a:t>
+              <a:t>2022-09-07</a:t>
             </a:fld>
             <a:endParaRPr lang="en-US"/>
           </a:p>
@@ -2909,7 +2909,7 @@
           <a:p>
             <a:fld id="{910FE9F8-85C6-4D94-8C60-6B46B301E45E}" type="datetimeFigureOut">
               <a:rPr lang="en-US" smtClean="0"/>
-              <a:t>2022-04-29</a:t>
+              <a:t>2022-09-07</a:t>
             </a:fld>
             <a:endParaRPr lang="en-US"/>
           </a:p>
@@ -4881,8 +4881,8 @@
         </p:nvSpPr>
         <p:spPr>
           <a:xfrm>
-            <a:off x="7381857" y="3166352"/>
-            <a:ext cx="4260100" cy="1715051"/>
+            <a:off x="7381857" y="2219497"/>
+            <a:ext cx="4260100" cy="2661906"/>
           </a:xfrm>
           <a:prstGeom prst="rect">
             <a:avLst/>
@@ -6993,6 +6993,495 @@
           </a:p>
         </p:txBody>
       </p:sp>
+      <p:pic>
+        <p:nvPicPr>
+          <p:cNvPr id="45" name="Graphic 17">
+            <a:extLst>
+              <a:ext uri="{FF2B5EF4-FFF2-40B4-BE49-F238E27FC236}">
+                <a16:creationId xmlns:a16="http://schemas.microsoft.com/office/drawing/2014/main" id="{716B9FE1-6918-47C9-9CD7-8A696B1BBFBC}"/>
+              </a:ext>
+            </a:extLst>
+          </p:cNvPr>
+          <p:cNvPicPr>
+            <a:picLocks noChangeAspect="1" noChangeArrowheads="1"/>
+          </p:cNvPicPr>
+          <p:nvPr/>
+        </p:nvPicPr>
+        <p:blipFill>
+          <a:blip r:embed="rId24">
+            <a:extLst>
+              <a:ext uri="{28A0092B-C50C-407E-A947-70E740481C1C}">
+                <a14:useLocalDpi xmlns:a14="http://schemas.microsoft.com/office/drawing/2010/main" val="0"/>
+              </a:ext>
+            </a:extLst>
+          </a:blip>
+          <a:srcRect/>
+          <a:stretch>
+            <a:fillRect/>
+          </a:stretch>
+        </p:blipFill>
+        <p:spPr bwMode="auto">
+          <a:xfrm>
+            <a:off x="7652655" y="827764"/>
+            <a:ext cx="762000" cy="762000"/>
+          </a:xfrm>
+          <a:prstGeom prst="rect">
+            <a:avLst/>
+          </a:prstGeom>
+          <a:noFill/>
+          <a:ln>
+            <a:noFill/>
+          </a:ln>
+          <a:extLst>
+            <a:ext uri="{909E8E84-426E-40DD-AFC4-6F175D3DCCD1}">
+              <a14:hiddenFill xmlns:a14="http://schemas.microsoft.com/office/drawing/2010/main">
+                <a:solidFill>
+                  <a:srgbClr val="FFFFFF"/>
+                </a:solidFill>
+              </a14:hiddenFill>
+            </a:ext>
+            <a:ext uri="{91240B29-F687-4F45-9708-019B960494DF}">
+              <a14:hiddenLine xmlns:a14="http://schemas.microsoft.com/office/drawing/2010/main" w="9525">
+                <a:solidFill>
+                  <a:srgbClr val="000000"/>
+                </a:solidFill>
+                <a:miter lim="800000"/>
+                <a:headEnd/>
+                <a:tailEnd/>
+              </a14:hiddenLine>
+            </a:ext>
+          </a:extLst>
+        </p:spPr>
+      </p:pic>
+      <p:sp>
+        <p:nvSpPr>
+          <p:cNvPr id="46" name="TextBox 11">
+            <a:extLst>
+              <a:ext uri="{FF2B5EF4-FFF2-40B4-BE49-F238E27FC236}">
+                <a16:creationId xmlns:a16="http://schemas.microsoft.com/office/drawing/2014/main" id="{0C9B7F59-4DB3-41A8-BEBB-DEC5B3D05EA2}"/>
+              </a:ext>
+            </a:extLst>
+          </p:cNvPr>
+          <p:cNvSpPr txBox="1">
+            <a:spLocks noChangeArrowheads="1"/>
+          </p:cNvSpPr>
+          <p:nvPr/>
+        </p:nvSpPr>
+        <p:spPr bwMode="auto">
+          <a:xfrm>
+            <a:off x="7151078" y="1590606"/>
+            <a:ext cx="1765153" cy="276999"/>
+          </a:xfrm>
+          <a:prstGeom prst="rect">
+            <a:avLst/>
+          </a:prstGeom>
+          <a:noFill/>
+          <a:ln>
+            <a:noFill/>
+          </a:ln>
+          <a:extLst>
+            <a:ext uri="{909E8E84-426E-40DD-AFC4-6F175D3DCCD1}">
+              <a14:hiddenFill xmlns:a14="http://schemas.microsoft.com/office/drawing/2010/main">
+                <a:solidFill>
+                  <a:srgbClr val="FFFFFF"/>
+                </a:solidFill>
+              </a14:hiddenFill>
+            </a:ext>
+            <a:ext uri="{91240B29-F687-4F45-9708-019B960494DF}">
+              <a14:hiddenLine xmlns:a14="http://schemas.microsoft.com/office/drawing/2010/main" w="9525">
+                <a:solidFill>
+                  <a:srgbClr val="000000"/>
+                </a:solidFill>
+                <a:miter lim="800000"/>
+                <a:headEnd/>
+                <a:tailEnd/>
+              </a14:hiddenLine>
+            </a:ext>
+          </a:extLst>
+        </p:spPr>
+        <p:txBody>
+          <a:bodyPr wrap="square">
+            <a:spAutoFit/>
+          </a:bodyPr>
+          <a:lstStyle>
+            <a:lvl1pPr>
+              <a:defRPr>
+                <a:solidFill>
+                  <a:schemeClr val="tx1"/>
+                </a:solidFill>
+                <a:latin typeface="Calibri" panose="020F0502020204030204" pitchFamily="34" charset="0"/>
+              </a:defRPr>
+            </a:lvl1pPr>
+            <a:lvl2pPr marL="742950" indent="-285750">
+              <a:defRPr>
+                <a:solidFill>
+                  <a:schemeClr val="tx1"/>
+                </a:solidFill>
+                <a:latin typeface="Calibri" panose="020F0502020204030204" pitchFamily="34" charset="0"/>
+              </a:defRPr>
+            </a:lvl2pPr>
+            <a:lvl3pPr marL="1143000" indent="-228600">
+              <a:defRPr>
+                <a:solidFill>
+                  <a:schemeClr val="tx1"/>
+                </a:solidFill>
+                <a:latin typeface="Calibri" panose="020F0502020204030204" pitchFamily="34" charset="0"/>
+              </a:defRPr>
+            </a:lvl3pPr>
+            <a:lvl4pPr marL="1600200" indent="-228600">
+              <a:defRPr>
+                <a:solidFill>
+                  <a:schemeClr val="tx1"/>
+                </a:solidFill>
+                <a:latin typeface="Calibri" panose="020F0502020204030204" pitchFamily="34" charset="0"/>
+              </a:defRPr>
+            </a:lvl4pPr>
+            <a:lvl5pPr marL="2057400" indent="-228600">
+              <a:defRPr>
+                <a:solidFill>
+                  <a:schemeClr val="tx1"/>
+                </a:solidFill>
+                <a:latin typeface="Calibri" panose="020F0502020204030204" pitchFamily="34" charset="0"/>
+              </a:defRPr>
+            </a:lvl5pPr>
+            <a:lvl6pPr marL="2514600" indent="-228600" eaLnBrk="0" fontAlgn="base" hangingPunct="0">
+              <a:spcBef>
+                <a:spcPct val="0"/>
+              </a:spcBef>
+              <a:spcAft>
+                <a:spcPct val="0"/>
+              </a:spcAft>
+              <a:defRPr>
+                <a:solidFill>
+                  <a:schemeClr val="tx1"/>
+                </a:solidFill>
+                <a:latin typeface="Calibri" panose="020F0502020204030204" pitchFamily="34" charset="0"/>
+              </a:defRPr>
+            </a:lvl6pPr>
+            <a:lvl7pPr marL="2971800" indent="-228600" eaLnBrk="0" fontAlgn="base" hangingPunct="0">
+              <a:spcBef>
+                <a:spcPct val="0"/>
+              </a:spcBef>
+              <a:spcAft>
+                <a:spcPct val="0"/>
+              </a:spcAft>
+              <a:defRPr>
+                <a:solidFill>
+                  <a:schemeClr val="tx1"/>
+                </a:solidFill>
+                <a:latin typeface="Calibri" panose="020F0502020204030204" pitchFamily="34" charset="0"/>
+              </a:defRPr>
+            </a:lvl7pPr>
+            <a:lvl8pPr marL="3429000" indent="-228600" eaLnBrk="0" fontAlgn="base" hangingPunct="0">
+              <a:spcBef>
+                <a:spcPct val="0"/>
+              </a:spcBef>
+              <a:spcAft>
+                <a:spcPct val="0"/>
+              </a:spcAft>
+              <a:defRPr>
+                <a:solidFill>
+                  <a:schemeClr val="tx1"/>
+                </a:solidFill>
+                <a:latin typeface="Calibri" panose="020F0502020204030204" pitchFamily="34" charset="0"/>
+              </a:defRPr>
+            </a:lvl8pPr>
+            <a:lvl9pPr marL="3886200" indent="-228600" eaLnBrk="0" fontAlgn="base" hangingPunct="0">
+              <a:spcBef>
+                <a:spcPct val="0"/>
+              </a:spcBef>
+              <a:spcAft>
+                <a:spcPct val="0"/>
+              </a:spcAft>
+              <a:defRPr>
+                <a:solidFill>
+                  <a:schemeClr val="tx1"/>
+                </a:solidFill>
+                <a:latin typeface="Calibri" panose="020F0502020204030204" pitchFamily="34" charset="0"/>
+              </a:defRPr>
+            </a:lvl9pPr>
+          </a:lstStyle>
+          <a:p>
+            <a:pPr algn="ctr" eaLnBrk="1" hangingPunct="1"/>
+            <a:r>
+              <a:rPr lang="en-US" altLang="en-US" sz="1200" dirty="0">
+                <a:latin typeface="Arial" panose="020B0604020202020204" pitchFamily="34" charset="0"/>
+                <a:ea typeface="Amazon Ember" panose="020B0603020204020204" pitchFamily="34" charset="0"/>
+                <a:cs typeface="Arial" panose="020B0604020202020204" pitchFamily="34" charset="0"/>
+              </a:rPr>
+              <a:t>AWS Secrets Manager</a:t>
+            </a:r>
+          </a:p>
+        </p:txBody>
+      </p:sp>
+      <p:pic>
+        <p:nvPicPr>
+          <p:cNvPr id="47" name="Graphic 7">
+            <a:extLst>
+              <a:ext uri="{FF2B5EF4-FFF2-40B4-BE49-F238E27FC236}">
+                <a16:creationId xmlns:a16="http://schemas.microsoft.com/office/drawing/2014/main" id="{EB793E59-5DA7-4BB5-AE05-EB52F938D922}"/>
+              </a:ext>
+            </a:extLst>
+          </p:cNvPr>
+          <p:cNvPicPr>
+            <a:picLocks noChangeAspect="1" noChangeArrowheads="1"/>
+          </p:cNvPicPr>
+          <p:nvPr/>
+        </p:nvPicPr>
+        <p:blipFill>
+          <a:blip r:embed="rId25">
+            <a:extLst>
+              <a:ext uri="{28A0092B-C50C-407E-A947-70E740481C1C}">
+                <a14:useLocalDpi xmlns:a14="http://schemas.microsoft.com/office/drawing/2010/main" val="0"/>
+              </a:ext>
+            </a:extLst>
+          </a:blip>
+          <a:srcRect/>
+          <a:stretch>
+            <a:fillRect/>
+          </a:stretch>
+        </p:blipFill>
+        <p:spPr bwMode="auto">
+          <a:xfrm>
+            <a:off x="7645172" y="2322681"/>
+            <a:ext cx="762000" cy="762000"/>
+          </a:xfrm>
+          <a:prstGeom prst="rect">
+            <a:avLst/>
+          </a:prstGeom>
+          <a:noFill/>
+          <a:ln>
+            <a:noFill/>
+          </a:ln>
+          <a:extLst>
+            <a:ext uri="{909E8E84-426E-40DD-AFC4-6F175D3DCCD1}">
+              <a14:hiddenFill xmlns:a14="http://schemas.microsoft.com/office/drawing/2010/main">
+                <a:solidFill>
+                  <a:srgbClr val="FFFFFF"/>
+                </a:solidFill>
+              </a14:hiddenFill>
+            </a:ext>
+            <a:ext uri="{91240B29-F687-4F45-9708-019B960494DF}">
+              <a14:hiddenLine xmlns:a14="http://schemas.microsoft.com/office/drawing/2010/main" w="9525">
+                <a:solidFill>
+                  <a:srgbClr val="000000"/>
+                </a:solidFill>
+                <a:miter lim="800000"/>
+                <a:headEnd/>
+                <a:tailEnd/>
+              </a14:hiddenLine>
+            </a:ext>
+          </a:extLst>
+        </p:spPr>
+      </p:pic>
+      <p:sp>
+        <p:nvSpPr>
+          <p:cNvPr id="48" name="TextBox 9">
+            <a:extLst>
+              <a:ext uri="{FF2B5EF4-FFF2-40B4-BE49-F238E27FC236}">
+                <a16:creationId xmlns:a16="http://schemas.microsoft.com/office/drawing/2014/main" id="{DEB301E0-E747-44A4-B70F-C63F0BEA5596}"/>
+              </a:ext>
+            </a:extLst>
+          </p:cNvPr>
+          <p:cNvSpPr txBox="1">
+            <a:spLocks noChangeArrowheads="1"/>
+          </p:cNvSpPr>
+          <p:nvPr/>
+        </p:nvSpPr>
+        <p:spPr bwMode="auto">
+          <a:xfrm>
+            <a:off x="7504693" y="3090652"/>
+            <a:ext cx="1042957" cy="276999"/>
+          </a:xfrm>
+          <a:prstGeom prst="rect">
+            <a:avLst/>
+          </a:prstGeom>
+          <a:noFill/>
+          <a:ln>
+            <a:noFill/>
+          </a:ln>
+          <a:extLst>
+            <a:ext uri="{909E8E84-426E-40DD-AFC4-6F175D3DCCD1}">
+              <a14:hiddenFill xmlns:a14="http://schemas.microsoft.com/office/drawing/2010/main">
+                <a:solidFill>
+                  <a:srgbClr val="FFFFFF"/>
+                </a:solidFill>
+              </a14:hiddenFill>
+            </a:ext>
+            <a:ext uri="{91240B29-F687-4F45-9708-019B960494DF}">
+              <a14:hiddenLine xmlns:a14="http://schemas.microsoft.com/office/drawing/2010/main" w="9525">
+                <a:solidFill>
+                  <a:srgbClr val="000000"/>
+                </a:solidFill>
+                <a:miter lim="800000"/>
+                <a:headEnd/>
+                <a:tailEnd/>
+              </a14:hiddenLine>
+            </a:ext>
+          </a:extLst>
+        </p:spPr>
+        <p:txBody>
+          <a:bodyPr wrap="square">
+            <a:spAutoFit/>
+          </a:bodyPr>
+          <a:lstStyle>
+            <a:lvl1pPr>
+              <a:defRPr>
+                <a:solidFill>
+                  <a:schemeClr val="tx1"/>
+                </a:solidFill>
+                <a:latin typeface="Calibri" panose="020F0502020204030204" pitchFamily="34" charset="0"/>
+              </a:defRPr>
+            </a:lvl1pPr>
+            <a:lvl2pPr marL="742950" indent="-285750">
+              <a:defRPr>
+                <a:solidFill>
+                  <a:schemeClr val="tx1"/>
+                </a:solidFill>
+                <a:latin typeface="Calibri" panose="020F0502020204030204" pitchFamily="34" charset="0"/>
+              </a:defRPr>
+            </a:lvl2pPr>
+            <a:lvl3pPr marL="1143000" indent="-228600">
+              <a:defRPr>
+                <a:solidFill>
+                  <a:schemeClr val="tx1"/>
+                </a:solidFill>
+                <a:latin typeface="Calibri" panose="020F0502020204030204" pitchFamily="34" charset="0"/>
+              </a:defRPr>
+            </a:lvl3pPr>
+            <a:lvl4pPr marL="1600200" indent="-228600">
+              <a:defRPr>
+                <a:solidFill>
+                  <a:schemeClr val="tx1"/>
+                </a:solidFill>
+                <a:latin typeface="Calibri" panose="020F0502020204030204" pitchFamily="34" charset="0"/>
+              </a:defRPr>
+            </a:lvl4pPr>
+            <a:lvl5pPr marL="2057400" indent="-228600">
+              <a:defRPr>
+                <a:solidFill>
+                  <a:schemeClr val="tx1"/>
+                </a:solidFill>
+                <a:latin typeface="Calibri" panose="020F0502020204030204" pitchFamily="34" charset="0"/>
+              </a:defRPr>
+            </a:lvl5pPr>
+            <a:lvl6pPr marL="2514600" indent="-228600" eaLnBrk="0" fontAlgn="base" hangingPunct="0">
+              <a:spcBef>
+                <a:spcPct val="0"/>
+              </a:spcBef>
+              <a:spcAft>
+                <a:spcPct val="0"/>
+              </a:spcAft>
+              <a:defRPr>
+                <a:solidFill>
+                  <a:schemeClr val="tx1"/>
+                </a:solidFill>
+                <a:latin typeface="Calibri" panose="020F0502020204030204" pitchFamily="34" charset="0"/>
+              </a:defRPr>
+            </a:lvl6pPr>
+            <a:lvl7pPr marL="2971800" indent="-228600" eaLnBrk="0" fontAlgn="base" hangingPunct="0">
+              <a:spcBef>
+                <a:spcPct val="0"/>
+              </a:spcBef>
+              <a:spcAft>
+                <a:spcPct val="0"/>
+              </a:spcAft>
+              <a:defRPr>
+                <a:solidFill>
+                  <a:schemeClr val="tx1"/>
+                </a:solidFill>
+                <a:latin typeface="Calibri" panose="020F0502020204030204" pitchFamily="34" charset="0"/>
+              </a:defRPr>
+            </a:lvl7pPr>
+            <a:lvl8pPr marL="3429000" indent="-228600" eaLnBrk="0" fontAlgn="base" hangingPunct="0">
+              <a:spcBef>
+                <a:spcPct val="0"/>
+              </a:spcBef>
+              <a:spcAft>
+                <a:spcPct val="0"/>
+              </a:spcAft>
+              <a:defRPr>
+                <a:solidFill>
+                  <a:schemeClr val="tx1"/>
+                </a:solidFill>
+                <a:latin typeface="Calibri" panose="020F0502020204030204" pitchFamily="34" charset="0"/>
+              </a:defRPr>
+            </a:lvl8pPr>
+            <a:lvl9pPr marL="3886200" indent="-228600" eaLnBrk="0" fontAlgn="base" hangingPunct="0">
+              <a:spcBef>
+                <a:spcPct val="0"/>
+              </a:spcBef>
+              <a:spcAft>
+                <a:spcPct val="0"/>
+              </a:spcAft>
+              <a:defRPr>
+                <a:solidFill>
+                  <a:schemeClr val="tx1"/>
+                </a:solidFill>
+                <a:latin typeface="Calibri" panose="020F0502020204030204" pitchFamily="34" charset="0"/>
+              </a:defRPr>
+            </a:lvl9pPr>
+          </a:lstStyle>
+          <a:p>
+            <a:pPr algn="ctr" eaLnBrk="1" hangingPunct="1"/>
+            <a:r>
+              <a:rPr lang="en-US" altLang="en-US" sz="1200" dirty="0">
+                <a:latin typeface="Arial" panose="020B0604020202020204" pitchFamily="34" charset="0"/>
+                <a:ea typeface="Amazon Ember" panose="020B0603020204020204" pitchFamily="34" charset="0"/>
+                <a:cs typeface="Arial" panose="020B0604020202020204" pitchFamily="34" charset="0"/>
+              </a:rPr>
+              <a:t>AWS KMS</a:t>
+            </a:r>
+          </a:p>
+        </p:txBody>
+      </p:sp>
+      <p:cxnSp>
+        <p:nvCxnSpPr>
+          <p:cNvPr id="49" name="Straight Arrow Connector 48">
+            <a:extLst>
+              <a:ext uri="{FF2B5EF4-FFF2-40B4-BE49-F238E27FC236}">
+                <a16:creationId xmlns:a16="http://schemas.microsoft.com/office/drawing/2014/main" id="{0E9D442F-9C86-444F-8AF2-56267629C883}"/>
+              </a:ext>
+            </a:extLst>
+          </p:cNvPr>
+          <p:cNvCxnSpPr>
+            <a:cxnSpLocks/>
+            <a:stCxn id="162" idx="0"/>
+            <a:endCxn id="48" idx="2"/>
+          </p:cNvCxnSpPr>
+          <p:nvPr/>
+        </p:nvCxnSpPr>
+        <p:spPr>
+          <a:xfrm flipH="1" flipV="1">
+            <a:off x="8026172" y="3367651"/>
+            <a:ext cx="767" cy="295769"/>
+          </a:xfrm>
+          <a:prstGeom prst="straightConnector1">
+            <a:avLst/>
+          </a:prstGeom>
+          <a:ln w="12700">
+            <a:solidFill>
+              <a:schemeClr val="tx2"/>
+            </a:solidFill>
+            <a:headEnd type="none" w="med" len="sm"/>
+            <a:tailEnd type="arrow" w="med" len="sm"/>
+          </a:ln>
+        </p:spPr>
+        <p:style>
+          <a:lnRef idx="1">
+            <a:schemeClr val="accent1"/>
+          </a:lnRef>
+          <a:fillRef idx="0">
+            <a:schemeClr val="accent1"/>
+          </a:fillRef>
+          <a:effectRef idx="0">
+            <a:schemeClr val="accent1"/>
+          </a:effectRef>
+          <a:fontRef idx="minor">
+            <a:schemeClr val="tx1"/>
+          </a:fontRef>
+        </p:style>
+      </p:cxnSp>
     </p:spTree>
     <p:extLst>
       <p:ext uri="{BB962C8B-B14F-4D97-AF65-F5344CB8AC3E}">

--- a/docs/deployment_guide/images/architecture_diagram.pptx
+++ b/docs/deployment_guide/images/architecture_diagram.pptx
@@ -2,18 +2,18 @@
 <file path=ppt/presentation.xml><?xml version="1.0" encoding="utf-8"?>
 <p:presentation xmlns:a="http://schemas.openxmlformats.org/drawingml/2006/main" xmlns:r="http://schemas.openxmlformats.org/officeDocument/2006/relationships" xmlns:p="http://schemas.openxmlformats.org/presentationml/2006/main" saveSubsetFonts="1">
   <p:sldMasterIdLst>
-    <p:sldMasterId id="2147483648" r:id="rId1"/>
+    <p:sldMasterId id="2147483672" r:id="rId1"/>
   </p:sldMasterIdLst>
   <p:sldIdLst>
     <p:sldId id="256" r:id="rId2"/>
   </p:sldIdLst>
-  <p:sldSz cx="12192000" cy="6858000"/>
+  <p:sldSz cx="18288000" cy="10058400"/>
   <p:notesSz cx="6858000" cy="9144000"/>
   <p:defaultTextStyle>
     <a:defPPr>
       <a:defRPr lang="en-US"/>
     </a:defPPr>
-    <a:lvl1pPr marL="0" algn="l" defTabSz="914400" rtl="0" eaLnBrk="1" latinLnBrk="0" hangingPunct="1">
+    <a:lvl1pPr marL="0" algn="l" defTabSz="457200" rtl="0" eaLnBrk="1" latinLnBrk="0" hangingPunct="1">
       <a:defRPr sz="1800" kern="1200">
         <a:solidFill>
           <a:schemeClr val="tx1"/>
@@ -23,7 +23,7 @@
         <a:cs typeface="+mn-cs"/>
       </a:defRPr>
     </a:lvl1pPr>
-    <a:lvl2pPr marL="457200" algn="l" defTabSz="914400" rtl="0" eaLnBrk="1" latinLnBrk="0" hangingPunct="1">
+    <a:lvl2pPr marL="457200" algn="l" defTabSz="457200" rtl="0" eaLnBrk="1" latinLnBrk="0" hangingPunct="1">
       <a:defRPr sz="1800" kern="1200">
         <a:solidFill>
           <a:schemeClr val="tx1"/>
@@ -33,7 +33,7 @@
         <a:cs typeface="+mn-cs"/>
       </a:defRPr>
     </a:lvl2pPr>
-    <a:lvl3pPr marL="914400" algn="l" defTabSz="914400" rtl="0" eaLnBrk="1" latinLnBrk="0" hangingPunct="1">
+    <a:lvl3pPr marL="914400" algn="l" defTabSz="457200" rtl="0" eaLnBrk="1" latinLnBrk="0" hangingPunct="1">
       <a:defRPr sz="1800" kern="1200">
         <a:solidFill>
           <a:schemeClr val="tx1"/>
@@ -43,7 +43,7 @@
         <a:cs typeface="+mn-cs"/>
       </a:defRPr>
     </a:lvl3pPr>
-    <a:lvl4pPr marL="1371600" algn="l" defTabSz="914400" rtl="0" eaLnBrk="1" latinLnBrk="0" hangingPunct="1">
+    <a:lvl4pPr marL="1371600" algn="l" defTabSz="457200" rtl="0" eaLnBrk="1" latinLnBrk="0" hangingPunct="1">
       <a:defRPr sz="1800" kern="1200">
         <a:solidFill>
           <a:schemeClr val="tx1"/>
@@ -53,7 +53,7 @@
         <a:cs typeface="+mn-cs"/>
       </a:defRPr>
     </a:lvl4pPr>
-    <a:lvl5pPr marL="1828800" algn="l" defTabSz="914400" rtl="0" eaLnBrk="1" latinLnBrk="0" hangingPunct="1">
+    <a:lvl5pPr marL="1828800" algn="l" defTabSz="457200" rtl="0" eaLnBrk="1" latinLnBrk="0" hangingPunct="1">
       <a:defRPr sz="1800" kern="1200">
         <a:solidFill>
           <a:schemeClr val="tx1"/>
@@ -63,7 +63,7 @@
         <a:cs typeface="+mn-cs"/>
       </a:defRPr>
     </a:lvl5pPr>
-    <a:lvl6pPr marL="2286000" algn="l" defTabSz="914400" rtl="0" eaLnBrk="1" latinLnBrk="0" hangingPunct="1">
+    <a:lvl6pPr marL="2286000" algn="l" defTabSz="457200" rtl="0" eaLnBrk="1" latinLnBrk="0" hangingPunct="1">
       <a:defRPr sz="1800" kern="1200">
         <a:solidFill>
           <a:schemeClr val="tx1"/>
@@ -73,7 +73,7 @@
         <a:cs typeface="+mn-cs"/>
       </a:defRPr>
     </a:lvl6pPr>
-    <a:lvl7pPr marL="2743200" algn="l" defTabSz="914400" rtl="0" eaLnBrk="1" latinLnBrk="0" hangingPunct="1">
+    <a:lvl7pPr marL="2743200" algn="l" defTabSz="457200" rtl="0" eaLnBrk="1" latinLnBrk="0" hangingPunct="1">
       <a:defRPr sz="1800" kern="1200">
         <a:solidFill>
           <a:schemeClr val="tx1"/>
@@ -83,7 +83,7 @@
         <a:cs typeface="+mn-cs"/>
       </a:defRPr>
     </a:lvl7pPr>
-    <a:lvl8pPr marL="3200400" algn="l" defTabSz="914400" rtl="0" eaLnBrk="1" latinLnBrk="0" hangingPunct="1">
+    <a:lvl8pPr marL="3200400" algn="l" defTabSz="457200" rtl="0" eaLnBrk="1" latinLnBrk="0" hangingPunct="1">
       <a:defRPr sz="1800" kern="1200">
         <a:solidFill>
           <a:schemeClr val="tx1"/>
@@ -93,7 +93,7 @@
         <a:cs typeface="+mn-cs"/>
       </a:defRPr>
     </a:lvl8pPr>
-    <a:lvl9pPr marL="3657600" algn="l" defTabSz="914400" rtl="0" eaLnBrk="1" latinLnBrk="0" hangingPunct="1">
+    <a:lvl9pPr marL="3657600" algn="l" defTabSz="457200" rtl="0" eaLnBrk="1" latinLnBrk="0" hangingPunct="1">
       <a:defRPr sz="1800" kern="1200">
         <a:solidFill>
           <a:schemeClr val="tx1"/>
@@ -131,13 +131,7 @@
       </p:grpSpPr>
       <p:sp>
         <p:nvSpPr>
-          <p:cNvPr id="2" name="Title 1">
-            <a:extLst>
-              <a:ext uri="{FF2B5EF4-FFF2-40B4-BE49-F238E27FC236}">
-                <a16:creationId xmlns:a16="http://schemas.microsoft.com/office/drawing/2014/main" id="{B4F6558B-08FB-41C8-94A5-678EC0E77B66}"/>
-              </a:ext>
-            </a:extLst>
-          </p:cNvPr>
+          <p:cNvPr id="2" name="Title 1"/>
           <p:cNvSpPr>
             <a:spLocks noGrp="1"/>
           </p:cNvSpPr>
@@ -147,15 +141,15 @@
         </p:nvSpPr>
         <p:spPr>
           <a:xfrm>
-            <a:off x="1524000" y="1122363"/>
-            <a:ext cx="9144000" cy="2387600"/>
+            <a:off x="2286000" y="1646133"/>
+            <a:ext cx="13716000" cy="3501813"/>
           </a:xfrm>
         </p:spPr>
         <p:txBody>
           <a:bodyPr anchor="b"/>
           <a:lstStyle>
             <a:lvl1pPr algn="ctr">
-              <a:defRPr sz="6000"/>
+              <a:defRPr sz="8800"/>
             </a:lvl1pPr>
           </a:lstStyle>
           <a:p>
@@ -163,18 +157,13 @@
               <a:rPr lang="en-US"/>
               <a:t>Click to edit Master title style</a:t>
             </a:r>
+            <a:endParaRPr lang="en-US" dirty="0"/>
           </a:p>
         </p:txBody>
       </p:sp>
       <p:sp>
         <p:nvSpPr>
-          <p:cNvPr id="3" name="Subtitle 2">
-            <a:extLst>
-              <a:ext uri="{FF2B5EF4-FFF2-40B4-BE49-F238E27FC236}">
-                <a16:creationId xmlns:a16="http://schemas.microsoft.com/office/drawing/2014/main" id="{2BD8F65D-794A-4D6B-A847-058D2280FFC3}"/>
-              </a:ext>
-            </a:extLst>
-          </p:cNvPr>
+          <p:cNvPr id="3" name="Subtitle 2"/>
           <p:cNvSpPr>
             <a:spLocks noGrp="1"/>
           </p:cNvSpPr>
@@ -184,8 +173,8 @@
         </p:nvSpPr>
         <p:spPr>
           <a:xfrm>
-            <a:off x="1524000" y="3602038"/>
-            <a:ext cx="9144000" cy="1655762"/>
+            <a:off x="2286000" y="5282989"/>
+            <a:ext cx="13716000" cy="2428451"/>
           </a:xfrm>
         </p:spPr>
         <p:txBody>
@@ -193,39 +182,39 @@
           <a:lstStyle>
             <a:lvl1pPr marL="0" indent="0" algn="ctr">
               <a:buNone/>
-              <a:defRPr sz="2400"/>
+              <a:defRPr sz="3520"/>
             </a:lvl1pPr>
-            <a:lvl2pPr marL="457200" indent="0" algn="ctr">
+            <a:lvl2pPr marL="670575" indent="0" algn="ctr">
               <a:buNone/>
-              <a:defRPr sz="2000"/>
+              <a:defRPr sz="2933"/>
             </a:lvl2pPr>
-            <a:lvl3pPr marL="914400" indent="0" algn="ctr">
+            <a:lvl3pPr marL="1341150" indent="0" algn="ctr">
               <a:buNone/>
-              <a:defRPr sz="1800"/>
+              <a:defRPr sz="2640"/>
             </a:lvl3pPr>
-            <a:lvl4pPr marL="1371600" indent="0" algn="ctr">
+            <a:lvl4pPr marL="2011726" indent="0" algn="ctr">
               <a:buNone/>
-              <a:defRPr sz="1600"/>
+              <a:defRPr sz="2347"/>
             </a:lvl4pPr>
-            <a:lvl5pPr marL="1828800" indent="0" algn="ctr">
+            <a:lvl5pPr marL="2682301" indent="0" algn="ctr">
               <a:buNone/>
-              <a:defRPr sz="1600"/>
+              <a:defRPr sz="2347"/>
             </a:lvl5pPr>
-            <a:lvl6pPr marL="2286000" indent="0" algn="ctr">
+            <a:lvl6pPr marL="3352876" indent="0" algn="ctr">
               <a:buNone/>
-              <a:defRPr sz="1600"/>
+              <a:defRPr sz="2347"/>
             </a:lvl6pPr>
-            <a:lvl7pPr marL="2743200" indent="0" algn="ctr">
+            <a:lvl7pPr marL="4023451" indent="0" algn="ctr">
               <a:buNone/>
-              <a:defRPr sz="1600"/>
+              <a:defRPr sz="2347"/>
             </a:lvl7pPr>
-            <a:lvl8pPr marL="3200400" indent="0" algn="ctr">
+            <a:lvl8pPr marL="4694027" indent="0" algn="ctr">
               <a:buNone/>
-              <a:defRPr sz="1600"/>
+              <a:defRPr sz="2347"/>
             </a:lvl8pPr>
-            <a:lvl9pPr marL="3657600" indent="0" algn="ctr">
+            <a:lvl9pPr marL="5364602" indent="0" algn="ctr">
               <a:buNone/>
-              <a:defRPr sz="1600"/>
+              <a:defRPr sz="2347"/>
             </a:lvl9pPr>
           </a:lstStyle>
           <a:p>
@@ -233,18 +222,13 @@
               <a:rPr lang="en-US"/>
               <a:t>Click to edit Master subtitle style</a:t>
             </a:r>
+            <a:endParaRPr lang="en-US" dirty="0"/>
           </a:p>
         </p:txBody>
       </p:sp>
       <p:sp>
         <p:nvSpPr>
-          <p:cNvPr id="4" name="Date Placeholder 3">
-            <a:extLst>
-              <a:ext uri="{FF2B5EF4-FFF2-40B4-BE49-F238E27FC236}">
-                <a16:creationId xmlns:a16="http://schemas.microsoft.com/office/drawing/2014/main" id="{AD61D3BE-7688-4D11-A8A4-405597871E0B}"/>
-              </a:ext>
-            </a:extLst>
-          </p:cNvPr>
+          <p:cNvPr id="4" name="Date Placeholder 3"/>
           <p:cNvSpPr>
             <a:spLocks noGrp="1"/>
           </p:cNvSpPr>
@@ -259,7 +243,7 @@
           <a:p>
             <a:fld id="{910FE9F8-85C6-4D94-8C60-6B46B301E45E}" type="datetimeFigureOut">
               <a:rPr lang="en-US" smtClean="0"/>
-              <a:t>2022-09-07</a:t>
+              <a:t>2022-09-27</a:t>
             </a:fld>
             <a:endParaRPr lang="en-US"/>
           </a:p>
@@ -267,13 +251,7 @@
       </p:sp>
       <p:sp>
         <p:nvSpPr>
-          <p:cNvPr id="5" name="Footer Placeholder 4">
-            <a:extLst>
-              <a:ext uri="{FF2B5EF4-FFF2-40B4-BE49-F238E27FC236}">
-                <a16:creationId xmlns:a16="http://schemas.microsoft.com/office/drawing/2014/main" id="{D0E80BA8-CA23-4F9A-83D0-BC172A022915}"/>
-              </a:ext>
-            </a:extLst>
-          </p:cNvPr>
+          <p:cNvPr id="5" name="Footer Placeholder 4"/>
           <p:cNvSpPr>
             <a:spLocks noGrp="1"/>
           </p:cNvSpPr>
@@ -292,13 +270,7 @@
       </p:sp>
       <p:sp>
         <p:nvSpPr>
-          <p:cNvPr id="6" name="Slide Number Placeholder 5">
-            <a:extLst>
-              <a:ext uri="{FF2B5EF4-FFF2-40B4-BE49-F238E27FC236}">
-                <a16:creationId xmlns:a16="http://schemas.microsoft.com/office/drawing/2014/main" id="{36D407A0-37EE-41D4-8D42-C2D63E2F935B}"/>
-              </a:ext>
-            </a:extLst>
-          </p:cNvPr>
+          <p:cNvPr id="6" name="Slide Number Placeholder 5"/>
           <p:cNvSpPr>
             <a:spLocks noGrp="1"/>
           </p:cNvSpPr>
@@ -322,7 +294,7 @@
     </p:spTree>
     <p:extLst>
       <p:ext uri="{BB962C8B-B14F-4D97-AF65-F5344CB8AC3E}">
-        <p14:creationId xmlns:p14="http://schemas.microsoft.com/office/powerpoint/2010/main" val="3717294480"/>
+        <p14:creationId xmlns:p14="http://schemas.microsoft.com/office/powerpoint/2010/main" val="3999712411"/>
       </p:ext>
     </p:extLst>
   </p:cSld>
@@ -351,13 +323,7 @@
       </p:grpSpPr>
       <p:sp>
         <p:nvSpPr>
-          <p:cNvPr id="2" name="Title 1">
-            <a:extLst>
-              <a:ext uri="{FF2B5EF4-FFF2-40B4-BE49-F238E27FC236}">
-                <a16:creationId xmlns:a16="http://schemas.microsoft.com/office/drawing/2014/main" id="{151D6A86-1279-465F-8B43-49929F3FA02B}"/>
-              </a:ext>
-            </a:extLst>
-          </p:cNvPr>
+          <p:cNvPr id="2" name="Title 1"/>
           <p:cNvSpPr>
             <a:spLocks noGrp="1"/>
           </p:cNvSpPr>
@@ -374,18 +340,13 @@
               <a:rPr lang="en-US"/>
               <a:t>Click to edit Master title style</a:t>
             </a:r>
+            <a:endParaRPr lang="en-US" dirty="0"/>
           </a:p>
         </p:txBody>
       </p:sp>
       <p:sp>
         <p:nvSpPr>
-          <p:cNvPr id="3" name="Vertical Text Placeholder 2">
-            <a:extLst>
-              <a:ext uri="{FF2B5EF4-FFF2-40B4-BE49-F238E27FC236}">
-                <a16:creationId xmlns:a16="http://schemas.microsoft.com/office/drawing/2014/main" id="{4F916B00-C71A-4F18-A86E-8A100BC58BF9}"/>
-              </a:ext>
-            </a:extLst>
-          </p:cNvPr>
+          <p:cNvPr id="3" name="Vertical Text Placeholder 2"/>
           <p:cNvSpPr>
             <a:spLocks noGrp="1"/>
           </p:cNvSpPr>
@@ -431,18 +392,13 @@
               <a:rPr lang="en-US"/>
               <a:t>Fifth level</a:t>
             </a:r>
+            <a:endParaRPr lang="en-US" dirty="0"/>
           </a:p>
         </p:txBody>
       </p:sp>
       <p:sp>
         <p:nvSpPr>
-          <p:cNvPr id="4" name="Date Placeholder 3">
-            <a:extLst>
-              <a:ext uri="{FF2B5EF4-FFF2-40B4-BE49-F238E27FC236}">
-                <a16:creationId xmlns:a16="http://schemas.microsoft.com/office/drawing/2014/main" id="{4C998A3B-294B-4829-8F4B-3BEF63C9176C}"/>
-              </a:ext>
-            </a:extLst>
-          </p:cNvPr>
+          <p:cNvPr id="4" name="Date Placeholder 3"/>
           <p:cNvSpPr>
             <a:spLocks noGrp="1"/>
           </p:cNvSpPr>
@@ -457,7 +413,7 @@
           <a:p>
             <a:fld id="{910FE9F8-85C6-4D94-8C60-6B46B301E45E}" type="datetimeFigureOut">
               <a:rPr lang="en-US" smtClean="0"/>
-              <a:t>2022-09-07</a:t>
+              <a:t>2022-09-27</a:t>
             </a:fld>
             <a:endParaRPr lang="en-US"/>
           </a:p>
@@ -465,13 +421,7 @@
       </p:sp>
       <p:sp>
         <p:nvSpPr>
-          <p:cNvPr id="5" name="Footer Placeholder 4">
-            <a:extLst>
-              <a:ext uri="{FF2B5EF4-FFF2-40B4-BE49-F238E27FC236}">
-                <a16:creationId xmlns:a16="http://schemas.microsoft.com/office/drawing/2014/main" id="{DD5BF5EB-82AF-454D-A0FA-517FF04E4F45}"/>
-              </a:ext>
-            </a:extLst>
-          </p:cNvPr>
+          <p:cNvPr id="5" name="Footer Placeholder 4"/>
           <p:cNvSpPr>
             <a:spLocks noGrp="1"/>
           </p:cNvSpPr>
@@ -490,13 +440,7 @@
       </p:sp>
       <p:sp>
         <p:nvSpPr>
-          <p:cNvPr id="6" name="Slide Number Placeholder 5">
-            <a:extLst>
-              <a:ext uri="{FF2B5EF4-FFF2-40B4-BE49-F238E27FC236}">
-                <a16:creationId xmlns:a16="http://schemas.microsoft.com/office/drawing/2014/main" id="{493EB9D7-3DD5-4A0D-BDFE-83DC7FB7F63D}"/>
-              </a:ext>
-            </a:extLst>
-          </p:cNvPr>
+          <p:cNvPr id="6" name="Slide Number Placeholder 5"/>
           <p:cNvSpPr>
             <a:spLocks noGrp="1"/>
           </p:cNvSpPr>
@@ -520,7 +464,7 @@
     </p:spTree>
     <p:extLst>
       <p:ext uri="{BB962C8B-B14F-4D97-AF65-F5344CB8AC3E}">
-        <p14:creationId xmlns:p14="http://schemas.microsoft.com/office/powerpoint/2010/main" val="473187580"/>
+        <p14:creationId xmlns:p14="http://schemas.microsoft.com/office/powerpoint/2010/main" val="2340844337"/>
       </p:ext>
     </p:extLst>
   </p:cSld>
@@ -549,13 +493,7 @@
       </p:grpSpPr>
       <p:sp>
         <p:nvSpPr>
-          <p:cNvPr id="2" name="Vertical Title 1">
-            <a:extLst>
-              <a:ext uri="{FF2B5EF4-FFF2-40B4-BE49-F238E27FC236}">
-                <a16:creationId xmlns:a16="http://schemas.microsoft.com/office/drawing/2014/main" id="{AF5582AA-56DE-486B-910D-DFA47505D28F}"/>
-              </a:ext>
-            </a:extLst>
-          </p:cNvPr>
+          <p:cNvPr id="2" name="Vertical Title 1"/>
           <p:cNvSpPr>
             <a:spLocks noGrp="1"/>
           </p:cNvSpPr>
@@ -565,8 +503,8 @@
         </p:nvSpPr>
         <p:spPr>
           <a:xfrm>
-            <a:off x="8724900" y="365125"/>
-            <a:ext cx="2628900" cy="5811838"/>
+            <a:off x="13087350" y="535517"/>
+            <a:ext cx="3943350" cy="8524029"/>
           </a:xfrm>
         </p:spPr>
         <p:txBody>
@@ -577,18 +515,13 @@
               <a:rPr lang="en-US"/>
               <a:t>Click to edit Master title style</a:t>
             </a:r>
+            <a:endParaRPr lang="en-US" dirty="0"/>
           </a:p>
         </p:txBody>
       </p:sp>
       <p:sp>
         <p:nvSpPr>
-          <p:cNvPr id="3" name="Vertical Text Placeholder 2">
-            <a:extLst>
-              <a:ext uri="{FF2B5EF4-FFF2-40B4-BE49-F238E27FC236}">
-                <a16:creationId xmlns:a16="http://schemas.microsoft.com/office/drawing/2014/main" id="{41964599-66D9-4BC4-BBCD-2D803E7CEE90}"/>
-              </a:ext>
-            </a:extLst>
-          </p:cNvPr>
+          <p:cNvPr id="3" name="Vertical Text Placeholder 2"/>
           <p:cNvSpPr>
             <a:spLocks noGrp="1"/>
           </p:cNvSpPr>
@@ -598,8 +531,8 @@
         </p:nvSpPr>
         <p:spPr>
           <a:xfrm>
-            <a:off x="838200" y="365125"/>
-            <a:ext cx="7734300" cy="5811838"/>
+            <a:off x="1257300" y="535517"/>
+            <a:ext cx="11601450" cy="8524029"/>
           </a:xfrm>
         </p:spPr>
         <p:txBody>
@@ -639,18 +572,13 @@
               <a:rPr lang="en-US"/>
               <a:t>Fifth level</a:t>
             </a:r>
+            <a:endParaRPr lang="en-US" dirty="0"/>
           </a:p>
         </p:txBody>
       </p:sp>
       <p:sp>
         <p:nvSpPr>
-          <p:cNvPr id="4" name="Date Placeholder 3">
-            <a:extLst>
-              <a:ext uri="{FF2B5EF4-FFF2-40B4-BE49-F238E27FC236}">
-                <a16:creationId xmlns:a16="http://schemas.microsoft.com/office/drawing/2014/main" id="{A8E5D08D-5BC3-4D0A-9575-349B3A26D11E}"/>
-              </a:ext>
-            </a:extLst>
-          </p:cNvPr>
+          <p:cNvPr id="4" name="Date Placeholder 3"/>
           <p:cNvSpPr>
             <a:spLocks noGrp="1"/>
           </p:cNvSpPr>
@@ -665,7 +593,7 @@
           <a:p>
             <a:fld id="{910FE9F8-85C6-4D94-8C60-6B46B301E45E}" type="datetimeFigureOut">
               <a:rPr lang="en-US" smtClean="0"/>
-              <a:t>2022-09-07</a:t>
+              <a:t>2022-09-27</a:t>
             </a:fld>
             <a:endParaRPr lang="en-US"/>
           </a:p>
@@ -673,13 +601,7 @@
       </p:sp>
       <p:sp>
         <p:nvSpPr>
-          <p:cNvPr id="5" name="Footer Placeholder 4">
-            <a:extLst>
-              <a:ext uri="{FF2B5EF4-FFF2-40B4-BE49-F238E27FC236}">
-                <a16:creationId xmlns:a16="http://schemas.microsoft.com/office/drawing/2014/main" id="{F62E1009-E5ED-4B1E-BB45-9884DA2ACDF9}"/>
-              </a:ext>
-            </a:extLst>
-          </p:cNvPr>
+          <p:cNvPr id="5" name="Footer Placeholder 4"/>
           <p:cNvSpPr>
             <a:spLocks noGrp="1"/>
           </p:cNvSpPr>
@@ -698,13 +620,7 @@
       </p:sp>
       <p:sp>
         <p:nvSpPr>
-          <p:cNvPr id="6" name="Slide Number Placeholder 5">
-            <a:extLst>
-              <a:ext uri="{FF2B5EF4-FFF2-40B4-BE49-F238E27FC236}">
-                <a16:creationId xmlns:a16="http://schemas.microsoft.com/office/drawing/2014/main" id="{BD0C42F3-68FB-498D-9314-D03FE753C4EB}"/>
-              </a:ext>
-            </a:extLst>
-          </p:cNvPr>
+          <p:cNvPr id="6" name="Slide Number Placeholder 5"/>
           <p:cNvSpPr>
             <a:spLocks noGrp="1"/>
           </p:cNvSpPr>
@@ -728,7 +644,7 @@
     </p:spTree>
     <p:extLst>
       <p:ext uri="{BB962C8B-B14F-4D97-AF65-F5344CB8AC3E}">
-        <p14:creationId xmlns:p14="http://schemas.microsoft.com/office/powerpoint/2010/main" val="846610484"/>
+        <p14:creationId xmlns:p14="http://schemas.microsoft.com/office/powerpoint/2010/main" val="3527094889"/>
       </p:ext>
     </p:extLst>
   </p:cSld>
@@ -757,13 +673,7 @@
       </p:grpSpPr>
       <p:sp>
         <p:nvSpPr>
-          <p:cNvPr id="2" name="Title 1">
-            <a:extLst>
-              <a:ext uri="{FF2B5EF4-FFF2-40B4-BE49-F238E27FC236}">
-                <a16:creationId xmlns:a16="http://schemas.microsoft.com/office/drawing/2014/main" id="{462029F1-DEE6-46A8-962F-01E7674941B6}"/>
-              </a:ext>
-            </a:extLst>
-          </p:cNvPr>
+          <p:cNvPr id="2" name="Title 1"/>
           <p:cNvSpPr>
             <a:spLocks noGrp="1"/>
           </p:cNvSpPr>
@@ -780,18 +690,13 @@
               <a:rPr lang="en-US"/>
               <a:t>Click to edit Master title style</a:t>
             </a:r>
+            <a:endParaRPr lang="en-US" dirty="0"/>
           </a:p>
         </p:txBody>
       </p:sp>
       <p:sp>
         <p:nvSpPr>
-          <p:cNvPr id="3" name="Content Placeholder 2">
-            <a:extLst>
-              <a:ext uri="{FF2B5EF4-FFF2-40B4-BE49-F238E27FC236}">
-                <a16:creationId xmlns:a16="http://schemas.microsoft.com/office/drawing/2014/main" id="{D451E762-74CC-4DED-A553-90904478ED8F}"/>
-              </a:ext>
-            </a:extLst>
-          </p:cNvPr>
+          <p:cNvPr id="3" name="Content Placeholder 2"/>
           <p:cNvSpPr>
             <a:spLocks noGrp="1"/>
           </p:cNvSpPr>
@@ -837,18 +742,13 @@
               <a:rPr lang="en-US"/>
               <a:t>Fifth level</a:t>
             </a:r>
+            <a:endParaRPr lang="en-US" dirty="0"/>
           </a:p>
         </p:txBody>
       </p:sp>
       <p:sp>
         <p:nvSpPr>
-          <p:cNvPr id="4" name="Date Placeholder 3">
-            <a:extLst>
-              <a:ext uri="{FF2B5EF4-FFF2-40B4-BE49-F238E27FC236}">
-                <a16:creationId xmlns:a16="http://schemas.microsoft.com/office/drawing/2014/main" id="{EE0F04EA-60C4-41BF-9C67-1939C9267014}"/>
-              </a:ext>
-            </a:extLst>
-          </p:cNvPr>
+          <p:cNvPr id="4" name="Date Placeholder 3"/>
           <p:cNvSpPr>
             <a:spLocks noGrp="1"/>
           </p:cNvSpPr>
@@ -863,7 +763,7 @@
           <a:p>
             <a:fld id="{910FE9F8-85C6-4D94-8C60-6B46B301E45E}" type="datetimeFigureOut">
               <a:rPr lang="en-US" smtClean="0"/>
-              <a:t>2022-09-07</a:t>
+              <a:t>2022-09-27</a:t>
             </a:fld>
             <a:endParaRPr lang="en-US"/>
           </a:p>
@@ -871,13 +771,7 @@
       </p:sp>
       <p:sp>
         <p:nvSpPr>
-          <p:cNvPr id="5" name="Footer Placeholder 4">
-            <a:extLst>
-              <a:ext uri="{FF2B5EF4-FFF2-40B4-BE49-F238E27FC236}">
-                <a16:creationId xmlns:a16="http://schemas.microsoft.com/office/drawing/2014/main" id="{B7C9571A-FE2A-4EB9-9519-2267DCC86820}"/>
-              </a:ext>
-            </a:extLst>
-          </p:cNvPr>
+          <p:cNvPr id="5" name="Footer Placeholder 4"/>
           <p:cNvSpPr>
             <a:spLocks noGrp="1"/>
           </p:cNvSpPr>
@@ -896,13 +790,7 @@
       </p:sp>
       <p:sp>
         <p:nvSpPr>
-          <p:cNvPr id="6" name="Slide Number Placeholder 5">
-            <a:extLst>
-              <a:ext uri="{FF2B5EF4-FFF2-40B4-BE49-F238E27FC236}">
-                <a16:creationId xmlns:a16="http://schemas.microsoft.com/office/drawing/2014/main" id="{0AC2348C-91E0-4634-81FB-F1E75A1A2AD6}"/>
-              </a:ext>
-            </a:extLst>
-          </p:cNvPr>
+          <p:cNvPr id="6" name="Slide Number Placeholder 5"/>
           <p:cNvSpPr>
             <a:spLocks noGrp="1"/>
           </p:cNvSpPr>
@@ -926,7 +814,7 @@
     </p:spTree>
     <p:extLst>
       <p:ext uri="{BB962C8B-B14F-4D97-AF65-F5344CB8AC3E}">
-        <p14:creationId xmlns:p14="http://schemas.microsoft.com/office/powerpoint/2010/main" val="1248476601"/>
+        <p14:creationId xmlns:p14="http://schemas.microsoft.com/office/powerpoint/2010/main" val="3033211354"/>
       </p:ext>
     </p:extLst>
   </p:cSld>
@@ -955,13 +843,7 @@
       </p:grpSpPr>
       <p:sp>
         <p:nvSpPr>
-          <p:cNvPr id="2" name="Title 1">
-            <a:extLst>
-              <a:ext uri="{FF2B5EF4-FFF2-40B4-BE49-F238E27FC236}">
-                <a16:creationId xmlns:a16="http://schemas.microsoft.com/office/drawing/2014/main" id="{9CF0BC47-E60A-4FA6-9CEE-00C3D6783675}"/>
-              </a:ext>
-            </a:extLst>
-          </p:cNvPr>
+          <p:cNvPr id="2" name="Title 1"/>
           <p:cNvSpPr>
             <a:spLocks noGrp="1"/>
           </p:cNvSpPr>
@@ -971,15 +853,15 @@
         </p:nvSpPr>
         <p:spPr>
           <a:xfrm>
-            <a:off x="831850" y="1709738"/>
-            <a:ext cx="10515600" cy="2852737"/>
+            <a:off x="1247775" y="2507617"/>
+            <a:ext cx="15773400" cy="4184014"/>
           </a:xfrm>
         </p:spPr>
         <p:txBody>
           <a:bodyPr anchor="b"/>
           <a:lstStyle>
             <a:lvl1pPr>
-              <a:defRPr sz="6000"/>
+              <a:defRPr sz="8800"/>
             </a:lvl1pPr>
           </a:lstStyle>
           <a:p>
@@ -987,18 +869,13 @@
               <a:rPr lang="en-US"/>
               <a:t>Click to edit Master title style</a:t>
             </a:r>
+            <a:endParaRPr lang="en-US" dirty="0"/>
           </a:p>
         </p:txBody>
       </p:sp>
       <p:sp>
         <p:nvSpPr>
-          <p:cNvPr id="3" name="Text Placeholder 2">
-            <a:extLst>
-              <a:ext uri="{FF2B5EF4-FFF2-40B4-BE49-F238E27FC236}">
-                <a16:creationId xmlns:a16="http://schemas.microsoft.com/office/drawing/2014/main" id="{1E5EA4CA-F044-419F-8F66-1919BB52D33F}"/>
-              </a:ext>
-            </a:extLst>
-          </p:cNvPr>
+          <p:cNvPr id="3" name="Text Placeholder 2"/>
           <p:cNvSpPr>
             <a:spLocks noGrp="1"/>
           </p:cNvSpPr>
@@ -1008,8 +885,8 @@
         </p:nvSpPr>
         <p:spPr>
           <a:xfrm>
-            <a:off x="831850" y="4589463"/>
-            <a:ext cx="10515600" cy="1500187"/>
+            <a:off x="1247775" y="6731213"/>
+            <a:ext cx="15773400" cy="2200274"/>
           </a:xfrm>
         </p:spPr>
         <p:txBody>
@@ -1017,7 +894,7 @@
           <a:lstStyle>
             <a:lvl1pPr marL="0" indent="0">
               <a:buNone/>
-              <a:defRPr sz="2400">
+              <a:defRPr sz="3520">
                 <a:solidFill>
                   <a:schemeClr val="tx1">
                     <a:tint val="75000"/>
@@ -1025,9 +902,9 @@
                 </a:solidFill>
               </a:defRPr>
             </a:lvl1pPr>
-            <a:lvl2pPr marL="457200" indent="0">
+            <a:lvl2pPr marL="670575" indent="0">
               <a:buNone/>
-              <a:defRPr sz="2000">
+              <a:defRPr sz="2933">
                 <a:solidFill>
                   <a:schemeClr val="tx1">
                     <a:tint val="75000"/>
@@ -1035,9 +912,9 @@
                 </a:solidFill>
               </a:defRPr>
             </a:lvl2pPr>
-            <a:lvl3pPr marL="914400" indent="0">
+            <a:lvl3pPr marL="1341150" indent="0">
               <a:buNone/>
-              <a:defRPr sz="1800">
+              <a:defRPr sz="2640">
                 <a:solidFill>
                   <a:schemeClr val="tx1">
                     <a:tint val="75000"/>
@@ -1045,9 +922,9 @@
                 </a:solidFill>
               </a:defRPr>
             </a:lvl3pPr>
-            <a:lvl4pPr marL="1371600" indent="0">
+            <a:lvl4pPr marL="2011726" indent="0">
               <a:buNone/>
-              <a:defRPr sz="1600">
+              <a:defRPr sz="2347">
                 <a:solidFill>
                   <a:schemeClr val="tx1">
                     <a:tint val="75000"/>
@@ -1055,9 +932,9 @@
                 </a:solidFill>
               </a:defRPr>
             </a:lvl4pPr>
-            <a:lvl5pPr marL="1828800" indent="0">
+            <a:lvl5pPr marL="2682301" indent="0">
               <a:buNone/>
-              <a:defRPr sz="1600">
+              <a:defRPr sz="2347">
                 <a:solidFill>
                   <a:schemeClr val="tx1">
                     <a:tint val="75000"/>
@@ -1065,9 +942,9 @@
                 </a:solidFill>
               </a:defRPr>
             </a:lvl5pPr>
-            <a:lvl6pPr marL="2286000" indent="0">
+            <a:lvl6pPr marL="3352876" indent="0">
               <a:buNone/>
-              <a:defRPr sz="1600">
+              <a:defRPr sz="2347">
                 <a:solidFill>
                   <a:schemeClr val="tx1">
                     <a:tint val="75000"/>
@@ -1075,9 +952,9 @@
                 </a:solidFill>
               </a:defRPr>
             </a:lvl6pPr>
-            <a:lvl7pPr marL="2743200" indent="0">
+            <a:lvl7pPr marL="4023451" indent="0">
               <a:buNone/>
-              <a:defRPr sz="1600">
+              <a:defRPr sz="2347">
                 <a:solidFill>
                   <a:schemeClr val="tx1">
                     <a:tint val="75000"/>
@@ -1085,9 +962,9 @@
                 </a:solidFill>
               </a:defRPr>
             </a:lvl7pPr>
-            <a:lvl8pPr marL="3200400" indent="0">
+            <a:lvl8pPr marL="4694027" indent="0">
               <a:buNone/>
-              <a:defRPr sz="1600">
+              <a:defRPr sz="2347">
                 <a:solidFill>
                   <a:schemeClr val="tx1">
                     <a:tint val="75000"/>
@@ -1095,9 +972,9 @@
                 </a:solidFill>
               </a:defRPr>
             </a:lvl8pPr>
-            <a:lvl9pPr marL="3657600" indent="0">
+            <a:lvl9pPr marL="5364602" indent="0">
               <a:buNone/>
-              <a:defRPr sz="1600">
+              <a:defRPr sz="2347">
                 <a:solidFill>
                   <a:schemeClr val="tx1">
                     <a:tint val="75000"/>
@@ -1117,13 +994,7 @@
       </p:sp>
       <p:sp>
         <p:nvSpPr>
-          <p:cNvPr id="4" name="Date Placeholder 3">
-            <a:extLst>
-              <a:ext uri="{FF2B5EF4-FFF2-40B4-BE49-F238E27FC236}">
-                <a16:creationId xmlns:a16="http://schemas.microsoft.com/office/drawing/2014/main" id="{FD19EF0C-7CAC-4B62-9A7D-03262CE75640}"/>
-              </a:ext>
-            </a:extLst>
-          </p:cNvPr>
+          <p:cNvPr id="4" name="Date Placeholder 3"/>
           <p:cNvSpPr>
             <a:spLocks noGrp="1"/>
           </p:cNvSpPr>
@@ -1138,7 +1009,7 @@
           <a:p>
             <a:fld id="{910FE9F8-85C6-4D94-8C60-6B46B301E45E}" type="datetimeFigureOut">
               <a:rPr lang="en-US" smtClean="0"/>
-              <a:t>2022-09-07</a:t>
+              <a:t>2022-09-27</a:t>
             </a:fld>
             <a:endParaRPr lang="en-US"/>
           </a:p>
@@ -1146,13 +1017,7 @@
       </p:sp>
       <p:sp>
         <p:nvSpPr>
-          <p:cNvPr id="5" name="Footer Placeholder 4">
-            <a:extLst>
-              <a:ext uri="{FF2B5EF4-FFF2-40B4-BE49-F238E27FC236}">
-                <a16:creationId xmlns:a16="http://schemas.microsoft.com/office/drawing/2014/main" id="{58010ED8-D874-4718-88DC-E2D9B2C111DD}"/>
-              </a:ext>
-            </a:extLst>
-          </p:cNvPr>
+          <p:cNvPr id="5" name="Footer Placeholder 4"/>
           <p:cNvSpPr>
             <a:spLocks noGrp="1"/>
           </p:cNvSpPr>
@@ -1171,13 +1036,7 @@
       </p:sp>
       <p:sp>
         <p:nvSpPr>
-          <p:cNvPr id="6" name="Slide Number Placeholder 5">
-            <a:extLst>
-              <a:ext uri="{FF2B5EF4-FFF2-40B4-BE49-F238E27FC236}">
-                <a16:creationId xmlns:a16="http://schemas.microsoft.com/office/drawing/2014/main" id="{80FABA27-5DCE-4893-A248-15357FAA7E59}"/>
-              </a:ext>
-            </a:extLst>
-          </p:cNvPr>
+          <p:cNvPr id="6" name="Slide Number Placeholder 5"/>
           <p:cNvSpPr>
             <a:spLocks noGrp="1"/>
           </p:cNvSpPr>
@@ -1201,7 +1060,7 @@
     </p:spTree>
     <p:extLst>
       <p:ext uri="{BB962C8B-B14F-4D97-AF65-F5344CB8AC3E}">
-        <p14:creationId xmlns:p14="http://schemas.microsoft.com/office/powerpoint/2010/main" val="3867341004"/>
+        <p14:creationId xmlns:p14="http://schemas.microsoft.com/office/powerpoint/2010/main" val="2805326839"/>
       </p:ext>
     </p:extLst>
   </p:cSld>
@@ -1230,13 +1089,7 @@
       </p:grpSpPr>
       <p:sp>
         <p:nvSpPr>
-          <p:cNvPr id="2" name="Title 1">
-            <a:extLst>
-              <a:ext uri="{FF2B5EF4-FFF2-40B4-BE49-F238E27FC236}">
-                <a16:creationId xmlns:a16="http://schemas.microsoft.com/office/drawing/2014/main" id="{DEC391F4-8360-4AF4-8870-00A83010A226}"/>
-              </a:ext>
-            </a:extLst>
-          </p:cNvPr>
+          <p:cNvPr id="2" name="Title 1"/>
           <p:cNvSpPr>
             <a:spLocks noGrp="1"/>
           </p:cNvSpPr>
@@ -1253,18 +1106,13 @@
               <a:rPr lang="en-US"/>
               <a:t>Click to edit Master title style</a:t>
             </a:r>
+            <a:endParaRPr lang="en-US" dirty="0"/>
           </a:p>
         </p:txBody>
       </p:sp>
       <p:sp>
         <p:nvSpPr>
-          <p:cNvPr id="3" name="Content Placeholder 2">
-            <a:extLst>
-              <a:ext uri="{FF2B5EF4-FFF2-40B4-BE49-F238E27FC236}">
-                <a16:creationId xmlns:a16="http://schemas.microsoft.com/office/drawing/2014/main" id="{9F32AE72-B946-429B-96C8-5987277E276B}"/>
-              </a:ext>
-            </a:extLst>
-          </p:cNvPr>
+          <p:cNvPr id="3" name="Content Placeholder 2"/>
           <p:cNvSpPr>
             <a:spLocks noGrp="1"/>
           </p:cNvSpPr>
@@ -1274,8 +1122,8 @@
         </p:nvSpPr>
         <p:spPr>
           <a:xfrm>
-            <a:off x="838200" y="1825625"/>
-            <a:ext cx="5181600" cy="4351338"/>
+            <a:off x="1257300" y="2677584"/>
+            <a:ext cx="7772400" cy="6381962"/>
           </a:xfrm>
         </p:spPr>
         <p:txBody>
@@ -1315,18 +1163,13 @@
               <a:rPr lang="en-US"/>
               <a:t>Fifth level</a:t>
             </a:r>
+            <a:endParaRPr lang="en-US" dirty="0"/>
           </a:p>
         </p:txBody>
       </p:sp>
       <p:sp>
         <p:nvSpPr>
-          <p:cNvPr id="4" name="Content Placeholder 3">
-            <a:extLst>
-              <a:ext uri="{FF2B5EF4-FFF2-40B4-BE49-F238E27FC236}">
-                <a16:creationId xmlns:a16="http://schemas.microsoft.com/office/drawing/2014/main" id="{35135DDF-9618-4CAB-9C3B-7A6170D29870}"/>
-              </a:ext>
-            </a:extLst>
-          </p:cNvPr>
+          <p:cNvPr id="4" name="Content Placeholder 3"/>
           <p:cNvSpPr>
             <a:spLocks noGrp="1"/>
           </p:cNvSpPr>
@@ -1336,8 +1179,8 @@
         </p:nvSpPr>
         <p:spPr>
           <a:xfrm>
-            <a:off x="6172200" y="1825625"/>
-            <a:ext cx="5181600" cy="4351338"/>
+            <a:off x="9258300" y="2677584"/>
+            <a:ext cx="7772400" cy="6381962"/>
           </a:xfrm>
         </p:spPr>
         <p:txBody>
@@ -1377,18 +1220,13 @@
               <a:rPr lang="en-US"/>
               <a:t>Fifth level</a:t>
             </a:r>
+            <a:endParaRPr lang="en-US" dirty="0"/>
           </a:p>
         </p:txBody>
       </p:sp>
       <p:sp>
         <p:nvSpPr>
-          <p:cNvPr id="5" name="Date Placeholder 4">
-            <a:extLst>
-              <a:ext uri="{FF2B5EF4-FFF2-40B4-BE49-F238E27FC236}">
-                <a16:creationId xmlns:a16="http://schemas.microsoft.com/office/drawing/2014/main" id="{6C020395-2803-4C76-94FC-EAE4426533FE}"/>
-              </a:ext>
-            </a:extLst>
-          </p:cNvPr>
+          <p:cNvPr id="5" name="Date Placeholder 4"/>
           <p:cNvSpPr>
             <a:spLocks noGrp="1"/>
           </p:cNvSpPr>
@@ -1403,7 +1241,7 @@
           <a:p>
             <a:fld id="{910FE9F8-85C6-4D94-8C60-6B46B301E45E}" type="datetimeFigureOut">
               <a:rPr lang="en-US" smtClean="0"/>
-              <a:t>2022-09-07</a:t>
+              <a:t>2022-09-27</a:t>
             </a:fld>
             <a:endParaRPr lang="en-US"/>
           </a:p>
@@ -1411,13 +1249,7 @@
       </p:sp>
       <p:sp>
         <p:nvSpPr>
-          <p:cNvPr id="6" name="Footer Placeholder 5">
-            <a:extLst>
-              <a:ext uri="{FF2B5EF4-FFF2-40B4-BE49-F238E27FC236}">
-                <a16:creationId xmlns:a16="http://schemas.microsoft.com/office/drawing/2014/main" id="{316F0EA7-3FDC-4927-8834-B9A4D821EE63}"/>
-              </a:ext>
-            </a:extLst>
-          </p:cNvPr>
+          <p:cNvPr id="6" name="Footer Placeholder 5"/>
           <p:cNvSpPr>
             <a:spLocks noGrp="1"/>
           </p:cNvSpPr>
@@ -1436,13 +1268,7 @@
       </p:sp>
       <p:sp>
         <p:nvSpPr>
-          <p:cNvPr id="7" name="Slide Number Placeholder 6">
-            <a:extLst>
-              <a:ext uri="{FF2B5EF4-FFF2-40B4-BE49-F238E27FC236}">
-                <a16:creationId xmlns:a16="http://schemas.microsoft.com/office/drawing/2014/main" id="{2E32DE8F-3A77-45EC-9857-3EC7657A7918}"/>
-              </a:ext>
-            </a:extLst>
-          </p:cNvPr>
+          <p:cNvPr id="7" name="Slide Number Placeholder 6"/>
           <p:cNvSpPr>
             <a:spLocks noGrp="1"/>
           </p:cNvSpPr>
@@ -1466,7 +1292,7 @@
     </p:spTree>
     <p:extLst>
       <p:ext uri="{BB962C8B-B14F-4D97-AF65-F5344CB8AC3E}">
-        <p14:creationId xmlns:p14="http://schemas.microsoft.com/office/powerpoint/2010/main" val="2809284972"/>
+        <p14:creationId xmlns:p14="http://schemas.microsoft.com/office/powerpoint/2010/main" val="1830354035"/>
       </p:ext>
     </p:extLst>
   </p:cSld>
@@ -1495,13 +1321,7 @@
       </p:grpSpPr>
       <p:sp>
         <p:nvSpPr>
-          <p:cNvPr id="2" name="Title 1">
-            <a:extLst>
-              <a:ext uri="{FF2B5EF4-FFF2-40B4-BE49-F238E27FC236}">
-                <a16:creationId xmlns:a16="http://schemas.microsoft.com/office/drawing/2014/main" id="{D69F7EDD-3E31-4F4A-967C-66D2A4619D6F}"/>
-              </a:ext>
-            </a:extLst>
-          </p:cNvPr>
+          <p:cNvPr id="2" name="Title 1"/>
           <p:cNvSpPr>
             <a:spLocks noGrp="1"/>
           </p:cNvSpPr>
@@ -1511,8 +1331,8 @@
         </p:nvSpPr>
         <p:spPr>
           <a:xfrm>
-            <a:off x="839788" y="365125"/>
-            <a:ext cx="10515600" cy="1325563"/>
+            <a:off x="1259682" y="535517"/>
+            <a:ext cx="15773400" cy="1944159"/>
           </a:xfrm>
         </p:spPr>
         <p:txBody>
@@ -1523,18 +1343,13 @@
               <a:rPr lang="en-US"/>
               <a:t>Click to edit Master title style</a:t>
             </a:r>
+            <a:endParaRPr lang="en-US" dirty="0"/>
           </a:p>
         </p:txBody>
       </p:sp>
       <p:sp>
         <p:nvSpPr>
-          <p:cNvPr id="3" name="Text Placeholder 2">
-            <a:extLst>
-              <a:ext uri="{FF2B5EF4-FFF2-40B4-BE49-F238E27FC236}">
-                <a16:creationId xmlns:a16="http://schemas.microsoft.com/office/drawing/2014/main" id="{1CBF0681-4268-4AEC-9577-74C92DA64ACA}"/>
-              </a:ext>
-            </a:extLst>
-          </p:cNvPr>
+          <p:cNvPr id="3" name="Text Placeholder 2"/>
           <p:cNvSpPr>
             <a:spLocks noGrp="1"/>
           </p:cNvSpPr>
@@ -1544,8 +1359,8 @@
         </p:nvSpPr>
         <p:spPr>
           <a:xfrm>
-            <a:off x="839788" y="1681163"/>
-            <a:ext cx="5157787" cy="823912"/>
+            <a:off x="1259683" y="2465706"/>
+            <a:ext cx="7736681" cy="1208404"/>
           </a:xfrm>
         </p:spPr>
         <p:txBody>
@@ -1553,39 +1368,39 @@
           <a:lstStyle>
             <a:lvl1pPr marL="0" indent="0">
               <a:buNone/>
-              <a:defRPr sz="2400" b="1"/>
+              <a:defRPr sz="3520" b="1"/>
             </a:lvl1pPr>
-            <a:lvl2pPr marL="457200" indent="0">
+            <a:lvl2pPr marL="670575" indent="0">
               <a:buNone/>
-              <a:defRPr sz="2000" b="1"/>
+              <a:defRPr sz="2933" b="1"/>
             </a:lvl2pPr>
-            <a:lvl3pPr marL="914400" indent="0">
+            <a:lvl3pPr marL="1341150" indent="0">
               <a:buNone/>
-              <a:defRPr sz="1800" b="1"/>
+              <a:defRPr sz="2640" b="1"/>
             </a:lvl3pPr>
-            <a:lvl4pPr marL="1371600" indent="0">
+            <a:lvl4pPr marL="2011726" indent="0">
               <a:buNone/>
-              <a:defRPr sz="1600" b="1"/>
+              <a:defRPr sz="2347" b="1"/>
             </a:lvl4pPr>
-            <a:lvl5pPr marL="1828800" indent="0">
+            <a:lvl5pPr marL="2682301" indent="0">
               <a:buNone/>
-              <a:defRPr sz="1600" b="1"/>
+              <a:defRPr sz="2347" b="1"/>
             </a:lvl5pPr>
-            <a:lvl6pPr marL="2286000" indent="0">
+            <a:lvl6pPr marL="3352876" indent="0">
               <a:buNone/>
-              <a:defRPr sz="1600" b="1"/>
+              <a:defRPr sz="2347" b="1"/>
             </a:lvl6pPr>
-            <a:lvl7pPr marL="2743200" indent="0">
+            <a:lvl7pPr marL="4023451" indent="0">
               <a:buNone/>
-              <a:defRPr sz="1600" b="1"/>
+              <a:defRPr sz="2347" b="1"/>
             </a:lvl7pPr>
-            <a:lvl8pPr marL="3200400" indent="0">
+            <a:lvl8pPr marL="4694027" indent="0">
               <a:buNone/>
-              <a:defRPr sz="1600" b="1"/>
+              <a:defRPr sz="2347" b="1"/>
             </a:lvl8pPr>
-            <a:lvl9pPr marL="3657600" indent="0">
+            <a:lvl9pPr marL="5364602" indent="0">
               <a:buNone/>
-              <a:defRPr sz="1600" b="1"/>
+              <a:defRPr sz="2347" b="1"/>
             </a:lvl9pPr>
           </a:lstStyle>
           <a:p>
@@ -1599,13 +1414,7 @@
       </p:sp>
       <p:sp>
         <p:nvSpPr>
-          <p:cNvPr id="4" name="Content Placeholder 3">
-            <a:extLst>
-              <a:ext uri="{FF2B5EF4-FFF2-40B4-BE49-F238E27FC236}">
-                <a16:creationId xmlns:a16="http://schemas.microsoft.com/office/drawing/2014/main" id="{7B13ABF7-6F57-4608-9A71-422E2B2C5AC9}"/>
-              </a:ext>
-            </a:extLst>
-          </p:cNvPr>
+          <p:cNvPr id="4" name="Content Placeholder 3"/>
           <p:cNvSpPr>
             <a:spLocks noGrp="1"/>
           </p:cNvSpPr>
@@ -1615,8 +1424,8 @@
         </p:nvSpPr>
         <p:spPr>
           <a:xfrm>
-            <a:off x="839788" y="2505075"/>
-            <a:ext cx="5157787" cy="3684588"/>
+            <a:off x="1259683" y="3674110"/>
+            <a:ext cx="7736681" cy="5404062"/>
           </a:xfrm>
         </p:spPr>
         <p:txBody>
@@ -1656,18 +1465,13 @@
               <a:rPr lang="en-US"/>
               <a:t>Fifth level</a:t>
             </a:r>
+            <a:endParaRPr lang="en-US" dirty="0"/>
           </a:p>
         </p:txBody>
       </p:sp>
       <p:sp>
         <p:nvSpPr>
-          <p:cNvPr id="5" name="Text Placeholder 4">
-            <a:extLst>
-              <a:ext uri="{FF2B5EF4-FFF2-40B4-BE49-F238E27FC236}">
-                <a16:creationId xmlns:a16="http://schemas.microsoft.com/office/drawing/2014/main" id="{52F02CA8-C25E-4E48-94A9-EB86F0F863A6}"/>
-              </a:ext>
-            </a:extLst>
-          </p:cNvPr>
+          <p:cNvPr id="5" name="Text Placeholder 4"/>
           <p:cNvSpPr>
             <a:spLocks noGrp="1"/>
           </p:cNvSpPr>
@@ -1677,8 +1481,8 @@
         </p:nvSpPr>
         <p:spPr>
           <a:xfrm>
-            <a:off x="6172200" y="1681163"/>
-            <a:ext cx="5183188" cy="823912"/>
+            <a:off x="9258300" y="2465706"/>
+            <a:ext cx="7774782" cy="1208404"/>
           </a:xfrm>
         </p:spPr>
         <p:txBody>
@@ -1686,39 +1490,39 @@
           <a:lstStyle>
             <a:lvl1pPr marL="0" indent="0">
               <a:buNone/>
-              <a:defRPr sz="2400" b="1"/>
+              <a:defRPr sz="3520" b="1"/>
             </a:lvl1pPr>
-            <a:lvl2pPr marL="457200" indent="0">
+            <a:lvl2pPr marL="670575" indent="0">
               <a:buNone/>
-              <a:defRPr sz="2000" b="1"/>
+              <a:defRPr sz="2933" b="1"/>
             </a:lvl2pPr>
-            <a:lvl3pPr marL="914400" indent="0">
+            <a:lvl3pPr marL="1341150" indent="0">
               <a:buNone/>
-              <a:defRPr sz="1800" b="1"/>
+              <a:defRPr sz="2640" b="1"/>
             </a:lvl3pPr>
-            <a:lvl4pPr marL="1371600" indent="0">
+            <a:lvl4pPr marL="2011726" indent="0">
               <a:buNone/>
-              <a:defRPr sz="1600" b="1"/>
+              <a:defRPr sz="2347" b="1"/>
             </a:lvl4pPr>
-            <a:lvl5pPr marL="1828800" indent="0">
+            <a:lvl5pPr marL="2682301" indent="0">
               <a:buNone/>
-              <a:defRPr sz="1600" b="1"/>
+              <a:defRPr sz="2347" b="1"/>
             </a:lvl5pPr>
-            <a:lvl6pPr marL="2286000" indent="0">
+            <a:lvl6pPr marL="3352876" indent="0">
               <a:buNone/>
-              <a:defRPr sz="1600" b="1"/>
+              <a:defRPr sz="2347" b="1"/>
             </a:lvl6pPr>
-            <a:lvl7pPr marL="2743200" indent="0">
+            <a:lvl7pPr marL="4023451" indent="0">
               <a:buNone/>
-              <a:defRPr sz="1600" b="1"/>
+              <a:defRPr sz="2347" b="1"/>
             </a:lvl7pPr>
-            <a:lvl8pPr marL="3200400" indent="0">
+            <a:lvl8pPr marL="4694027" indent="0">
               <a:buNone/>
-              <a:defRPr sz="1600" b="1"/>
+              <a:defRPr sz="2347" b="1"/>
             </a:lvl8pPr>
-            <a:lvl9pPr marL="3657600" indent="0">
+            <a:lvl9pPr marL="5364602" indent="0">
               <a:buNone/>
-              <a:defRPr sz="1600" b="1"/>
+              <a:defRPr sz="2347" b="1"/>
             </a:lvl9pPr>
           </a:lstStyle>
           <a:p>
@@ -1732,13 +1536,7 @@
       </p:sp>
       <p:sp>
         <p:nvSpPr>
-          <p:cNvPr id="6" name="Content Placeholder 5">
-            <a:extLst>
-              <a:ext uri="{FF2B5EF4-FFF2-40B4-BE49-F238E27FC236}">
-                <a16:creationId xmlns:a16="http://schemas.microsoft.com/office/drawing/2014/main" id="{77137CF1-C278-462D-A29A-B528AF1D488A}"/>
-              </a:ext>
-            </a:extLst>
-          </p:cNvPr>
+          <p:cNvPr id="6" name="Content Placeholder 5"/>
           <p:cNvSpPr>
             <a:spLocks noGrp="1"/>
           </p:cNvSpPr>
@@ -1748,8 +1546,8 @@
         </p:nvSpPr>
         <p:spPr>
           <a:xfrm>
-            <a:off x="6172200" y="2505075"/>
-            <a:ext cx="5183188" cy="3684588"/>
+            <a:off x="9258300" y="3674110"/>
+            <a:ext cx="7774782" cy="5404062"/>
           </a:xfrm>
         </p:spPr>
         <p:txBody>
@@ -1789,18 +1587,13 @@
               <a:rPr lang="en-US"/>
               <a:t>Fifth level</a:t>
             </a:r>
+            <a:endParaRPr lang="en-US" dirty="0"/>
           </a:p>
         </p:txBody>
       </p:sp>
       <p:sp>
         <p:nvSpPr>
-          <p:cNvPr id="7" name="Date Placeholder 6">
-            <a:extLst>
-              <a:ext uri="{FF2B5EF4-FFF2-40B4-BE49-F238E27FC236}">
-                <a16:creationId xmlns:a16="http://schemas.microsoft.com/office/drawing/2014/main" id="{3B736F5C-0452-4939-9DE4-C9EB753B8AF5}"/>
-              </a:ext>
-            </a:extLst>
-          </p:cNvPr>
+          <p:cNvPr id="7" name="Date Placeholder 6"/>
           <p:cNvSpPr>
             <a:spLocks noGrp="1"/>
           </p:cNvSpPr>
@@ -1815,7 +1608,7 @@
           <a:p>
             <a:fld id="{910FE9F8-85C6-4D94-8C60-6B46B301E45E}" type="datetimeFigureOut">
               <a:rPr lang="en-US" smtClean="0"/>
-              <a:t>2022-09-07</a:t>
+              <a:t>2022-09-27</a:t>
             </a:fld>
             <a:endParaRPr lang="en-US"/>
           </a:p>
@@ -1823,13 +1616,7 @@
       </p:sp>
       <p:sp>
         <p:nvSpPr>
-          <p:cNvPr id="8" name="Footer Placeholder 7">
-            <a:extLst>
-              <a:ext uri="{FF2B5EF4-FFF2-40B4-BE49-F238E27FC236}">
-                <a16:creationId xmlns:a16="http://schemas.microsoft.com/office/drawing/2014/main" id="{D98666DD-B5B4-4FE5-8C1A-BC8C1E4D67C9}"/>
-              </a:ext>
-            </a:extLst>
-          </p:cNvPr>
+          <p:cNvPr id="8" name="Footer Placeholder 7"/>
           <p:cNvSpPr>
             <a:spLocks noGrp="1"/>
           </p:cNvSpPr>
@@ -1848,13 +1635,7 @@
       </p:sp>
       <p:sp>
         <p:nvSpPr>
-          <p:cNvPr id="9" name="Slide Number Placeholder 8">
-            <a:extLst>
-              <a:ext uri="{FF2B5EF4-FFF2-40B4-BE49-F238E27FC236}">
-                <a16:creationId xmlns:a16="http://schemas.microsoft.com/office/drawing/2014/main" id="{67491D2C-1BCB-4ADD-B7CF-905D7B9A36D4}"/>
-              </a:ext>
-            </a:extLst>
-          </p:cNvPr>
+          <p:cNvPr id="9" name="Slide Number Placeholder 8"/>
           <p:cNvSpPr>
             <a:spLocks noGrp="1"/>
           </p:cNvSpPr>
@@ -1878,7 +1659,7 @@
     </p:spTree>
     <p:extLst>
       <p:ext uri="{BB962C8B-B14F-4D97-AF65-F5344CB8AC3E}">
-        <p14:creationId xmlns:p14="http://schemas.microsoft.com/office/powerpoint/2010/main" val="318676148"/>
+        <p14:creationId xmlns:p14="http://schemas.microsoft.com/office/powerpoint/2010/main" val="1216056687"/>
       </p:ext>
     </p:extLst>
   </p:cSld>
@@ -1907,13 +1688,7 @@
       </p:grpSpPr>
       <p:sp>
         <p:nvSpPr>
-          <p:cNvPr id="2" name="Title 1">
-            <a:extLst>
-              <a:ext uri="{FF2B5EF4-FFF2-40B4-BE49-F238E27FC236}">
-                <a16:creationId xmlns:a16="http://schemas.microsoft.com/office/drawing/2014/main" id="{609934EB-080A-4388-98B7-B8DC0748BDD9}"/>
-              </a:ext>
-            </a:extLst>
-          </p:cNvPr>
+          <p:cNvPr id="2" name="Title 1"/>
           <p:cNvSpPr>
             <a:spLocks noGrp="1"/>
           </p:cNvSpPr>
@@ -1930,18 +1705,13 @@
               <a:rPr lang="en-US"/>
               <a:t>Click to edit Master title style</a:t>
             </a:r>
+            <a:endParaRPr lang="en-US" dirty="0"/>
           </a:p>
         </p:txBody>
       </p:sp>
       <p:sp>
         <p:nvSpPr>
-          <p:cNvPr id="3" name="Date Placeholder 2">
-            <a:extLst>
-              <a:ext uri="{FF2B5EF4-FFF2-40B4-BE49-F238E27FC236}">
-                <a16:creationId xmlns:a16="http://schemas.microsoft.com/office/drawing/2014/main" id="{1BB482DC-C81C-4CE8-A013-69C3E9EC73C0}"/>
-              </a:ext>
-            </a:extLst>
-          </p:cNvPr>
+          <p:cNvPr id="3" name="Date Placeholder 2"/>
           <p:cNvSpPr>
             <a:spLocks noGrp="1"/>
           </p:cNvSpPr>
@@ -1956,7 +1726,7 @@
           <a:p>
             <a:fld id="{910FE9F8-85C6-4D94-8C60-6B46B301E45E}" type="datetimeFigureOut">
               <a:rPr lang="en-US" smtClean="0"/>
-              <a:t>2022-09-07</a:t>
+              <a:t>2022-09-27</a:t>
             </a:fld>
             <a:endParaRPr lang="en-US"/>
           </a:p>
@@ -1964,13 +1734,7 @@
       </p:sp>
       <p:sp>
         <p:nvSpPr>
-          <p:cNvPr id="4" name="Footer Placeholder 3">
-            <a:extLst>
-              <a:ext uri="{FF2B5EF4-FFF2-40B4-BE49-F238E27FC236}">
-                <a16:creationId xmlns:a16="http://schemas.microsoft.com/office/drawing/2014/main" id="{7DE97192-63E2-41CB-918E-A64CBF4C2E44}"/>
-              </a:ext>
-            </a:extLst>
-          </p:cNvPr>
+          <p:cNvPr id="4" name="Footer Placeholder 3"/>
           <p:cNvSpPr>
             <a:spLocks noGrp="1"/>
           </p:cNvSpPr>
@@ -1989,13 +1753,7 @@
       </p:sp>
       <p:sp>
         <p:nvSpPr>
-          <p:cNvPr id="5" name="Slide Number Placeholder 4">
-            <a:extLst>
-              <a:ext uri="{FF2B5EF4-FFF2-40B4-BE49-F238E27FC236}">
-                <a16:creationId xmlns:a16="http://schemas.microsoft.com/office/drawing/2014/main" id="{23FC7A45-2181-430F-BDCA-8283EE765A53}"/>
-              </a:ext>
-            </a:extLst>
-          </p:cNvPr>
+          <p:cNvPr id="5" name="Slide Number Placeholder 4"/>
           <p:cNvSpPr>
             <a:spLocks noGrp="1"/>
           </p:cNvSpPr>
@@ -2019,7 +1777,7 @@
     </p:spTree>
     <p:extLst>
       <p:ext uri="{BB962C8B-B14F-4D97-AF65-F5344CB8AC3E}">
-        <p14:creationId xmlns:p14="http://schemas.microsoft.com/office/powerpoint/2010/main" val="499024387"/>
+        <p14:creationId xmlns:p14="http://schemas.microsoft.com/office/powerpoint/2010/main" val="2655080931"/>
       </p:ext>
     </p:extLst>
   </p:cSld>
@@ -2048,13 +1806,7 @@
       </p:grpSpPr>
       <p:sp>
         <p:nvSpPr>
-          <p:cNvPr id="2" name="Date Placeholder 1">
-            <a:extLst>
-              <a:ext uri="{FF2B5EF4-FFF2-40B4-BE49-F238E27FC236}">
-                <a16:creationId xmlns:a16="http://schemas.microsoft.com/office/drawing/2014/main" id="{BE8DDE51-5CD5-4D61-9F29-E2BE4DDE9A5C}"/>
-              </a:ext>
-            </a:extLst>
-          </p:cNvPr>
+          <p:cNvPr id="2" name="Date Placeholder 1"/>
           <p:cNvSpPr>
             <a:spLocks noGrp="1"/>
           </p:cNvSpPr>
@@ -2069,7 +1821,7 @@
           <a:p>
             <a:fld id="{910FE9F8-85C6-4D94-8C60-6B46B301E45E}" type="datetimeFigureOut">
               <a:rPr lang="en-US" smtClean="0"/>
-              <a:t>2022-09-07</a:t>
+              <a:t>2022-09-27</a:t>
             </a:fld>
             <a:endParaRPr lang="en-US"/>
           </a:p>
@@ -2077,13 +1829,7 @@
       </p:sp>
       <p:sp>
         <p:nvSpPr>
-          <p:cNvPr id="3" name="Footer Placeholder 2">
-            <a:extLst>
-              <a:ext uri="{FF2B5EF4-FFF2-40B4-BE49-F238E27FC236}">
-                <a16:creationId xmlns:a16="http://schemas.microsoft.com/office/drawing/2014/main" id="{78ADD3AD-83BE-4B8E-95FF-513C8297E116}"/>
-              </a:ext>
-            </a:extLst>
-          </p:cNvPr>
+          <p:cNvPr id="3" name="Footer Placeholder 2"/>
           <p:cNvSpPr>
             <a:spLocks noGrp="1"/>
           </p:cNvSpPr>
@@ -2102,13 +1848,7 @@
       </p:sp>
       <p:sp>
         <p:nvSpPr>
-          <p:cNvPr id="4" name="Slide Number Placeholder 3">
-            <a:extLst>
-              <a:ext uri="{FF2B5EF4-FFF2-40B4-BE49-F238E27FC236}">
-                <a16:creationId xmlns:a16="http://schemas.microsoft.com/office/drawing/2014/main" id="{6A3928E9-C364-4FBD-98BF-EBCFF5B243D8}"/>
-              </a:ext>
-            </a:extLst>
-          </p:cNvPr>
+          <p:cNvPr id="4" name="Slide Number Placeholder 3"/>
           <p:cNvSpPr>
             <a:spLocks noGrp="1"/>
           </p:cNvSpPr>
@@ -2132,7 +1872,7 @@
     </p:spTree>
     <p:extLst>
       <p:ext uri="{BB962C8B-B14F-4D97-AF65-F5344CB8AC3E}">
-        <p14:creationId xmlns:p14="http://schemas.microsoft.com/office/powerpoint/2010/main" val="621733625"/>
+        <p14:creationId xmlns:p14="http://schemas.microsoft.com/office/powerpoint/2010/main" val="2411799807"/>
       </p:ext>
     </p:extLst>
   </p:cSld>
@@ -2161,13 +1901,7 @@
       </p:grpSpPr>
       <p:sp>
         <p:nvSpPr>
-          <p:cNvPr id="2" name="Title 1">
-            <a:extLst>
-              <a:ext uri="{FF2B5EF4-FFF2-40B4-BE49-F238E27FC236}">
-                <a16:creationId xmlns:a16="http://schemas.microsoft.com/office/drawing/2014/main" id="{D85A32D8-9F22-4E76-A34F-61C162DB1414}"/>
-              </a:ext>
-            </a:extLst>
-          </p:cNvPr>
+          <p:cNvPr id="2" name="Title 1"/>
           <p:cNvSpPr>
             <a:spLocks noGrp="1"/>
           </p:cNvSpPr>
@@ -2177,15 +1911,15 @@
         </p:nvSpPr>
         <p:spPr>
           <a:xfrm>
-            <a:off x="839788" y="457200"/>
-            <a:ext cx="3932237" cy="1600200"/>
+            <a:off x="1259683" y="670560"/>
+            <a:ext cx="5898356" cy="2346960"/>
           </a:xfrm>
         </p:spPr>
         <p:txBody>
           <a:bodyPr anchor="b"/>
           <a:lstStyle>
             <a:lvl1pPr>
-              <a:defRPr sz="3200"/>
+              <a:defRPr sz="4693"/>
             </a:lvl1pPr>
           </a:lstStyle>
           <a:p>
@@ -2193,18 +1927,13 @@
               <a:rPr lang="en-US"/>
               <a:t>Click to edit Master title style</a:t>
             </a:r>
+            <a:endParaRPr lang="en-US" dirty="0"/>
           </a:p>
         </p:txBody>
       </p:sp>
       <p:sp>
         <p:nvSpPr>
-          <p:cNvPr id="3" name="Content Placeholder 2">
-            <a:extLst>
-              <a:ext uri="{FF2B5EF4-FFF2-40B4-BE49-F238E27FC236}">
-                <a16:creationId xmlns:a16="http://schemas.microsoft.com/office/drawing/2014/main" id="{D6391F5A-071A-4B8F-9D82-4BB3CC1A460D}"/>
-              </a:ext>
-            </a:extLst>
-          </p:cNvPr>
+          <p:cNvPr id="3" name="Content Placeholder 2"/>
           <p:cNvSpPr>
             <a:spLocks noGrp="1"/>
           </p:cNvSpPr>
@@ -2214,39 +1943,39 @@
         </p:nvSpPr>
         <p:spPr>
           <a:xfrm>
-            <a:off x="5183188" y="987425"/>
-            <a:ext cx="6172200" cy="4873625"/>
+            <a:off x="7774782" y="1448224"/>
+            <a:ext cx="9258300" cy="7147983"/>
           </a:xfrm>
         </p:spPr>
         <p:txBody>
           <a:bodyPr/>
           <a:lstStyle>
             <a:lvl1pPr>
-              <a:defRPr sz="3200"/>
+              <a:defRPr sz="4693"/>
             </a:lvl1pPr>
             <a:lvl2pPr>
-              <a:defRPr sz="2800"/>
+              <a:defRPr sz="4107"/>
             </a:lvl2pPr>
             <a:lvl3pPr>
-              <a:defRPr sz="2400"/>
+              <a:defRPr sz="3520"/>
             </a:lvl3pPr>
             <a:lvl4pPr>
-              <a:defRPr sz="2000"/>
+              <a:defRPr sz="2933"/>
             </a:lvl4pPr>
             <a:lvl5pPr>
-              <a:defRPr sz="2000"/>
+              <a:defRPr sz="2933"/>
             </a:lvl5pPr>
             <a:lvl6pPr>
-              <a:defRPr sz="2000"/>
+              <a:defRPr sz="2933"/>
             </a:lvl6pPr>
             <a:lvl7pPr>
-              <a:defRPr sz="2000"/>
+              <a:defRPr sz="2933"/>
             </a:lvl7pPr>
             <a:lvl8pPr>
-              <a:defRPr sz="2000"/>
+              <a:defRPr sz="2933"/>
             </a:lvl8pPr>
             <a:lvl9pPr>
-              <a:defRPr sz="2000"/>
+              <a:defRPr sz="2933"/>
             </a:lvl9pPr>
           </a:lstStyle>
           <a:p>
@@ -2283,18 +2012,13 @@
               <a:rPr lang="en-US"/>
               <a:t>Fifth level</a:t>
             </a:r>
+            <a:endParaRPr lang="en-US" dirty="0"/>
           </a:p>
         </p:txBody>
       </p:sp>
       <p:sp>
         <p:nvSpPr>
-          <p:cNvPr id="4" name="Text Placeholder 3">
-            <a:extLst>
-              <a:ext uri="{FF2B5EF4-FFF2-40B4-BE49-F238E27FC236}">
-                <a16:creationId xmlns:a16="http://schemas.microsoft.com/office/drawing/2014/main" id="{B44FD1E4-5CB4-4EF3-BC46-196662BE2392}"/>
-              </a:ext>
-            </a:extLst>
-          </p:cNvPr>
+          <p:cNvPr id="4" name="Text Placeholder 3"/>
           <p:cNvSpPr>
             <a:spLocks noGrp="1"/>
           </p:cNvSpPr>
@@ -2304,8 +2028,8 @@
         </p:nvSpPr>
         <p:spPr>
           <a:xfrm>
-            <a:off x="839788" y="2057400"/>
-            <a:ext cx="3932237" cy="3811588"/>
+            <a:off x="1259683" y="3017520"/>
+            <a:ext cx="5898356" cy="5590329"/>
           </a:xfrm>
         </p:spPr>
         <p:txBody>
@@ -2313,39 +2037,39 @@
           <a:lstStyle>
             <a:lvl1pPr marL="0" indent="0">
               <a:buNone/>
-              <a:defRPr sz="1600"/>
+              <a:defRPr sz="2347"/>
             </a:lvl1pPr>
-            <a:lvl2pPr marL="457200" indent="0">
+            <a:lvl2pPr marL="670575" indent="0">
               <a:buNone/>
-              <a:defRPr sz="1400"/>
+              <a:defRPr sz="2053"/>
             </a:lvl2pPr>
-            <a:lvl3pPr marL="914400" indent="0">
+            <a:lvl3pPr marL="1341150" indent="0">
               <a:buNone/>
-              <a:defRPr sz="1200"/>
+              <a:defRPr sz="1760"/>
             </a:lvl3pPr>
-            <a:lvl4pPr marL="1371600" indent="0">
+            <a:lvl4pPr marL="2011726" indent="0">
               <a:buNone/>
-              <a:defRPr sz="1000"/>
+              <a:defRPr sz="1467"/>
             </a:lvl4pPr>
-            <a:lvl5pPr marL="1828800" indent="0">
+            <a:lvl5pPr marL="2682301" indent="0">
               <a:buNone/>
-              <a:defRPr sz="1000"/>
+              <a:defRPr sz="1467"/>
             </a:lvl5pPr>
-            <a:lvl6pPr marL="2286000" indent="0">
+            <a:lvl6pPr marL="3352876" indent="0">
               <a:buNone/>
-              <a:defRPr sz="1000"/>
+              <a:defRPr sz="1467"/>
             </a:lvl6pPr>
-            <a:lvl7pPr marL="2743200" indent="0">
+            <a:lvl7pPr marL="4023451" indent="0">
               <a:buNone/>
-              <a:defRPr sz="1000"/>
+              <a:defRPr sz="1467"/>
             </a:lvl7pPr>
-            <a:lvl8pPr marL="3200400" indent="0">
+            <a:lvl8pPr marL="4694027" indent="0">
               <a:buNone/>
-              <a:defRPr sz="1000"/>
+              <a:defRPr sz="1467"/>
             </a:lvl8pPr>
-            <a:lvl9pPr marL="3657600" indent="0">
+            <a:lvl9pPr marL="5364602" indent="0">
               <a:buNone/>
-              <a:defRPr sz="1000"/>
+              <a:defRPr sz="1467"/>
             </a:lvl9pPr>
           </a:lstStyle>
           <a:p>
@@ -2359,13 +2083,7 @@
       </p:sp>
       <p:sp>
         <p:nvSpPr>
-          <p:cNvPr id="5" name="Date Placeholder 4">
-            <a:extLst>
-              <a:ext uri="{FF2B5EF4-FFF2-40B4-BE49-F238E27FC236}">
-                <a16:creationId xmlns:a16="http://schemas.microsoft.com/office/drawing/2014/main" id="{A25276E9-F74E-4A69-BE30-67BFD69FD869}"/>
-              </a:ext>
-            </a:extLst>
-          </p:cNvPr>
+          <p:cNvPr id="5" name="Date Placeholder 4"/>
           <p:cNvSpPr>
             <a:spLocks noGrp="1"/>
           </p:cNvSpPr>
@@ -2380,7 +2098,7 @@
           <a:p>
             <a:fld id="{910FE9F8-85C6-4D94-8C60-6B46B301E45E}" type="datetimeFigureOut">
               <a:rPr lang="en-US" smtClean="0"/>
-              <a:t>2022-09-07</a:t>
+              <a:t>2022-09-27</a:t>
             </a:fld>
             <a:endParaRPr lang="en-US"/>
           </a:p>
@@ -2388,13 +2106,7 @@
       </p:sp>
       <p:sp>
         <p:nvSpPr>
-          <p:cNvPr id="6" name="Footer Placeholder 5">
-            <a:extLst>
-              <a:ext uri="{FF2B5EF4-FFF2-40B4-BE49-F238E27FC236}">
-                <a16:creationId xmlns:a16="http://schemas.microsoft.com/office/drawing/2014/main" id="{A51A75C9-01EB-4EC2-ACB4-B810153CE108}"/>
-              </a:ext>
-            </a:extLst>
-          </p:cNvPr>
+          <p:cNvPr id="6" name="Footer Placeholder 5"/>
           <p:cNvSpPr>
             <a:spLocks noGrp="1"/>
           </p:cNvSpPr>
@@ -2413,13 +2125,7 @@
       </p:sp>
       <p:sp>
         <p:nvSpPr>
-          <p:cNvPr id="7" name="Slide Number Placeholder 6">
-            <a:extLst>
-              <a:ext uri="{FF2B5EF4-FFF2-40B4-BE49-F238E27FC236}">
-                <a16:creationId xmlns:a16="http://schemas.microsoft.com/office/drawing/2014/main" id="{0DC4E2F8-D757-4A73-9F76-ABA443C17611}"/>
-              </a:ext>
-            </a:extLst>
-          </p:cNvPr>
+          <p:cNvPr id="7" name="Slide Number Placeholder 6"/>
           <p:cNvSpPr>
             <a:spLocks noGrp="1"/>
           </p:cNvSpPr>
@@ -2443,7 +2149,7 @@
     </p:spTree>
     <p:extLst>
       <p:ext uri="{BB962C8B-B14F-4D97-AF65-F5344CB8AC3E}">
-        <p14:creationId xmlns:p14="http://schemas.microsoft.com/office/powerpoint/2010/main" val="2675403016"/>
+        <p14:creationId xmlns:p14="http://schemas.microsoft.com/office/powerpoint/2010/main" val="2155314568"/>
       </p:ext>
     </p:extLst>
   </p:cSld>
@@ -2472,13 +2178,7 @@
       </p:grpSpPr>
       <p:sp>
         <p:nvSpPr>
-          <p:cNvPr id="2" name="Title 1">
-            <a:extLst>
-              <a:ext uri="{FF2B5EF4-FFF2-40B4-BE49-F238E27FC236}">
-                <a16:creationId xmlns:a16="http://schemas.microsoft.com/office/drawing/2014/main" id="{ECA9FC01-3FCB-424C-8539-2604A711492A}"/>
-              </a:ext>
-            </a:extLst>
-          </p:cNvPr>
+          <p:cNvPr id="2" name="Title 1"/>
           <p:cNvSpPr>
             <a:spLocks noGrp="1"/>
           </p:cNvSpPr>
@@ -2488,15 +2188,15 @@
         </p:nvSpPr>
         <p:spPr>
           <a:xfrm>
-            <a:off x="839788" y="457200"/>
-            <a:ext cx="3932237" cy="1600200"/>
+            <a:off x="1259683" y="670560"/>
+            <a:ext cx="5898356" cy="2346960"/>
           </a:xfrm>
         </p:spPr>
         <p:txBody>
           <a:bodyPr anchor="b"/>
           <a:lstStyle>
             <a:lvl1pPr>
-              <a:defRPr sz="3200"/>
+              <a:defRPr sz="4693"/>
             </a:lvl1pPr>
           </a:lstStyle>
           <a:p>
@@ -2504,20 +2204,15 @@
               <a:rPr lang="en-US"/>
               <a:t>Click to edit Master title style</a:t>
             </a:r>
+            <a:endParaRPr lang="en-US" dirty="0"/>
           </a:p>
         </p:txBody>
       </p:sp>
       <p:sp>
         <p:nvSpPr>
-          <p:cNvPr id="3" name="Picture Placeholder 2">
-            <a:extLst>
-              <a:ext uri="{FF2B5EF4-FFF2-40B4-BE49-F238E27FC236}">
-                <a16:creationId xmlns:a16="http://schemas.microsoft.com/office/drawing/2014/main" id="{05EE39F2-E5C0-4FFA-B4E8-8DDC8750779B}"/>
-              </a:ext>
-            </a:extLst>
-          </p:cNvPr>
+          <p:cNvPr id="3" name="Picture Placeholder 2"/>
           <p:cNvSpPr>
-            <a:spLocks noGrp="1"/>
+            <a:spLocks noGrp="1" noChangeAspect="1"/>
           </p:cNvSpPr>
           <p:nvPr>
             <p:ph type="pic" idx="1"/>
@@ -2525,64 +2220,62 @@
         </p:nvSpPr>
         <p:spPr>
           <a:xfrm>
-            <a:off x="5183188" y="987425"/>
-            <a:ext cx="6172200" cy="4873625"/>
+            <a:off x="7774782" y="1448224"/>
+            <a:ext cx="9258300" cy="7147983"/>
           </a:xfrm>
         </p:spPr>
         <p:txBody>
-          <a:bodyPr/>
+          <a:bodyPr anchor="t"/>
           <a:lstStyle>
             <a:lvl1pPr marL="0" indent="0">
               <a:buNone/>
-              <a:defRPr sz="3200"/>
+              <a:defRPr sz="4693"/>
             </a:lvl1pPr>
-            <a:lvl2pPr marL="457200" indent="0">
+            <a:lvl2pPr marL="670575" indent="0">
               <a:buNone/>
-              <a:defRPr sz="2800"/>
+              <a:defRPr sz="4107"/>
             </a:lvl2pPr>
-            <a:lvl3pPr marL="914400" indent="0">
+            <a:lvl3pPr marL="1341150" indent="0">
               <a:buNone/>
-              <a:defRPr sz="2400"/>
+              <a:defRPr sz="3520"/>
             </a:lvl3pPr>
-            <a:lvl4pPr marL="1371600" indent="0">
+            <a:lvl4pPr marL="2011726" indent="0">
               <a:buNone/>
-              <a:defRPr sz="2000"/>
+              <a:defRPr sz="2933"/>
             </a:lvl4pPr>
-            <a:lvl5pPr marL="1828800" indent="0">
+            <a:lvl5pPr marL="2682301" indent="0">
               <a:buNone/>
-              <a:defRPr sz="2000"/>
+              <a:defRPr sz="2933"/>
             </a:lvl5pPr>
-            <a:lvl6pPr marL="2286000" indent="0">
+            <a:lvl6pPr marL="3352876" indent="0">
               <a:buNone/>
-              <a:defRPr sz="2000"/>
+              <a:defRPr sz="2933"/>
             </a:lvl6pPr>
-            <a:lvl7pPr marL="2743200" indent="0">
+            <a:lvl7pPr marL="4023451" indent="0">
               <a:buNone/>
-              <a:defRPr sz="2000"/>
+              <a:defRPr sz="2933"/>
             </a:lvl7pPr>
-            <a:lvl8pPr marL="3200400" indent="0">
+            <a:lvl8pPr marL="4694027" indent="0">
               <a:buNone/>
-              <a:defRPr sz="2000"/>
+              <a:defRPr sz="2933"/>
             </a:lvl8pPr>
-            <a:lvl9pPr marL="3657600" indent="0">
+            <a:lvl9pPr marL="5364602" indent="0">
               <a:buNone/>
-              <a:defRPr sz="2000"/>
+              <a:defRPr sz="2933"/>
             </a:lvl9pPr>
           </a:lstStyle>
           <a:p>
-            <a:endParaRPr lang="en-US"/>
+            <a:r>
+              <a:rPr lang="en-US"/>
+              <a:t>Click icon to add picture</a:t>
+            </a:r>
+            <a:endParaRPr lang="en-US" dirty="0"/>
           </a:p>
         </p:txBody>
       </p:sp>
       <p:sp>
         <p:nvSpPr>
-          <p:cNvPr id="4" name="Text Placeholder 3">
-            <a:extLst>
-              <a:ext uri="{FF2B5EF4-FFF2-40B4-BE49-F238E27FC236}">
-                <a16:creationId xmlns:a16="http://schemas.microsoft.com/office/drawing/2014/main" id="{555E7268-85A7-41BC-A410-4B558A2E4A66}"/>
-              </a:ext>
-            </a:extLst>
-          </p:cNvPr>
+          <p:cNvPr id="4" name="Text Placeholder 3"/>
           <p:cNvSpPr>
             <a:spLocks noGrp="1"/>
           </p:cNvSpPr>
@@ -2592,8 +2285,8 @@
         </p:nvSpPr>
         <p:spPr>
           <a:xfrm>
-            <a:off x="839788" y="2057400"/>
-            <a:ext cx="3932237" cy="3811588"/>
+            <a:off x="1259683" y="3017520"/>
+            <a:ext cx="5898356" cy="5590329"/>
           </a:xfrm>
         </p:spPr>
         <p:txBody>
@@ -2601,39 +2294,39 @@
           <a:lstStyle>
             <a:lvl1pPr marL="0" indent="0">
               <a:buNone/>
-              <a:defRPr sz="1600"/>
+              <a:defRPr sz="2347"/>
             </a:lvl1pPr>
-            <a:lvl2pPr marL="457200" indent="0">
+            <a:lvl2pPr marL="670575" indent="0">
               <a:buNone/>
-              <a:defRPr sz="1400"/>
+              <a:defRPr sz="2053"/>
             </a:lvl2pPr>
-            <a:lvl3pPr marL="914400" indent="0">
+            <a:lvl3pPr marL="1341150" indent="0">
               <a:buNone/>
-              <a:defRPr sz="1200"/>
+              <a:defRPr sz="1760"/>
             </a:lvl3pPr>
-            <a:lvl4pPr marL="1371600" indent="0">
+            <a:lvl4pPr marL="2011726" indent="0">
               <a:buNone/>
-              <a:defRPr sz="1000"/>
+              <a:defRPr sz="1467"/>
             </a:lvl4pPr>
-            <a:lvl5pPr marL="1828800" indent="0">
+            <a:lvl5pPr marL="2682301" indent="0">
               <a:buNone/>
-              <a:defRPr sz="1000"/>
+              <a:defRPr sz="1467"/>
             </a:lvl5pPr>
-            <a:lvl6pPr marL="2286000" indent="0">
+            <a:lvl6pPr marL="3352876" indent="0">
               <a:buNone/>
-              <a:defRPr sz="1000"/>
+              <a:defRPr sz="1467"/>
             </a:lvl6pPr>
-            <a:lvl7pPr marL="2743200" indent="0">
+            <a:lvl7pPr marL="4023451" indent="0">
               <a:buNone/>
-              <a:defRPr sz="1000"/>
+              <a:defRPr sz="1467"/>
             </a:lvl7pPr>
-            <a:lvl8pPr marL="3200400" indent="0">
+            <a:lvl8pPr marL="4694027" indent="0">
               <a:buNone/>
-              <a:defRPr sz="1000"/>
+              <a:defRPr sz="1467"/>
             </a:lvl8pPr>
-            <a:lvl9pPr marL="3657600" indent="0">
+            <a:lvl9pPr marL="5364602" indent="0">
               <a:buNone/>
-              <a:defRPr sz="1000"/>
+              <a:defRPr sz="1467"/>
             </a:lvl9pPr>
           </a:lstStyle>
           <a:p>
@@ -2647,13 +2340,7 @@
       </p:sp>
       <p:sp>
         <p:nvSpPr>
-          <p:cNvPr id="5" name="Date Placeholder 4">
-            <a:extLst>
-              <a:ext uri="{FF2B5EF4-FFF2-40B4-BE49-F238E27FC236}">
-                <a16:creationId xmlns:a16="http://schemas.microsoft.com/office/drawing/2014/main" id="{8B69BC26-6417-48F8-84F3-04D768EB052C}"/>
-              </a:ext>
-            </a:extLst>
-          </p:cNvPr>
+          <p:cNvPr id="5" name="Date Placeholder 4"/>
           <p:cNvSpPr>
             <a:spLocks noGrp="1"/>
           </p:cNvSpPr>
@@ -2668,7 +2355,7 @@
           <a:p>
             <a:fld id="{910FE9F8-85C6-4D94-8C60-6B46B301E45E}" type="datetimeFigureOut">
               <a:rPr lang="en-US" smtClean="0"/>
-              <a:t>2022-09-07</a:t>
+              <a:t>2022-09-27</a:t>
             </a:fld>
             <a:endParaRPr lang="en-US"/>
           </a:p>
@@ -2676,13 +2363,7 @@
       </p:sp>
       <p:sp>
         <p:nvSpPr>
-          <p:cNvPr id="6" name="Footer Placeholder 5">
-            <a:extLst>
-              <a:ext uri="{FF2B5EF4-FFF2-40B4-BE49-F238E27FC236}">
-                <a16:creationId xmlns:a16="http://schemas.microsoft.com/office/drawing/2014/main" id="{8B422A6B-2CAA-481F-9210-E57C4BA6C4C6}"/>
-              </a:ext>
-            </a:extLst>
-          </p:cNvPr>
+          <p:cNvPr id="6" name="Footer Placeholder 5"/>
           <p:cNvSpPr>
             <a:spLocks noGrp="1"/>
           </p:cNvSpPr>
@@ -2701,13 +2382,7 @@
       </p:sp>
       <p:sp>
         <p:nvSpPr>
-          <p:cNvPr id="7" name="Slide Number Placeholder 6">
-            <a:extLst>
-              <a:ext uri="{FF2B5EF4-FFF2-40B4-BE49-F238E27FC236}">
-                <a16:creationId xmlns:a16="http://schemas.microsoft.com/office/drawing/2014/main" id="{DACBE1F4-B120-479D-9FE5-2F19E9BFD910}"/>
-              </a:ext>
-            </a:extLst>
-          </p:cNvPr>
+          <p:cNvPr id="7" name="Slide Number Placeholder 6"/>
           <p:cNvSpPr>
             <a:spLocks noGrp="1"/>
           </p:cNvSpPr>
@@ -2731,7 +2406,7 @@
     </p:spTree>
     <p:extLst>
       <p:ext uri="{BB962C8B-B14F-4D97-AF65-F5344CB8AC3E}">
-        <p14:creationId xmlns:p14="http://schemas.microsoft.com/office/powerpoint/2010/main" val="409706187"/>
+        <p14:creationId xmlns:p14="http://schemas.microsoft.com/office/powerpoint/2010/main" val="726498661"/>
       </p:ext>
     </p:extLst>
   </p:cSld>
@@ -2765,13 +2440,7 @@
       </p:grpSpPr>
       <p:sp>
         <p:nvSpPr>
-          <p:cNvPr id="2" name="Title Placeholder 1">
-            <a:extLst>
-              <a:ext uri="{FF2B5EF4-FFF2-40B4-BE49-F238E27FC236}">
-                <a16:creationId xmlns:a16="http://schemas.microsoft.com/office/drawing/2014/main" id="{384896D2-C17E-4CCC-8814-C795F0572DB0}"/>
-              </a:ext>
-            </a:extLst>
-          </p:cNvPr>
+          <p:cNvPr id="2" name="Title Placeholder 1"/>
           <p:cNvSpPr>
             <a:spLocks noGrp="1"/>
           </p:cNvSpPr>
@@ -2781,8 +2450,8 @@
         </p:nvSpPr>
         <p:spPr>
           <a:xfrm>
-            <a:off x="838200" y="365125"/>
-            <a:ext cx="10515600" cy="1325563"/>
+            <a:off x="1257300" y="535517"/>
+            <a:ext cx="15773400" cy="1944159"/>
           </a:xfrm>
           <a:prstGeom prst="rect">
             <a:avLst/>
@@ -2798,18 +2467,13 @@
               <a:rPr lang="en-US"/>
               <a:t>Click to edit Master title style</a:t>
             </a:r>
+            <a:endParaRPr lang="en-US" dirty="0"/>
           </a:p>
         </p:txBody>
       </p:sp>
       <p:sp>
         <p:nvSpPr>
-          <p:cNvPr id="3" name="Text Placeholder 2">
-            <a:extLst>
-              <a:ext uri="{FF2B5EF4-FFF2-40B4-BE49-F238E27FC236}">
-                <a16:creationId xmlns:a16="http://schemas.microsoft.com/office/drawing/2014/main" id="{AED53AEB-6E7D-450F-9FFA-37ACD77C6569}"/>
-              </a:ext>
-            </a:extLst>
-          </p:cNvPr>
+          <p:cNvPr id="3" name="Text Placeholder 2"/>
           <p:cNvSpPr>
             <a:spLocks noGrp="1"/>
           </p:cNvSpPr>
@@ -2819,8 +2483,8 @@
         </p:nvSpPr>
         <p:spPr>
           <a:xfrm>
-            <a:off x="838200" y="1825625"/>
-            <a:ext cx="10515600" cy="4351338"/>
+            <a:off x="1257300" y="2677584"/>
+            <a:ext cx="15773400" cy="6381962"/>
           </a:xfrm>
           <a:prstGeom prst="rect">
             <a:avLst/>
@@ -2865,18 +2529,13 @@
               <a:rPr lang="en-US"/>
               <a:t>Fifth level</a:t>
             </a:r>
+            <a:endParaRPr lang="en-US" dirty="0"/>
           </a:p>
         </p:txBody>
       </p:sp>
       <p:sp>
         <p:nvSpPr>
-          <p:cNvPr id="4" name="Date Placeholder 3">
-            <a:extLst>
-              <a:ext uri="{FF2B5EF4-FFF2-40B4-BE49-F238E27FC236}">
-                <a16:creationId xmlns:a16="http://schemas.microsoft.com/office/drawing/2014/main" id="{425AA5EC-8FD2-4C30-9B80-569D1EA85392}"/>
-              </a:ext>
-            </a:extLst>
-          </p:cNvPr>
+          <p:cNvPr id="4" name="Date Placeholder 3"/>
           <p:cNvSpPr>
             <a:spLocks noGrp="1"/>
           </p:cNvSpPr>
@@ -2886,8 +2545,8 @@
         </p:nvSpPr>
         <p:spPr>
           <a:xfrm>
-            <a:off x="838200" y="6356350"/>
-            <a:ext cx="2743200" cy="365125"/>
+            <a:off x="1257300" y="9322647"/>
+            <a:ext cx="4114800" cy="535517"/>
           </a:xfrm>
           <a:prstGeom prst="rect">
             <a:avLst/>
@@ -2897,7 +2556,7 @@
           <a:bodyPr vert="horz" lIns="91440" tIns="45720" rIns="91440" bIns="45720" rtlCol="0" anchor="ctr"/>
           <a:lstStyle>
             <a:lvl1pPr algn="l">
-              <a:defRPr sz="1200">
+              <a:defRPr sz="1760">
                 <a:solidFill>
                   <a:schemeClr val="tx1">
                     <a:tint val="75000"/>
@@ -2909,7 +2568,7 @@
           <a:p>
             <a:fld id="{910FE9F8-85C6-4D94-8C60-6B46B301E45E}" type="datetimeFigureOut">
               <a:rPr lang="en-US" smtClean="0"/>
-              <a:t>2022-09-07</a:t>
+              <a:t>2022-09-27</a:t>
             </a:fld>
             <a:endParaRPr lang="en-US"/>
           </a:p>
@@ -2917,13 +2576,7 @@
       </p:sp>
       <p:sp>
         <p:nvSpPr>
-          <p:cNvPr id="5" name="Footer Placeholder 4">
-            <a:extLst>
-              <a:ext uri="{FF2B5EF4-FFF2-40B4-BE49-F238E27FC236}">
-                <a16:creationId xmlns:a16="http://schemas.microsoft.com/office/drawing/2014/main" id="{9A561F03-E610-4484-AF3A-BF3BB39D3F0C}"/>
-              </a:ext>
-            </a:extLst>
-          </p:cNvPr>
+          <p:cNvPr id="5" name="Footer Placeholder 4"/>
           <p:cNvSpPr>
             <a:spLocks noGrp="1"/>
           </p:cNvSpPr>
@@ -2933,8 +2586,8 @@
         </p:nvSpPr>
         <p:spPr>
           <a:xfrm>
-            <a:off x="4038600" y="6356350"/>
-            <a:ext cx="4114800" cy="365125"/>
+            <a:off x="6057900" y="9322647"/>
+            <a:ext cx="6172200" cy="535517"/>
           </a:xfrm>
           <a:prstGeom prst="rect">
             <a:avLst/>
@@ -2944,7 +2597,7 @@
           <a:bodyPr vert="horz" lIns="91440" tIns="45720" rIns="91440" bIns="45720" rtlCol="0" anchor="ctr"/>
           <a:lstStyle>
             <a:lvl1pPr algn="ctr">
-              <a:defRPr sz="1200">
+              <a:defRPr sz="1760">
                 <a:solidFill>
                   <a:schemeClr val="tx1">
                     <a:tint val="75000"/>
@@ -2960,13 +2613,7 @@
       </p:sp>
       <p:sp>
         <p:nvSpPr>
-          <p:cNvPr id="6" name="Slide Number Placeholder 5">
-            <a:extLst>
-              <a:ext uri="{FF2B5EF4-FFF2-40B4-BE49-F238E27FC236}">
-                <a16:creationId xmlns:a16="http://schemas.microsoft.com/office/drawing/2014/main" id="{3271296A-4D27-45AD-A94F-9A7C80351D44}"/>
-              </a:ext>
-            </a:extLst>
-          </p:cNvPr>
+          <p:cNvPr id="6" name="Slide Number Placeholder 5"/>
           <p:cNvSpPr>
             <a:spLocks noGrp="1"/>
           </p:cNvSpPr>
@@ -2976,8 +2623,8 @@
         </p:nvSpPr>
         <p:spPr>
           <a:xfrm>
-            <a:off x="8610600" y="6356350"/>
-            <a:ext cx="2743200" cy="365125"/>
+            <a:off x="12915900" y="9322647"/>
+            <a:ext cx="4114800" cy="535517"/>
           </a:xfrm>
           <a:prstGeom prst="rect">
             <a:avLst/>
@@ -2987,7 +2634,7 @@
           <a:bodyPr vert="horz" lIns="91440" tIns="45720" rIns="91440" bIns="45720" rtlCol="0" anchor="ctr"/>
           <a:lstStyle>
             <a:lvl1pPr algn="r">
-              <a:defRPr sz="1200">
+              <a:defRPr sz="1760">
                 <a:solidFill>
                   <a:schemeClr val="tx1">
                     <a:tint val="75000"/>
@@ -3008,27 +2655,27 @@
     </p:spTree>
     <p:extLst>
       <p:ext uri="{BB962C8B-B14F-4D97-AF65-F5344CB8AC3E}">
-        <p14:creationId xmlns:p14="http://schemas.microsoft.com/office/powerpoint/2010/main" val="4241515940"/>
+        <p14:creationId xmlns:p14="http://schemas.microsoft.com/office/powerpoint/2010/main" val="2141763176"/>
       </p:ext>
     </p:extLst>
   </p:cSld>
   <p:clrMap bg1="lt1" tx1="dk1" bg2="lt2" tx2="dk2" accent1="accent1" accent2="accent2" accent3="accent3" accent4="accent4" accent5="accent5" accent6="accent6" hlink="hlink" folHlink="folHlink"/>
   <p:sldLayoutIdLst>
-    <p:sldLayoutId id="2147483649" r:id="rId1"/>
-    <p:sldLayoutId id="2147483650" r:id="rId2"/>
-    <p:sldLayoutId id="2147483651" r:id="rId3"/>
-    <p:sldLayoutId id="2147483652" r:id="rId4"/>
-    <p:sldLayoutId id="2147483653" r:id="rId5"/>
-    <p:sldLayoutId id="2147483654" r:id="rId6"/>
-    <p:sldLayoutId id="2147483655" r:id="rId7"/>
-    <p:sldLayoutId id="2147483656" r:id="rId8"/>
-    <p:sldLayoutId id="2147483657" r:id="rId9"/>
-    <p:sldLayoutId id="2147483658" r:id="rId10"/>
-    <p:sldLayoutId id="2147483659" r:id="rId11"/>
+    <p:sldLayoutId id="2147483673" r:id="rId1"/>
+    <p:sldLayoutId id="2147483674" r:id="rId2"/>
+    <p:sldLayoutId id="2147483675" r:id="rId3"/>
+    <p:sldLayoutId id="2147483676" r:id="rId4"/>
+    <p:sldLayoutId id="2147483677" r:id="rId5"/>
+    <p:sldLayoutId id="2147483678" r:id="rId6"/>
+    <p:sldLayoutId id="2147483679" r:id="rId7"/>
+    <p:sldLayoutId id="2147483680" r:id="rId8"/>
+    <p:sldLayoutId id="2147483681" r:id="rId9"/>
+    <p:sldLayoutId id="2147483682" r:id="rId10"/>
+    <p:sldLayoutId id="2147483683" r:id="rId11"/>
   </p:sldLayoutIdLst>
   <p:txStyles>
     <p:titleStyle>
-      <a:lvl1pPr algn="l" defTabSz="914400" rtl="0" eaLnBrk="1" latinLnBrk="0" hangingPunct="1">
+      <a:lvl1pPr algn="l" defTabSz="1341150" rtl="0" eaLnBrk="1" latinLnBrk="0" hangingPunct="1">
         <a:lnSpc>
           <a:spcPct val="90000"/>
         </a:lnSpc>
@@ -3036,7 +2683,7 @@
           <a:spcPct val="0"/>
         </a:spcBef>
         <a:buNone/>
-        <a:defRPr sz="4400" kern="1200">
+        <a:defRPr sz="6453" kern="1200">
           <a:solidFill>
             <a:schemeClr val="tx1"/>
           </a:solidFill>
@@ -3047,16 +2694,16 @@
       </a:lvl1pPr>
     </p:titleStyle>
     <p:bodyStyle>
-      <a:lvl1pPr marL="228600" indent="-228600" algn="l" defTabSz="914400" rtl="0" eaLnBrk="1" latinLnBrk="0" hangingPunct="1">
+      <a:lvl1pPr marL="335288" indent="-335288" algn="l" defTabSz="1341150" rtl="0" eaLnBrk="1" latinLnBrk="0" hangingPunct="1">
         <a:lnSpc>
           <a:spcPct val="90000"/>
         </a:lnSpc>
         <a:spcBef>
-          <a:spcPts val="1000"/>
+          <a:spcPts val="1467"/>
         </a:spcBef>
         <a:buFont typeface="Arial" panose="020B0604020202020204" pitchFamily="34" charset="0"/>
         <a:buChar char="•"/>
-        <a:defRPr sz="2800" kern="1200">
+        <a:defRPr sz="4107" kern="1200">
           <a:solidFill>
             <a:schemeClr val="tx1"/>
           </a:solidFill>
@@ -3065,16 +2712,16 @@
           <a:cs typeface="+mn-cs"/>
         </a:defRPr>
       </a:lvl1pPr>
-      <a:lvl2pPr marL="685800" indent="-228600" algn="l" defTabSz="914400" rtl="0" eaLnBrk="1" latinLnBrk="0" hangingPunct="1">
+      <a:lvl2pPr marL="1005863" indent="-335288" algn="l" defTabSz="1341150" rtl="0" eaLnBrk="1" latinLnBrk="0" hangingPunct="1">
         <a:lnSpc>
           <a:spcPct val="90000"/>
         </a:lnSpc>
         <a:spcBef>
-          <a:spcPts val="500"/>
+          <a:spcPts val="733"/>
         </a:spcBef>
         <a:buFont typeface="Arial" panose="020B0604020202020204" pitchFamily="34" charset="0"/>
         <a:buChar char="•"/>
-        <a:defRPr sz="2400" kern="1200">
+        <a:defRPr sz="3520" kern="1200">
           <a:solidFill>
             <a:schemeClr val="tx1"/>
           </a:solidFill>
@@ -3083,16 +2730,16 @@
           <a:cs typeface="+mn-cs"/>
         </a:defRPr>
       </a:lvl2pPr>
-      <a:lvl3pPr marL="1143000" indent="-228600" algn="l" defTabSz="914400" rtl="0" eaLnBrk="1" latinLnBrk="0" hangingPunct="1">
+      <a:lvl3pPr marL="1676438" indent="-335288" algn="l" defTabSz="1341150" rtl="0" eaLnBrk="1" latinLnBrk="0" hangingPunct="1">
         <a:lnSpc>
           <a:spcPct val="90000"/>
         </a:lnSpc>
         <a:spcBef>
-          <a:spcPts val="500"/>
+          <a:spcPts val="733"/>
         </a:spcBef>
         <a:buFont typeface="Arial" panose="020B0604020202020204" pitchFamily="34" charset="0"/>
         <a:buChar char="•"/>
-        <a:defRPr sz="2000" kern="1200">
+        <a:defRPr sz="2933" kern="1200">
           <a:solidFill>
             <a:schemeClr val="tx1"/>
           </a:solidFill>
@@ -3101,16 +2748,16 @@
           <a:cs typeface="+mn-cs"/>
         </a:defRPr>
       </a:lvl3pPr>
-      <a:lvl4pPr marL="1600200" indent="-228600" algn="l" defTabSz="914400" rtl="0" eaLnBrk="1" latinLnBrk="0" hangingPunct="1">
+      <a:lvl4pPr marL="2347013" indent="-335288" algn="l" defTabSz="1341150" rtl="0" eaLnBrk="1" latinLnBrk="0" hangingPunct="1">
         <a:lnSpc>
           <a:spcPct val="90000"/>
         </a:lnSpc>
         <a:spcBef>
-          <a:spcPts val="500"/>
+          <a:spcPts val="733"/>
         </a:spcBef>
         <a:buFont typeface="Arial" panose="020B0604020202020204" pitchFamily="34" charset="0"/>
         <a:buChar char="•"/>
-        <a:defRPr sz="1800" kern="1200">
+        <a:defRPr sz="2640" kern="1200">
           <a:solidFill>
             <a:schemeClr val="tx1"/>
           </a:solidFill>
@@ -3119,16 +2766,16 @@
           <a:cs typeface="+mn-cs"/>
         </a:defRPr>
       </a:lvl4pPr>
-      <a:lvl5pPr marL="2057400" indent="-228600" algn="l" defTabSz="914400" rtl="0" eaLnBrk="1" latinLnBrk="0" hangingPunct="1">
+      <a:lvl5pPr marL="3017589" indent="-335288" algn="l" defTabSz="1341150" rtl="0" eaLnBrk="1" latinLnBrk="0" hangingPunct="1">
         <a:lnSpc>
           <a:spcPct val="90000"/>
         </a:lnSpc>
         <a:spcBef>
-          <a:spcPts val="500"/>
+          <a:spcPts val="733"/>
         </a:spcBef>
         <a:buFont typeface="Arial" panose="020B0604020202020204" pitchFamily="34" charset="0"/>
         <a:buChar char="•"/>
-        <a:defRPr sz="1800" kern="1200">
+        <a:defRPr sz="2640" kern="1200">
           <a:solidFill>
             <a:schemeClr val="tx1"/>
           </a:solidFill>
@@ -3137,16 +2784,16 @@
           <a:cs typeface="+mn-cs"/>
         </a:defRPr>
       </a:lvl5pPr>
-      <a:lvl6pPr marL="2514600" indent="-228600" algn="l" defTabSz="914400" rtl="0" eaLnBrk="1" latinLnBrk="0" hangingPunct="1">
+      <a:lvl6pPr marL="3688164" indent="-335288" algn="l" defTabSz="1341150" rtl="0" eaLnBrk="1" latinLnBrk="0" hangingPunct="1">
         <a:lnSpc>
           <a:spcPct val="90000"/>
         </a:lnSpc>
         <a:spcBef>
-          <a:spcPts val="500"/>
+          <a:spcPts val="733"/>
         </a:spcBef>
         <a:buFont typeface="Arial" panose="020B0604020202020204" pitchFamily="34" charset="0"/>
         <a:buChar char="•"/>
-        <a:defRPr sz="1800" kern="1200">
+        <a:defRPr sz="2640" kern="1200">
           <a:solidFill>
             <a:schemeClr val="tx1"/>
           </a:solidFill>
@@ -3155,16 +2802,16 @@
           <a:cs typeface="+mn-cs"/>
         </a:defRPr>
       </a:lvl6pPr>
-      <a:lvl7pPr marL="2971800" indent="-228600" algn="l" defTabSz="914400" rtl="0" eaLnBrk="1" latinLnBrk="0" hangingPunct="1">
+      <a:lvl7pPr marL="4358739" indent="-335288" algn="l" defTabSz="1341150" rtl="0" eaLnBrk="1" latinLnBrk="0" hangingPunct="1">
         <a:lnSpc>
           <a:spcPct val="90000"/>
         </a:lnSpc>
         <a:spcBef>
-          <a:spcPts val="500"/>
+          <a:spcPts val="733"/>
         </a:spcBef>
         <a:buFont typeface="Arial" panose="020B0604020202020204" pitchFamily="34" charset="0"/>
         <a:buChar char="•"/>
-        <a:defRPr sz="1800" kern="1200">
+        <a:defRPr sz="2640" kern="1200">
           <a:solidFill>
             <a:schemeClr val="tx1"/>
           </a:solidFill>
@@ -3173,16 +2820,16 @@
           <a:cs typeface="+mn-cs"/>
         </a:defRPr>
       </a:lvl7pPr>
-      <a:lvl8pPr marL="3429000" indent="-228600" algn="l" defTabSz="914400" rtl="0" eaLnBrk="1" latinLnBrk="0" hangingPunct="1">
+      <a:lvl8pPr marL="5029314" indent="-335288" algn="l" defTabSz="1341150" rtl="0" eaLnBrk="1" latinLnBrk="0" hangingPunct="1">
         <a:lnSpc>
           <a:spcPct val="90000"/>
         </a:lnSpc>
         <a:spcBef>
-          <a:spcPts val="500"/>
+          <a:spcPts val="733"/>
         </a:spcBef>
         <a:buFont typeface="Arial" panose="020B0604020202020204" pitchFamily="34" charset="0"/>
         <a:buChar char="•"/>
-        <a:defRPr sz="1800" kern="1200">
+        <a:defRPr sz="2640" kern="1200">
           <a:solidFill>
             <a:schemeClr val="tx1"/>
           </a:solidFill>
@@ -3191,16 +2838,16 @@
           <a:cs typeface="+mn-cs"/>
         </a:defRPr>
       </a:lvl8pPr>
-      <a:lvl9pPr marL="3886200" indent="-228600" algn="l" defTabSz="914400" rtl="0" eaLnBrk="1" latinLnBrk="0" hangingPunct="1">
+      <a:lvl9pPr marL="5699890" indent="-335288" algn="l" defTabSz="1341150" rtl="0" eaLnBrk="1" latinLnBrk="0" hangingPunct="1">
         <a:lnSpc>
           <a:spcPct val="90000"/>
         </a:lnSpc>
         <a:spcBef>
-          <a:spcPts val="500"/>
+          <a:spcPts val="733"/>
         </a:spcBef>
         <a:buFont typeface="Arial" panose="020B0604020202020204" pitchFamily="34" charset="0"/>
         <a:buChar char="•"/>
-        <a:defRPr sz="1800" kern="1200">
+        <a:defRPr sz="2640" kern="1200">
           <a:solidFill>
             <a:schemeClr val="tx1"/>
           </a:solidFill>
@@ -3214,8 +2861,8 @@
       <a:defPPr>
         <a:defRPr lang="en-US"/>
       </a:defPPr>
-      <a:lvl1pPr marL="0" algn="l" defTabSz="914400" rtl="0" eaLnBrk="1" latinLnBrk="0" hangingPunct="1">
-        <a:defRPr sz="1800" kern="1200">
+      <a:lvl1pPr marL="0" algn="l" defTabSz="1341150" rtl="0" eaLnBrk="1" latinLnBrk="0" hangingPunct="1">
+        <a:defRPr sz="2640" kern="1200">
           <a:solidFill>
             <a:schemeClr val="tx1"/>
           </a:solidFill>
@@ -3224,8 +2871,8 @@
           <a:cs typeface="+mn-cs"/>
         </a:defRPr>
       </a:lvl1pPr>
-      <a:lvl2pPr marL="457200" algn="l" defTabSz="914400" rtl="0" eaLnBrk="1" latinLnBrk="0" hangingPunct="1">
-        <a:defRPr sz="1800" kern="1200">
+      <a:lvl2pPr marL="670575" algn="l" defTabSz="1341150" rtl="0" eaLnBrk="1" latinLnBrk="0" hangingPunct="1">
+        <a:defRPr sz="2640" kern="1200">
           <a:solidFill>
             <a:schemeClr val="tx1"/>
           </a:solidFill>
@@ -3234,8 +2881,8 @@
           <a:cs typeface="+mn-cs"/>
         </a:defRPr>
       </a:lvl2pPr>
-      <a:lvl3pPr marL="914400" algn="l" defTabSz="914400" rtl="0" eaLnBrk="1" latinLnBrk="0" hangingPunct="1">
-        <a:defRPr sz="1800" kern="1200">
+      <a:lvl3pPr marL="1341150" algn="l" defTabSz="1341150" rtl="0" eaLnBrk="1" latinLnBrk="0" hangingPunct="1">
+        <a:defRPr sz="2640" kern="1200">
           <a:solidFill>
             <a:schemeClr val="tx1"/>
           </a:solidFill>
@@ -3244,8 +2891,8 @@
           <a:cs typeface="+mn-cs"/>
         </a:defRPr>
       </a:lvl3pPr>
-      <a:lvl4pPr marL="1371600" algn="l" defTabSz="914400" rtl="0" eaLnBrk="1" latinLnBrk="0" hangingPunct="1">
-        <a:defRPr sz="1800" kern="1200">
+      <a:lvl4pPr marL="2011726" algn="l" defTabSz="1341150" rtl="0" eaLnBrk="1" latinLnBrk="0" hangingPunct="1">
+        <a:defRPr sz="2640" kern="1200">
           <a:solidFill>
             <a:schemeClr val="tx1"/>
           </a:solidFill>
@@ -3254,8 +2901,8 @@
           <a:cs typeface="+mn-cs"/>
         </a:defRPr>
       </a:lvl4pPr>
-      <a:lvl5pPr marL="1828800" algn="l" defTabSz="914400" rtl="0" eaLnBrk="1" latinLnBrk="0" hangingPunct="1">
-        <a:defRPr sz="1800" kern="1200">
+      <a:lvl5pPr marL="2682301" algn="l" defTabSz="1341150" rtl="0" eaLnBrk="1" latinLnBrk="0" hangingPunct="1">
+        <a:defRPr sz="2640" kern="1200">
           <a:solidFill>
             <a:schemeClr val="tx1"/>
           </a:solidFill>
@@ -3264,8 +2911,8 @@
           <a:cs typeface="+mn-cs"/>
         </a:defRPr>
       </a:lvl5pPr>
-      <a:lvl6pPr marL="2286000" algn="l" defTabSz="914400" rtl="0" eaLnBrk="1" latinLnBrk="0" hangingPunct="1">
-        <a:defRPr sz="1800" kern="1200">
+      <a:lvl6pPr marL="3352876" algn="l" defTabSz="1341150" rtl="0" eaLnBrk="1" latinLnBrk="0" hangingPunct="1">
+        <a:defRPr sz="2640" kern="1200">
           <a:solidFill>
             <a:schemeClr val="tx1"/>
           </a:solidFill>
@@ -3274,8 +2921,8 @@
           <a:cs typeface="+mn-cs"/>
         </a:defRPr>
       </a:lvl6pPr>
-      <a:lvl7pPr marL="2743200" algn="l" defTabSz="914400" rtl="0" eaLnBrk="1" latinLnBrk="0" hangingPunct="1">
-        <a:defRPr sz="1800" kern="1200">
+      <a:lvl7pPr marL="4023451" algn="l" defTabSz="1341150" rtl="0" eaLnBrk="1" latinLnBrk="0" hangingPunct="1">
+        <a:defRPr sz="2640" kern="1200">
           <a:solidFill>
             <a:schemeClr val="tx1"/>
           </a:solidFill>
@@ -3284,8 +2931,8 @@
           <a:cs typeface="+mn-cs"/>
         </a:defRPr>
       </a:lvl7pPr>
-      <a:lvl8pPr marL="3200400" algn="l" defTabSz="914400" rtl="0" eaLnBrk="1" latinLnBrk="0" hangingPunct="1">
-        <a:defRPr sz="1800" kern="1200">
+      <a:lvl8pPr marL="4694027" algn="l" defTabSz="1341150" rtl="0" eaLnBrk="1" latinLnBrk="0" hangingPunct="1">
+        <a:defRPr sz="2640" kern="1200">
           <a:solidFill>
             <a:schemeClr val="tx1"/>
           </a:solidFill>
@@ -3294,8 +2941,8 @@
           <a:cs typeface="+mn-cs"/>
         </a:defRPr>
       </a:lvl8pPr>
-      <a:lvl9pPr marL="3657600" algn="l" defTabSz="914400" rtl="0" eaLnBrk="1" latinLnBrk="0" hangingPunct="1">
-        <a:defRPr sz="1800" kern="1200">
+      <a:lvl9pPr marL="5364602" algn="l" defTabSz="1341150" rtl="0" eaLnBrk="1" latinLnBrk="0" hangingPunct="1">
+        <a:defRPr sz="2640" kern="1200">
           <a:solidFill>
             <a:schemeClr val="tx1"/>
           </a:solidFill>
@@ -3328,10 +2975,10 @@
       </p:grpSpPr>
       <p:sp>
         <p:nvSpPr>
-          <p:cNvPr id="15" name="Rectangle 14">
+          <p:cNvPr id="141" name="Rectangle 140">
             <a:extLst>
               <a:ext uri="{FF2B5EF4-FFF2-40B4-BE49-F238E27FC236}">
-                <a16:creationId xmlns:a16="http://schemas.microsoft.com/office/drawing/2014/main" id="{F6F925A7-FFC7-4AE1-AE46-90D57E861520}"/>
+                <a16:creationId xmlns:a16="http://schemas.microsoft.com/office/drawing/2014/main" id="{866C2E3C-1D38-4ABE-A7E7-E35268AB81B3}"/>
               </a:ext>
             </a:extLst>
           </p:cNvPr>
@@ -3340,8 +2987,8 @@
         </p:nvSpPr>
         <p:spPr>
           <a:xfrm>
-            <a:off x="2844888" y="378798"/>
-            <a:ext cx="9009344" cy="4776861"/>
+            <a:off x="6086915" y="378799"/>
+            <a:ext cx="9009344" cy="5450502"/>
           </a:xfrm>
           <a:prstGeom prst="rect">
             <a:avLst/>
@@ -3397,10 +3044,10 @@
       </p:sp>
       <p:pic>
         <p:nvPicPr>
-          <p:cNvPr id="16" name="Graphic 15">
+          <p:cNvPr id="143" name="Graphic 142">
             <a:extLst>
               <a:ext uri="{FF2B5EF4-FFF2-40B4-BE49-F238E27FC236}">
-                <a16:creationId xmlns:a16="http://schemas.microsoft.com/office/drawing/2014/main" id="{94C4135F-8DE3-4DFF-B2DB-F77FBBE7D857}"/>
+                <a16:creationId xmlns:a16="http://schemas.microsoft.com/office/drawing/2014/main" id="{1E16D8AA-C460-47F3-B3C6-4A6D29BCF093}"/>
               </a:ext>
             </a:extLst>
           </p:cNvPr>
@@ -3422,7 +3069,7 @@
         </p:blipFill>
         <p:spPr>
           <a:xfrm>
-            <a:off x="2844888" y="386137"/>
+            <a:off x="6086915" y="386137"/>
             <a:ext cx="381000" cy="381000"/>
           </a:xfrm>
           <a:prstGeom prst="rect">
@@ -3432,10 +3079,10 @@
       </p:pic>
       <p:sp>
         <p:nvSpPr>
-          <p:cNvPr id="4" name="Rectangle 3">
+          <p:cNvPr id="144" name="Rectangle 143">
             <a:extLst>
               <a:ext uri="{FF2B5EF4-FFF2-40B4-BE49-F238E27FC236}">
-                <a16:creationId xmlns:a16="http://schemas.microsoft.com/office/drawing/2014/main" id="{0452EFD1-229F-4007-84B1-BAD82F2E99D6}"/>
+                <a16:creationId xmlns:a16="http://schemas.microsoft.com/office/drawing/2014/main" id="{8BE87BC9-CB83-4553-B221-B90917199564}"/>
               </a:ext>
             </a:extLst>
           </p:cNvPr>
@@ -3444,8 +3091,8 @@
         </p:nvSpPr>
         <p:spPr>
           <a:xfrm>
-            <a:off x="318314" y="386137"/>
-            <a:ext cx="1942513" cy="4776861"/>
+            <a:off x="3560341" y="386138"/>
+            <a:ext cx="1942513" cy="5443164"/>
           </a:xfrm>
           <a:prstGeom prst="rect">
             <a:avLst/>
@@ -3501,10 +3148,10 @@
       </p:sp>
       <p:pic>
         <p:nvPicPr>
-          <p:cNvPr id="5" name="Graphic 4">
+          <p:cNvPr id="148" name="Graphic 147">
             <a:extLst>
               <a:ext uri="{FF2B5EF4-FFF2-40B4-BE49-F238E27FC236}">
-                <a16:creationId xmlns:a16="http://schemas.microsoft.com/office/drawing/2014/main" id="{FC7BF29C-C071-4966-B0F3-6EC13164EFFF}"/>
+                <a16:creationId xmlns:a16="http://schemas.microsoft.com/office/drawing/2014/main" id="{984A951E-8444-4A2D-8C02-F74D0A18C590}"/>
               </a:ext>
             </a:extLst>
           </p:cNvPr>
@@ -3527,7 +3174,7 @@
         </p:blipFill>
         <p:spPr>
           <a:xfrm>
-            <a:off x="318314" y="386137"/>
+            <a:off x="3560341" y="386137"/>
             <a:ext cx="381000" cy="381000"/>
           </a:xfrm>
           <a:prstGeom prst="rect">
@@ -3537,10 +3184,10 @@
       </p:pic>
       <p:sp>
         <p:nvSpPr>
-          <p:cNvPr id="7" name="TextBox 9">
+          <p:cNvPr id="149" name="TextBox 9">
             <a:extLst>
               <a:ext uri="{FF2B5EF4-FFF2-40B4-BE49-F238E27FC236}">
-                <a16:creationId xmlns:a16="http://schemas.microsoft.com/office/drawing/2014/main" id="{6EA965C5-28D8-4C60-AE79-94C33BEC2A22}"/>
+                <a16:creationId xmlns:a16="http://schemas.microsoft.com/office/drawing/2014/main" id="{F0A77144-42CD-4216-B116-3233E59EB565}"/>
               </a:ext>
             </a:extLst>
           </p:cNvPr>
@@ -3551,7 +3198,7 @@
         </p:nvSpPr>
         <p:spPr bwMode="auto">
           <a:xfrm>
-            <a:off x="482378" y="3521780"/>
+            <a:off x="3717604" y="4238577"/>
             <a:ext cx="1619412" cy="276999"/>
           </a:xfrm>
           <a:prstGeom prst="rect">
@@ -3698,10 +3345,49 @@
       </p:sp>
       <p:pic>
         <p:nvPicPr>
-          <p:cNvPr id="8" name="Graphic 17">
+          <p:cNvPr id="151" name="Graphic 150">
             <a:extLst>
               <a:ext uri="{FF2B5EF4-FFF2-40B4-BE49-F238E27FC236}">
-                <a16:creationId xmlns:a16="http://schemas.microsoft.com/office/drawing/2014/main" id="{BD54E507-9052-476F-B6F3-2EA772B4F43A}"/>
+                <a16:creationId xmlns:a16="http://schemas.microsoft.com/office/drawing/2014/main" id="{696FF2B2-FA86-4920-83E9-80016CF4F610}"/>
+              </a:ext>
+            </a:extLst>
+          </p:cNvPr>
+          <p:cNvPicPr>
+            <a:picLocks noChangeAspect="1"/>
+          </p:cNvPicPr>
+          <p:nvPr/>
+        </p:nvPicPr>
+        <p:blipFill>
+          <a:blip r:embed="rId6">
+            <a:extLst>
+              <a:ext uri="{28A0092B-C50C-407E-A947-70E740481C1C}">
+                <a14:useLocalDpi xmlns:a14="http://schemas.microsoft.com/office/drawing/2010/main" val="0"/>
+              </a:ext>
+              <a:ext uri="{96DAC541-7B7A-43D3-8B79-37D633B846F1}">
+                <asvg:svgBlip xmlns:asvg="http://schemas.microsoft.com/office/drawing/2016/SVG/main" r:embed="rId7"/>
+              </a:ext>
+            </a:extLst>
+          </a:blip>
+          <a:stretch>
+            <a:fillRect/>
+          </a:stretch>
+        </p:blipFill>
+        <p:spPr>
+          <a:xfrm>
+            <a:off x="3981813" y="1177204"/>
+            <a:ext cx="1090994" cy="758952"/>
+          </a:xfrm>
+          <a:prstGeom prst="rect">
+            <a:avLst/>
+          </a:prstGeom>
+        </p:spPr>
+      </p:pic>
+      <p:pic>
+        <p:nvPicPr>
+          <p:cNvPr id="152" name="Graphic 19">
+            <a:extLst>
+              <a:ext uri="{FF2B5EF4-FFF2-40B4-BE49-F238E27FC236}">
+                <a16:creationId xmlns:a16="http://schemas.microsoft.com/office/drawing/2014/main" id="{EC373B3F-9049-463E-A8E2-F053A673814F}"/>
               </a:ext>
             </a:extLst>
           </p:cNvPr>
@@ -3711,104 +3397,7 @@
           <p:nvPr/>
         </p:nvPicPr>
         <p:blipFill>
-          <a:blip r:embed="rId6">
-            <a:extLst>
-              <a:ext uri="{96DAC541-7B7A-43D3-8B79-37D633B846F1}">
-                <asvg:svgBlip xmlns:asvg="http://schemas.microsoft.com/office/drawing/2016/SVG/main" r:embed="rId7"/>
-              </a:ext>
-            </a:extLst>
-          </a:blip>
-          <a:srcRect/>
-          <a:stretch/>
-        </p:blipFill>
-        <p:spPr bwMode="auto">
-          <a:xfrm>
-            <a:off x="911084" y="2745011"/>
-            <a:ext cx="762000" cy="762000"/>
-          </a:xfrm>
-          <a:prstGeom prst="rect">
-            <a:avLst/>
-          </a:prstGeom>
-          <a:noFill/>
-          <a:ln>
-            <a:noFill/>
-          </a:ln>
-          <a:extLst>
-            <a:ext uri="{909E8E84-426E-40DD-AFC4-6F175D3DCCD1}">
-              <a14:hiddenFill xmlns:a14="http://schemas.microsoft.com/office/drawing/2010/main">
-                <a:solidFill>
-                  <a:srgbClr val="FFFFFF"/>
-                </a:solidFill>
-              </a14:hiddenFill>
-            </a:ext>
-            <a:ext uri="{91240B29-F687-4F45-9708-019B960494DF}">
-              <a14:hiddenLine xmlns:a14="http://schemas.microsoft.com/office/drawing/2010/main" w="9525">
-                <a:solidFill>
-                  <a:srgbClr val="000000"/>
-                </a:solidFill>
-                <a:miter lim="800000"/>
-                <a:headEnd/>
-                <a:tailEnd/>
-              </a14:hiddenLine>
-            </a:ext>
-          </a:extLst>
-        </p:spPr>
-      </p:pic>
-      <p:pic>
-        <p:nvPicPr>
-          <p:cNvPr id="10" name="Graphic 9">
-            <a:extLst>
-              <a:ext uri="{FF2B5EF4-FFF2-40B4-BE49-F238E27FC236}">
-                <a16:creationId xmlns:a16="http://schemas.microsoft.com/office/drawing/2014/main" id="{E156B4E8-20CB-4F3E-B065-A7D99A671D66}"/>
-              </a:ext>
-            </a:extLst>
-          </p:cNvPr>
-          <p:cNvPicPr>
-            <a:picLocks noChangeAspect="1"/>
-          </p:cNvPicPr>
-          <p:nvPr/>
-        </p:nvPicPr>
-        <p:blipFill>
           <a:blip r:embed="rId8">
-            <a:extLst>
-              <a:ext uri="{28A0092B-C50C-407E-A947-70E740481C1C}">
-                <a14:useLocalDpi xmlns:a14="http://schemas.microsoft.com/office/drawing/2010/main" val="0"/>
-              </a:ext>
-              <a:ext uri="{96DAC541-7B7A-43D3-8B79-37D633B846F1}">
-                <asvg:svgBlip xmlns:asvg="http://schemas.microsoft.com/office/drawing/2016/SVG/main" r:embed="rId9"/>
-              </a:ext>
-            </a:extLst>
-          </a:blip>
-          <a:stretch>
-            <a:fillRect/>
-          </a:stretch>
-        </p:blipFill>
-        <p:spPr>
-          <a:xfrm>
-            <a:off x="739786" y="1177204"/>
-            <a:ext cx="1090994" cy="758952"/>
-          </a:xfrm>
-          <a:prstGeom prst="rect">
-            <a:avLst/>
-          </a:prstGeom>
-        </p:spPr>
-      </p:pic>
-      <p:pic>
-        <p:nvPicPr>
-          <p:cNvPr id="13" name="Graphic 19">
-            <a:extLst>
-              <a:ext uri="{FF2B5EF4-FFF2-40B4-BE49-F238E27FC236}">
-                <a16:creationId xmlns:a16="http://schemas.microsoft.com/office/drawing/2014/main" id="{CE3BCC4B-9C39-4849-BCD0-C454521E81EA}"/>
-              </a:ext>
-            </a:extLst>
-          </p:cNvPr>
-          <p:cNvPicPr>
-            <a:picLocks noChangeAspect="1" noChangeArrowheads="1"/>
-          </p:cNvPicPr>
-          <p:nvPr/>
-        </p:nvPicPr>
-        <p:blipFill>
-          <a:blip r:embed="rId6">
             <a:extLst>
               <a:ext uri="{28A0092B-C50C-407E-A947-70E740481C1C}">
                 <a14:useLocalDpi xmlns:a14="http://schemas.microsoft.com/office/drawing/2010/main" val="0"/>
@@ -3822,7 +3411,7 @@
         </p:blipFill>
         <p:spPr bwMode="auto">
           <a:xfrm>
-            <a:off x="3292955" y="1936186"/>
+            <a:off x="6512917" y="4439964"/>
             <a:ext cx="762000" cy="762000"/>
           </a:xfrm>
           <a:prstGeom prst="rect">
@@ -3855,10 +3444,10 @@
       </p:pic>
       <p:sp>
         <p:nvSpPr>
-          <p:cNvPr id="14" name="TextBox 11">
+          <p:cNvPr id="155" name="TextBox 11">
             <a:extLst>
               <a:ext uri="{FF2B5EF4-FFF2-40B4-BE49-F238E27FC236}">
-                <a16:creationId xmlns:a16="http://schemas.microsoft.com/office/drawing/2014/main" id="{696EA1B8-E357-4917-A7E6-BA983A02CA64}"/>
+                <a16:creationId xmlns:a16="http://schemas.microsoft.com/office/drawing/2014/main" id="{049FBEFE-9668-4D3B-93F2-08BA5A562665}"/>
               </a:ext>
             </a:extLst>
           </p:cNvPr>
@@ -3869,7 +3458,7 @@
         </p:nvSpPr>
         <p:spPr bwMode="auto">
           <a:xfrm>
-            <a:off x="2910368" y="2697244"/>
+            <a:off x="6123820" y="5210929"/>
             <a:ext cx="1527175" cy="461665"/>
           </a:xfrm>
           <a:prstGeom prst="rect">
@@ -4016,24 +3605,24 @@
       </p:sp>
       <p:cxnSp>
         <p:nvCxnSpPr>
-          <p:cNvPr id="17" name="Straight Arrow Connector 16">
+          <p:cNvPr id="156" name="Straight Arrow Connector 155">
             <a:extLst>
               <a:ext uri="{FF2B5EF4-FFF2-40B4-BE49-F238E27FC236}">
-                <a16:creationId xmlns:a16="http://schemas.microsoft.com/office/drawing/2014/main" id="{40F93F97-13A3-417D-B959-F8803D53D285}"/>
+                <a16:creationId xmlns:a16="http://schemas.microsoft.com/office/drawing/2014/main" id="{303BB3D9-03D7-4D33-B5AA-C9661A01B298}"/>
               </a:ext>
             </a:extLst>
           </p:cNvPr>
           <p:cNvCxnSpPr>
             <a:cxnSpLocks/>
-            <a:stCxn id="43" idx="2"/>
-            <a:endCxn id="8" idx="0"/>
+            <a:stCxn id="196" idx="2"/>
+            <a:endCxn id="202" idx="0"/>
           </p:cNvCxnSpPr>
           <p:nvPr/>
         </p:nvCxnSpPr>
         <p:spPr>
-          <a:xfrm flipH="1">
-            <a:off x="1292084" y="2394904"/>
-            <a:ext cx="460" cy="350107"/>
+          <a:xfrm>
+            <a:off x="4531598" y="2210238"/>
+            <a:ext cx="2513" cy="1269782"/>
           </a:xfrm>
           <a:prstGeom prst="straightConnector1">
             <a:avLst/>
@@ -4063,10 +3652,10 @@
       </p:cxnSp>
       <p:pic>
         <p:nvPicPr>
-          <p:cNvPr id="20" name="Graphic 19">
+          <p:cNvPr id="159" name="Graphic 19">
             <a:extLst>
               <a:ext uri="{FF2B5EF4-FFF2-40B4-BE49-F238E27FC236}">
-                <a16:creationId xmlns:a16="http://schemas.microsoft.com/office/drawing/2014/main" id="{36E5490D-A4E7-4B5F-A996-6BFB272BE6EB}"/>
+                <a16:creationId xmlns:a16="http://schemas.microsoft.com/office/drawing/2014/main" id="{C520B457-A2FB-42FA-B6FA-EA160195F054}"/>
               </a:ext>
             </a:extLst>
           </p:cNvPr>
@@ -4076,7 +3665,7 @@
           <p:nvPr/>
         </p:nvPicPr>
         <p:blipFill>
-          <a:blip r:embed="rId6">
+          <a:blip r:embed="rId8">
             <a:extLst>
               <a:ext uri="{28A0092B-C50C-407E-A947-70E740481C1C}">
                 <a14:useLocalDpi xmlns:a14="http://schemas.microsoft.com/office/drawing/2010/main" val="0"/>
@@ -4090,7 +3679,7 @@
         </p:blipFill>
         <p:spPr bwMode="auto">
           <a:xfrm>
-            <a:off x="3292956" y="3503663"/>
+            <a:off x="6534983" y="2555398"/>
             <a:ext cx="762000" cy="762000"/>
           </a:xfrm>
           <a:prstGeom prst="rect">
@@ -4123,10 +3712,10 @@
       </p:pic>
       <p:sp>
         <p:nvSpPr>
-          <p:cNvPr id="21" name="TextBox 11">
+          <p:cNvPr id="160" name="TextBox 11">
             <a:extLst>
               <a:ext uri="{FF2B5EF4-FFF2-40B4-BE49-F238E27FC236}">
-                <a16:creationId xmlns:a16="http://schemas.microsoft.com/office/drawing/2014/main" id="{A5AC13A5-203B-445C-8EF1-E8E5BCAC174B}"/>
+                <a16:creationId xmlns:a16="http://schemas.microsoft.com/office/drawing/2014/main" id="{178E27EF-D869-45D1-AF8F-316EDF29E892}"/>
               </a:ext>
             </a:extLst>
           </p:cNvPr>
@@ -4137,7 +3726,7 @@
         </p:nvSpPr>
         <p:spPr bwMode="auto">
           <a:xfrm>
-            <a:off x="2910368" y="4269655"/>
+            <a:off x="6152395" y="3321390"/>
             <a:ext cx="1527175" cy="461665"/>
           </a:xfrm>
           <a:prstGeom prst="rect">
@@ -4284,10 +3873,231 @@
       </p:sp>
       <p:pic>
         <p:nvPicPr>
-          <p:cNvPr id="22" name="Graphic 20">
+          <p:cNvPr id="163" name="Graphic 20">
             <a:extLst>
               <a:ext uri="{FF2B5EF4-FFF2-40B4-BE49-F238E27FC236}">
-                <a16:creationId xmlns:a16="http://schemas.microsoft.com/office/drawing/2014/main" id="{BEFF024F-DFD2-4104-8ABC-B6FC10646BDB}"/>
+                <a16:creationId xmlns:a16="http://schemas.microsoft.com/office/drawing/2014/main" id="{F3DF2D5E-7AB6-44E7-B07D-311462C4EBA7}"/>
+              </a:ext>
+            </a:extLst>
+          </p:cNvPr>
+          <p:cNvPicPr>
+            <a:picLocks noChangeAspect="1" noChangeArrowheads="1"/>
+          </p:cNvPicPr>
+          <p:nvPr/>
+        </p:nvPicPr>
+        <p:blipFill>
+          <a:blip r:embed="rId9">
+            <a:extLst>
+              <a:ext uri="{28A0092B-C50C-407E-A947-70E740481C1C}">
+                <a14:useLocalDpi xmlns:a14="http://schemas.microsoft.com/office/drawing/2010/main" val="0"/>
+              </a:ext>
+            </a:extLst>
+          </a:blip>
+          <a:srcRect/>
+          <a:stretch>
+            <a:fillRect/>
+          </a:stretch>
+        </p:blipFill>
+        <p:spPr bwMode="auto">
+          <a:xfrm>
+            <a:off x="9438322" y="4439964"/>
+            <a:ext cx="762000" cy="762000"/>
+          </a:xfrm>
+          <a:prstGeom prst="rect">
+            <a:avLst/>
+          </a:prstGeom>
+          <a:noFill/>
+          <a:ln>
+            <a:noFill/>
+          </a:ln>
+          <a:extLst>
+            <a:ext uri="{909E8E84-426E-40DD-AFC4-6F175D3DCCD1}">
+              <a14:hiddenFill xmlns:a14="http://schemas.microsoft.com/office/drawing/2010/main">
+                <a:solidFill>
+                  <a:srgbClr val="FFFFFF"/>
+                </a:solidFill>
+              </a14:hiddenFill>
+            </a:ext>
+            <a:ext uri="{91240B29-F687-4F45-9708-019B960494DF}">
+              <a14:hiddenLine xmlns:a14="http://schemas.microsoft.com/office/drawing/2010/main" w="9525">
+                <a:solidFill>
+                  <a:srgbClr val="000000"/>
+                </a:solidFill>
+                <a:miter lim="800000"/>
+                <a:headEnd/>
+                <a:tailEnd/>
+              </a14:hiddenLine>
+            </a:ext>
+          </a:extLst>
+        </p:spPr>
+      </p:pic>
+      <p:sp>
+        <p:nvSpPr>
+          <p:cNvPr id="164" name="TextBox 12">
+            <a:extLst>
+              <a:ext uri="{FF2B5EF4-FFF2-40B4-BE49-F238E27FC236}">
+                <a16:creationId xmlns:a16="http://schemas.microsoft.com/office/drawing/2014/main" id="{6B963522-D18B-4658-B3BA-A5B010B67B27}"/>
+              </a:ext>
+            </a:extLst>
+          </p:cNvPr>
+          <p:cNvSpPr txBox="1">
+            <a:spLocks noChangeArrowheads="1"/>
+          </p:cNvSpPr>
+          <p:nvPr/>
+        </p:nvSpPr>
+        <p:spPr bwMode="auto">
+          <a:xfrm>
+            <a:off x="9055736" y="5213855"/>
+            <a:ext cx="1527175" cy="461665"/>
+          </a:xfrm>
+          <a:prstGeom prst="rect">
+            <a:avLst/>
+          </a:prstGeom>
+          <a:noFill/>
+          <a:ln>
+            <a:noFill/>
+          </a:ln>
+          <a:extLst>
+            <a:ext uri="{909E8E84-426E-40DD-AFC4-6F175D3DCCD1}">
+              <a14:hiddenFill xmlns:a14="http://schemas.microsoft.com/office/drawing/2010/main">
+                <a:solidFill>
+                  <a:srgbClr val="FFFFFF"/>
+                </a:solidFill>
+              </a14:hiddenFill>
+            </a:ext>
+            <a:ext uri="{91240B29-F687-4F45-9708-019B960494DF}">
+              <a14:hiddenLine xmlns:a14="http://schemas.microsoft.com/office/drawing/2010/main" w="9525">
+                <a:solidFill>
+                  <a:srgbClr val="000000"/>
+                </a:solidFill>
+                <a:miter lim="800000"/>
+                <a:headEnd/>
+                <a:tailEnd/>
+              </a14:hiddenLine>
+            </a:ext>
+          </a:extLst>
+        </p:spPr>
+        <p:txBody>
+          <a:bodyPr wrap="square">
+            <a:spAutoFit/>
+          </a:bodyPr>
+          <a:lstStyle>
+            <a:lvl1pPr>
+              <a:defRPr>
+                <a:solidFill>
+                  <a:schemeClr val="tx1"/>
+                </a:solidFill>
+                <a:latin typeface="Calibri" panose="020F0502020204030204" pitchFamily="34" charset="0"/>
+              </a:defRPr>
+            </a:lvl1pPr>
+            <a:lvl2pPr marL="742950" indent="-285750">
+              <a:defRPr>
+                <a:solidFill>
+                  <a:schemeClr val="tx1"/>
+                </a:solidFill>
+                <a:latin typeface="Calibri" panose="020F0502020204030204" pitchFamily="34" charset="0"/>
+              </a:defRPr>
+            </a:lvl2pPr>
+            <a:lvl3pPr marL="1143000" indent="-228600">
+              <a:defRPr>
+                <a:solidFill>
+                  <a:schemeClr val="tx1"/>
+                </a:solidFill>
+                <a:latin typeface="Calibri" panose="020F0502020204030204" pitchFamily="34" charset="0"/>
+              </a:defRPr>
+            </a:lvl3pPr>
+            <a:lvl4pPr marL="1600200" indent="-228600">
+              <a:defRPr>
+                <a:solidFill>
+                  <a:schemeClr val="tx1"/>
+                </a:solidFill>
+                <a:latin typeface="Calibri" panose="020F0502020204030204" pitchFamily="34" charset="0"/>
+              </a:defRPr>
+            </a:lvl4pPr>
+            <a:lvl5pPr marL="2057400" indent="-228600">
+              <a:defRPr>
+                <a:solidFill>
+                  <a:schemeClr val="tx1"/>
+                </a:solidFill>
+                <a:latin typeface="Calibri" panose="020F0502020204030204" pitchFamily="34" charset="0"/>
+              </a:defRPr>
+            </a:lvl5pPr>
+            <a:lvl6pPr marL="2514600" indent="-228600" eaLnBrk="0" fontAlgn="base" hangingPunct="0">
+              <a:spcBef>
+                <a:spcPct val="0"/>
+              </a:spcBef>
+              <a:spcAft>
+                <a:spcPct val="0"/>
+              </a:spcAft>
+              <a:defRPr>
+                <a:solidFill>
+                  <a:schemeClr val="tx1"/>
+                </a:solidFill>
+                <a:latin typeface="Calibri" panose="020F0502020204030204" pitchFamily="34" charset="0"/>
+              </a:defRPr>
+            </a:lvl6pPr>
+            <a:lvl7pPr marL="2971800" indent="-228600" eaLnBrk="0" fontAlgn="base" hangingPunct="0">
+              <a:spcBef>
+                <a:spcPct val="0"/>
+              </a:spcBef>
+              <a:spcAft>
+                <a:spcPct val="0"/>
+              </a:spcAft>
+              <a:defRPr>
+                <a:solidFill>
+                  <a:schemeClr val="tx1"/>
+                </a:solidFill>
+                <a:latin typeface="Calibri" panose="020F0502020204030204" pitchFamily="34" charset="0"/>
+              </a:defRPr>
+            </a:lvl7pPr>
+            <a:lvl8pPr marL="3429000" indent="-228600" eaLnBrk="0" fontAlgn="base" hangingPunct="0">
+              <a:spcBef>
+                <a:spcPct val="0"/>
+              </a:spcBef>
+              <a:spcAft>
+                <a:spcPct val="0"/>
+              </a:spcAft>
+              <a:defRPr>
+                <a:solidFill>
+                  <a:schemeClr val="tx1"/>
+                </a:solidFill>
+                <a:latin typeface="Calibri" panose="020F0502020204030204" pitchFamily="34" charset="0"/>
+              </a:defRPr>
+            </a:lvl8pPr>
+            <a:lvl9pPr marL="3886200" indent="-228600" eaLnBrk="0" fontAlgn="base" hangingPunct="0">
+              <a:spcBef>
+                <a:spcPct val="0"/>
+              </a:spcBef>
+              <a:spcAft>
+                <a:spcPct val="0"/>
+              </a:spcAft>
+              <a:defRPr>
+                <a:solidFill>
+                  <a:schemeClr val="tx1"/>
+                </a:solidFill>
+                <a:latin typeface="Calibri" panose="020F0502020204030204" pitchFamily="34" charset="0"/>
+              </a:defRPr>
+            </a:lvl9pPr>
+          </a:lstStyle>
+          <a:p>
+            <a:pPr algn="ctr" eaLnBrk="1" hangingPunct="1"/>
+            <a:r>
+              <a:rPr lang="en-US" altLang="en-US" sz="1200" dirty="0">
+                <a:latin typeface="Arial" panose="020B0604020202020204" pitchFamily="34" charset="0"/>
+                <a:ea typeface="Amazon Ember" panose="020B0603020204020204" pitchFamily="34" charset="0"/>
+                <a:cs typeface="Arial" panose="020B0604020202020204" pitchFamily="34" charset="0"/>
+              </a:rPr>
+              <a:t>Amazon Transcribe Medical</a:t>
+            </a:r>
+          </a:p>
+        </p:txBody>
+      </p:sp>
+      <p:pic>
+        <p:nvPicPr>
+          <p:cNvPr id="165" name="Graphic 19">
+            <a:extLst>
+              <a:ext uri="{FF2B5EF4-FFF2-40B4-BE49-F238E27FC236}">
+                <a16:creationId xmlns:a16="http://schemas.microsoft.com/office/drawing/2014/main" id="{A5952EB4-4ED4-4400-BCA1-56151ABBA938}"/>
               </a:ext>
             </a:extLst>
           </p:cNvPr>
@@ -4311,7 +4121,7 @@
         </p:blipFill>
         <p:spPr bwMode="auto">
           <a:xfrm>
-            <a:off x="4743421" y="1935244"/>
+            <a:off x="9438324" y="2557421"/>
             <a:ext cx="762000" cy="762000"/>
           </a:xfrm>
           <a:prstGeom prst="rect">
@@ -4344,10 +4154,10 @@
       </p:pic>
       <p:sp>
         <p:nvSpPr>
-          <p:cNvPr id="23" name="TextBox 12">
+          <p:cNvPr id="166" name="TextBox 11">
             <a:extLst>
               <a:ext uri="{FF2B5EF4-FFF2-40B4-BE49-F238E27FC236}">
-                <a16:creationId xmlns:a16="http://schemas.microsoft.com/office/drawing/2014/main" id="{AF95A5B2-783F-4BD8-9B48-397F5110093F}"/>
+                <a16:creationId xmlns:a16="http://schemas.microsoft.com/office/drawing/2014/main" id="{41CFAD08-F71D-4032-BD22-17BF82B558BD}"/>
               </a:ext>
             </a:extLst>
           </p:cNvPr>
@@ -4358,7 +4168,7 @@
         </p:nvSpPr>
         <p:spPr bwMode="auto">
           <a:xfrm>
-            <a:off x="4360833" y="2694273"/>
+            <a:off x="9055736" y="3322081"/>
             <a:ext cx="1527175" cy="461665"/>
           </a:xfrm>
           <a:prstGeom prst="rect">
@@ -4498,227 +4308,6 @@
                 <a:ea typeface="Amazon Ember" panose="020B0603020204020204" pitchFamily="34" charset="0"/>
                 <a:cs typeface="Arial" panose="020B0604020202020204" pitchFamily="34" charset="0"/>
               </a:rPr>
-              <a:t>Amazon Transcribe Medical</a:t>
-            </a:r>
-          </a:p>
-        </p:txBody>
-      </p:sp>
-      <p:pic>
-        <p:nvPicPr>
-          <p:cNvPr id="24" name="Graphic 19">
-            <a:extLst>
-              <a:ext uri="{FF2B5EF4-FFF2-40B4-BE49-F238E27FC236}">
-                <a16:creationId xmlns:a16="http://schemas.microsoft.com/office/drawing/2014/main" id="{DE502881-D25B-4A5E-9568-88179C8B5727}"/>
-              </a:ext>
-            </a:extLst>
-          </p:cNvPr>
-          <p:cNvPicPr>
-            <a:picLocks noChangeAspect="1" noChangeArrowheads="1"/>
-          </p:cNvPicPr>
-          <p:nvPr/>
-        </p:nvPicPr>
-        <p:blipFill>
-          <a:blip r:embed="rId11">
-            <a:extLst>
-              <a:ext uri="{28A0092B-C50C-407E-A947-70E740481C1C}">
-                <a14:useLocalDpi xmlns:a14="http://schemas.microsoft.com/office/drawing/2010/main" val="0"/>
-              </a:ext>
-            </a:extLst>
-          </a:blip>
-          <a:srcRect/>
-          <a:stretch>
-            <a:fillRect/>
-          </a:stretch>
-        </p:blipFill>
-        <p:spPr bwMode="auto">
-          <a:xfrm>
-            <a:off x="6196297" y="3505686"/>
-            <a:ext cx="762000" cy="762000"/>
-          </a:xfrm>
-          <a:prstGeom prst="rect">
-            <a:avLst/>
-          </a:prstGeom>
-          <a:noFill/>
-          <a:ln>
-            <a:noFill/>
-          </a:ln>
-          <a:extLst>
-            <a:ext uri="{909E8E84-426E-40DD-AFC4-6F175D3DCCD1}">
-              <a14:hiddenFill xmlns:a14="http://schemas.microsoft.com/office/drawing/2010/main">
-                <a:solidFill>
-                  <a:srgbClr val="FFFFFF"/>
-                </a:solidFill>
-              </a14:hiddenFill>
-            </a:ext>
-            <a:ext uri="{91240B29-F687-4F45-9708-019B960494DF}">
-              <a14:hiddenLine xmlns:a14="http://schemas.microsoft.com/office/drawing/2010/main" w="9525">
-                <a:solidFill>
-                  <a:srgbClr val="000000"/>
-                </a:solidFill>
-                <a:miter lim="800000"/>
-                <a:headEnd/>
-                <a:tailEnd/>
-              </a14:hiddenLine>
-            </a:ext>
-          </a:extLst>
-        </p:spPr>
-      </p:pic>
-      <p:sp>
-        <p:nvSpPr>
-          <p:cNvPr id="25" name="TextBox 11">
-            <a:extLst>
-              <a:ext uri="{FF2B5EF4-FFF2-40B4-BE49-F238E27FC236}">
-                <a16:creationId xmlns:a16="http://schemas.microsoft.com/office/drawing/2014/main" id="{58AA7451-8F57-4D63-822B-6FACE614A972}"/>
-              </a:ext>
-            </a:extLst>
-          </p:cNvPr>
-          <p:cNvSpPr txBox="1">
-            <a:spLocks noChangeArrowheads="1"/>
-          </p:cNvSpPr>
-          <p:nvPr/>
-        </p:nvSpPr>
-        <p:spPr bwMode="auto">
-          <a:xfrm>
-            <a:off x="5813709" y="4270346"/>
-            <a:ext cx="1527175" cy="461665"/>
-          </a:xfrm>
-          <a:prstGeom prst="rect">
-            <a:avLst/>
-          </a:prstGeom>
-          <a:noFill/>
-          <a:ln>
-            <a:noFill/>
-          </a:ln>
-          <a:extLst>
-            <a:ext uri="{909E8E84-426E-40DD-AFC4-6F175D3DCCD1}">
-              <a14:hiddenFill xmlns:a14="http://schemas.microsoft.com/office/drawing/2010/main">
-                <a:solidFill>
-                  <a:srgbClr val="FFFFFF"/>
-                </a:solidFill>
-              </a14:hiddenFill>
-            </a:ext>
-            <a:ext uri="{91240B29-F687-4F45-9708-019B960494DF}">
-              <a14:hiddenLine xmlns:a14="http://schemas.microsoft.com/office/drawing/2010/main" w="9525">
-                <a:solidFill>
-                  <a:srgbClr val="000000"/>
-                </a:solidFill>
-                <a:miter lim="800000"/>
-                <a:headEnd/>
-                <a:tailEnd/>
-              </a14:hiddenLine>
-            </a:ext>
-          </a:extLst>
-        </p:spPr>
-        <p:txBody>
-          <a:bodyPr wrap="square">
-            <a:spAutoFit/>
-          </a:bodyPr>
-          <a:lstStyle>
-            <a:lvl1pPr>
-              <a:defRPr>
-                <a:solidFill>
-                  <a:schemeClr val="tx1"/>
-                </a:solidFill>
-                <a:latin typeface="Calibri" panose="020F0502020204030204" pitchFamily="34" charset="0"/>
-              </a:defRPr>
-            </a:lvl1pPr>
-            <a:lvl2pPr marL="742950" indent="-285750">
-              <a:defRPr>
-                <a:solidFill>
-                  <a:schemeClr val="tx1"/>
-                </a:solidFill>
-                <a:latin typeface="Calibri" panose="020F0502020204030204" pitchFamily="34" charset="0"/>
-              </a:defRPr>
-            </a:lvl2pPr>
-            <a:lvl3pPr marL="1143000" indent="-228600">
-              <a:defRPr>
-                <a:solidFill>
-                  <a:schemeClr val="tx1"/>
-                </a:solidFill>
-                <a:latin typeface="Calibri" panose="020F0502020204030204" pitchFamily="34" charset="0"/>
-              </a:defRPr>
-            </a:lvl3pPr>
-            <a:lvl4pPr marL="1600200" indent="-228600">
-              <a:defRPr>
-                <a:solidFill>
-                  <a:schemeClr val="tx1"/>
-                </a:solidFill>
-                <a:latin typeface="Calibri" panose="020F0502020204030204" pitchFamily="34" charset="0"/>
-              </a:defRPr>
-            </a:lvl4pPr>
-            <a:lvl5pPr marL="2057400" indent="-228600">
-              <a:defRPr>
-                <a:solidFill>
-                  <a:schemeClr val="tx1"/>
-                </a:solidFill>
-                <a:latin typeface="Calibri" panose="020F0502020204030204" pitchFamily="34" charset="0"/>
-              </a:defRPr>
-            </a:lvl5pPr>
-            <a:lvl6pPr marL="2514600" indent="-228600" eaLnBrk="0" fontAlgn="base" hangingPunct="0">
-              <a:spcBef>
-                <a:spcPct val="0"/>
-              </a:spcBef>
-              <a:spcAft>
-                <a:spcPct val="0"/>
-              </a:spcAft>
-              <a:defRPr>
-                <a:solidFill>
-                  <a:schemeClr val="tx1"/>
-                </a:solidFill>
-                <a:latin typeface="Calibri" panose="020F0502020204030204" pitchFamily="34" charset="0"/>
-              </a:defRPr>
-            </a:lvl6pPr>
-            <a:lvl7pPr marL="2971800" indent="-228600" eaLnBrk="0" fontAlgn="base" hangingPunct="0">
-              <a:spcBef>
-                <a:spcPct val="0"/>
-              </a:spcBef>
-              <a:spcAft>
-                <a:spcPct val="0"/>
-              </a:spcAft>
-              <a:defRPr>
-                <a:solidFill>
-                  <a:schemeClr val="tx1"/>
-                </a:solidFill>
-                <a:latin typeface="Calibri" panose="020F0502020204030204" pitchFamily="34" charset="0"/>
-              </a:defRPr>
-            </a:lvl7pPr>
-            <a:lvl8pPr marL="3429000" indent="-228600" eaLnBrk="0" fontAlgn="base" hangingPunct="0">
-              <a:spcBef>
-                <a:spcPct val="0"/>
-              </a:spcBef>
-              <a:spcAft>
-                <a:spcPct val="0"/>
-              </a:spcAft>
-              <a:defRPr>
-                <a:solidFill>
-                  <a:schemeClr val="tx1"/>
-                </a:solidFill>
-                <a:latin typeface="Calibri" panose="020F0502020204030204" pitchFamily="34" charset="0"/>
-              </a:defRPr>
-            </a:lvl8pPr>
-            <a:lvl9pPr marL="3886200" indent="-228600" eaLnBrk="0" fontAlgn="base" hangingPunct="0">
-              <a:spcBef>
-                <a:spcPct val="0"/>
-              </a:spcBef>
-              <a:spcAft>
-                <a:spcPct val="0"/>
-              </a:spcAft>
-              <a:defRPr>
-                <a:solidFill>
-                  <a:schemeClr val="tx1"/>
-                </a:solidFill>
-                <a:latin typeface="Calibri" panose="020F0502020204030204" pitchFamily="34" charset="0"/>
-              </a:defRPr>
-            </a:lvl9pPr>
-          </a:lstStyle>
-          <a:p>
-            <a:pPr algn="ctr" eaLnBrk="1" hangingPunct="1"/>
-            <a:r>
-              <a:rPr lang="en-US" altLang="en-US" sz="1200" dirty="0">
-                <a:latin typeface="Arial" panose="020B0604020202020204" pitchFamily="34" charset="0"/>
-                <a:ea typeface="Amazon Ember" panose="020B0603020204020204" pitchFamily="34" charset="0"/>
-                <a:cs typeface="Arial" panose="020B0604020202020204" pitchFamily="34" charset="0"/>
-              </a:rPr>
               <a:t>Amazon EventBridge</a:t>
             </a:r>
           </a:p>
@@ -4726,27 +4315,27 @@
       </p:sp>
       <p:cxnSp>
         <p:nvCxnSpPr>
-          <p:cNvPr id="44" name="Elbow Connector 13">
+          <p:cNvPr id="167" name="Elbow Connector 13">
             <a:extLst>
               <a:ext uri="{FF2B5EF4-FFF2-40B4-BE49-F238E27FC236}">
-                <a16:creationId xmlns:a16="http://schemas.microsoft.com/office/drawing/2014/main" id="{07CB0CE5-2780-46A2-9EAE-494C56F9377E}"/>
+                <a16:creationId xmlns:a16="http://schemas.microsoft.com/office/drawing/2014/main" id="{FE75E349-988D-4788-8448-B5E83F33E55B}"/>
               </a:ext>
             </a:extLst>
           </p:cNvPr>
           <p:cNvCxnSpPr>
             <a:cxnSpLocks/>
-            <a:endCxn id="13" idx="1"/>
+            <a:endCxn id="159" idx="1"/>
           </p:cNvCxnSpPr>
           <p:nvPr/>
         </p:nvCxnSpPr>
         <p:spPr>
           <a:xfrm flipV="1">
-            <a:off x="1673544" y="2317186"/>
-            <a:ext cx="1619411" cy="626689"/>
+            <a:off x="4915111" y="2936398"/>
+            <a:ext cx="1619872" cy="725457"/>
           </a:xfrm>
           <a:prstGeom prst="bentConnector3">
             <a:avLst>
-              <a:gd name="adj1" fmla="val 53667"/>
+              <a:gd name="adj1" fmla="val 54116"/>
             </a:avLst>
           </a:prstGeom>
           <a:ln w="12700">
@@ -4774,27 +4363,27 @@
       </p:cxnSp>
       <p:cxnSp>
         <p:nvCxnSpPr>
-          <p:cNvPr id="62" name="Elbow Connector 12">
+          <p:cNvPr id="168" name="Elbow Connector 12">
             <a:extLst>
               <a:ext uri="{FF2B5EF4-FFF2-40B4-BE49-F238E27FC236}">
-                <a16:creationId xmlns:a16="http://schemas.microsoft.com/office/drawing/2014/main" id="{A75FC09F-895E-49E8-85A5-CADBA75D088C}"/>
+                <a16:creationId xmlns:a16="http://schemas.microsoft.com/office/drawing/2014/main" id="{5D915D95-E785-4178-A926-8668B99CAD67}"/>
               </a:ext>
             </a:extLst>
           </p:cNvPr>
           <p:cNvCxnSpPr>
             <a:cxnSpLocks/>
-            <a:endCxn id="20" idx="1"/>
+            <a:endCxn id="152" idx="1"/>
           </p:cNvCxnSpPr>
           <p:nvPr/>
         </p:nvCxnSpPr>
         <p:spPr>
           <a:xfrm>
-            <a:off x="1673544" y="3338472"/>
-            <a:ext cx="1619412" cy="546191"/>
+            <a:off x="4915111" y="4042855"/>
+            <a:ext cx="1597806" cy="778109"/>
           </a:xfrm>
           <a:prstGeom prst="bentConnector3">
             <a:avLst>
-              <a:gd name="adj1" fmla="val 53604"/>
+              <a:gd name="adj1" fmla="val 55365"/>
             </a:avLst>
           </a:prstGeom>
           <a:ln w="12700">
@@ -4822,24 +4411,24 @@
       </p:cxnSp>
       <p:cxnSp>
         <p:nvCxnSpPr>
-          <p:cNvPr id="76" name="Straight Arrow Connector 75">
+          <p:cNvPr id="169" name="Straight Arrow Connector 168">
             <a:extLst>
               <a:ext uri="{FF2B5EF4-FFF2-40B4-BE49-F238E27FC236}">
-                <a16:creationId xmlns:a16="http://schemas.microsoft.com/office/drawing/2014/main" id="{E5392DE2-C4A1-4E9B-A340-126BA765F16B}"/>
+                <a16:creationId xmlns:a16="http://schemas.microsoft.com/office/drawing/2014/main" id="{EA826E60-9835-423E-BA12-ED1158080530}"/>
               </a:ext>
             </a:extLst>
           </p:cNvPr>
           <p:cNvCxnSpPr>
             <a:cxnSpLocks/>
-            <a:stCxn id="13" idx="3"/>
-            <a:endCxn id="22" idx="1"/>
+            <a:stCxn id="152" idx="3"/>
+            <a:endCxn id="163" idx="1"/>
           </p:cNvCxnSpPr>
           <p:nvPr/>
         </p:nvCxnSpPr>
         <p:spPr>
-          <a:xfrm flipV="1">
-            <a:off x="4054955" y="2316244"/>
-            <a:ext cx="688466" cy="942"/>
+          <a:xfrm>
+            <a:off x="7274917" y="4820964"/>
+            <a:ext cx="2163405" cy="0"/>
           </a:xfrm>
           <a:prstGeom prst="straightConnector1">
             <a:avLst/>
@@ -4869,10 +4458,10 @@
       </p:cxnSp>
       <p:sp>
         <p:nvSpPr>
-          <p:cNvPr id="120" name="Rectangle 119">
+          <p:cNvPr id="172" name="Rectangle 171">
             <a:extLst>
               <a:ext uri="{FF2B5EF4-FFF2-40B4-BE49-F238E27FC236}">
-                <a16:creationId xmlns:a16="http://schemas.microsoft.com/office/drawing/2014/main" id="{BF0B1AD0-F0A3-4A82-B23C-8AC08062443E}"/>
+                <a16:creationId xmlns:a16="http://schemas.microsoft.com/office/drawing/2014/main" id="{388B0FB8-AC77-4B8B-B5CA-14E291E4F98C}"/>
               </a:ext>
             </a:extLst>
           </p:cNvPr>
@@ -4881,8 +4470,8 @@
         </p:nvSpPr>
         <p:spPr>
           <a:xfrm>
-            <a:off x="7381857" y="2219497"/>
-            <a:ext cx="4260100" cy="2661906"/>
+            <a:off x="10623884" y="671351"/>
+            <a:ext cx="4260100" cy="3261787"/>
           </a:xfrm>
           <a:prstGeom prst="rect">
             <a:avLst/>
@@ -4939,23 +4528,23 @@
       </p:sp>
       <p:cxnSp>
         <p:nvCxnSpPr>
-          <p:cNvPr id="79" name="Straight Arrow Connector 78">
+          <p:cNvPr id="173" name="Straight Arrow Connector 172">
             <a:extLst>
               <a:ext uri="{FF2B5EF4-FFF2-40B4-BE49-F238E27FC236}">
-                <a16:creationId xmlns:a16="http://schemas.microsoft.com/office/drawing/2014/main" id="{436865C3-8892-4576-95BA-2ED420C5A6D3}"/>
+                <a16:creationId xmlns:a16="http://schemas.microsoft.com/office/drawing/2014/main" id="{E204F1CD-DED5-4647-8D61-ADABEBFD3943}"/>
               </a:ext>
             </a:extLst>
           </p:cNvPr>
           <p:cNvCxnSpPr>
             <a:cxnSpLocks/>
-            <a:stCxn id="171" idx="3"/>
-            <a:endCxn id="170" idx="1"/>
+            <a:stCxn id="193" idx="3"/>
+            <a:endCxn id="192" idx="1"/>
           </p:cNvCxnSpPr>
           <p:nvPr/>
         </p:nvCxnSpPr>
         <p:spPr>
           <a:xfrm>
-            <a:off x="9702004" y="3888880"/>
+            <a:off x="12944031" y="2940615"/>
             <a:ext cx="1096686" cy="0"/>
           </a:xfrm>
           <a:prstGeom prst="straightConnector1">
@@ -4986,23 +4575,23 @@
       </p:cxnSp>
       <p:cxnSp>
         <p:nvCxnSpPr>
-          <p:cNvPr id="84" name="Straight Arrow Connector 83">
+          <p:cNvPr id="175" name="Straight Arrow Connector 174">
             <a:extLst>
               <a:ext uri="{FF2B5EF4-FFF2-40B4-BE49-F238E27FC236}">
-                <a16:creationId xmlns:a16="http://schemas.microsoft.com/office/drawing/2014/main" id="{08A7E833-703D-4D6D-BA0D-4D09A8A3605C}"/>
+                <a16:creationId xmlns:a16="http://schemas.microsoft.com/office/drawing/2014/main" id="{EEE5BCAD-16C0-4F0E-8E11-C7F7CA1DD6FA}"/>
               </a:ext>
             </a:extLst>
           </p:cNvPr>
           <p:cNvCxnSpPr>
             <a:cxnSpLocks/>
-            <a:stCxn id="162" idx="3"/>
-            <a:endCxn id="171" idx="1"/>
+            <a:stCxn id="191" idx="3"/>
+            <a:endCxn id="193" idx="1"/>
           </p:cNvCxnSpPr>
           <p:nvPr/>
         </p:nvCxnSpPr>
         <p:spPr>
           <a:xfrm flipV="1">
-            <a:off x="8255539" y="3888880"/>
+            <a:off x="11497566" y="2940615"/>
             <a:ext cx="989265" cy="3140"/>
           </a:xfrm>
           <a:prstGeom prst="straightConnector1">
@@ -5033,23 +4622,23 @@
       </p:cxnSp>
       <p:cxnSp>
         <p:nvCxnSpPr>
-          <p:cNvPr id="91" name="Straight Arrow Connector 90">
+          <p:cNvPr id="176" name="Straight Arrow Connector 175">
             <a:extLst>
               <a:ext uri="{FF2B5EF4-FFF2-40B4-BE49-F238E27FC236}">
-                <a16:creationId xmlns:a16="http://schemas.microsoft.com/office/drawing/2014/main" id="{2FCE45A5-F462-4672-8F16-6450AD0188BC}"/>
+                <a16:creationId xmlns:a16="http://schemas.microsoft.com/office/drawing/2014/main" id="{7B5244CE-CB74-4520-BA8E-00E0F92FCF47}"/>
               </a:ext>
             </a:extLst>
           </p:cNvPr>
           <p:cNvCxnSpPr>
             <a:cxnSpLocks/>
-            <a:stCxn id="24" idx="3"/>
-            <a:endCxn id="162" idx="1"/>
+            <a:stCxn id="165" idx="3"/>
+            <a:endCxn id="191" idx="1"/>
           </p:cNvCxnSpPr>
           <p:nvPr/>
         </p:nvCxnSpPr>
         <p:spPr>
           <a:xfrm>
-            <a:off x="6958297" y="3886686"/>
+            <a:off x="10200324" y="2938421"/>
             <a:ext cx="840042" cy="5334"/>
           </a:xfrm>
           <a:prstGeom prst="straightConnector1">
@@ -5080,10 +4669,10 @@
       </p:cxnSp>
       <p:sp>
         <p:nvSpPr>
-          <p:cNvPr id="137" name="TextBox 20">
+          <p:cNvPr id="177" name="TextBox 20">
             <a:extLst>
               <a:ext uri="{FF2B5EF4-FFF2-40B4-BE49-F238E27FC236}">
-                <a16:creationId xmlns:a16="http://schemas.microsoft.com/office/drawing/2014/main" id="{3ED56393-2813-41DE-AB51-ED90A16300B2}"/>
+                <a16:creationId xmlns:a16="http://schemas.microsoft.com/office/drawing/2014/main" id="{45B20584-9B5C-48F7-848A-D4A3C9F418D3}"/>
               </a:ext>
             </a:extLst>
           </p:cNvPr>
@@ -5094,7 +4683,7 @@
         </p:nvSpPr>
         <p:spPr bwMode="auto">
           <a:xfrm>
-            <a:off x="4670367" y="4117480"/>
+            <a:off x="7912394" y="3169215"/>
             <a:ext cx="906460" cy="430887"/>
           </a:xfrm>
           <a:prstGeom prst="rect">
@@ -5241,10 +4830,10 @@
       </p:sp>
       <p:pic>
         <p:nvPicPr>
-          <p:cNvPr id="138" name="Graphic 27">
+          <p:cNvPr id="178" name="Graphic 27">
             <a:extLst>
               <a:ext uri="{FF2B5EF4-FFF2-40B4-BE49-F238E27FC236}">
-                <a16:creationId xmlns:a16="http://schemas.microsoft.com/office/drawing/2014/main" id="{C0E25457-73C7-476D-8180-B69E33A6AFE2}"/>
+                <a16:creationId xmlns:a16="http://schemas.microsoft.com/office/drawing/2014/main" id="{9D820C42-ECAC-45F0-A03C-4293E64E84F6}"/>
               </a:ext>
             </a:extLst>
           </p:cNvPr>
@@ -5254,10 +4843,10 @@
           <p:nvPr/>
         </p:nvPicPr>
         <p:blipFill>
-          <a:blip r:embed="rId12">
+          <a:blip r:embed="rId11">
             <a:extLst>
               <a:ext uri="{96DAC541-7B7A-43D3-8B79-37D633B846F1}">
-                <asvg:svgBlip xmlns:asvg="http://schemas.microsoft.com/office/drawing/2016/SVG/main" r:embed="rId13"/>
+                <asvg:svgBlip xmlns:asvg="http://schemas.microsoft.com/office/drawing/2016/SVG/main" r:embed="rId12"/>
               </a:ext>
             </a:extLst>
           </a:blip>
@@ -5266,7 +4855,7 @@
         </p:blipFill>
         <p:spPr bwMode="auto">
           <a:xfrm>
-            <a:off x="4895820" y="3660280"/>
+            <a:off x="8137847" y="2712015"/>
             <a:ext cx="457200" cy="457200"/>
           </a:xfrm>
           <a:prstGeom prst="rect">
@@ -5299,23 +4888,23 @@
       </p:pic>
       <p:cxnSp>
         <p:nvCxnSpPr>
-          <p:cNvPr id="139" name="Straight Arrow Connector 138">
+          <p:cNvPr id="180" name="Straight Arrow Connector 179">
             <a:extLst>
               <a:ext uri="{FF2B5EF4-FFF2-40B4-BE49-F238E27FC236}">
-                <a16:creationId xmlns:a16="http://schemas.microsoft.com/office/drawing/2014/main" id="{CB955279-A3F2-4E6B-AF38-AC978B4211F8}"/>
+                <a16:creationId xmlns:a16="http://schemas.microsoft.com/office/drawing/2014/main" id="{FD6BABD2-9E83-4813-9BDE-B1760E36257F}"/>
               </a:ext>
             </a:extLst>
           </p:cNvPr>
           <p:cNvCxnSpPr>
             <a:cxnSpLocks/>
-            <a:stCxn id="20" idx="3"/>
-            <a:endCxn id="138" idx="1"/>
+            <a:stCxn id="159" idx="3"/>
+            <a:endCxn id="178" idx="1"/>
           </p:cNvCxnSpPr>
           <p:nvPr/>
         </p:nvCxnSpPr>
         <p:spPr>
           <a:xfrm>
-            <a:off x="4054956" y="3884663"/>
+            <a:off x="7296983" y="2936398"/>
             <a:ext cx="840864" cy="4217"/>
           </a:xfrm>
           <a:prstGeom prst="straightConnector1">
@@ -5346,23 +4935,23 @@
       </p:cxnSp>
       <p:cxnSp>
         <p:nvCxnSpPr>
-          <p:cNvPr id="142" name="Straight Arrow Connector 141">
+          <p:cNvPr id="181" name="Straight Arrow Connector 180">
             <a:extLst>
               <a:ext uri="{FF2B5EF4-FFF2-40B4-BE49-F238E27FC236}">
-                <a16:creationId xmlns:a16="http://schemas.microsoft.com/office/drawing/2014/main" id="{60304FA2-C0CB-4966-9C0A-DFAA9F662887}"/>
+                <a16:creationId xmlns:a16="http://schemas.microsoft.com/office/drawing/2014/main" id="{BC96E34E-649C-49EE-9A3D-3E5B0F4C99C9}"/>
               </a:ext>
             </a:extLst>
           </p:cNvPr>
           <p:cNvCxnSpPr>
             <a:cxnSpLocks/>
-            <a:stCxn id="138" idx="3"/>
-            <a:endCxn id="24" idx="1"/>
+            <a:stCxn id="178" idx="3"/>
+            <a:endCxn id="165" idx="1"/>
           </p:cNvCxnSpPr>
           <p:nvPr/>
         </p:nvCxnSpPr>
         <p:spPr>
           <a:xfrm flipV="1">
-            <a:off x="5353020" y="3886686"/>
+            <a:off x="8595047" y="2938421"/>
             <a:ext cx="843277" cy="2194"/>
           </a:xfrm>
           <a:prstGeom prst="straightConnector1">
@@ -5393,10 +4982,10 @@
       </p:cxnSp>
       <p:sp>
         <p:nvSpPr>
-          <p:cNvPr id="145" name="TextBox 26">
+          <p:cNvPr id="182" name="TextBox 26">
             <a:extLst>
               <a:ext uri="{FF2B5EF4-FFF2-40B4-BE49-F238E27FC236}">
-                <a16:creationId xmlns:a16="http://schemas.microsoft.com/office/drawing/2014/main" id="{2D1F7062-5BB3-4563-AA39-81AB081AEDA0}"/>
+                <a16:creationId xmlns:a16="http://schemas.microsoft.com/office/drawing/2014/main" id="{4FD7A7FE-F755-4FD5-836D-4E46F5D0C67F}"/>
               </a:ext>
             </a:extLst>
           </p:cNvPr>
@@ -5407,7 +4996,7 @@
         </p:nvSpPr>
         <p:spPr bwMode="auto">
           <a:xfrm>
-            <a:off x="5918041" y="1788610"/>
+            <a:off x="9160068" y="1788610"/>
             <a:ext cx="1318509" cy="430887"/>
           </a:xfrm>
           <a:prstGeom prst="rect">
@@ -5554,10 +5143,10 @@
       </p:sp>
       <p:pic>
         <p:nvPicPr>
-          <p:cNvPr id="146" name="Graphic 24">
+          <p:cNvPr id="183" name="Graphic 24">
             <a:extLst>
               <a:ext uri="{FF2B5EF4-FFF2-40B4-BE49-F238E27FC236}">
-                <a16:creationId xmlns:a16="http://schemas.microsoft.com/office/drawing/2014/main" id="{444B23B4-6FEC-4C3B-88F4-43A399A6A398}"/>
+                <a16:creationId xmlns:a16="http://schemas.microsoft.com/office/drawing/2014/main" id="{D03F20F7-4CE8-4D69-9D79-128ED6586283}"/>
               </a:ext>
             </a:extLst>
           </p:cNvPr>
@@ -5567,10 +5156,10 @@
           <p:nvPr/>
         </p:nvPicPr>
         <p:blipFill>
-          <a:blip r:embed="rId14">
+          <a:blip r:embed="rId13">
             <a:extLst>
               <a:ext uri="{96DAC541-7B7A-43D3-8B79-37D633B846F1}">
-                <asvg:svgBlip xmlns:asvg="http://schemas.microsoft.com/office/drawing/2016/SVG/main" r:embed="rId15"/>
+                <asvg:svgBlip xmlns:asvg="http://schemas.microsoft.com/office/drawing/2016/SVG/main" r:embed="rId14"/>
               </a:ext>
             </a:extLst>
           </a:blip>
@@ -5579,7 +5168,7 @@
         </p:blipFill>
         <p:spPr bwMode="auto">
           <a:xfrm rot="10800000">
-            <a:off x="6348696" y="1336974"/>
+            <a:off x="9590723" y="1336974"/>
             <a:ext cx="457200" cy="457200"/>
           </a:xfrm>
           <a:prstGeom prst="rect">
@@ -5612,24 +5201,24 @@
       </p:pic>
       <p:cxnSp>
         <p:nvCxnSpPr>
-          <p:cNvPr id="147" name="Straight Arrow Connector 146">
+          <p:cNvPr id="184" name="Straight Arrow Connector 183">
             <a:extLst>
               <a:ext uri="{FF2B5EF4-FFF2-40B4-BE49-F238E27FC236}">
-                <a16:creationId xmlns:a16="http://schemas.microsoft.com/office/drawing/2014/main" id="{2811FB0F-E595-4C49-8400-AF7D6652CBD0}"/>
+                <a16:creationId xmlns:a16="http://schemas.microsoft.com/office/drawing/2014/main" id="{A98B91EE-42E7-446A-8ACA-E999CB8D890B}"/>
               </a:ext>
             </a:extLst>
           </p:cNvPr>
           <p:cNvCxnSpPr>
             <a:cxnSpLocks/>
-            <a:stCxn id="24" idx="0"/>
-            <a:endCxn id="145" idx="2"/>
+            <a:stCxn id="165" idx="0"/>
+            <a:endCxn id="182" idx="2"/>
           </p:cNvCxnSpPr>
           <p:nvPr/>
         </p:nvCxnSpPr>
         <p:spPr>
           <a:xfrm flipH="1" flipV="1">
-            <a:off x="6577296" y="2219497"/>
-            <a:ext cx="1" cy="1286189"/>
+            <a:off x="9819323" y="2219497"/>
+            <a:ext cx="1" cy="337924"/>
           </a:xfrm>
           <a:prstGeom prst="straightConnector1">
             <a:avLst/>
@@ -5659,23 +5248,23 @@
       </p:cxnSp>
       <p:cxnSp>
         <p:nvCxnSpPr>
-          <p:cNvPr id="150" name="Straight Arrow Connector 149">
+          <p:cNvPr id="185" name="Straight Arrow Connector 184">
             <a:extLst>
               <a:ext uri="{FF2B5EF4-FFF2-40B4-BE49-F238E27FC236}">
-                <a16:creationId xmlns:a16="http://schemas.microsoft.com/office/drawing/2014/main" id="{4361A2B7-426C-4F6B-89D4-7F4A5F694A3F}"/>
+                <a16:creationId xmlns:a16="http://schemas.microsoft.com/office/drawing/2014/main" id="{CE2B979A-CA1B-4DC2-8118-560788BF760B}"/>
               </a:ext>
             </a:extLst>
           </p:cNvPr>
           <p:cNvCxnSpPr>
             <a:cxnSpLocks/>
-            <a:stCxn id="10" idx="3"/>
-            <a:endCxn id="146" idx="3"/>
+            <a:stCxn id="151" idx="3"/>
+            <a:endCxn id="183" idx="3"/>
           </p:cNvCxnSpPr>
           <p:nvPr/>
         </p:nvCxnSpPr>
         <p:spPr>
           <a:xfrm>
-            <a:off x="1830780" y="1556680"/>
+            <a:off x="5072807" y="1556680"/>
             <a:ext cx="4517916" cy="8894"/>
           </a:xfrm>
           <a:prstGeom prst="straightConnector1">
@@ -5706,10 +5295,10 @@
       </p:cxnSp>
       <p:sp>
         <p:nvSpPr>
-          <p:cNvPr id="153" name="TextBox 18">
+          <p:cNvPr id="186" name="TextBox 18">
             <a:extLst>
               <a:ext uri="{FF2B5EF4-FFF2-40B4-BE49-F238E27FC236}">
-                <a16:creationId xmlns:a16="http://schemas.microsoft.com/office/drawing/2014/main" id="{BD99F89C-AF8F-4597-9446-3914F4DB6B1F}"/>
+                <a16:creationId xmlns:a16="http://schemas.microsoft.com/office/drawing/2014/main" id="{1E56B0D9-15F8-4C88-89BC-1B8365124BD9}"/>
               </a:ext>
             </a:extLst>
           </p:cNvPr>
@@ -5720,7 +5309,7 @@
         </p:nvSpPr>
         <p:spPr bwMode="auto">
           <a:xfrm>
-            <a:off x="5219034" y="3626697"/>
+            <a:off x="8461061" y="2678432"/>
             <a:ext cx="1187450" cy="261610"/>
           </a:xfrm>
           <a:prstGeom prst="rect">
@@ -5867,10 +5456,10 @@
       </p:sp>
       <p:pic>
         <p:nvPicPr>
-          <p:cNvPr id="154" name="Graphic 8">
+          <p:cNvPr id="187" name="Graphic 8">
             <a:extLst>
               <a:ext uri="{FF2B5EF4-FFF2-40B4-BE49-F238E27FC236}">
-                <a16:creationId xmlns:a16="http://schemas.microsoft.com/office/drawing/2014/main" id="{9B93916D-6B6E-4D49-9AA4-6453F4568820}"/>
+                <a16:creationId xmlns:a16="http://schemas.microsoft.com/office/drawing/2014/main" id="{7D638740-224B-4EA0-B577-AF6F097D654D}"/>
               </a:ext>
             </a:extLst>
           </p:cNvPr>
@@ -5880,10 +5469,10 @@
           <p:nvPr/>
         </p:nvPicPr>
         <p:blipFill>
-          <a:blip r:embed="rId16">
+          <a:blip r:embed="rId15">
             <a:extLst>
               <a:ext uri="{96DAC541-7B7A-43D3-8B79-37D633B846F1}">
-                <asvg:svgBlip xmlns:asvg="http://schemas.microsoft.com/office/drawing/2016/SVG/main" r:embed="rId17"/>
+                <asvg:svgBlip xmlns:asvg="http://schemas.microsoft.com/office/drawing/2016/SVG/main" r:embed="rId16"/>
               </a:ext>
             </a:extLst>
           </a:blip>
@@ -5892,7 +5481,7 @@
         </p:blipFill>
         <p:spPr bwMode="auto">
           <a:xfrm>
-            <a:off x="5584159" y="3175751"/>
+            <a:off x="8826186" y="2227486"/>
             <a:ext cx="457200" cy="457200"/>
           </a:xfrm>
           <a:prstGeom prst="rect">
@@ -5925,10 +5514,10 @@
       </p:pic>
       <p:sp>
         <p:nvSpPr>
-          <p:cNvPr id="157" name="TextBox 18">
+          <p:cNvPr id="188" name="TextBox 18">
             <a:extLst>
               <a:ext uri="{FF2B5EF4-FFF2-40B4-BE49-F238E27FC236}">
-                <a16:creationId xmlns:a16="http://schemas.microsoft.com/office/drawing/2014/main" id="{88CF78D8-123E-42C6-8209-6A9FCA92033F}"/>
+                <a16:creationId xmlns:a16="http://schemas.microsoft.com/office/drawing/2014/main" id="{70477826-319A-4735-86C5-7B70A7CA821C}"/>
               </a:ext>
             </a:extLst>
           </p:cNvPr>
@@ -5939,7 +5528,7 @@
         </p:nvSpPr>
         <p:spPr bwMode="auto">
           <a:xfrm>
-            <a:off x="5219034" y="1131619"/>
+            <a:off x="8461061" y="1131619"/>
             <a:ext cx="1187450" cy="430887"/>
           </a:xfrm>
           <a:prstGeom prst="rect">
@@ -6086,10 +5675,10 @@
       </p:sp>
       <p:pic>
         <p:nvPicPr>
-          <p:cNvPr id="158" name="Graphic 8">
+          <p:cNvPr id="189" name="Graphic 8">
             <a:extLst>
               <a:ext uri="{FF2B5EF4-FFF2-40B4-BE49-F238E27FC236}">
-                <a16:creationId xmlns:a16="http://schemas.microsoft.com/office/drawing/2014/main" id="{E6C4D524-2DD5-43DC-9D66-BAFE3BC3750C}"/>
+                <a16:creationId xmlns:a16="http://schemas.microsoft.com/office/drawing/2014/main" id="{D7BA0B8A-ED67-417D-84A3-3712BD211518}"/>
               </a:ext>
             </a:extLst>
           </p:cNvPr>
@@ -6099,10 +5688,10 @@
           <p:nvPr/>
         </p:nvPicPr>
         <p:blipFill>
-          <a:blip r:embed="rId16">
+          <a:blip r:embed="rId15">
             <a:extLst>
               <a:ext uri="{96DAC541-7B7A-43D3-8B79-37D633B846F1}">
-                <asvg:svgBlip xmlns:asvg="http://schemas.microsoft.com/office/drawing/2016/SVG/main" r:embed="rId17"/>
+                <asvg:svgBlip xmlns:asvg="http://schemas.microsoft.com/office/drawing/2016/SVG/main" r:embed="rId16"/>
               </a:ext>
             </a:extLst>
           </a:blip>
@@ -6111,7 +5700,7 @@
         </p:blipFill>
         <p:spPr bwMode="auto">
           <a:xfrm>
-            <a:off x="5584159" y="671351"/>
+            <a:off x="8826186" y="671351"/>
             <a:ext cx="457200" cy="457200"/>
           </a:xfrm>
           <a:prstGeom prst="rect">
@@ -6144,10 +5733,10 @@
       </p:pic>
       <p:sp>
         <p:nvSpPr>
-          <p:cNvPr id="161" name="TextBox 22">
+          <p:cNvPr id="190" name="TextBox 22">
             <a:extLst>
               <a:ext uri="{FF2B5EF4-FFF2-40B4-BE49-F238E27FC236}">
-                <a16:creationId xmlns:a16="http://schemas.microsoft.com/office/drawing/2014/main" id="{4426A25E-3922-4759-8CCD-D9417EF3EB68}"/>
+                <a16:creationId xmlns:a16="http://schemas.microsoft.com/office/drawing/2014/main" id="{5F8F572F-54BB-4277-B951-BF7FEAF9D9DD}"/>
               </a:ext>
             </a:extLst>
           </p:cNvPr>
@@ -6158,7 +5747,7 @@
         </p:nvSpPr>
         <p:spPr bwMode="auto">
           <a:xfrm>
-            <a:off x="7347061" y="4125102"/>
+            <a:off x="10589088" y="3176837"/>
             <a:ext cx="1373188" cy="600164"/>
           </a:xfrm>
           <a:prstGeom prst="rect">
@@ -6327,10 +5916,10 @@
       </p:sp>
       <p:pic>
         <p:nvPicPr>
-          <p:cNvPr id="162" name="Graphic 29">
+          <p:cNvPr id="191" name="Graphic 29">
             <a:extLst>
               <a:ext uri="{FF2B5EF4-FFF2-40B4-BE49-F238E27FC236}">
-                <a16:creationId xmlns:a16="http://schemas.microsoft.com/office/drawing/2014/main" id="{305469D1-56C3-4B12-BFE7-9E743FC5C6AB}"/>
+                <a16:creationId xmlns:a16="http://schemas.microsoft.com/office/drawing/2014/main" id="{E638EDB6-1720-4DDB-9ADE-45BCA9E1A9CD}"/>
               </a:ext>
             </a:extLst>
           </p:cNvPr>
@@ -6340,10 +5929,10 @@
           <p:nvPr/>
         </p:nvPicPr>
         <p:blipFill>
-          <a:blip r:embed="rId18">
+          <a:blip r:embed="rId17">
             <a:extLst>
               <a:ext uri="{96DAC541-7B7A-43D3-8B79-37D633B846F1}">
-                <asvg:svgBlip xmlns:asvg="http://schemas.microsoft.com/office/drawing/2016/SVG/main" r:embed="rId19"/>
+                <asvg:svgBlip xmlns:asvg="http://schemas.microsoft.com/office/drawing/2016/SVG/main" r:embed="rId18"/>
               </a:ext>
             </a:extLst>
           </a:blip>
@@ -6352,7 +5941,7 @@
         </p:blipFill>
         <p:spPr bwMode="auto">
           <a:xfrm>
-            <a:off x="7798339" y="3663420"/>
+            <a:off x="11040366" y="2715155"/>
             <a:ext cx="457200" cy="457200"/>
           </a:xfrm>
           <a:prstGeom prst="rect">
@@ -6385,10 +5974,10 @@
       </p:pic>
       <p:pic>
         <p:nvPicPr>
-          <p:cNvPr id="170" name="Graphic 6">
+          <p:cNvPr id="192" name="Graphic 6">
             <a:extLst>
               <a:ext uri="{FF2B5EF4-FFF2-40B4-BE49-F238E27FC236}">
-                <a16:creationId xmlns:a16="http://schemas.microsoft.com/office/drawing/2014/main" id="{DE927457-1F36-404D-A634-2827FA6E3ACD}"/>
+                <a16:creationId xmlns:a16="http://schemas.microsoft.com/office/drawing/2014/main" id="{E01D5F48-FE35-461B-85D4-5E53E1FFE4D5}"/>
               </a:ext>
             </a:extLst>
           </p:cNvPr>
@@ -6398,10 +5987,10 @@
           <p:nvPr/>
         </p:nvPicPr>
         <p:blipFill>
-          <a:blip r:embed="rId20">
+          <a:blip r:embed="rId19">
             <a:extLst>
               <a:ext uri="{96DAC541-7B7A-43D3-8B79-37D633B846F1}">
-                <asvg:svgBlip xmlns:asvg="http://schemas.microsoft.com/office/drawing/2016/SVG/main" r:embed="rId21"/>
+                <asvg:svgBlip xmlns:asvg="http://schemas.microsoft.com/office/drawing/2016/SVG/main" r:embed="rId20"/>
               </a:ext>
             </a:extLst>
           </a:blip>
@@ -6410,7 +5999,7 @@
         </p:blipFill>
         <p:spPr bwMode="auto">
           <a:xfrm>
-            <a:off x="10798690" y="3660280"/>
+            <a:off x="14040717" y="2712015"/>
             <a:ext cx="457200" cy="457200"/>
           </a:xfrm>
           <a:prstGeom prst="rect">
@@ -6443,10 +6032,10 @@
       </p:pic>
       <p:pic>
         <p:nvPicPr>
-          <p:cNvPr id="171" name="Graphic 6">
+          <p:cNvPr id="193" name="Graphic 6">
             <a:extLst>
               <a:ext uri="{FF2B5EF4-FFF2-40B4-BE49-F238E27FC236}">
-                <a16:creationId xmlns:a16="http://schemas.microsoft.com/office/drawing/2014/main" id="{1BA959A1-E077-4055-B9F1-F69504EF8C73}"/>
+                <a16:creationId xmlns:a16="http://schemas.microsoft.com/office/drawing/2014/main" id="{0C0B280B-54C1-496A-A7C0-951C5FE3ABA6}"/>
               </a:ext>
             </a:extLst>
           </p:cNvPr>
@@ -6456,10 +6045,10 @@
           <p:nvPr/>
         </p:nvPicPr>
         <p:blipFill>
-          <a:blip r:embed="rId22">
+          <a:blip r:embed="rId21">
             <a:extLst>
               <a:ext uri="{96DAC541-7B7A-43D3-8B79-37D633B846F1}">
-                <asvg:svgBlip xmlns:asvg="http://schemas.microsoft.com/office/drawing/2016/SVG/main" r:embed="rId23"/>
+                <asvg:svgBlip xmlns:asvg="http://schemas.microsoft.com/office/drawing/2016/SVG/main" r:embed="rId22"/>
               </a:ext>
             </a:extLst>
           </a:blip>
@@ -6468,7 +6057,7 @@
         </p:blipFill>
         <p:spPr bwMode="auto">
           <a:xfrm>
-            <a:off x="9244804" y="3660280"/>
+            <a:off x="12486831" y="2712015"/>
             <a:ext cx="457200" cy="457200"/>
           </a:xfrm>
           <a:prstGeom prst="rect">
@@ -6501,10 +6090,10 @@
       </p:pic>
       <p:sp>
         <p:nvSpPr>
-          <p:cNvPr id="174" name="TextBox 16">
+          <p:cNvPr id="194" name="TextBox 16">
             <a:extLst>
               <a:ext uri="{FF2B5EF4-FFF2-40B4-BE49-F238E27FC236}">
-                <a16:creationId xmlns:a16="http://schemas.microsoft.com/office/drawing/2014/main" id="{194F6455-3AEC-4085-A954-08EC757F2770}"/>
+                <a16:creationId xmlns:a16="http://schemas.microsoft.com/office/drawing/2014/main" id="{3DE86A27-4303-4E1A-8D31-4CADF584D5D3}"/>
               </a:ext>
             </a:extLst>
           </p:cNvPr>
@@ -6515,7 +6104,7 @@
         </p:nvSpPr>
         <p:spPr bwMode="auto">
           <a:xfrm>
-            <a:off x="8709817" y="4114341"/>
+            <a:off x="11951844" y="3166076"/>
             <a:ext cx="1527174" cy="600164"/>
           </a:xfrm>
           <a:prstGeom prst="rect">
@@ -6662,10 +6251,10 @@
       </p:sp>
       <p:sp>
         <p:nvSpPr>
-          <p:cNvPr id="179" name="TextBox 22">
+          <p:cNvPr id="195" name="TextBox 22">
             <a:extLst>
               <a:ext uri="{FF2B5EF4-FFF2-40B4-BE49-F238E27FC236}">
-                <a16:creationId xmlns:a16="http://schemas.microsoft.com/office/drawing/2014/main" id="{CCB2735F-DF8B-45A0-9A3F-ACFB71CA5818}"/>
+                <a16:creationId xmlns:a16="http://schemas.microsoft.com/office/drawing/2014/main" id="{1276E182-FBBA-4506-A750-0F91C6F9BE42}"/>
               </a:ext>
             </a:extLst>
           </p:cNvPr>
@@ -6676,7 +6265,7 @@
         </p:nvSpPr>
         <p:spPr bwMode="auto">
           <a:xfrm>
-            <a:off x="10340696" y="4114341"/>
+            <a:off x="13582723" y="3166076"/>
             <a:ext cx="1373188" cy="600164"/>
           </a:xfrm>
           <a:prstGeom prst="rect">
@@ -6834,10 +6423,10 @@
       </p:sp>
       <p:sp>
         <p:nvSpPr>
-          <p:cNvPr id="43" name="TextBox 9">
+          <p:cNvPr id="196" name="TextBox 9">
             <a:extLst>
               <a:ext uri="{FF2B5EF4-FFF2-40B4-BE49-F238E27FC236}">
-                <a16:creationId xmlns:a16="http://schemas.microsoft.com/office/drawing/2014/main" id="{A3081CE4-79AB-48AF-8C49-361907C4DB5A}"/>
+                <a16:creationId xmlns:a16="http://schemas.microsoft.com/office/drawing/2014/main" id="{4766D922-6280-4DC9-9D37-D37B507B2957}"/>
               </a:ext>
             </a:extLst>
           </p:cNvPr>
@@ -6848,8 +6437,8 @@
         </p:nvSpPr>
         <p:spPr bwMode="auto">
           <a:xfrm>
-            <a:off x="277561" y="1933239"/>
-            <a:ext cx="2029966" cy="461665"/>
+            <a:off x="3560341" y="1933239"/>
+            <a:ext cx="1942514" cy="276999"/>
           </a:xfrm>
           <a:prstGeom prst="rect">
             <a:avLst/>
@@ -6988,17 +6577,238 @@
                 <a:ea typeface="Amazon Ember" panose="020B0603020204020204" pitchFamily="34" charset="0"/>
                 <a:cs typeface="Arial" panose="020B0604020202020204" pitchFamily="34" charset="0"/>
               </a:rPr>
-              <a:t>Salesforce Platform Events API endpoint</a:t>
+              <a:t>Salesforce Health Cloud</a:t>
             </a:r>
           </a:p>
         </p:txBody>
       </p:sp>
       <p:pic>
         <p:nvPicPr>
-          <p:cNvPr id="45" name="Graphic 17">
+          <p:cNvPr id="197" name="Graphic 17">
             <a:extLst>
               <a:ext uri="{FF2B5EF4-FFF2-40B4-BE49-F238E27FC236}">
-                <a16:creationId xmlns:a16="http://schemas.microsoft.com/office/drawing/2014/main" id="{716B9FE1-6918-47C9-9CD7-8A696B1BBFBC}"/>
+                <a16:creationId xmlns:a16="http://schemas.microsoft.com/office/drawing/2014/main" id="{690C0EC7-8640-4669-A124-DA62A0876E3C}"/>
+              </a:ext>
+            </a:extLst>
+          </p:cNvPr>
+          <p:cNvPicPr>
+            <a:picLocks noChangeAspect="1" noChangeArrowheads="1"/>
+          </p:cNvPicPr>
+          <p:nvPr/>
+        </p:nvPicPr>
+        <p:blipFill>
+          <a:blip r:embed="rId23">
+            <a:extLst>
+              <a:ext uri="{28A0092B-C50C-407E-A947-70E740481C1C}">
+                <a14:useLocalDpi xmlns:a14="http://schemas.microsoft.com/office/drawing/2010/main" val="0"/>
+              </a:ext>
+            </a:extLst>
+          </a:blip>
+          <a:srcRect/>
+          <a:stretch>
+            <a:fillRect/>
+          </a:stretch>
+        </p:blipFill>
+        <p:spPr bwMode="auto">
+          <a:xfrm>
+            <a:off x="12334431" y="4439964"/>
+            <a:ext cx="762000" cy="762000"/>
+          </a:xfrm>
+          <a:prstGeom prst="rect">
+            <a:avLst/>
+          </a:prstGeom>
+          <a:noFill/>
+          <a:ln>
+            <a:noFill/>
+          </a:ln>
+          <a:extLst>
+            <a:ext uri="{909E8E84-426E-40DD-AFC4-6F175D3DCCD1}">
+              <a14:hiddenFill xmlns:a14="http://schemas.microsoft.com/office/drawing/2010/main">
+                <a:solidFill>
+                  <a:srgbClr val="FFFFFF"/>
+                </a:solidFill>
+              </a14:hiddenFill>
+            </a:ext>
+            <a:ext uri="{91240B29-F687-4F45-9708-019B960494DF}">
+              <a14:hiddenLine xmlns:a14="http://schemas.microsoft.com/office/drawing/2010/main" w="9525">
+                <a:solidFill>
+                  <a:srgbClr val="000000"/>
+                </a:solidFill>
+                <a:miter lim="800000"/>
+                <a:headEnd/>
+                <a:tailEnd/>
+              </a14:hiddenLine>
+            </a:ext>
+          </a:extLst>
+        </p:spPr>
+      </p:pic>
+      <p:sp>
+        <p:nvSpPr>
+          <p:cNvPr id="198" name="TextBox 11">
+            <a:extLst>
+              <a:ext uri="{FF2B5EF4-FFF2-40B4-BE49-F238E27FC236}">
+                <a16:creationId xmlns:a16="http://schemas.microsoft.com/office/drawing/2014/main" id="{C73B084A-AA25-497B-8EF9-5304055195E1}"/>
+              </a:ext>
+            </a:extLst>
+          </p:cNvPr>
+          <p:cNvSpPr txBox="1">
+            <a:spLocks noChangeArrowheads="1"/>
+          </p:cNvSpPr>
+          <p:nvPr/>
+        </p:nvSpPr>
+        <p:spPr bwMode="auto">
+          <a:xfrm>
+            <a:off x="11845908" y="5201964"/>
+            <a:ext cx="1765153" cy="276999"/>
+          </a:xfrm>
+          <a:prstGeom prst="rect">
+            <a:avLst/>
+          </a:prstGeom>
+          <a:noFill/>
+          <a:ln>
+            <a:noFill/>
+          </a:ln>
+          <a:extLst>
+            <a:ext uri="{909E8E84-426E-40DD-AFC4-6F175D3DCCD1}">
+              <a14:hiddenFill xmlns:a14="http://schemas.microsoft.com/office/drawing/2010/main">
+                <a:solidFill>
+                  <a:srgbClr val="FFFFFF"/>
+                </a:solidFill>
+              </a14:hiddenFill>
+            </a:ext>
+            <a:ext uri="{91240B29-F687-4F45-9708-019B960494DF}">
+              <a14:hiddenLine xmlns:a14="http://schemas.microsoft.com/office/drawing/2010/main" w="9525">
+                <a:solidFill>
+                  <a:srgbClr val="000000"/>
+                </a:solidFill>
+                <a:miter lim="800000"/>
+                <a:headEnd/>
+                <a:tailEnd/>
+              </a14:hiddenLine>
+            </a:ext>
+          </a:extLst>
+        </p:spPr>
+        <p:txBody>
+          <a:bodyPr wrap="square">
+            <a:spAutoFit/>
+          </a:bodyPr>
+          <a:lstStyle>
+            <a:lvl1pPr>
+              <a:defRPr>
+                <a:solidFill>
+                  <a:schemeClr val="tx1"/>
+                </a:solidFill>
+                <a:latin typeface="Calibri" panose="020F0502020204030204" pitchFamily="34" charset="0"/>
+              </a:defRPr>
+            </a:lvl1pPr>
+            <a:lvl2pPr marL="742950" indent="-285750">
+              <a:defRPr>
+                <a:solidFill>
+                  <a:schemeClr val="tx1"/>
+                </a:solidFill>
+                <a:latin typeface="Calibri" panose="020F0502020204030204" pitchFamily="34" charset="0"/>
+              </a:defRPr>
+            </a:lvl2pPr>
+            <a:lvl3pPr marL="1143000" indent="-228600">
+              <a:defRPr>
+                <a:solidFill>
+                  <a:schemeClr val="tx1"/>
+                </a:solidFill>
+                <a:latin typeface="Calibri" panose="020F0502020204030204" pitchFamily="34" charset="0"/>
+              </a:defRPr>
+            </a:lvl3pPr>
+            <a:lvl4pPr marL="1600200" indent="-228600">
+              <a:defRPr>
+                <a:solidFill>
+                  <a:schemeClr val="tx1"/>
+                </a:solidFill>
+                <a:latin typeface="Calibri" panose="020F0502020204030204" pitchFamily="34" charset="0"/>
+              </a:defRPr>
+            </a:lvl4pPr>
+            <a:lvl5pPr marL="2057400" indent="-228600">
+              <a:defRPr>
+                <a:solidFill>
+                  <a:schemeClr val="tx1"/>
+                </a:solidFill>
+                <a:latin typeface="Calibri" panose="020F0502020204030204" pitchFamily="34" charset="0"/>
+              </a:defRPr>
+            </a:lvl5pPr>
+            <a:lvl6pPr marL="2514600" indent="-228600" eaLnBrk="0" fontAlgn="base" hangingPunct="0">
+              <a:spcBef>
+                <a:spcPct val="0"/>
+              </a:spcBef>
+              <a:spcAft>
+                <a:spcPct val="0"/>
+              </a:spcAft>
+              <a:defRPr>
+                <a:solidFill>
+                  <a:schemeClr val="tx1"/>
+                </a:solidFill>
+                <a:latin typeface="Calibri" panose="020F0502020204030204" pitchFamily="34" charset="0"/>
+              </a:defRPr>
+            </a:lvl6pPr>
+            <a:lvl7pPr marL="2971800" indent="-228600" eaLnBrk="0" fontAlgn="base" hangingPunct="0">
+              <a:spcBef>
+                <a:spcPct val="0"/>
+              </a:spcBef>
+              <a:spcAft>
+                <a:spcPct val="0"/>
+              </a:spcAft>
+              <a:defRPr>
+                <a:solidFill>
+                  <a:schemeClr val="tx1"/>
+                </a:solidFill>
+                <a:latin typeface="Calibri" panose="020F0502020204030204" pitchFamily="34" charset="0"/>
+              </a:defRPr>
+            </a:lvl7pPr>
+            <a:lvl8pPr marL="3429000" indent="-228600" eaLnBrk="0" fontAlgn="base" hangingPunct="0">
+              <a:spcBef>
+                <a:spcPct val="0"/>
+              </a:spcBef>
+              <a:spcAft>
+                <a:spcPct val="0"/>
+              </a:spcAft>
+              <a:defRPr>
+                <a:solidFill>
+                  <a:schemeClr val="tx1"/>
+                </a:solidFill>
+                <a:latin typeface="Calibri" panose="020F0502020204030204" pitchFamily="34" charset="0"/>
+              </a:defRPr>
+            </a:lvl8pPr>
+            <a:lvl9pPr marL="3886200" indent="-228600" eaLnBrk="0" fontAlgn="base" hangingPunct="0">
+              <a:spcBef>
+                <a:spcPct val="0"/>
+              </a:spcBef>
+              <a:spcAft>
+                <a:spcPct val="0"/>
+              </a:spcAft>
+              <a:defRPr>
+                <a:solidFill>
+                  <a:schemeClr val="tx1"/>
+                </a:solidFill>
+                <a:latin typeface="Calibri" panose="020F0502020204030204" pitchFamily="34" charset="0"/>
+              </a:defRPr>
+            </a:lvl9pPr>
+          </a:lstStyle>
+          <a:p>
+            <a:pPr algn="ctr" eaLnBrk="1" hangingPunct="1"/>
+            <a:r>
+              <a:rPr lang="en-US" altLang="en-US" sz="1200" dirty="0">
+                <a:latin typeface="Arial" panose="020B0604020202020204" pitchFamily="34" charset="0"/>
+                <a:ea typeface="Amazon Ember" panose="020B0603020204020204" pitchFamily="34" charset="0"/>
+                <a:cs typeface="Arial" panose="020B0604020202020204" pitchFamily="34" charset="0"/>
+              </a:rPr>
+              <a:t>AWS Secrets Manager</a:t>
+            </a:r>
+          </a:p>
+        </p:txBody>
+      </p:sp>
+      <p:pic>
+        <p:nvPicPr>
+          <p:cNvPr id="199" name="Graphic 7">
+            <a:extLst>
+              <a:ext uri="{FF2B5EF4-FFF2-40B4-BE49-F238E27FC236}">
+                <a16:creationId xmlns:a16="http://schemas.microsoft.com/office/drawing/2014/main" id="{CC2C2404-8F5D-4BBF-9ED8-276B38C5EDD2}"/>
               </a:ext>
             </a:extLst>
           </p:cNvPr>
@@ -7022,7 +6832,7 @@
         </p:blipFill>
         <p:spPr bwMode="auto">
           <a:xfrm>
-            <a:off x="7652655" y="827764"/>
+            <a:off x="10894682" y="1184574"/>
             <a:ext cx="762000" cy="762000"/>
           </a:xfrm>
           <a:prstGeom prst="rect">
@@ -7055,10 +6865,10 @@
       </p:pic>
       <p:sp>
         <p:nvSpPr>
-          <p:cNvPr id="46" name="TextBox 11">
+          <p:cNvPr id="200" name="TextBox 9">
             <a:extLst>
               <a:ext uri="{FF2B5EF4-FFF2-40B4-BE49-F238E27FC236}">
-                <a16:creationId xmlns:a16="http://schemas.microsoft.com/office/drawing/2014/main" id="{0C9B7F59-4DB3-41A8-BEBB-DEC5B3D05EA2}"/>
+                <a16:creationId xmlns:a16="http://schemas.microsoft.com/office/drawing/2014/main" id="{4F000E95-B570-4783-8E4B-1AE68CC99ED3}"/>
               </a:ext>
             </a:extLst>
           </p:cNvPr>
@@ -7069,8 +6879,8 @@
         </p:nvSpPr>
         <p:spPr bwMode="auto">
           <a:xfrm>
-            <a:off x="7151078" y="1590606"/>
-            <a:ext cx="1765153" cy="276999"/>
+            <a:off x="10747487" y="1942764"/>
+            <a:ext cx="1042957" cy="276999"/>
           </a:xfrm>
           <a:prstGeom prst="rect">
             <a:avLst/>
@@ -7209,17 +7019,64 @@
                 <a:ea typeface="Amazon Ember" panose="020B0603020204020204" pitchFamily="34" charset="0"/>
                 <a:cs typeface="Arial" panose="020B0604020202020204" pitchFamily="34" charset="0"/>
               </a:rPr>
-              <a:t>AWS Secrets Manager</a:t>
+              <a:t>AWS KMS</a:t>
             </a:r>
           </a:p>
         </p:txBody>
       </p:sp>
+      <p:cxnSp>
+        <p:nvCxnSpPr>
+          <p:cNvPr id="201" name="Straight Arrow Connector 200">
+            <a:extLst>
+              <a:ext uri="{FF2B5EF4-FFF2-40B4-BE49-F238E27FC236}">
+                <a16:creationId xmlns:a16="http://schemas.microsoft.com/office/drawing/2014/main" id="{8B2218B0-3564-4E8C-B2F2-E3AF65D899B2}"/>
+              </a:ext>
+            </a:extLst>
+          </p:cNvPr>
+          <p:cNvCxnSpPr>
+            <a:cxnSpLocks/>
+            <a:stCxn id="191" idx="0"/>
+            <a:endCxn id="200" idx="2"/>
+          </p:cNvCxnSpPr>
+          <p:nvPr/>
+        </p:nvCxnSpPr>
+        <p:spPr>
+          <a:xfrm flipV="1">
+            <a:off x="11268966" y="2219763"/>
+            <a:ext cx="0" cy="495392"/>
+          </a:xfrm>
+          <a:prstGeom prst="straightConnector1">
+            <a:avLst/>
+          </a:prstGeom>
+          <a:ln w="12700">
+            <a:solidFill>
+              <a:schemeClr val="tx2"/>
+            </a:solidFill>
+            <a:headEnd type="none" w="med" len="sm"/>
+            <a:tailEnd type="arrow" w="med" len="sm"/>
+          </a:ln>
+        </p:spPr>
+        <p:style>
+          <a:lnRef idx="1">
+            <a:schemeClr val="accent1"/>
+          </a:lnRef>
+          <a:fillRef idx="0">
+            <a:schemeClr val="accent1"/>
+          </a:fillRef>
+          <a:effectRef idx="0">
+            <a:schemeClr val="accent1"/>
+          </a:effectRef>
+          <a:fontRef idx="minor">
+            <a:schemeClr val="tx1"/>
+          </a:fontRef>
+        </p:style>
+      </p:cxnSp>
       <p:pic>
         <p:nvPicPr>
-          <p:cNvPr id="47" name="Graphic 7">
+          <p:cNvPr id="202" name="Graphic 17">
             <a:extLst>
               <a:ext uri="{FF2B5EF4-FFF2-40B4-BE49-F238E27FC236}">
-                <a16:creationId xmlns:a16="http://schemas.microsoft.com/office/drawing/2014/main" id="{EB793E59-5DA7-4BB5-AE05-EB52F938D922}"/>
+                <a16:creationId xmlns:a16="http://schemas.microsoft.com/office/drawing/2014/main" id="{DD06A547-436E-4B7F-8AB3-192F72A66BD7}"/>
               </a:ext>
             </a:extLst>
           </p:cNvPr>
@@ -7229,7 +7086,869 @@
           <p:nvPr/>
         </p:nvPicPr>
         <p:blipFill>
-          <a:blip r:embed="rId25">
+          <a:blip r:embed="rId8">
+            <a:extLst>
+              <a:ext uri="{96DAC541-7B7A-43D3-8B79-37D633B846F1}">
+                <asvg:svgBlip xmlns:asvg="http://schemas.microsoft.com/office/drawing/2016/SVG/main" r:embed="rId25"/>
+              </a:ext>
+            </a:extLst>
+          </a:blip>
+          <a:srcRect/>
+          <a:stretch/>
+        </p:blipFill>
+        <p:spPr bwMode="auto">
+          <a:xfrm>
+            <a:off x="4153111" y="3480020"/>
+            <a:ext cx="762000" cy="762000"/>
+          </a:xfrm>
+          <a:prstGeom prst="rect">
+            <a:avLst/>
+          </a:prstGeom>
+          <a:noFill/>
+          <a:ln>
+            <a:noFill/>
+          </a:ln>
+          <a:extLst>
+            <a:ext uri="{909E8E84-426E-40DD-AFC4-6F175D3DCCD1}">
+              <a14:hiddenFill xmlns:a14="http://schemas.microsoft.com/office/drawing/2010/main">
+                <a:solidFill>
+                  <a:srgbClr val="FFFFFF"/>
+                </a:solidFill>
+              </a14:hiddenFill>
+            </a:ext>
+            <a:ext uri="{91240B29-F687-4F45-9708-019B960494DF}">
+              <a14:hiddenLine xmlns:a14="http://schemas.microsoft.com/office/drawing/2010/main" w="9525">
+                <a:solidFill>
+                  <a:srgbClr val="000000"/>
+                </a:solidFill>
+                <a:miter lim="800000"/>
+                <a:headEnd/>
+                <a:tailEnd/>
+              </a14:hiddenLine>
+            </a:ext>
+          </a:extLst>
+        </p:spPr>
+      </p:pic>
+      <p:sp>
+        <p:nvSpPr>
+          <p:cNvPr id="203" name="Rectangle 202">
+            <a:extLst>
+              <a:ext uri="{FF2B5EF4-FFF2-40B4-BE49-F238E27FC236}">
+                <a16:creationId xmlns:a16="http://schemas.microsoft.com/office/drawing/2014/main" id="{F8FC348C-AB2E-47F4-981A-991AF706074A}"/>
+              </a:ext>
+            </a:extLst>
+          </p:cNvPr>
+          <p:cNvSpPr/>
+          <p:nvPr/>
+        </p:nvSpPr>
+        <p:spPr>
+          <a:xfrm>
+            <a:off x="1027571" y="376710"/>
+            <a:ext cx="1942513" cy="5443164"/>
+          </a:xfrm>
+          <a:prstGeom prst="rect">
+            <a:avLst/>
+          </a:prstGeom>
+          <a:noFill/>
+          <a:ln w="12700">
+            <a:solidFill>
+              <a:srgbClr val="5A6B86"/>
+            </a:solidFill>
+          </a:ln>
+        </p:spPr>
+        <p:style>
+          <a:lnRef idx="2">
+            <a:schemeClr val="accent1">
+              <a:shade val="50000"/>
+            </a:schemeClr>
+          </a:lnRef>
+          <a:fillRef idx="1">
+            <a:schemeClr val="accent1"/>
+          </a:fillRef>
+          <a:effectRef idx="0">
+            <a:schemeClr val="accent1"/>
+          </a:effectRef>
+          <a:fontRef idx="minor">
+            <a:schemeClr val="lt1"/>
+          </a:fontRef>
+        </p:style>
+        <p:txBody>
+          <a:bodyPr lIns="502920" tIns="91440"/>
+          <a:lstStyle/>
+          <a:p>
+            <a:pPr eaLnBrk="1" fontAlgn="auto" hangingPunct="1">
+              <a:spcBef>
+                <a:spcPts val="0"/>
+              </a:spcBef>
+              <a:spcAft>
+                <a:spcPts val="0"/>
+              </a:spcAft>
+              <a:defRPr/>
+            </a:pPr>
+            <a:r>
+              <a:rPr lang="en-US" sz="1200" dirty="0">
+                <a:solidFill>
+                  <a:srgbClr val="5A6B86"/>
+                </a:solidFill>
+                <a:latin typeface="Arial" panose="020B0604020202020204" pitchFamily="34" charset="0"/>
+                <a:cs typeface="Arial" panose="020B0604020202020204" pitchFamily="34" charset="0"/>
+              </a:rPr>
+              <a:t>Healthcare provider</a:t>
+            </a:r>
+          </a:p>
+        </p:txBody>
+      </p:sp>
+      <p:pic>
+        <p:nvPicPr>
+          <p:cNvPr id="204" name="Graphic 203">
+            <a:extLst>
+              <a:ext uri="{FF2B5EF4-FFF2-40B4-BE49-F238E27FC236}">
+                <a16:creationId xmlns:a16="http://schemas.microsoft.com/office/drawing/2014/main" id="{3B5B9E69-3463-4FE6-9281-32740B181E1F}"/>
+              </a:ext>
+            </a:extLst>
+          </p:cNvPr>
+          <p:cNvPicPr>
+            <a:picLocks noChangeAspect="1"/>
+          </p:cNvPicPr>
+          <p:nvPr/>
+        </p:nvPicPr>
+        <p:blipFill>
+          <a:blip r:embed="rId4">
+            <a:extLst>
+              <a:ext uri="{96DAC541-7B7A-43D3-8B79-37D633B846F1}">
+                <asvg:svgBlip xmlns:asvg="http://schemas.microsoft.com/office/drawing/2016/SVG/main" r:embed="rId5"/>
+              </a:ext>
+            </a:extLst>
+          </a:blip>
+          <a:stretch>
+            <a:fillRect/>
+          </a:stretch>
+        </p:blipFill>
+        <p:spPr>
+          <a:xfrm>
+            <a:off x="1027571" y="376709"/>
+            <a:ext cx="381000" cy="381000"/>
+          </a:xfrm>
+          <a:prstGeom prst="rect">
+            <a:avLst/>
+          </a:prstGeom>
+        </p:spPr>
+      </p:pic>
+      <p:pic>
+        <p:nvPicPr>
+          <p:cNvPr id="205" name="Graphic 8">
+            <a:extLst>
+              <a:ext uri="{FF2B5EF4-FFF2-40B4-BE49-F238E27FC236}">
+                <a16:creationId xmlns:a16="http://schemas.microsoft.com/office/drawing/2014/main" id="{226B836C-DEE8-4CDF-ACC9-15CBBD52638F}"/>
+              </a:ext>
+            </a:extLst>
+          </p:cNvPr>
+          <p:cNvPicPr>
+            <a:picLocks noChangeAspect="1" noChangeArrowheads="1"/>
+          </p:cNvPicPr>
+          <p:nvPr/>
+        </p:nvPicPr>
+        <p:blipFill>
+          <a:blip r:embed="rId26">
+            <a:extLst>
+              <a:ext uri="{96DAC541-7B7A-43D3-8B79-37D633B846F1}">
+                <asvg:svgBlip xmlns:asvg="http://schemas.microsoft.com/office/drawing/2016/SVG/main" r:embed="rId27"/>
+              </a:ext>
+            </a:extLst>
+          </a:blip>
+          <a:srcRect/>
+          <a:stretch/>
+        </p:blipFill>
+        <p:spPr bwMode="auto">
+          <a:xfrm>
+            <a:off x="1766976" y="1318710"/>
+            <a:ext cx="469900" cy="469900"/>
+          </a:xfrm>
+          <a:prstGeom prst="rect">
+            <a:avLst/>
+          </a:prstGeom>
+          <a:noFill/>
+          <a:ln>
+            <a:noFill/>
+          </a:ln>
+          <a:extLst>
+            <a:ext uri="{909E8E84-426E-40DD-AFC4-6F175D3DCCD1}">
+              <a14:hiddenFill xmlns:a14="http://schemas.microsoft.com/office/drawing/2010/main">
+                <a:solidFill>
+                  <a:srgbClr val="FFFFFF"/>
+                </a:solidFill>
+              </a14:hiddenFill>
+            </a:ext>
+            <a:ext uri="{91240B29-F687-4F45-9708-019B960494DF}">
+              <a14:hiddenLine xmlns:a14="http://schemas.microsoft.com/office/drawing/2010/main" w="9525">
+                <a:solidFill>
+                  <a:srgbClr val="000000"/>
+                </a:solidFill>
+                <a:miter lim="800000"/>
+                <a:headEnd/>
+                <a:tailEnd/>
+              </a14:hiddenLine>
+            </a:ext>
+          </a:extLst>
+        </p:spPr>
+      </p:pic>
+      <p:sp>
+        <p:nvSpPr>
+          <p:cNvPr id="206" name="TextBox 26">
+            <a:extLst>
+              <a:ext uri="{FF2B5EF4-FFF2-40B4-BE49-F238E27FC236}">
+                <a16:creationId xmlns:a16="http://schemas.microsoft.com/office/drawing/2014/main" id="{6E9D9A5A-C85D-4B1C-B9EA-2DAA9035B1C5}"/>
+              </a:ext>
+            </a:extLst>
+          </p:cNvPr>
+          <p:cNvSpPr txBox="1">
+            <a:spLocks noChangeArrowheads="1"/>
+          </p:cNvSpPr>
+          <p:nvPr/>
+        </p:nvSpPr>
+        <p:spPr bwMode="auto">
+          <a:xfrm>
+            <a:off x="1027570" y="1788609"/>
+            <a:ext cx="1942513" cy="430887"/>
+          </a:xfrm>
+          <a:prstGeom prst="rect">
+            <a:avLst/>
+          </a:prstGeom>
+          <a:noFill/>
+          <a:ln>
+            <a:noFill/>
+          </a:ln>
+          <a:extLst>
+            <a:ext uri="{909E8E84-426E-40DD-AFC4-6F175D3DCCD1}">
+              <a14:hiddenFill xmlns:a14="http://schemas.microsoft.com/office/drawing/2010/main">
+                <a:solidFill>
+                  <a:srgbClr val="FFFFFF"/>
+                </a:solidFill>
+              </a14:hiddenFill>
+            </a:ext>
+            <a:ext uri="{91240B29-F687-4F45-9708-019B960494DF}">
+              <a14:hiddenLine xmlns:a14="http://schemas.microsoft.com/office/drawing/2010/main" w="9525">
+                <a:solidFill>
+                  <a:srgbClr val="000000"/>
+                </a:solidFill>
+                <a:miter lim="800000"/>
+                <a:headEnd/>
+                <a:tailEnd/>
+              </a14:hiddenLine>
+            </a:ext>
+          </a:extLst>
+        </p:spPr>
+        <p:txBody>
+          <a:bodyPr wrap="square">
+            <a:spAutoFit/>
+          </a:bodyPr>
+          <a:lstStyle>
+            <a:lvl1pPr>
+              <a:defRPr>
+                <a:solidFill>
+                  <a:schemeClr val="tx1"/>
+                </a:solidFill>
+                <a:latin typeface="Calibri" panose="020F0502020204030204" pitchFamily="34" charset="0"/>
+              </a:defRPr>
+            </a:lvl1pPr>
+            <a:lvl2pPr marL="742950" indent="-285750">
+              <a:defRPr>
+                <a:solidFill>
+                  <a:schemeClr val="tx1"/>
+                </a:solidFill>
+                <a:latin typeface="Calibri" panose="020F0502020204030204" pitchFamily="34" charset="0"/>
+              </a:defRPr>
+            </a:lvl2pPr>
+            <a:lvl3pPr marL="1143000" indent="-228600">
+              <a:defRPr>
+                <a:solidFill>
+                  <a:schemeClr val="tx1"/>
+                </a:solidFill>
+                <a:latin typeface="Calibri" panose="020F0502020204030204" pitchFamily="34" charset="0"/>
+              </a:defRPr>
+            </a:lvl3pPr>
+            <a:lvl4pPr marL="1600200" indent="-228600">
+              <a:defRPr>
+                <a:solidFill>
+                  <a:schemeClr val="tx1"/>
+                </a:solidFill>
+                <a:latin typeface="Calibri" panose="020F0502020204030204" pitchFamily="34" charset="0"/>
+              </a:defRPr>
+            </a:lvl4pPr>
+            <a:lvl5pPr marL="2057400" indent="-228600">
+              <a:defRPr>
+                <a:solidFill>
+                  <a:schemeClr val="tx1"/>
+                </a:solidFill>
+                <a:latin typeface="Calibri" panose="020F0502020204030204" pitchFamily="34" charset="0"/>
+              </a:defRPr>
+            </a:lvl5pPr>
+            <a:lvl6pPr marL="2514600" indent="-228600" eaLnBrk="0" fontAlgn="base" hangingPunct="0">
+              <a:spcBef>
+                <a:spcPct val="0"/>
+              </a:spcBef>
+              <a:spcAft>
+                <a:spcPct val="0"/>
+              </a:spcAft>
+              <a:defRPr>
+                <a:solidFill>
+                  <a:schemeClr val="tx1"/>
+                </a:solidFill>
+                <a:latin typeface="Calibri" panose="020F0502020204030204" pitchFamily="34" charset="0"/>
+              </a:defRPr>
+            </a:lvl6pPr>
+            <a:lvl7pPr marL="2971800" indent="-228600" eaLnBrk="0" fontAlgn="base" hangingPunct="0">
+              <a:spcBef>
+                <a:spcPct val="0"/>
+              </a:spcBef>
+              <a:spcAft>
+                <a:spcPct val="0"/>
+              </a:spcAft>
+              <a:defRPr>
+                <a:solidFill>
+                  <a:schemeClr val="tx1"/>
+                </a:solidFill>
+                <a:latin typeface="Calibri" panose="020F0502020204030204" pitchFamily="34" charset="0"/>
+              </a:defRPr>
+            </a:lvl7pPr>
+            <a:lvl8pPr marL="3429000" indent="-228600" eaLnBrk="0" fontAlgn="base" hangingPunct="0">
+              <a:spcBef>
+                <a:spcPct val="0"/>
+              </a:spcBef>
+              <a:spcAft>
+                <a:spcPct val="0"/>
+              </a:spcAft>
+              <a:defRPr>
+                <a:solidFill>
+                  <a:schemeClr val="tx1"/>
+                </a:solidFill>
+                <a:latin typeface="Calibri" panose="020F0502020204030204" pitchFamily="34" charset="0"/>
+              </a:defRPr>
+            </a:lvl8pPr>
+            <a:lvl9pPr marL="3886200" indent="-228600" eaLnBrk="0" fontAlgn="base" hangingPunct="0">
+              <a:spcBef>
+                <a:spcPct val="0"/>
+              </a:spcBef>
+              <a:spcAft>
+                <a:spcPct val="0"/>
+              </a:spcAft>
+              <a:defRPr>
+                <a:solidFill>
+                  <a:schemeClr val="tx1"/>
+                </a:solidFill>
+                <a:latin typeface="Calibri" panose="020F0502020204030204" pitchFamily="34" charset="0"/>
+              </a:defRPr>
+            </a:lvl9pPr>
+          </a:lstStyle>
+          <a:p>
+            <a:pPr algn="ctr" eaLnBrk="1" hangingPunct="1"/>
+            <a:r>
+              <a:rPr lang="en-US" altLang="en-US" sz="1100" dirty="0">
+                <a:solidFill>
+                  <a:srgbClr val="000000"/>
+                </a:solidFill>
+                <a:latin typeface="Arial" panose="020B0604020202020204" pitchFamily="34" charset="0"/>
+                <a:cs typeface="Arial" panose="020B0604020202020204" pitchFamily="34" charset="0"/>
+              </a:rPr>
+              <a:t>Virtual appointment application</a:t>
+            </a:r>
+          </a:p>
+        </p:txBody>
+      </p:sp>
+      <p:cxnSp>
+        <p:nvCxnSpPr>
+          <p:cNvPr id="207" name="Straight Arrow Connector 206">
+            <a:extLst>
+              <a:ext uri="{FF2B5EF4-FFF2-40B4-BE49-F238E27FC236}">
+                <a16:creationId xmlns:a16="http://schemas.microsoft.com/office/drawing/2014/main" id="{F8A725DF-DA16-49F5-A8DD-05E60DFBF701}"/>
+              </a:ext>
+            </a:extLst>
+          </p:cNvPr>
+          <p:cNvCxnSpPr>
+            <a:cxnSpLocks/>
+            <a:stCxn id="205" idx="3"/>
+            <a:endCxn id="151" idx="1"/>
+          </p:cNvCxnSpPr>
+          <p:nvPr/>
+        </p:nvCxnSpPr>
+        <p:spPr>
+          <a:xfrm>
+            <a:off x="2236876" y="1553660"/>
+            <a:ext cx="1744937" cy="3020"/>
+          </a:xfrm>
+          <a:prstGeom prst="straightConnector1">
+            <a:avLst/>
+          </a:prstGeom>
+          <a:ln w="12700">
+            <a:solidFill>
+              <a:srgbClr val="545B64"/>
+            </a:solidFill>
+            <a:headEnd type="none" w="med" len="sm"/>
+            <a:tailEnd type="arrow" w="med" len="sm"/>
+          </a:ln>
+        </p:spPr>
+        <p:style>
+          <a:lnRef idx="1">
+            <a:schemeClr val="accent1"/>
+          </a:lnRef>
+          <a:fillRef idx="0">
+            <a:schemeClr val="accent1"/>
+          </a:fillRef>
+          <a:effectRef idx="0">
+            <a:schemeClr val="accent1"/>
+          </a:effectRef>
+          <a:fontRef idx="minor">
+            <a:schemeClr val="tx1"/>
+          </a:fontRef>
+        </p:style>
+      </p:cxnSp>
+      <p:pic>
+        <p:nvPicPr>
+          <p:cNvPr id="208" name="Graphic 22">
+            <a:extLst>
+              <a:ext uri="{FF2B5EF4-FFF2-40B4-BE49-F238E27FC236}">
+                <a16:creationId xmlns:a16="http://schemas.microsoft.com/office/drawing/2014/main" id="{AC09C7BF-953B-4C94-89C4-C01BF871DFBE}"/>
+              </a:ext>
+            </a:extLst>
+          </p:cNvPr>
+          <p:cNvPicPr>
+            <a:picLocks noChangeAspect="1" noChangeArrowheads="1"/>
+          </p:cNvPicPr>
+          <p:nvPr/>
+        </p:nvPicPr>
+        <p:blipFill>
+          <a:blip r:embed="rId28">
+            <a:extLst>
+              <a:ext uri="{96DAC541-7B7A-43D3-8B79-37D633B846F1}">
+                <asvg:svgBlip xmlns:asvg="http://schemas.microsoft.com/office/drawing/2016/SVG/main" r:embed="rId29"/>
+              </a:ext>
+            </a:extLst>
+          </a:blip>
+          <a:srcRect/>
+          <a:stretch/>
+        </p:blipFill>
+        <p:spPr bwMode="auto">
+          <a:xfrm>
+            <a:off x="262542" y="1318709"/>
+            <a:ext cx="469900" cy="469900"/>
+          </a:xfrm>
+          <a:prstGeom prst="rect">
+            <a:avLst/>
+          </a:prstGeom>
+          <a:noFill/>
+          <a:ln>
+            <a:noFill/>
+          </a:ln>
+          <a:extLst>
+            <a:ext uri="{909E8E84-426E-40DD-AFC4-6F175D3DCCD1}">
+              <a14:hiddenFill xmlns:a14="http://schemas.microsoft.com/office/drawing/2010/main">
+                <a:solidFill>
+                  <a:srgbClr val="FFFFFF"/>
+                </a:solidFill>
+              </a14:hiddenFill>
+            </a:ext>
+            <a:ext uri="{91240B29-F687-4F45-9708-019B960494DF}">
+              <a14:hiddenLine xmlns:a14="http://schemas.microsoft.com/office/drawing/2010/main" w="9525">
+                <a:solidFill>
+                  <a:srgbClr val="000000"/>
+                </a:solidFill>
+                <a:miter lim="800000"/>
+                <a:headEnd/>
+                <a:tailEnd/>
+              </a14:hiddenLine>
+            </a:ext>
+          </a:extLst>
+        </p:spPr>
+      </p:pic>
+      <p:sp>
+        <p:nvSpPr>
+          <p:cNvPr id="209" name="TextBox 39">
+            <a:extLst>
+              <a:ext uri="{FF2B5EF4-FFF2-40B4-BE49-F238E27FC236}">
+                <a16:creationId xmlns:a16="http://schemas.microsoft.com/office/drawing/2014/main" id="{D9DE12AF-606B-4769-B281-996CDD968944}"/>
+              </a:ext>
+            </a:extLst>
+          </p:cNvPr>
+          <p:cNvSpPr txBox="1">
+            <a:spLocks noChangeArrowheads="1"/>
+          </p:cNvSpPr>
+          <p:nvPr/>
+        </p:nvSpPr>
+        <p:spPr bwMode="auto">
+          <a:xfrm>
+            <a:off x="138174" y="1788609"/>
+            <a:ext cx="724056" cy="261610"/>
+          </a:xfrm>
+          <a:prstGeom prst="rect">
+            <a:avLst/>
+          </a:prstGeom>
+          <a:noFill/>
+          <a:ln>
+            <a:noFill/>
+          </a:ln>
+          <a:extLst>
+            <a:ext uri="{909E8E84-426E-40DD-AFC4-6F175D3DCCD1}">
+              <a14:hiddenFill xmlns:a14="http://schemas.microsoft.com/office/drawing/2010/main">
+                <a:solidFill>
+                  <a:srgbClr val="FFFFFF"/>
+                </a:solidFill>
+              </a14:hiddenFill>
+            </a:ext>
+            <a:ext uri="{91240B29-F687-4F45-9708-019B960494DF}">
+              <a14:hiddenLine xmlns:a14="http://schemas.microsoft.com/office/drawing/2010/main" w="9525">
+                <a:solidFill>
+                  <a:srgbClr val="000000"/>
+                </a:solidFill>
+                <a:miter lim="800000"/>
+                <a:headEnd/>
+                <a:tailEnd/>
+              </a14:hiddenLine>
+            </a:ext>
+          </a:extLst>
+        </p:spPr>
+        <p:txBody>
+          <a:bodyPr wrap="square">
+            <a:spAutoFit/>
+          </a:bodyPr>
+          <a:lstStyle>
+            <a:lvl1pPr>
+              <a:defRPr>
+                <a:solidFill>
+                  <a:schemeClr val="tx1"/>
+                </a:solidFill>
+                <a:latin typeface="Calibri" panose="020F0502020204030204" pitchFamily="34" charset="0"/>
+              </a:defRPr>
+            </a:lvl1pPr>
+            <a:lvl2pPr marL="742950" indent="-285750">
+              <a:defRPr>
+                <a:solidFill>
+                  <a:schemeClr val="tx1"/>
+                </a:solidFill>
+                <a:latin typeface="Calibri" panose="020F0502020204030204" pitchFamily="34" charset="0"/>
+              </a:defRPr>
+            </a:lvl2pPr>
+            <a:lvl3pPr marL="1143000" indent="-228600">
+              <a:defRPr>
+                <a:solidFill>
+                  <a:schemeClr val="tx1"/>
+                </a:solidFill>
+                <a:latin typeface="Calibri" panose="020F0502020204030204" pitchFamily="34" charset="0"/>
+              </a:defRPr>
+            </a:lvl3pPr>
+            <a:lvl4pPr marL="1600200" indent="-228600">
+              <a:defRPr>
+                <a:solidFill>
+                  <a:schemeClr val="tx1"/>
+                </a:solidFill>
+                <a:latin typeface="Calibri" panose="020F0502020204030204" pitchFamily="34" charset="0"/>
+              </a:defRPr>
+            </a:lvl4pPr>
+            <a:lvl5pPr marL="2057400" indent="-228600">
+              <a:defRPr>
+                <a:solidFill>
+                  <a:schemeClr val="tx1"/>
+                </a:solidFill>
+                <a:latin typeface="Calibri" panose="020F0502020204030204" pitchFamily="34" charset="0"/>
+              </a:defRPr>
+            </a:lvl5pPr>
+            <a:lvl6pPr marL="2514600" indent="-228600" eaLnBrk="0" fontAlgn="base" hangingPunct="0">
+              <a:spcBef>
+                <a:spcPct val="0"/>
+              </a:spcBef>
+              <a:spcAft>
+                <a:spcPct val="0"/>
+              </a:spcAft>
+              <a:defRPr>
+                <a:solidFill>
+                  <a:schemeClr val="tx1"/>
+                </a:solidFill>
+                <a:latin typeface="Calibri" panose="020F0502020204030204" pitchFamily="34" charset="0"/>
+              </a:defRPr>
+            </a:lvl6pPr>
+            <a:lvl7pPr marL="2971800" indent="-228600" eaLnBrk="0" fontAlgn="base" hangingPunct="0">
+              <a:spcBef>
+                <a:spcPct val="0"/>
+              </a:spcBef>
+              <a:spcAft>
+                <a:spcPct val="0"/>
+              </a:spcAft>
+              <a:defRPr>
+                <a:solidFill>
+                  <a:schemeClr val="tx1"/>
+                </a:solidFill>
+                <a:latin typeface="Calibri" panose="020F0502020204030204" pitchFamily="34" charset="0"/>
+              </a:defRPr>
+            </a:lvl7pPr>
+            <a:lvl8pPr marL="3429000" indent="-228600" eaLnBrk="0" fontAlgn="base" hangingPunct="0">
+              <a:spcBef>
+                <a:spcPct val="0"/>
+              </a:spcBef>
+              <a:spcAft>
+                <a:spcPct val="0"/>
+              </a:spcAft>
+              <a:defRPr>
+                <a:solidFill>
+                  <a:schemeClr val="tx1"/>
+                </a:solidFill>
+                <a:latin typeface="Calibri" panose="020F0502020204030204" pitchFamily="34" charset="0"/>
+              </a:defRPr>
+            </a:lvl8pPr>
+            <a:lvl9pPr marL="3886200" indent="-228600" eaLnBrk="0" fontAlgn="base" hangingPunct="0">
+              <a:spcBef>
+                <a:spcPct val="0"/>
+              </a:spcBef>
+              <a:spcAft>
+                <a:spcPct val="0"/>
+              </a:spcAft>
+              <a:defRPr>
+                <a:solidFill>
+                  <a:schemeClr val="tx1"/>
+                </a:solidFill>
+                <a:latin typeface="Calibri" panose="020F0502020204030204" pitchFamily="34" charset="0"/>
+              </a:defRPr>
+            </a:lvl9pPr>
+          </a:lstStyle>
+          <a:p>
+            <a:pPr algn="ctr" eaLnBrk="1" hangingPunct="1"/>
+            <a:r>
+              <a:rPr lang="en-US" altLang="en-US" sz="1100" dirty="0">
+                <a:solidFill>
+                  <a:srgbClr val="000000"/>
+                </a:solidFill>
+                <a:latin typeface="Arial" panose="020B0604020202020204" pitchFamily="34" charset="0"/>
+                <a:cs typeface="Arial" panose="020B0604020202020204" pitchFamily="34" charset="0"/>
+              </a:rPr>
+              <a:t>Patient</a:t>
+            </a:r>
+          </a:p>
+        </p:txBody>
+      </p:sp>
+      <p:cxnSp>
+        <p:nvCxnSpPr>
+          <p:cNvPr id="210" name="Straight Arrow Connector 209">
+            <a:extLst>
+              <a:ext uri="{FF2B5EF4-FFF2-40B4-BE49-F238E27FC236}">
+                <a16:creationId xmlns:a16="http://schemas.microsoft.com/office/drawing/2014/main" id="{BF179350-EFCA-4577-8788-FF532F9B8ACC}"/>
+              </a:ext>
+            </a:extLst>
+          </p:cNvPr>
+          <p:cNvCxnSpPr>
+            <a:cxnSpLocks/>
+            <a:stCxn id="208" idx="3"/>
+            <a:endCxn id="205" idx="1"/>
+          </p:cNvCxnSpPr>
+          <p:nvPr/>
+        </p:nvCxnSpPr>
+        <p:spPr>
+          <a:xfrm>
+            <a:off x="732442" y="1553659"/>
+            <a:ext cx="1034534" cy="1"/>
+          </a:xfrm>
+          <a:prstGeom prst="straightConnector1">
+            <a:avLst/>
+          </a:prstGeom>
+          <a:ln w="12700">
+            <a:solidFill>
+              <a:srgbClr val="545B64"/>
+            </a:solidFill>
+            <a:headEnd type="none" w="med" len="sm"/>
+            <a:tailEnd type="arrow" w="med" len="sm"/>
+          </a:ln>
+        </p:spPr>
+        <p:style>
+          <a:lnRef idx="1">
+            <a:schemeClr val="accent1"/>
+          </a:lnRef>
+          <a:fillRef idx="0">
+            <a:schemeClr val="accent1"/>
+          </a:fillRef>
+          <a:effectRef idx="0">
+            <a:schemeClr val="accent1"/>
+          </a:effectRef>
+          <a:fontRef idx="minor">
+            <a:schemeClr val="tx1"/>
+          </a:fontRef>
+        </p:style>
+      </p:cxnSp>
+      <p:sp>
+        <p:nvSpPr>
+          <p:cNvPr id="211" name="TextBox 47">
+            <a:extLst>
+              <a:ext uri="{FF2B5EF4-FFF2-40B4-BE49-F238E27FC236}">
+                <a16:creationId xmlns:a16="http://schemas.microsoft.com/office/drawing/2014/main" id="{AE8FF6CB-A89A-4285-97FB-B953A4F7A28B}"/>
+              </a:ext>
+            </a:extLst>
+          </p:cNvPr>
+          <p:cNvSpPr txBox="1">
+            <a:spLocks noChangeArrowheads="1"/>
+          </p:cNvSpPr>
+          <p:nvPr/>
+        </p:nvSpPr>
+        <p:spPr bwMode="auto">
+          <a:xfrm>
+            <a:off x="15305444" y="3176837"/>
+            <a:ext cx="573600" cy="261610"/>
+          </a:xfrm>
+          <a:prstGeom prst="rect">
+            <a:avLst/>
+          </a:prstGeom>
+          <a:noFill/>
+          <a:ln>
+            <a:noFill/>
+          </a:ln>
+          <a:extLst>
+            <a:ext uri="{909E8E84-426E-40DD-AFC4-6F175D3DCCD1}">
+              <a14:hiddenFill xmlns:a14="http://schemas.microsoft.com/office/drawing/2010/main">
+                <a:solidFill>
+                  <a:srgbClr val="FFFFFF"/>
+                </a:solidFill>
+              </a14:hiddenFill>
+            </a:ext>
+            <a:ext uri="{91240B29-F687-4F45-9708-019B960494DF}">
+              <a14:hiddenLine xmlns:a14="http://schemas.microsoft.com/office/drawing/2010/main" w="9525">
+                <a:solidFill>
+                  <a:srgbClr val="000000"/>
+                </a:solidFill>
+                <a:miter lim="800000"/>
+                <a:headEnd/>
+                <a:tailEnd/>
+              </a14:hiddenLine>
+            </a:ext>
+          </a:extLst>
+        </p:spPr>
+        <p:txBody>
+          <a:bodyPr wrap="square">
+            <a:spAutoFit/>
+          </a:bodyPr>
+          <a:lstStyle>
+            <a:lvl1pPr>
+              <a:defRPr>
+                <a:solidFill>
+                  <a:schemeClr val="tx1"/>
+                </a:solidFill>
+                <a:latin typeface="Calibri" panose="020F0502020204030204" pitchFamily="34" charset="0"/>
+              </a:defRPr>
+            </a:lvl1pPr>
+            <a:lvl2pPr marL="742950" indent="-285750">
+              <a:defRPr>
+                <a:solidFill>
+                  <a:schemeClr val="tx1"/>
+                </a:solidFill>
+                <a:latin typeface="Calibri" panose="020F0502020204030204" pitchFamily="34" charset="0"/>
+              </a:defRPr>
+            </a:lvl2pPr>
+            <a:lvl3pPr marL="1143000" indent="-228600">
+              <a:defRPr>
+                <a:solidFill>
+                  <a:schemeClr val="tx1"/>
+                </a:solidFill>
+                <a:latin typeface="Calibri" panose="020F0502020204030204" pitchFamily="34" charset="0"/>
+              </a:defRPr>
+            </a:lvl3pPr>
+            <a:lvl4pPr marL="1600200" indent="-228600">
+              <a:defRPr>
+                <a:solidFill>
+                  <a:schemeClr val="tx1"/>
+                </a:solidFill>
+                <a:latin typeface="Calibri" panose="020F0502020204030204" pitchFamily="34" charset="0"/>
+              </a:defRPr>
+            </a:lvl4pPr>
+            <a:lvl5pPr marL="2057400" indent="-228600">
+              <a:defRPr>
+                <a:solidFill>
+                  <a:schemeClr val="tx1"/>
+                </a:solidFill>
+                <a:latin typeface="Calibri" panose="020F0502020204030204" pitchFamily="34" charset="0"/>
+              </a:defRPr>
+            </a:lvl5pPr>
+            <a:lvl6pPr marL="2514600" indent="-228600" eaLnBrk="0" fontAlgn="base" hangingPunct="0">
+              <a:spcBef>
+                <a:spcPct val="0"/>
+              </a:spcBef>
+              <a:spcAft>
+                <a:spcPct val="0"/>
+              </a:spcAft>
+              <a:defRPr>
+                <a:solidFill>
+                  <a:schemeClr val="tx1"/>
+                </a:solidFill>
+                <a:latin typeface="Calibri" panose="020F0502020204030204" pitchFamily="34" charset="0"/>
+              </a:defRPr>
+            </a:lvl6pPr>
+            <a:lvl7pPr marL="2971800" indent="-228600" eaLnBrk="0" fontAlgn="base" hangingPunct="0">
+              <a:spcBef>
+                <a:spcPct val="0"/>
+              </a:spcBef>
+              <a:spcAft>
+                <a:spcPct val="0"/>
+              </a:spcAft>
+              <a:defRPr>
+                <a:solidFill>
+                  <a:schemeClr val="tx1"/>
+                </a:solidFill>
+                <a:latin typeface="Calibri" panose="020F0502020204030204" pitchFamily="34" charset="0"/>
+              </a:defRPr>
+            </a:lvl7pPr>
+            <a:lvl8pPr marL="3429000" indent="-228600" eaLnBrk="0" fontAlgn="base" hangingPunct="0">
+              <a:spcBef>
+                <a:spcPct val="0"/>
+              </a:spcBef>
+              <a:spcAft>
+                <a:spcPct val="0"/>
+              </a:spcAft>
+              <a:defRPr>
+                <a:solidFill>
+                  <a:schemeClr val="tx1"/>
+                </a:solidFill>
+                <a:latin typeface="Calibri" panose="020F0502020204030204" pitchFamily="34" charset="0"/>
+              </a:defRPr>
+            </a:lvl8pPr>
+            <a:lvl9pPr marL="3886200" indent="-228600" eaLnBrk="0" fontAlgn="base" hangingPunct="0">
+              <a:spcBef>
+                <a:spcPct val="0"/>
+              </a:spcBef>
+              <a:spcAft>
+                <a:spcPct val="0"/>
+              </a:spcAft>
+              <a:defRPr>
+                <a:solidFill>
+                  <a:schemeClr val="tx1"/>
+                </a:solidFill>
+                <a:latin typeface="Calibri" panose="020F0502020204030204" pitchFamily="34" charset="0"/>
+              </a:defRPr>
+            </a:lvl9pPr>
+          </a:lstStyle>
+          <a:p>
+            <a:pPr algn="ctr" eaLnBrk="1" hangingPunct="1"/>
+            <a:r>
+              <a:rPr lang="en-US" altLang="en-US" sz="1100" dirty="0">
+                <a:solidFill>
+                  <a:srgbClr val="000000"/>
+                </a:solidFill>
+                <a:latin typeface="Arial" panose="020B0604020202020204" pitchFamily="34" charset="0"/>
+                <a:cs typeface="Arial" panose="020B0604020202020204" pitchFamily="34" charset="0"/>
+              </a:rPr>
+              <a:t>Email</a:t>
+            </a:r>
+          </a:p>
+        </p:txBody>
+      </p:sp>
+      <p:pic>
+        <p:nvPicPr>
+          <p:cNvPr id="212" name="Graphic 50">
+            <a:extLst>
+              <a:ext uri="{FF2B5EF4-FFF2-40B4-BE49-F238E27FC236}">
+                <a16:creationId xmlns:a16="http://schemas.microsoft.com/office/drawing/2014/main" id="{2FC1B09F-7F47-44E9-A8DE-1CD85AB1256B}"/>
+              </a:ext>
+            </a:extLst>
+          </p:cNvPr>
+          <p:cNvPicPr>
+            <a:picLocks noChangeAspect="1" noChangeArrowheads="1"/>
+          </p:cNvPicPr>
+          <p:nvPr/>
+        </p:nvPicPr>
+        <p:blipFill>
+          <a:blip r:embed="rId30">
             <a:extLst>
               <a:ext uri="{28A0092B-C50C-407E-A947-70E740481C1C}">
                 <a14:useLocalDpi xmlns:a14="http://schemas.microsoft.com/office/drawing/2010/main" val="0"/>
@@ -7243,8 +7962,8 @@
         </p:blipFill>
         <p:spPr bwMode="auto">
           <a:xfrm>
-            <a:off x="7645172" y="2322681"/>
-            <a:ext cx="762000" cy="762000"/>
+            <a:off x="15366003" y="2715155"/>
+            <a:ext cx="457200" cy="457200"/>
           </a:xfrm>
           <a:prstGeom prst="rect">
             <a:avLst/>
@@ -7274,12 +7993,117 @@
           </a:extLst>
         </p:spPr>
       </p:pic>
+      <p:cxnSp>
+        <p:nvCxnSpPr>
+          <p:cNvPr id="213" name="Straight Arrow Connector 212">
+            <a:extLst>
+              <a:ext uri="{FF2B5EF4-FFF2-40B4-BE49-F238E27FC236}">
+                <a16:creationId xmlns:a16="http://schemas.microsoft.com/office/drawing/2014/main" id="{8E2EF6F8-6912-41C4-BCB5-3FC5EC393656}"/>
+              </a:ext>
+            </a:extLst>
+          </p:cNvPr>
+          <p:cNvCxnSpPr>
+            <a:cxnSpLocks/>
+            <a:stCxn id="192" idx="3"/>
+            <a:endCxn id="212" idx="1"/>
+          </p:cNvCxnSpPr>
+          <p:nvPr/>
+        </p:nvCxnSpPr>
+        <p:spPr>
+          <a:xfrm>
+            <a:off x="14497917" y="2940615"/>
+            <a:ext cx="868086" cy="3140"/>
+          </a:xfrm>
+          <a:prstGeom prst="straightConnector1">
+            <a:avLst/>
+          </a:prstGeom>
+          <a:ln w="12700">
+            <a:solidFill>
+              <a:srgbClr val="545B64"/>
+            </a:solidFill>
+            <a:headEnd type="none" w="med" len="sm"/>
+            <a:tailEnd type="arrow" w="med" len="sm"/>
+          </a:ln>
+        </p:spPr>
+        <p:style>
+          <a:lnRef idx="1">
+            <a:schemeClr val="accent1"/>
+          </a:lnRef>
+          <a:fillRef idx="0">
+            <a:schemeClr val="accent1"/>
+          </a:fillRef>
+          <a:effectRef idx="0">
+            <a:schemeClr val="accent1"/>
+          </a:effectRef>
+          <a:fontRef idx="minor">
+            <a:schemeClr val="tx1"/>
+          </a:fontRef>
+        </p:style>
+      </p:cxnSp>
+      <p:pic>
+        <p:nvPicPr>
+          <p:cNvPr id="214" name="Graphic 23">
+            <a:extLst>
+              <a:ext uri="{FF2B5EF4-FFF2-40B4-BE49-F238E27FC236}">
+                <a16:creationId xmlns:a16="http://schemas.microsoft.com/office/drawing/2014/main" id="{4AC72426-7C8C-4E47-8CF1-9193CEEC0153}"/>
+              </a:ext>
+            </a:extLst>
+          </p:cNvPr>
+          <p:cNvPicPr>
+            <a:picLocks noChangeAspect="1" noChangeArrowheads="1"/>
+          </p:cNvPicPr>
+          <p:nvPr/>
+        </p:nvPicPr>
+        <p:blipFill>
+          <a:blip r:embed="rId31">
+            <a:extLst>
+              <a:ext uri="{96DAC541-7B7A-43D3-8B79-37D633B846F1}">
+                <asvg:svgBlip xmlns:asvg="http://schemas.microsoft.com/office/drawing/2016/SVG/main" r:embed="rId32"/>
+              </a:ext>
+            </a:extLst>
+          </a:blip>
+          <a:srcRect/>
+          <a:stretch/>
+        </p:blipFill>
+        <p:spPr bwMode="auto">
+          <a:xfrm flipH="1">
+            <a:off x="16506895" y="2712015"/>
+            <a:ext cx="469900" cy="469900"/>
+          </a:xfrm>
+          <a:prstGeom prst="rect">
+            <a:avLst/>
+          </a:prstGeom>
+          <a:noFill/>
+          <a:ln>
+            <a:noFill/>
+          </a:ln>
+          <a:extLst>
+            <a:ext uri="{909E8E84-426E-40DD-AFC4-6F175D3DCCD1}">
+              <a14:hiddenFill xmlns:a14="http://schemas.microsoft.com/office/drawing/2010/main">
+                <a:solidFill>
+                  <a:srgbClr val="FFFFFF"/>
+                </a:solidFill>
+              </a14:hiddenFill>
+            </a:ext>
+            <a:ext uri="{91240B29-F687-4F45-9708-019B960494DF}">
+              <a14:hiddenLine xmlns:a14="http://schemas.microsoft.com/office/drawing/2010/main" w="9525">
+                <a:solidFill>
+                  <a:srgbClr val="000000"/>
+                </a:solidFill>
+                <a:miter lim="800000"/>
+                <a:headEnd/>
+                <a:tailEnd/>
+              </a14:hiddenLine>
+            </a:ext>
+          </a:extLst>
+        </p:spPr>
+      </p:pic>
       <p:sp>
         <p:nvSpPr>
-          <p:cNvPr id="48" name="TextBox 9">
+          <p:cNvPr id="215" name="TextBox 40">
             <a:extLst>
               <a:ext uri="{FF2B5EF4-FFF2-40B4-BE49-F238E27FC236}">
-                <a16:creationId xmlns:a16="http://schemas.microsoft.com/office/drawing/2014/main" id="{DEB301E0-E747-44A4-B70F-C63F0BEA5596}"/>
+                <a16:creationId xmlns:a16="http://schemas.microsoft.com/office/drawing/2014/main" id="{573E0774-803C-42D6-A86B-6A08DC7C2B35}"/>
               </a:ext>
             </a:extLst>
           </p:cNvPr>
@@ -7290,8 +8114,8 @@
         </p:nvSpPr>
         <p:spPr bwMode="auto">
           <a:xfrm>
-            <a:off x="7504693" y="3090652"/>
-            <a:ext cx="1042957" cy="276999"/>
+            <a:off x="16171967" y="3171088"/>
+            <a:ext cx="1139755" cy="261610"/>
           </a:xfrm>
           <a:prstGeom prst="rect">
             <a:avLst/>
@@ -7425,43 +8249,45 @@
           <a:p>
             <a:pPr algn="ctr" eaLnBrk="1" hangingPunct="1"/>
             <a:r>
-              <a:rPr lang="en-US" altLang="en-US" sz="1200" dirty="0">
+              <a:rPr lang="en-US" altLang="en-US" sz="1100" dirty="0">
+                <a:solidFill>
+                  <a:srgbClr val="000000"/>
+                </a:solidFill>
                 <a:latin typeface="Arial" panose="020B0604020202020204" pitchFamily="34" charset="0"/>
-                <a:ea typeface="Amazon Ember" panose="020B0603020204020204" pitchFamily="34" charset="0"/>
                 <a:cs typeface="Arial" panose="020B0604020202020204" pitchFamily="34" charset="0"/>
               </a:rPr>
-              <a:t>AWS KMS</a:t>
+              <a:t>Administrators</a:t>
             </a:r>
           </a:p>
         </p:txBody>
       </p:sp>
       <p:cxnSp>
         <p:nvCxnSpPr>
-          <p:cNvPr id="49" name="Straight Arrow Connector 48">
+          <p:cNvPr id="216" name="Straight Arrow Connector 215">
             <a:extLst>
               <a:ext uri="{FF2B5EF4-FFF2-40B4-BE49-F238E27FC236}">
-                <a16:creationId xmlns:a16="http://schemas.microsoft.com/office/drawing/2014/main" id="{0E9D442F-9C86-444F-8AF2-56267629C883}"/>
+                <a16:creationId xmlns:a16="http://schemas.microsoft.com/office/drawing/2014/main" id="{3F5E5504-9F90-4759-AF5D-250F5BFDE446}"/>
               </a:ext>
             </a:extLst>
           </p:cNvPr>
           <p:cNvCxnSpPr>
             <a:cxnSpLocks/>
-            <a:stCxn id="162" idx="0"/>
-            <a:endCxn id="48" idx="2"/>
+            <a:stCxn id="212" idx="3"/>
+            <a:endCxn id="214" idx="3"/>
           </p:cNvCxnSpPr>
           <p:nvPr/>
         </p:nvCxnSpPr>
         <p:spPr>
-          <a:xfrm flipH="1" flipV="1">
-            <a:off x="8026172" y="3367651"/>
-            <a:ext cx="767" cy="295769"/>
+          <a:xfrm>
+            <a:off x="15823203" y="2943755"/>
+            <a:ext cx="683692" cy="3210"/>
           </a:xfrm>
           <a:prstGeom prst="straightConnector1">
             <a:avLst/>
           </a:prstGeom>
           <a:ln w="12700">
             <a:solidFill>
-              <a:schemeClr val="tx2"/>
+              <a:srgbClr val="545B64"/>
             </a:solidFill>
             <a:headEnd type="none" w="med" len="sm"/>
             <a:tailEnd type="arrow" w="med" len="sm"/>
@@ -7498,7 +8324,7 @@
 <file path=ppt/theme/theme1.xml><?xml version="1.0" encoding="utf-8"?>
 <a:theme xmlns:a="http://schemas.openxmlformats.org/drawingml/2006/main" name="Office Theme">
   <a:themeElements>
-    <a:clrScheme name="Office">
+    <a:clrScheme name="Office Theme">
       <a:dk1>
         <a:sysClr val="windowText" lastClr="000000"/>
       </a:dk1>
@@ -7536,7 +8362,7 @@
         <a:srgbClr val="954F72"/>
       </a:folHlink>
     </a:clrScheme>
-    <a:fontScheme name="Office">
+    <a:fontScheme name="Office Theme">
       <a:majorFont>
         <a:latin typeface="Calibri Light" panose="020F0302020204030204"/>
         <a:ea typeface=""/>
@@ -7571,23 +8397,6 @@
         <a:font script="Viet" typeface="Times New Roman"/>
         <a:font script="Uigh" typeface="Microsoft Uighur"/>
         <a:font script="Geor" typeface="Sylfaen"/>
-        <a:font script="Armn" typeface="Arial"/>
-        <a:font script="Bugi" typeface="Leelawadee UI"/>
-        <a:font script="Bopo" typeface="Microsoft JhengHei"/>
-        <a:font script="Java" typeface="Javanese Text"/>
-        <a:font script="Lisu" typeface="Segoe UI"/>
-        <a:font script="Mymr" typeface="Myanmar Text"/>
-        <a:font script="Nkoo" typeface="Ebrima"/>
-        <a:font script="Olck" typeface="Nirmala UI"/>
-        <a:font script="Osma" typeface="Ebrima"/>
-        <a:font script="Phag" typeface="Phagspa"/>
-        <a:font script="Syrn" typeface="Estrangelo Edessa"/>
-        <a:font script="Syrj" typeface="Estrangelo Edessa"/>
-        <a:font script="Syre" typeface="Estrangelo Edessa"/>
-        <a:font script="Sora" typeface="Nirmala UI"/>
-        <a:font script="Tale" typeface="Microsoft Tai Le"/>
-        <a:font script="Talu" typeface="Microsoft New Tai Lue"/>
-        <a:font script="Tfng" typeface="Ebrima"/>
       </a:majorFont>
       <a:minorFont>
         <a:latin typeface="Calibri" panose="020F0502020204030204"/>
@@ -7623,26 +8432,9 @@
         <a:font script="Viet" typeface="Arial"/>
         <a:font script="Uigh" typeface="Microsoft Uighur"/>
         <a:font script="Geor" typeface="Sylfaen"/>
-        <a:font script="Armn" typeface="Arial"/>
-        <a:font script="Bugi" typeface="Leelawadee UI"/>
-        <a:font script="Bopo" typeface="Microsoft JhengHei"/>
-        <a:font script="Java" typeface="Javanese Text"/>
-        <a:font script="Lisu" typeface="Segoe UI"/>
-        <a:font script="Mymr" typeface="Myanmar Text"/>
-        <a:font script="Nkoo" typeface="Ebrima"/>
-        <a:font script="Olck" typeface="Nirmala UI"/>
-        <a:font script="Osma" typeface="Ebrima"/>
-        <a:font script="Phag" typeface="Phagspa"/>
-        <a:font script="Syrn" typeface="Estrangelo Edessa"/>
-        <a:font script="Syrj" typeface="Estrangelo Edessa"/>
-        <a:font script="Syre" typeface="Estrangelo Edessa"/>
-        <a:font script="Sora" typeface="Nirmala UI"/>
-        <a:font script="Tale" typeface="Microsoft Tai Le"/>
-        <a:font script="Talu" typeface="Microsoft New Tai Lue"/>
-        <a:font script="Tfng" typeface="Ebrima"/>
       </a:minorFont>
     </a:fontScheme>
-    <a:fmtScheme name="Office">
+    <a:fmtScheme name="Office Theme">
       <a:fillStyleLst>
         <a:solidFill>
           <a:schemeClr val="phClr"/>

--- a/docs/deployment_guide/images/architecture_diagram.pptx
+++ b/docs/deployment_guide/images/architecture_diagram.pptx
@@ -243,7 +243,7 @@
           <a:p>
             <a:fld id="{910FE9F8-85C6-4D94-8C60-6B46B301E45E}" type="datetimeFigureOut">
               <a:rPr lang="en-US" smtClean="0"/>
-              <a:t>2022-09-27</a:t>
+              <a:t>10/6/22</a:t>
             </a:fld>
             <a:endParaRPr lang="en-US"/>
           </a:p>
@@ -413,7 +413,7 @@
           <a:p>
             <a:fld id="{910FE9F8-85C6-4D94-8C60-6B46B301E45E}" type="datetimeFigureOut">
               <a:rPr lang="en-US" smtClean="0"/>
-              <a:t>2022-09-27</a:t>
+              <a:t>10/6/22</a:t>
             </a:fld>
             <a:endParaRPr lang="en-US"/>
           </a:p>
@@ -593,7 +593,7 @@
           <a:p>
             <a:fld id="{910FE9F8-85C6-4D94-8C60-6B46B301E45E}" type="datetimeFigureOut">
               <a:rPr lang="en-US" smtClean="0"/>
-              <a:t>2022-09-27</a:t>
+              <a:t>10/6/22</a:t>
             </a:fld>
             <a:endParaRPr lang="en-US"/>
           </a:p>
@@ -763,7 +763,7 @@
           <a:p>
             <a:fld id="{910FE9F8-85C6-4D94-8C60-6B46B301E45E}" type="datetimeFigureOut">
               <a:rPr lang="en-US" smtClean="0"/>
-              <a:t>2022-09-27</a:t>
+              <a:t>10/6/22</a:t>
             </a:fld>
             <a:endParaRPr lang="en-US"/>
           </a:p>
@@ -1009,7 +1009,7 @@
           <a:p>
             <a:fld id="{910FE9F8-85C6-4D94-8C60-6B46B301E45E}" type="datetimeFigureOut">
               <a:rPr lang="en-US" smtClean="0"/>
-              <a:t>2022-09-27</a:t>
+              <a:t>10/6/22</a:t>
             </a:fld>
             <a:endParaRPr lang="en-US"/>
           </a:p>
@@ -1241,7 +1241,7 @@
           <a:p>
             <a:fld id="{910FE9F8-85C6-4D94-8C60-6B46B301E45E}" type="datetimeFigureOut">
               <a:rPr lang="en-US" smtClean="0"/>
-              <a:t>2022-09-27</a:t>
+              <a:t>10/6/22</a:t>
             </a:fld>
             <a:endParaRPr lang="en-US"/>
           </a:p>
@@ -1608,7 +1608,7 @@
           <a:p>
             <a:fld id="{910FE9F8-85C6-4D94-8C60-6B46B301E45E}" type="datetimeFigureOut">
               <a:rPr lang="en-US" smtClean="0"/>
-              <a:t>2022-09-27</a:t>
+              <a:t>10/6/22</a:t>
             </a:fld>
             <a:endParaRPr lang="en-US"/>
           </a:p>
@@ -1726,7 +1726,7 @@
           <a:p>
             <a:fld id="{910FE9F8-85C6-4D94-8C60-6B46B301E45E}" type="datetimeFigureOut">
               <a:rPr lang="en-US" smtClean="0"/>
-              <a:t>2022-09-27</a:t>
+              <a:t>10/6/22</a:t>
             </a:fld>
             <a:endParaRPr lang="en-US"/>
           </a:p>
@@ -1821,7 +1821,7 @@
           <a:p>
             <a:fld id="{910FE9F8-85C6-4D94-8C60-6B46B301E45E}" type="datetimeFigureOut">
               <a:rPr lang="en-US" smtClean="0"/>
-              <a:t>2022-09-27</a:t>
+              <a:t>10/6/22</a:t>
             </a:fld>
             <a:endParaRPr lang="en-US"/>
           </a:p>
@@ -2098,7 +2098,7 @@
           <a:p>
             <a:fld id="{910FE9F8-85C6-4D94-8C60-6B46B301E45E}" type="datetimeFigureOut">
               <a:rPr lang="en-US" smtClean="0"/>
-              <a:t>2022-09-27</a:t>
+              <a:t>10/6/22</a:t>
             </a:fld>
             <a:endParaRPr lang="en-US"/>
           </a:p>
@@ -2355,7 +2355,7 @@
           <a:p>
             <a:fld id="{910FE9F8-85C6-4D94-8C60-6B46B301E45E}" type="datetimeFigureOut">
               <a:rPr lang="en-US" smtClean="0"/>
-              <a:t>2022-09-27</a:t>
+              <a:t>10/6/22</a:t>
             </a:fld>
             <a:endParaRPr lang="en-US"/>
           </a:p>
@@ -2568,7 +2568,7 @@
           <a:p>
             <a:fld id="{910FE9F8-85C6-4D94-8C60-6B46B301E45E}" type="datetimeFigureOut">
               <a:rPr lang="en-US" smtClean="0"/>
-              <a:t>2022-09-27</a:t>
+              <a:t>10/6/22</a:t>
             </a:fld>
             <a:endParaRPr lang="en-US"/>
           </a:p>
@@ -3079,111 +3079,6 @@
       </p:pic>
       <p:sp>
         <p:nvSpPr>
-          <p:cNvPr id="144" name="Rectangle 143">
-            <a:extLst>
-              <a:ext uri="{FF2B5EF4-FFF2-40B4-BE49-F238E27FC236}">
-                <a16:creationId xmlns:a16="http://schemas.microsoft.com/office/drawing/2014/main" id="{8BE87BC9-CB83-4553-B221-B90917199564}"/>
-              </a:ext>
-            </a:extLst>
-          </p:cNvPr>
-          <p:cNvSpPr/>
-          <p:nvPr/>
-        </p:nvSpPr>
-        <p:spPr>
-          <a:xfrm>
-            <a:off x="3560341" y="386138"/>
-            <a:ext cx="1942513" cy="5443164"/>
-          </a:xfrm>
-          <a:prstGeom prst="rect">
-            <a:avLst/>
-          </a:prstGeom>
-          <a:noFill/>
-          <a:ln w="12700">
-            <a:solidFill>
-              <a:srgbClr val="5A6B86"/>
-            </a:solidFill>
-          </a:ln>
-        </p:spPr>
-        <p:style>
-          <a:lnRef idx="2">
-            <a:schemeClr val="accent1">
-              <a:shade val="50000"/>
-            </a:schemeClr>
-          </a:lnRef>
-          <a:fillRef idx="1">
-            <a:schemeClr val="accent1"/>
-          </a:fillRef>
-          <a:effectRef idx="0">
-            <a:schemeClr val="accent1"/>
-          </a:effectRef>
-          <a:fontRef idx="minor">
-            <a:schemeClr val="lt1"/>
-          </a:fontRef>
-        </p:style>
-        <p:txBody>
-          <a:bodyPr lIns="502920" tIns="91440"/>
-          <a:lstStyle/>
-          <a:p>
-            <a:pPr eaLnBrk="1" fontAlgn="auto" hangingPunct="1">
-              <a:spcBef>
-                <a:spcPts val="0"/>
-              </a:spcBef>
-              <a:spcAft>
-                <a:spcPts val="0"/>
-              </a:spcAft>
-              <a:defRPr/>
-            </a:pPr>
-            <a:r>
-              <a:rPr lang="en-US" sz="1200" dirty="0">
-                <a:solidFill>
-                  <a:srgbClr val="5A6B86"/>
-                </a:solidFill>
-                <a:latin typeface="Arial" panose="020B0604020202020204" pitchFamily="34" charset="0"/>
-                <a:cs typeface="Arial" panose="020B0604020202020204" pitchFamily="34" charset="0"/>
-              </a:rPr>
-              <a:t>Salesforce instance</a:t>
-            </a:r>
-          </a:p>
-        </p:txBody>
-      </p:sp>
-      <p:pic>
-        <p:nvPicPr>
-          <p:cNvPr id="148" name="Graphic 147">
-            <a:extLst>
-              <a:ext uri="{FF2B5EF4-FFF2-40B4-BE49-F238E27FC236}">
-                <a16:creationId xmlns:a16="http://schemas.microsoft.com/office/drawing/2014/main" id="{984A951E-8444-4A2D-8C02-F74D0A18C590}"/>
-              </a:ext>
-            </a:extLst>
-          </p:cNvPr>
-          <p:cNvPicPr>
-            <a:picLocks noChangeAspect="1"/>
-          </p:cNvPicPr>
-          <p:nvPr/>
-        </p:nvPicPr>
-        <p:blipFill>
-          <a:blip r:embed="rId4">
-            <a:extLst>
-              <a:ext uri="{96DAC541-7B7A-43D3-8B79-37D633B846F1}">
-                <asvg:svgBlip xmlns:asvg="http://schemas.microsoft.com/office/drawing/2016/SVG/main" r:embed="rId5"/>
-              </a:ext>
-            </a:extLst>
-          </a:blip>
-          <a:stretch>
-            <a:fillRect/>
-          </a:stretch>
-        </p:blipFill>
-        <p:spPr>
-          <a:xfrm>
-            <a:off x="3560341" y="386137"/>
-            <a:ext cx="381000" cy="381000"/>
-          </a:xfrm>
-          <a:prstGeom prst="rect">
-            <a:avLst/>
-          </a:prstGeom>
-        </p:spPr>
-      </p:pic>
-      <p:sp>
-        <p:nvSpPr>
           <p:cNvPr id="149" name="TextBox 9">
             <a:extLst>
               <a:ext uri="{FF2B5EF4-FFF2-40B4-BE49-F238E27FC236}">
@@ -3358,13 +3253,13 @@
           <p:nvPr/>
         </p:nvPicPr>
         <p:blipFill>
-          <a:blip r:embed="rId6">
+          <a:blip r:embed="rId4">
             <a:extLst>
               <a:ext uri="{28A0092B-C50C-407E-A947-70E740481C1C}">
                 <a14:useLocalDpi xmlns:a14="http://schemas.microsoft.com/office/drawing/2010/main" val="0"/>
               </a:ext>
               <a:ext uri="{96DAC541-7B7A-43D3-8B79-37D633B846F1}">
-                <asvg:svgBlip xmlns:asvg="http://schemas.microsoft.com/office/drawing/2016/SVG/main" r:embed="rId7"/>
+                <asvg:svgBlip xmlns:asvg="http://schemas.microsoft.com/office/drawing/2016/SVG/main" r:embed="rId5"/>
               </a:ext>
             </a:extLst>
           </a:blip>
@@ -3397,7 +3292,7 @@
           <p:nvPr/>
         </p:nvPicPr>
         <p:blipFill>
-          <a:blip r:embed="rId8">
+          <a:blip r:embed="rId6">
             <a:extLst>
               <a:ext uri="{28A0092B-C50C-407E-A947-70E740481C1C}">
                 <a14:useLocalDpi xmlns:a14="http://schemas.microsoft.com/office/drawing/2010/main" val="0"/>
@@ -3665,7 +3560,7 @@
           <p:nvPr/>
         </p:nvPicPr>
         <p:blipFill>
-          <a:blip r:embed="rId8">
+          <a:blip r:embed="rId6">
             <a:extLst>
               <a:ext uri="{28A0092B-C50C-407E-A947-70E740481C1C}">
                 <a14:useLocalDpi xmlns:a14="http://schemas.microsoft.com/office/drawing/2010/main" val="0"/>
@@ -3886,7 +3781,7 @@
           <p:nvPr/>
         </p:nvPicPr>
         <p:blipFill>
-          <a:blip r:embed="rId9">
+          <a:blip r:embed="rId7">
             <a:extLst>
               <a:ext uri="{28A0092B-C50C-407E-A947-70E740481C1C}">
                 <a14:useLocalDpi xmlns:a14="http://schemas.microsoft.com/office/drawing/2010/main" val="0"/>
@@ -4107,7 +4002,7 @@
           <p:nvPr/>
         </p:nvPicPr>
         <p:blipFill>
-          <a:blip r:embed="rId10">
+          <a:blip r:embed="rId8">
             <a:extLst>
               <a:ext uri="{28A0092B-C50C-407E-A947-70E740481C1C}">
                 <a14:useLocalDpi xmlns:a14="http://schemas.microsoft.com/office/drawing/2010/main" val="0"/>
@@ -4843,10 +4738,10 @@
           <p:nvPr/>
         </p:nvPicPr>
         <p:blipFill>
-          <a:blip r:embed="rId11">
+          <a:blip r:embed="rId9">
             <a:extLst>
               <a:ext uri="{96DAC541-7B7A-43D3-8B79-37D633B846F1}">
-                <asvg:svgBlip xmlns:asvg="http://schemas.microsoft.com/office/drawing/2016/SVG/main" r:embed="rId12"/>
+                <asvg:svgBlip xmlns:asvg="http://schemas.microsoft.com/office/drawing/2016/SVG/main" r:embed="rId10"/>
               </a:ext>
             </a:extLst>
           </a:blip>
@@ -5156,10 +5051,10 @@
           <p:nvPr/>
         </p:nvPicPr>
         <p:blipFill>
-          <a:blip r:embed="rId13">
+          <a:blip r:embed="rId11">
             <a:extLst>
               <a:ext uri="{96DAC541-7B7A-43D3-8B79-37D633B846F1}">
-                <asvg:svgBlip xmlns:asvg="http://schemas.microsoft.com/office/drawing/2016/SVG/main" r:embed="rId14"/>
+                <asvg:svgBlip xmlns:asvg="http://schemas.microsoft.com/office/drawing/2016/SVG/main" r:embed="rId12"/>
               </a:ext>
             </a:extLst>
           </a:blip>
@@ -5469,10 +5364,10 @@
           <p:nvPr/>
         </p:nvPicPr>
         <p:blipFill>
-          <a:blip r:embed="rId15">
+          <a:blip r:embed="rId13">
             <a:extLst>
               <a:ext uri="{96DAC541-7B7A-43D3-8B79-37D633B846F1}">
-                <asvg:svgBlip xmlns:asvg="http://schemas.microsoft.com/office/drawing/2016/SVG/main" r:embed="rId16"/>
+                <asvg:svgBlip xmlns:asvg="http://schemas.microsoft.com/office/drawing/2016/SVG/main" r:embed="rId14"/>
               </a:ext>
             </a:extLst>
           </a:blip>
@@ -5688,10 +5583,10 @@
           <p:nvPr/>
         </p:nvPicPr>
         <p:blipFill>
-          <a:blip r:embed="rId15">
+          <a:blip r:embed="rId13">
             <a:extLst>
               <a:ext uri="{96DAC541-7B7A-43D3-8B79-37D633B846F1}">
-                <asvg:svgBlip xmlns:asvg="http://schemas.microsoft.com/office/drawing/2016/SVG/main" r:embed="rId16"/>
+                <asvg:svgBlip xmlns:asvg="http://schemas.microsoft.com/office/drawing/2016/SVG/main" r:embed="rId14"/>
               </a:ext>
             </a:extLst>
           </a:blip>
@@ -5929,10 +5824,10 @@
           <p:nvPr/>
         </p:nvPicPr>
         <p:blipFill>
-          <a:blip r:embed="rId17">
+          <a:blip r:embed="rId15">
             <a:extLst>
               <a:ext uri="{96DAC541-7B7A-43D3-8B79-37D633B846F1}">
-                <asvg:svgBlip xmlns:asvg="http://schemas.microsoft.com/office/drawing/2016/SVG/main" r:embed="rId18"/>
+                <asvg:svgBlip xmlns:asvg="http://schemas.microsoft.com/office/drawing/2016/SVG/main" r:embed="rId16"/>
               </a:ext>
             </a:extLst>
           </a:blip>
@@ -5987,10 +5882,10 @@
           <p:nvPr/>
         </p:nvPicPr>
         <p:blipFill>
-          <a:blip r:embed="rId19">
+          <a:blip r:embed="rId17">
             <a:extLst>
               <a:ext uri="{96DAC541-7B7A-43D3-8B79-37D633B846F1}">
-                <asvg:svgBlip xmlns:asvg="http://schemas.microsoft.com/office/drawing/2016/SVG/main" r:embed="rId20"/>
+                <asvg:svgBlip xmlns:asvg="http://schemas.microsoft.com/office/drawing/2016/SVG/main" r:embed="rId18"/>
               </a:ext>
             </a:extLst>
           </a:blip>
@@ -6045,10 +5940,10 @@
           <p:nvPr/>
         </p:nvPicPr>
         <p:blipFill>
-          <a:blip r:embed="rId21">
+          <a:blip r:embed="rId19">
             <a:extLst>
               <a:ext uri="{96DAC541-7B7A-43D3-8B79-37D633B846F1}">
-                <asvg:svgBlip xmlns:asvg="http://schemas.microsoft.com/office/drawing/2016/SVG/main" r:embed="rId22"/>
+                <asvg:svgBlip xmlns:asvg="http://schemas.microsoft.com/office/drawing/2016/SVG/main" r:embed="rId20"/>
               </a:ext>
             </a:extLst>
           </a:blip>
@@ -6597,7 +6492,7 @@
           <p:nvPr/>
         </p:nvPicPr>
         <p:blipFill>
-          <a:blip r:embed="rId23">
+          <a:blip r:embed="rId21">
             <a:extLst>
               <a:ext uri="{28A0092B-C50C-407E-A947-70E740481C1C}">
                 <a14:useLocalDpi xmlns:a14="http://schemas.microsoft.com/office/drawing/2010/main" val="0"/>
@@ -6818,7 +6713,7 @@
           <p:nvPr/>
         </p:nvPicPr>
         <p:blipFill>
-          <a:blip r:embed="rId24">
+          <a:blip r:embed="rId22">
             <a:extLst>
               <a:ext uri="{28A0092B-C50C-407E-A947-70E740481C1C}">
                 <a14:useLocalDpi xmlns:a14="http://schemas.microsoft.com/office/drawing/2010/main" val="0"/>
@@ -7086,10 +6981,10 @@
           <p:nvPr/>
         </p:nvPicPr>
         <p:blipFill>
-          <a:blip r:embed="rId8">
+          <a:blip r:embed="rId6">
             <a:extLst>
               <a:ext uri="{96DAC541-7B7A-43D3-8B79-37D633B846F1}">
-                <asvg:svgBlip xmlns:asvg="http://schemas.microsoft.com/office/drawing/2016/SVG/main" r:embed="rId25"/>
+                <asvg:svgBlip xmlns:asvg="http://schemas.microsoft.com/office/drawing/2016/SVG/main" r:embed="rId23"/>
               </a:ext>
             </a:extLst>
           </a:blip>
@@ -7129,379 +7024,6 @@
           </a:extLst>
         </p:spPr>
       </p:pic>
-      <p:sp>
-        <p:nvSpPr>
-          <p:cNvPr id="203" name="Rectangle 202">
-            <a:extLst>
-              <a:ext uri="{FF2B5EF4-FFF2-40B4-BE49-F238E27FC236}">
-                <a16:creationId xmlns:a16="http://schemas.microsoft.com/office/drawing/2014/main" id="{F8FC348C-AB2E-47F4-981A-991AF706074A}"/>
-              </a:ext>
-            </a:extLst>
-          </p:cNvPr>
-          <p:cNvSpPr/>
-          <p:nvPr/>
-        </p:nvSpPr>
-        <p:spPr>
-          <a:xfrm>
-            <a:off x="1027571" y="376710"/>
-            <a:ext cx="1942513" cy="5443164"/>
-          </a:xfrm>
-          <a:prstGeom prst="rect">
-            <a:avLst/>
-          </a:prstGeom>
-          <a:noFill/>
-          <a:ln w="12700">
-            <a:solidFill>
-              <a:srgbClr val="5A6B86"/>
-            </a:solidFill>
-          </a:ln>
-        </p:spPr>
-        <p:style>
-          <a:lnRef idx="2">
-            <a:schemeClr val="accent1">
-              <a:shade val="50000"/>
-            </a:schemeClr>
-          </a:lnRef>
-          <a:fillRef idx="1">
-            <a:schemeClr val="accent1"/>
-          </a:fillRef>
-          <a:effectRef idx="0">
-            <a:schemeClr val="accent1"/>
-          </a:effectRef>
-          <a:fontRef idx="minor">
-            <a:schemeClr val="lt1"/>
-          </a:fontRef>
-        </p:style>
-        <p:txBody>
-          <a:bodyPr lIns="502920" tIns="91440"/>
-          <a:lstStyle/>
-          <a:p>
-            <a:pPr eaLnBrk="1" fontAlgn="auto" hangingPunct="1">
-              <a:spcBef>
-                <a:spcPts val="0"/>
-              </a:spcBef>
-              <a:spcAft>
-                <a:spcPts val="0"/>
-              </a:spcAft>
-              <a:defRPr/>
-            </a:pPr>
-            <a:r>
-              <a:rPr lang="en-US" sz="1200" dirty="0">
-                <a:solidFill>
-                  <a:srgbClr val="5A6B86"/>
-                </a:solidFill>
-                <a:latin typeface="Arial" panose="020B0604020202020204" pitchFamily="34" charset="0"/>
-                <a:cs typeface="Arial" panose="020B0604020202020204" pitchFamily="34" charset="0"/>
-              </a:rPr>
-              <a:t>Healthcare provider</a:t>
-            </a:r>
-          </a:p>
-        </p:txBody>
-      </p:sp>
-      <p:pic>
-        <p:nvPicPr>
-          <p:cNvPr id="204" name="Graphic 203">
-            <a:extLst>
-              <a:ext uri="{FF2B5EF4-FFF2-40B4-BE49-F238E27FC236}">
-                <a16:creationId xmlns:a16="http://schemas.microsoft.com/office/drawing/2014/main" id="{3B5B9E69-3463-4FE6-9281-32740B181E1F}"/>
-              </a:ext>
-            </a:extLst>
-          </p:cNvPr>
-          <p:cNvPicPr>
-            <a:picLocks noChangeAspect="1"/>
-          </p:cNvPicPr>
-          <p:nvPr/>
-        </p:nvPicPr>
-        <p:blipFill>
-          <a:blip r:embed="rId4">
-            <a:extLst>
-              <a:ext uri="{96DAC541-7B7A-43D3-8B79-37D633B846F1}">
-                <asvg:svgBlip xmlns:asvg="http://schemas.microsoft.com/office/drawing/2016/SVG/main" r:embed="rId5"/>
-              </a:ext>
-            </a:extLst>
-          </a:blip>
-          <a:stretch>
-            <a:fillRect/>
-          </a:stretch>
-        </p:blipFill>
-        <p:spPr>
-          <a:xfrm>
-            <a:off x="1027571" y="376709"/>
-            <a:ext cx="381000" cy="381000"/>
-          </a:xfrm>
-          <a:prstGeom prst="rect">
-            <a:avLst/>
-          </a:prstGeom>
-        </p:spPr>
-      </p:pic>
-      <p:pic>
-        <p:nvPicPr>
-          <p:cNvPr id="205" name="Graphic 8">
-            <a:extLst>
-              <a:ext uri="{FF2B5EF4-FFF2-40B4-BE49-F238E27FC236}">
-                <a16:creationId xmlns:a16="http://schemas.microsoft.com/office/drawing/2014/main" id="{226B836C-DEE8-4CDF-ACC9-15CBBD52638F}"/>
-              </a:ext>
-            </a:extLst>
-          </p:cNvPr>
-          <p:cNvPicPr>
-            <a:picLocks noChangeAspect="1" noChangeArrowheads="1"/>
-          </p:cNvPicPr>
-          <p:nvPr/>
-        </p:nvPicPr>
-        <p:blipFill>
-          <a:blip r:embed="rId26">
-            <a:extLst>
-              <a:ext uri="{96DAC541-7B7A-43D3-8B79-37D633B846F1}">
-                <asvg:svgBlip xmlns:asvg="http://schemas.microsoft.com/office/drawing/2016/SVG/main" r:embed="rId27"/>
-              </a:ext>
-            </a:extLst>
-          </a:blip>
-          <a:srcRect/>
-          <a:stretch/>
-        </p:blipFill>
-        <p:spPr bwMode="auto">
-          <a:xfrm>
-            <a:off x="1766976" y="1318710"/>
-            <a:ext cx="469900" cy="469900"/>
-          </a:xfrm>
-          <a:prstGeom prst="rect">
-            <a:avLst/>
-          </a:prstGeom>
-          <a:noFill/>
-          <a:ln>
-            <a:noFill/>
-          </a:ln>
-          <a:extLst>
-            <a:ext uri="{909E8E84-426E-40DD-AFC4-6F175D3DCCD1}">
-              <a14:hiddenFill xmlns:a14="http://schemas.microsoft.com/office/drawing/2010/main">
-                <a:solidFill>
-                  <a:srgbClr val="FFFFFF"/>
-                </a:solidFill>
-              </a14:hiddenFill>
-            </a:ext>
-            <a:ext uri="{91240B29-F687-4F45-9708-019B960494DF}">
-              <a14:hiddenLine xmlns:a14="http://schemas.microsoft.com/office/drawing/2010/main" w="9525">
-                <a:solidFill>
-                  <a:srgbClr val="000000"/>
-                </a:solidFill>
-                <a:miter lim="800000"/>
-                <a:headEnd/>
-                <a:tailEnd/>
-              </a14:hiddenLine>
-            </a:ext>
-          </a:extLst>
-        </p:spPr>
-      </p:pic>
-      <p:sp>
-        <p:nvSpPr>
-          <p:cNvPr id="206" name="TextBox 26">
-            <a:extLst>
-              <a:ext uri="{FF2B5EF4-FFF2-40B4-BE49-F238E27FC236}">
-                <a16:creationId xmlns:a16="http://schemas.microsoft.com/office/drawing/2014/main" id="{6E9D9A5A-C85D-4B1C-B9EA-2DAA9035B1C5}"/>
-              </a:ext>
-            </a:extLst>
-          </p:cNvPr>
-          <p:cNvSpPr txBox="1">
-            <a:spLocks noChangeArrowheads="1"/>
-          </p:cNvSpPr>
-          <p:nvPr/>
-        </p:nvSpPr>
-        <p:spPr bwMode="auto">
-          <a:xfrm>
-            <a:off x="1027570" y="1788609"/>
-            <a:ext cx="1942513" cy="430887"/>
-          </a:xfrm>
-          <a:prstGeom prst="rect">
-            <a:avLst/>
-          </a:prstGeom>
-          <a:noFill/>
-          <a:ln>
-            <a:noFill/>
-          </a:ln>
-          <a:extLst>
-            <a:ext uri="{909E8E84-426E-40DD-AFC4-6F175D3DCCD1}">
-              <a14:hiddenFill xmlns:a14="http://schemas.microsoft.com/office/drawing/2010/main">
-                <a:solidFill>
-                  <a:srgbClr val="FFFFFF"/>
-                </a:solidFill>
-              </a14:hiddenFill>
-            </a:ext>
-            <a:ext uri="{91240B29-F687-4F45-9708-019B960494DF}">
-              <a14:hiddenLine xmlns:a14="http://schemas.microsoft.com/office/drawing/2010/main" w="9525">
-                <a:solidFill>
-                  <a:srgbClr val="000000"/>
-                </a:solidFill>
-                <a:miter lim="800000"/>
-                <a:headEnd/>
-                <a:tailEnd/>
-              </a14:hiddenLine>
-            </a:ext>
-          </a:extLst>
-        </p:spPr>
-        <p:txBody>
-          <a:bodyPr wrap="square">
-            <a:spAutoFit/>
-          </a:bodyPr>
-          <a:lstStyle>
-            <a:lvl1pPr>
-              <a:defRPr>
-                <a:solidFill>
-                  <a:schemeClr val="tx1"/>
-                </a:solidFill>
-                <a:latin typeface="Calibri" panose="020F0502020204030204" pitchFamily="34" charset="0"/>
-              </a:defRPr>
-            </a:lvl1pPr>
-            <a:lvl2pPr marL="742950" indent="-285750">
-              <a:defRPr>
-                <a:solidFill>
-                  <a:schemeClr val="tx1"/>
-                </a:solidFill>
-                <a:latin typeface="Calibri" panose="020F0502020204030204" pitchFamily="34" charset="0"/>
-              </a:defRPr>
-            </a:lvl2pPr>
-            <a:lvl3pPr marL="1143000" indent="-228600">
-              <a:defRPr>
-                <a:solidFill>
-                  <a:schemeClr val="tx1"/>
-                </a:solidFill>
-                <a:latin typeface="Calibri" panose="020F0502020204030204" pitchFamily="34" charset="0"/>
-              </a:defRPr>
-            </a:lvl3pPr>
-            <a:lvl4pPr marL="1600200" indent="-228600">
-              <a:defRPr>
-                <a:solidFill>
-                  <a:schemeClr val="tx1"/>
-                </a:solidFill>
-                <a:latin typeface="Calibri" panose="020F0502020204030204" pitchFamily="34" charset="0"/>
-              </a:defRPr>
-            </a:lvl4pPr>
-            <a:lvl5pPr marL="2057400" indent="-228600">
-              <a:defRPr>
-                <a:solidFill>
-                  <a:schemeClr val="tx1"/>
-                </a:solidFill>
-                <a:latin typeface="Calibri" panose="020F0502020204030204" pitchFamily="34" charset="0"/>
-              </a:defRPr>
-            </a:lvl5pPr>
-            <a:lvl6pPr marL="2514600" indent="-228600" eaLnBrk="0" fontAlgn="base" hangingPunct="0">
-              <a:spcBef>
-                <a:spcPct val="0"/>
-              </a:spcBef>
-              <a:spcAft>
-                <a:spcPct val="0"/>
-              </a:spcAft>
-              <a:defRPr>
-                <a:solidFill>
-                  <a:schemeClr val="tx1"/>
-                </a:solidFill>
-                <a:latin typeface="Calibri" panose="020F0502020204030204" pitchFamily="34" charset="0"/>
-              </a:defRPr>
-            </a:lvl6pPr>
-            <a:lvl7pPr marL="2971800" indent="-228600" eaLnBrk="0" fontAlgn="base" hangingPunct="0">
-              <a:spcBef>
-                <a:spcPct val="0"/>
-              </a:spcBef>
-              <a:spcAft>
-                <a:spcPct val="0"/>
-              </a:spcAft>
-              <a:defRPr>
-                <a:solidFill>
-                  <a:schemeClr val="tx1"/>
-                </a:solidFill>
-                <a:latin typeface="Calibri" panose="020F0502020204030204" pitchFamily="34" charset="0"/>
-              </a:defRPr>
-            </a:lvl7pPr>
-            <a:lvl8pPr marL="3429000" indent="-228600" eaLnBrk="0" fontAlgn="base" hangingPunct="0">
-              <a:spcBef>
-                <a:spcPct val="0"/>
-              </a:spcBef>
-              <a:spcAft>
-                <a:spcPct val="0"/>
-              </a:spcAft>
-              <a:defRPr>
-                <a:solidFill>
-                  <a:schemeClr val="tx1"/>
-                </a:solidFill>
-                <a:latin typeface="Calibri" panose="020F0502020204030204" pitchFamily="34" charset="0"/>
-              </a:defRPr>
-            </a:lvl8pPr>
-            <a:lvl9pPr marL="3886200" indent="-228600" eaLnBrk="0" fontAlgn="base" hangingPunct="0">
-              <a:spcBef>
-                <a:spcPct val="0"/>
-              </a:spcBef>
-              <a:spcAft>
-                <a:spcPct val="0"/>
-              </a:spcAft>
-              <a:defRPr>
-                <a:solidFill>
-                  <a:schemeClr val="tx1"/>
-                </a:solidFill>
-                <a:latin typeface="Calibri" panose="020F0502020204030204" pitchFamily="34" charset="0"/>
-              </a:defRPr>
-            </a:lvl9pPr>
-          </a:lstStyle>
-          <a:p>
-            <a:pPr algn="ctr" eaLnBrk="1" hangingPunct="1"/>
-            <a:r>
-              <a:rPr lang="en-US" altLang="en-US" sz="1100" dirty="0">
-                <a:solidFill>
-                  <a:srgbClr val="000000"/>
-                </a:solidFill>
-                <a:latin typeface="Arial" panose="020B0604020202020204" pitchFamily="34" charset="0"/>
-                <a:cs typeface="Arial" panose="020B0604020202020204" pitchFamily="34" charset="0"/>
-              </a:rPr>
-              <a:t>Virtual appointment application</a:t>
-            </a:r>
-          </a:p>
-        </p:txBody>
-      </p:sp>
-      <p:cxnSp>
-        <p:nvCxnSpPr>
-          <p:cNvPr id="207" name="Straight Arrow Connector 206">
-            <a:extLst>
-              <a:ext uri="{FF2B5EF4-FFF2-40B4-BE49-F238E27FC236}">
-                <a16:creationId xmlns:a16="http://schemas.microsoft.com/office/drawing/2014/main" id="{F8A725DF-DA16-49F5-A8DD-05E60DFBF701}"/>
-              </a:ext>
-            </a:extLst>
-          </p:cNvPr>
-          <p:cNvCxnSpPr>
-            <a:cxnSpLocks/>
-            <a:stCxn id="205" idx="3"/>
-            <a:endCxn id="151" idx="1"/>
-          </p:cNvCxnSpPr>
-          <p:nvPr/>
-        </p:nvCxnSpPr>
-        <p:spPr>
-          <a:xfrm>
-            <a:off x="2236876" y="1553660"/>
-            <a:ext cx="1744937" cy="3020"/>
-          </a:xfrm>
-          <a:prstGeom prst="straightConnector1">
-            <a:avLst/>
-          </a:prstGeom>
-          <a:ln w="12700">
-            <a:solidFill>
-              <a:srgbClr val="545B64"/>
-            </a:solidFill>
-            <a:headEnd type="none" w="med" len="sm"/>
-            <a:tailEnd type="arrow" w="med" len="sm"/>
-          </a:ln>
-        </p:spPr>
-        <p:style>
-          <a:lnRef idx="1">
-            <a:schemeClr val="accent1"/>
-          </a:lnRef>
-          <a:fillRef idx="0">
-            <a:schemeClr val="accent1"/>
-          </a:fillRef>
-          <a:effectRef idx="0">
-            <a:schemeClr val="accent1"/>
-          </a:effectRef>
-          <a:fontRef idx="minor">
-            <a:schemeClr val="tx1"/>
-          </a:fontRef>
-        </p:style>
-      </p:cxnSp>
       <p:pic>
         <p:nvPicPr>
           <p:cNvPr id="208" name="Graphic 22">
@@ -7517,10 +7039,10 @@
           <p:nvPr/>
         </p:nvPicPr>
         <p:blipFill>
-          <a:blip r:embed="rId28">
+          <a:blip r:embed="rId24">
             <a:extLst>
               <a:ext uri="{96DAC541-7B7A-43D3-8B79-37D633B846F1}">
-                <asvg:svgBlip xmlns:asvg="http://schemas.microsoft.com/office/drawing/2016/SVG/main" r:embed="rId29"/>
+                <asvg:svgBlip xmlns:asvg="http://schemas.microsoft.com/office/drawing/2016/SVG/main" r:embed="rId25"/>
               </a:ext>
             </a:extLst>
           </a:blip>
@@ -7723,53 +7245,6 @@
           </a:p>
         </p:txBody>
       </p:sp>
-      <p:cxnSp>
-        <p:nvCxnSpPr>
-          <p:cNvPr id="210" name="Straight Arrow Connector 209">
-            <a:extLst>
-              <a:ext uri="{FF2B5EF4-FFF2-40B4-BE49-F238E27FC236}">
-                <a16:creationId xmlns:a16="http://schemas.microsoft.com/office/drawing/2014/main" id="{BF179350-EFCA-4577-8788-FF532F9B8ACC}"/>
-              </a:ext>
-            </a:extLst>
-          </p:cNvPr>
-          <p:cNvCxnSpPr>
-            <a:cxnSpLocks/>
-            <a:stCxn id="208" idx="3"/>
-            <a:endCxn id="205" idx="1"/>
-          </p:cNvCxnSpPr>
-          <p:nvPr/>
-        </p:nvCxnSpPr>
-        <p:spPr>
-          <a:xfrm>
-            <a:off x="732442" y="1553659"/>
-            <a:ext cx="1034534" cy="1"/>
-          </a:xfrm>
-          <a:prstGeom prst="straightConnector1">
-            <a:avLst/>
-          </a:prstGeom>
-          <a:ln w="12700">
-            <a:solidFill>
-              <a:srgbClr val="545B64"/>
-            </a:solidFill>
-            <a:headEnd type="none" w="med" len="sm"/>
-            <a:tailEnd type="arrow" w="med" len="sm"/>
-          </a:ln>
-        </p:spPr>
-        <p:style>
-          <a:lnRef idx="1">
-            <a:schemeClr val="accent1"/>
-          </a:lnRef>
-          <a:fillRef idx="0">
-            <a:schemeClr val="accent1"/>
-          </a:fillRef>
-          <a:effectRef idx="0">
-            <a:schemeClr val="accent1"/>
-          </a:effectRef>
-          <a:fontRef idx="minor">
-            <a:schemeClr val="tx1"/>
-          </a:fontRef>
-        </p:style>
-      </p:cxnSp>
       <p:sp>
         <p:nvSpPr>
           <p:cNvPr id="211" name="TextBox 47">
@@ -7948,7 +7423,7 @@
           <p:nvPr/>
         </p:nvPicPr>
         <p:blipFill>
-          <a:blip r:embed="rId30">
+          <a:blip r:embed="rId26">
             <a:extLst>
               <a:ext uri="{28A0092B-C50C-407E-A947-70E740481C1C}">
                 <a14:useLocalDpi xmlns:a14="http://schemas.microsoft.com/office/drawing/2010/main" val="0"/>
@@ -8055,10 +7530,10 @@
           <p:nvPr/>
         </p:nvPicPr>
         <p:blipFill>
-          <a:blip r:embed="rId31">
+          <a:blip r:embed="rId27">
             <a:extLst>
               <a:ext uri="{96DAC541-7B7A-43D3-8B79-37D633B846F1}">
-                <asvg:svgBlip xmlns:asvg="http://schemas.microsoft.com/office/drawing/2016/SVG/main" r:embed="rId32"/>
+                <asvg:svgBlip xmlns:asvg="http://schemas.microsoft.com/office/drawing/2016/SVG/main" r:embed="rId28"/>
               </a:ext>
             </a:extLst>
           </a:blip>
@@ -8308,6 +7783,450 @@
           </a:fontRef>
         </p:style>
       </p:cxnSp>
+      <p:sp>
+        <p:nvSpPr>
+          <p:cNvPr id="63" name="Rectangle 62">
+            <a:extLst>
+              <a:ext uri="{FF2B5EF4-FFF2-40B4-BE49-F238E27FC236}">
+                <a16:creationId xmlns:a16="http://schemas.microsoft.com/office/drawing/2014/main" id="{D607E63D-5AF3-0F48-9936-59C70592B48D}"/>
+              </a:ext>
+            </a:extLst>
+          </p:cNvPr>
+          <p:cNvSpPr/>
+          <p:nvPr/>
+        </p:nvSpPr>
+        <p:spPr>
+          <a:xfrm>
+            <a:off x="1902791" y="386138"/>
+            <a:ext cx="3600064" cy="5443164"/>
+          </a:xfrm>
+          <a:prstGeom prst="rect">
+            <a:avLst/>
+          </a:prstGeom>
+          <a:noFill/>
+          <a:ln w="12700">
+            <a:solidFill>
+              <a:srgbClr val="5A6B86"/>
+            </a:solidFill>
+          </a:ln>
+        </p:spPr>
+        <p:style>
+          <a:lnRef idx="2">
+            <a:schemeClr val="accent1">
+              <a:shade val="50000"/>
+            </a:schemeClr>
+          </a:lnRef>
+          <a:fillRef idx="1">
+            <a:schemeClr val="accent1"/>
+          </a:fillRef>
+          <a:effectRef idx="0">
+            <a:schemeClr val="accent1"/>
+          </a:effectRef>
+          <a:fontRef idx="minor">
+            <a:schemeClr val="lt1"/>
+          </a:fontRef>
+        </p:style>
+        <p:txBody>
+          <a:bodyPr lIns="502920" tIns="91440"/>
+          <a:lstStyle/>
+          <a:p>
+            <a:pPr eaLnBrk="1" fontAlgn="auto" hangingPunct="1">
+              <a:spcBef>
+                <a:spcPts val="0"/>
+              </a:spcBef>
+              <a:spcAft>
+                <a:spcPts val="0"/>
+              </a:spcAft>
+              <a:defRPr/>
+            </a:pPr>
+            <a:r>
+              <a:rPr lang="en-US" sz="1200" dirty="0">
+                <a:solidFill>
+                  <a:srgbClr val="5A6B86"/>
+                </a:solidFill>
+                <a:latin typeface="Arial" panose="020B0604020202020204" pitchFamily="34" charset="0"/>
+                <a:cs typeface="Arial" panose="020B0604020202020204" pitchFamily="34" charset="0"/>
+              </a:rPr>
+              <a:t>Salesforce instance</a:t>
+            </a:r>
+          </a:p>
+        </p:txBody>
+      </p:sp>
+      <p:pic>
+        <p:nvPicPr>
+          <p:cNvPr id="64" name="Graphic 63">
+            <a:extLst>
+              <a:ext uri="{FF2B5EF4-FFF2-40B4-BE49-F238E27FC236}">
+                <a16:creationId xmlns:a16="http://schemas.microsoft.com/office/drawing/2014/main" id="{DC4B3AC1-B1DF-1E4B-A34F-F995315DB648}"/>
+              </a:ext>
+            </a:extLst>
+          </p:cNvPr>
+          <p:cNvPicPr>
+            <a:picLocks noChangeAspect="1"/>
+          </p:cNvPicPr>
+          <p:nvPr/>
+        </p:nvPicPr>
+        <p:blipFill>
+          <a:blip r:embed="rId29">
+            <a:extLst>
+              <a:ext uri="{96DAC541-7B7A-43D3-8B79-37D633B846F1}">
+                <asvg:svgBlip xmlns:asvg="http://schemas.microsoft.com/office/drawing/2016/SVG/main" r:embed="rId30"/>
+              </a:ext>
+            </a:extLst>
+          </a:blip>
+          <a:stretch>
+            <a:fillRect/>
+          </a:stretch>
+        </p:blipFill>
+        <p:spPr>
+          <a:xfrm>
+            <a:off x="1900441" y="370399"/>
+            <a:ext cx="381000" cy="381000"/>
+          </a:xfrm>
+          <a:prstGeom prst="rect">
+            <a:avLst/>
+          </a:prstGeom>
+        </p:spPr>
+      </p:pic>
+      <p:pic>
+        <p:nvPicPr>
+          <p:cNvPr id="65" name="Graphic 8">
+            <a:extLst>
+              <a:ext uri="{FF2B5EF4-FFF2-40B4-BE49-F238E27FC236}">
+                <a16:creationId xmlns:a16="http://schemas.microsoft.com/office/drawing/2014/main" id="{D43185B4-A1A6-1C40-B355-D0BD1DC77ABE}"/>
+              </a:ext>
+            </a:extLst>
+          </p:cNvPr>
+          <p:cNvPicPr>
+            <a:picLocks noChangeAspect="1" noChangeArrowheads="1"/>
+          </p:cNvPicPr>
+          <p:nvPr/>
+        </p:nvPicPr>
+        <p:blipFill>
+          <a:blip r:embed="rId31">
+            <a:extLst>
+              <a:ext uri="{96DAC541-7B7A-43D3-8B79-37D633B846F1}">
+                <asvg:svgBlip xmlns:asvg="http://schemas.microsoft.com/office/drawing/2016/SVG/main" r:embed="rId32"/>
+              </a:ext>
+            </a:extLst>
+          </a:blip>
+          <a:srcRect/>
+          <a:stretch/>
+        </p:blipFill>
+        <p:spPr bwMode="auto">
+          <a:xfrm>
+            <a:off x="2571026" y="1326177"/>
+            <a:ext cx="469900" cy="469900"/>
+          </a:xfrm>
+          <a:prstGeom prst="rect">
+            <a:avLst/>
+          </a:prstGeom>
+          <a:noFill/>
+          <a:ln>
+            <a:noFill/>
+          </a:ln>
+          <a:extLst>
+            <a:ext uri="{909E8E84-426E-40DD-AFC4-6F175D3DCCD1}">
+              <a14:hiddenFill xmlns:a14="http://schemas.microsoft.com/office/drawing/2010/main">
+                <a:solidFill>
+                  <a:srgbClr val="FFFFFF"/>
+                </a:solidFill>
+              </a14:hiddenFill>
+            </a:ext>
+            <a:ext uri="{91240B29-F687-4F45-9708-019B960494DF}">
+              <a14:hiddenLine xmlns:a14="http://schemas.microsoft.com/office/drawing/2010/main" w="9525">
+                <a:solidFill>
+                  <a:srgbClr val="000000"/>
+                </a:solidFill>
+                <a:miter lim="800000"/>
+                <a:headEnd/>
+                <a:tailEnd/>
+              </a14:hiddenLine>
+            </a:ext>
+          </a:extLst>
+        </p:spPr>
+      </p:pic>
+      <p:cxnSp>
+        <p:nvCxnSpPr>
+          <p:cNvPr id="66" name="Straight Arrow Connector 65">
+            <a:extLst>
+              <a:ext uri="{FF2B5EF4-FFF2-40B4-BE49-F238E27FC236}">
+                <a16:creationId xmlns:a16="http://schemas.microsoft.com/office/drawing/2014/main" id="{8F1D9591-4009-094F-A830-8FDF19D72B53}"/>
+              </a:ext>
+            </a:extLst>
+          </p:cNvPr>
+          <p:cNvCxnSpPr>
+            <a:cxnSpLocks/>
+            <a:stCxn id="65" idx="3"/>
+          </p:cNvCxnSpPr>
+          <p:nvPr/>
+        </p:nvCxnSpPr>
+        <p:spPr>
+          <a:xfrm flipV="1">
+            <a:off x="3040926" y="1556680"/>
+            <a:ext cx="940887" cy="4447"/>
+          </a:xfrm>
+          <a:prstGeom prst="straightConnector1">
+            <a:avLst/>
+          </a:prstGeom>
+          <a:ln w="12700">
+            <a:solidFill>
+              <a:srgbClr val="545B64"/>
+            </a:solidFill>
+            <a:headEnd type="none" w="med" len="sm"/>
+            <a:tailEnd type="arrow" w="med" len="sm"/>
+          </a:ln>
+        </p:spPr>
+        <p:style>
+          <a:lnRef idx="1">
+            <a:schemeClr val="accent1"/>
+          </a:lnRef>
+          <a:fillRef idx="0">
+            <a:schemeClr val="accent1"/>
+          </a:fillRef>
+          <a:effectRef idx="0">
+            <a:schemeClr val="accent1"/>
+          </a:effectRef>
+          <a:fontRef idx="minor">
+            <a:schemeClr val="tx1"/>
+          </a:fontRef>
+        </p:style>
+      </p:cxnSp>
+      <p:cxnSp>
+        <p:nvCxnSpPr>
+          <p:cNvPr id="67" name="Straight Arrow Connector 66">
+            <a:extLst>
+              <a:ext uri="{FF2B5EF4-FFF2-40B4-BE49-F238E27FC236}">
+                <a16:creationId xmlns:a16="http://schemas.microsoft.com/office/drawing/2014/main" id="{97C420EE-1B19-E24E-8EE2-8D694D2C5304}"/>
+              </a:ext>
+            </a:extLst>
+          </p:cNvPr>
+          <p:cNvCxnSpPr>
+            <a:cxnSpLocks/>
+            <a:endCxn id="65" idx="1"/>
+          </p:cNvCxnSpPr>
+          <p:nvPr/>
+        </p:nvCxnSpPr>
+        <p:spPr>
+          <a:xfrm>
+            <a:off x="732442" y="1553659"/>
+            <a:ext cx="1838584" cy="7468"/>
+          </a:xfrm>
+          <a:prstGeom prst="straightConnector1">
+            <a:avLst/>
+          </a:prstGeom>
+          <a:ln w="12700">
+            <a:solidFill>
+              <a:srgbClr val="545B64"/>
+            </a:solidFill>
+            <a:headEnd type="none" w="med" len="sm"/>
+            <a:tailEnd type="arrow" w="med" len="sm"/>
+          </a:ln>
+        </p:spPr>
+        <p:style>
+          <a:lnRef idx="1">
+            <a:schemeClr val="accent1"/>
+          </a:lnRef>
+          <a:fillRef idx="0">
+            <a:schemeClr val="accent1"/>
+          </a:fillRef>
+          <a:effectRef idx="0">
+            <a:schemeClr val="accent1"/>
+          </a:effectRef>
+          <a:fontRef idx="minor">
+            <a:schemeClr val="tx1"/>
+          </a:fontRef>
+        </p:style>
+      </p:cxnSp>
+      <p:sp>
+        <p:nvSpPr>
+          <p:cNvPr id="68" name="TextBox 26">
+            <a:extLst>
+              <a:ext uri="{FF2B5EF4-FFF2-40B4-BE49-F238E27FC236}">
+                <a16:creationId xmlns:a16="http://schemas.microsoft.com/office/drawing/2014/main" id="{0E01958B-91E4-324C-AB83-F799D197D2EA}"/>
+              </a:ext>
+            </a:extLst>
+          </p:cNvPr>
+          <p:cNvSpPr txBox="1">
+            <a:spLocks noChangeArrowheads="1"/>
+          </p:cNvSpPr>
+          <p:nvPr/>
+        </p:nvSpPr>
+        <p:spPr bwMode="auto">
+          <a:xfrm>
+            <a:off x="1875917" y="1885277"/>
+            <a:ext cx="1942513" cy="600164"/>
+          </a:xfrm>
+          <a:prstGeom prst="rect">
+            <a:avLst/>
+          </a:prstGeom>
+          <a:noFill/>
+          <a:ln>
+            <a:noFill/>
+          </a:ln>
+          <a:extLst>
+            <a:ext uri="{909E8E84-426E-40DD-AFC4-6F175D3DCCD1}">
+              <a14:hiddenFill xmlns:a14="http://schemas.microsoft.com/office/drawing/2010/main">
+                <a:solidFill>
+                  <a:srgbClr val="FFFFFF"/>
+                </a:solidFill>
+              </a14:hiddenFill>
+            </a:ext>
+            <a:ext uri="{91240B29-F687-4F45-9708-019B960494DF}">
+              <a14:hiddenLine xmlns:a14="http://schemas.microsoft.com/office/drawing/2010/main" w="9525">
+                <a:solidFill>
+                  <a:srgbClr val="000000"/>
+                </a:solidFill>
+                <a:miter lim="800000"/>
+                <a:headEnd/>
+                <a:tailEnd/>
+              </a14:hiddenLine>
+            </a:ext>
+          </a:extLst>
+        </p:spPr>
+        <p:txBody>
+          <a:bodyPr wrap="square">
+            <a:spAutoFit/>
+          </a:bodyPr>
+          <a:lstStyle>
+            <a:lvl1pPr>
+              <a:defRPr>
+                <a:solidFill>
+                  <a:schemeClr val="tx1"/>
+                </a:solidFill>
+                <a:latin typeface="Calibri" panose="020F0502020204030204" pitchFamily="34" charset="0"/>
+              </a:defRPr>
+            </a:lvl1pPr>
+            <a:lvl2pPr marL="742950" indent="-285750">
+              <a:defRPr>
+                <a:solidFill>
+                  <a:schemeClr val="tx1"/>
+                </a:solidFill>
+                <a:latin typeface="Calibri" panose="020F0502020204030204" pitchFamily="34" charset="0"/>
+              </a:defRPr>
+            </a:lvl2pPr>
+            <a:lvl3pPr marL="1143000" indent="-228600">
+              <a:defRPr>
+                <a:solidFill>
+                  <a:schemeClr val="tx1"/>
+                </a:solidFill>
+                <a:latin typeface="Calibri" panose="020F0502020204030204" pitchFamily="34" charset="0"/>
+              </a:defRPr>
+            </a:lvl3pPr>
+            <a:lvl4pPr marL="1600200" indent="-228600">
+              <a:defRPr>
+                <a:solidFill>
+                  <a:schemeClr val="tx1"/>
+                </a:solidFill>
+                <a:latin typeface="Calibri" panose="020F0502020204030204" pitchFamily="34" charset="0"/>
+              </a:defRPr>
+            </a:lvl4pPr>
+            <a:lvl5pPr marL="2057400" indent="-228600">
+              <a:defRPr>
+                <a:solidFill>
+                  <a:schemeClr val="tx1"/>
+                </a:solidFill>
+                <a:latin typeface="Calibri" panose="020F0502020204030204" pitchFamily="34" charset="0"/>
+              </a:defRPr>
+            </a:lvl5pPr>
+            <a:lvl6pPr marL="2514600" indent="-228600" eaLnBrk="0" fontAlgn="base" hangingPunct="0">
+              <a:spcBef>
+                <a:spcPct val="0"/>
+              </a:spcBef>
+              <a:spcAft>
+                <a:spcPct val="0"/>
+              </a:spcAft>
+              <a:defRPr>
+                <a:solidFill>
+                  <a:schemeClr val="tx1"/>
+                </a:solidFill>
+                <a:latin typeface="Calibri" panose="020F0502020204030204" pitchFamily="34" charset="0"/>
+              </a:defRPr>
+            </a:lvl6pPr>
+            <a:lvl7pPr marL="2971800" indent="-228600" eaLnBrk="0" fontAlgn="base" hangingPunct="0">
+              <a:spcBef>
+                <a:spcPct val="0"/>
+              </a:spcBef>
+              <a:spcAft>
+                <a:spcPct val="0"/>
+              </a:spcAft>
+              <a:defRPr>
+                <a:solidFill>
+                  <a:schemeClr val="tx1"/>
+                </a:solidFill>
+                <a:latin typeface="Calibri" panose="020F0502020204030204" pitchFamily="34" charset="0"/>
+              </a:defRPr>
+            </a:lvl7pPr>
+            <a:lvl8pPr marL="3429000" indent="-228600" eaLnBrk="0" fontAlgn="base" hangingPunct="0">
+              <a:spcBef>
+                <a:spcPct val="0"/>
+              </a:spcBef>
+              <a:spcAft>
+                <a:spcPct val="0"/>
+              </a:spcAft>
+              <a:defRPr>
+                <a:solidFill>
+                  <a:schemeClr val="tx1"/>
+                </a:solidFill>
+                <a:latin typeface="Calibri" panose="020F0502020204030204" pitchFamily="34" charset="0"/>
+              </a:defRPr>
+            </a:lvl8pPr>
+            <a:lvl9pPr marL="3886200" indent="-228600" eaLnBrk="0" fontAlgn="base" hangingPunct="0">
+              <a:spcBef>
+                <a:spcPct val="0"/>
+              </a:spcBef>
+              <a:spcAft>
+                <a:spcPct val="0"/>
+              </a:spcAft>
+              <a:defRPr>
+                <a:solidFill>
+                  <a:schemeClr val="tx1"/>
+                </a:solidFill>
+                <a:latin typeface="Calibri" panose="020F0502020204030204" pitchFamily="34" charset="0"/>
+              </a:defRPr>
+            </a:lvl9pPr>
+          </a:lstStyle>
+          <a:p>
+            <a:pPr algn="ctr" eaLnBrk="1" hangingPunct="1"/>
+            <a:r>
+              <a:rPr lang="en-US" altLang="en-US" sz="1100" dirty="0">
+                <a:solidFill>
+                  <a:srgbClr val="000000"/>
+                </a:solidFill>
+                <a:latin typeface="Arial" panose="020B0604020202020204" pitchFamily="34" charset="0"/>
+                <a:cs typeface="Arial" panose="020B0604020202020204" pitchFamily="34" charset="0"/>
+              </a:rPr>
+              <a:t>Self-Service</a:t>
+            </a:r>
+          </a:p>
+          <a:p>
+            <a:pPr algn="ctr" eaLnBrk="1" hangingPunct="1"/>
+            <a:r>
+              <a:rPr lang="en-US" altLang="en-US" sz="1100" dirty="0">
+                <a:solidFill>
+                  <a:srgbClr val="000000"/>
+                </a:solidFill>
+                <a:latin typeface="Arial" panose="020B0604020202020204" pitchFamily="34" charset="0"/>
+                <a:cs typeface="Arial" panose="020B0604020202020204" pitchFamily="34" charset="0"/>
+              </a:rPr>
+              <a:t>Appointment</a:t>
+            </a:r>
+          </a:p>
+          <a:p>
+            <a:pPr algn="ctr" eaLnBrk="1" hangingPunct="1"/>
+            <a:r>
+              <a:rPr lang="en-US" altLang="en-US" sz="1100" dirty="0">
+                <a:solidFill>
+                  <a:srgbClr val="000000"/>
+                </a:solidFill>
+                <a:latin typeface="Arial" panose="020B0604020202020204" pitchFamily="34" charset="0"/>
+                <a:cs typeface="Arial" panose="020B0604020202020204" pitchFamily="34" charset="0"/>
+              </a:rPr>
+              <a:t>Management</a:t>
+            </a:r>
+          </a:p>
+        </p:txBody>
+      </p:sp>
     </p:spTree>
     <p:extLst>
       <p:ext uri="{BB962C8B-B14F-4D97-AF65-F5344CB8AC3E}">
